--- a/COVID-19 Sentiment based on Weak Tagging Information/开题报告.pptx
+++ b/COVID-19 Sentiment based on Weak Tagging Information/开题报告.pptx
@@ -6,6 +6,20 @@
   </p:sldMasterIdLst>
   <p:sldIdLst>
     <p:sldId id="256" r:id="rId2"/>
+    <p:sldId id="257" r:id="rId3"/>
+    <p:sldId id="258" r:id="rId4"/>
+    <p:sldId id="259" r:id="rId5"/>
+    <p:sldId id="260" r:id="rId6"/>
+    <p:sldId id="261" r:id="rId7"/>
+    <p:sldId id="262" r:id="rId8"/>
+    <p:sldId id="263" r:id="rId9"/>
+    <p:sldId id="264" r:id="rId10"/>
+    <p:sldId id="265" r:id="rId11"/>
+    <p:sldId id="266" r:id="rId12"/>
+    <p:sldId id="267" r:id="rId13"/>
+    <p:sldId id="268" r:id="rId14"/>
+    <p:sldId id="269" r:id="rId15"/>
+    <p:sldId id="270" r:id="rId16"/>
   </p:sldIdLst>
   <p:sldSz cx="12192000" cy="6858000"/>
   <p:notesSz cx="6858000" cy="9144000"/>
@@ -104,6 +118,11 @@
       </a:defRPr>
     </a:lvl9pPr>
   </p:defaultTextStyle>
+  <p:extLst>
+    <p:ext uri="{EFAFB233-063F-42B5-8137-9DF3F51BA10A}">
+      <p15:sldGuideLst xmlns:p15="http://schemas.microsoft.com/office/powerpoint/2012/main"/>
+    </p:ext>
+  </p:extLst>
 </p:presentation>
 </file>
 
@@ -3393,6 +3412,1651 @@
 </p:sld>
 </file>
 
+<file path=ppt/slides/slide10.xml><?xml version="1.0" encoding="utf-8"?>
+<p:sld xmlns:a="http://schemas.openxmlformats.org/drawingml/2006/main" xmlns:r="http://schemas.openxmlformats.org/officeDocument/2006/relationships" xmlns:p="http://schemas.openxmlformats.org/presentationml/2006/main">
+  <p:cSld>
+    <p:spTree>
+      <p:nvGrpSpPr>
+        <p:cNvPr id="1" name=""/>
+        <p:cNvGrpSpPr/>
+        <p:nvPr/>
+      </p:nvGrpSpPr>
+      <p:grpSpPr>
+        <a:xfrm>
+          <a:off x="0" y="0"/>
+          <a:ext cx="0" cy="0"/>
+          <a:chOff x="0" y="0"/>
+          <a:chExt cx="0" cy="0"/>
+        </a:xfrm>
+      </p:grpSpPr>
+      <p:sp>
+        <p:nvSpPr>
+          <p:cNvPr id="2" name="标题 1">
+            <a:extLst>
+              <a:ext uri="{FF2B5EF4-FFF2-40B4-BE49-F238E27FC236}">
+                <a16:creationId xmlns:a16="http://schemas.microsoft.com/office/drawing/2014/main" id="{FE7C83AE-A468-4742-BBAE-EC98388B9C77}"/>
+              </a:ext>
+            </a:extLst>
+          </p:cNvPr>
+          <p:cNvSpPr>
+            <a:spLocks noGrp="1"/>
+          </p:cNvSpPr>
+          <p:nvPr>
+            <p:ph type="title"/>
+          </p:nvPr>
+        </p:nvSpPr>
+        <p:spPr/>
+        <p:txBody>
+          <a:bodyPr/>
+          <a:lstStyle/>
+          <a:p>
+            <a:r>
+              <a:rPr lang="zh-CN" altLang="en-US" dirty="0"/>
+              <a:t>基于两阶段训练的</a:t>
+            </a:r>
+            <a:r>
+              <a:rPr lang="en-US" altLang="zh-CN" dirty="0" err="1"/>
+              <a:t>BilSTM</a:t>
+            </a:r>
+            <a:r>
+              <a:rPr lang="zh-CN" altLang="en-US" dirty="0"/>
+              <a:t>情感分类模型</a:t>
+            </a:r>
+          </a:p>
+        </p:txBody>
+      </p:sp>
+      <p:sp>
+        <p:nvSpPr>
+          <p:cNvPr id="3" name="内容占位符 2">
+            <a:extLst>
+              <a:ext uri="{FF2B5EF4-FFF2-40B4-BE49-F238E27FC236}">
+                <a16:creationId xmlns:a16="http://schemas.microsoft.com/office/drawing/2014/main" id="{425871EE-CC79-4ACE-87D4-3DBC6DD75B14}"/>
+              </a:ext>
+            </a:extLst>
+          </p:cNvPr>
+          <p:cNvSpPr>
+            <a:spLocks noGrp="1"/>
+          </p:cNvSpPr>
+          <p:nvPr>
+            <p:ph idx="1"/>
+          </p:nvPr>
+        </p:nvSpPr>
+        <p:spPr/>
+        <p:txBody>
+          <a:bodyPr/>
+          <a:lstStyle/>
+          <a:p>
+            <a:r>
+              <a:rPr lang="zh-CN" altLang="en-US" dirty="0"/>
+              <a:t>基于两阶段训练的两阶段训练的</a:t>
+            </a:r>
+            <a:r>
+              <a:rPr lang="en-US" altLang="zh-CN" dirty="0" err="1"/>
+              <a:t>BiLSTM</a:t>
+            </a:r>
+            <a:r>
+              <a:rPr lang="zh-CN" altLang="en-US" dirty="0"/>
+              <a:t>情感分类模型是第一个基于 弱标记信息的深度学习情感分类模型。实验中使用的情感分类模型 的结构与基于</a:t>
+            </a:r>
+            <a:r>
+              <a:rPr lang="en-US" altLang="zh-CN" dirty="0" err="1"/>
+              <a:t>BiLSTM</a:t>
+            </a:r>
+            <a:r>
+              <a:rPr lang="zh-CN" altLang="en-US" dirty="0"/>
+              <a:t>（</a:t>
+            </a:r>
+            <a:r>
+              <a:rPr lang="en-US" altLang="zh-CN" dirty="0" err="1"/>
+              <a:t>SC_BiLSTM</a:t>
+            </a:r>
+            <a:r>
+              <a:rPr lang="zh-CN" altLang="en-US" dirty="0"/>
+              <a:t>）的情感分类模型一致，并且 仅在模型训练方法上进行了创新。模型的训练分为两个阶段，两阶 段训练方法的示意图如图</a:t>
+            </a:r>
+            <a:r>
+              <a:rPr lang="en-US" altLang="zh-CN" dirty="0"/>
+              <a:t>8</a:t>
+            </a:r>
+            <a:r>
+              <a:rPr lang="zh-CN" altLang="en-US" dirty="0"/>
+              <a:t>所示。</a:t>
+            </a:r>
+          </a:p>
+        </p:txBody>
+      </p:sp>
+    </p:spTree>
+    <p:extLst>
+      <p:ext uri="{BB962C8B-B14F-4D97-AF65-F5344CB8AC3E}">
+        <p14:creationId xmlns:p14="http://schemas.microsoft.com/office/powerpoint/2010/main" val="879049585"/>
+      </p:ext>
+    </p:extLst>
+  </p:cSld>
+  <p:clrMapOvr>
+    <a:masterClrMapping/>
+  </p:clrMapOvr>
+</p:sld>
+</file>
+
+<file path=ppt/slides/slide11.xml><?xml version="1.0" encoding="utf-8"?>
+<p:sld xmlns:a="http://schemas.openxmlformats.org/drawingml/2006/main" xmlns:r="http://schemas.openxmlformats.org/officeDocument/2006/relationships" xmlns:p="http://schemas.openxmlformats.org/presentationml/2006/main">
+  <p:cSld>
+    <p:spTree>
+      <p:nvGrpSpPr>
+        <p:cNvPr id="1" name=""/>
+        <p:cNvGrpSpPr/>
+        <p:nvPr/>
+      </p:nvGrpSpPr>
+      <p:grpSpPr>
+        <a:xfrm>
+          <a:off x="0" y="0"/>
+          <a:ext cx="0" cy="0"/>
+          <a:chOff x="0" y="0"/>
+          <a:chExt cx="0" cy="0"/>
+        </a:xfrm>
+      </p:grpSpPr>
+      <p:sp>
+        <p:nvSpPr>
+          <p:cNvPr id="2" name="标题 1">
+            <a:extLst>
+              <a:ext uri="{FF2B5EF4-FFF2-40B4-BE49-F238E27FC236}">
+                <a16:creationId xmlns:a16="http://schemas.microsoft.com/office/drawing/2014/main" id="{3442668F-FD26-4050-9D6D-310145763B79}"/>
+              </a:ext>
+            </a:extLst>
+          </p:cNvPr>
+          <p:cNvSpPr>
+            <a:spLocks noGrp="1"/>
+          </p:cNvSpPr>
+          <p:nvPr>
+            <p:ph type="title"/>
+          </p:nvPr>
+        </p:nvSpPr>
+        <p:spPr/>
+        <p:txBody>
+          <a:bodyPr/>
+          <a:lstStyle/>
+          <a:p>
+            <a:r>
+              <a:rPr lang="zh-CN" altLang="en-US" dirty="0"/>
+              <a:t>基于两阶段训练的</a:t>
+            </a:r>
+            <a:r>
+              <a:rPr lang="en-US" altLang="zh-CN" dirty="0" err="1"/>
+              <a:t>BilSTM</a:t>
+            </a:r>
+            <a:r>
+              <a:rPr lang="zh-CN" altLang="en-US" dirty="0"/>
+              <a:t>情感分类模型</a:t>
+            </a:r>
+          </a:p>
+        </p:txBody>
+      </p:sp>
+      <p:sp>
+        <p:nvSpPr>
+          <p:cNvPr id="3" name="内容占位符 2">
+            <a:extLst>
+              <a:ext uri="{FF2B5EF4-FFF2-40B4-BE49-F238E27FC236}">
+                <a16:creationId xmlns:a16="http://schemas.microsoft.com/office/drawing/2014/main" id="{C00AA406-66DF-4328-9835-42101F30FCB6}"/>
+              </a:ext>
+            </a:extLst>
+          </p:cNvPr>
+          <p:cNvSpPr>
+            <a:spLocks noGrp="1"/>
+          </p:cNvSpPr>
+          <p:nvPr>
+            <p:ph idx="1"/>
+          </p:nvPr>
+        </p:nvSpPr>
+        <p:spPr/>
+        <p:txBody>
+          <a:bodyPr>
+            <a:normAutofit lnSpcReduction="10000"/>
+          </a:bodyPr>
+          <a:lstStyle/>
+          <a:p>
+            <a:r>
+              <a:rPr lang="zh-CN" altLang="en-US" dirty="0"/>
+              <a:t>首先，在第一阶段，使用大量的弱标记数据来训练</a:t>
+            </a:r>
+            <a:r>
+              <a:rPr lang="en-US" altLang="zh-CN" dirty="0" err="1"/>
+              <a:t>SC_BiLSTM</a:t>
+            </a:r>
+            <a:r>
+              <a:rPr lang="en-US" altLang="zh-CN" dirty="0"/>
+              <a:t> </a:t>
+            </a:r>
+            <a:r>
+              <a:rPr lang="zh-CN" altLang="en-US" dirty="0"/>
+              <a:t>（模型</a:t>
+            </a:r>
+            <a:r>
+              <a:rPr lang="en-US" altLang="zh-CN" dirty="0"/>
+              <a:t>0</a:t>
+            </a:r>
+            <a:r>
+              <a:rPr lang="zh-CN" altLang="en-US" dirty="0"/>
+              <a:t>）。在第</a:t>
+            </a:r>
+            <a:r>
+              <a:rPr lang="en-US" altLang="zh-CN" dirty="0"/>
+              <a:t>3.A</a:t>
+            </a:r>
+            <a:r>
+              <a:rPr lang="zh-CN" altLang="en-US" dirty="0"/>
+              <a:t>节的图</a:t>
+            </a:r>
+            <a:r>
+              <a:rPr lang="en-US" altLang="zh-CN" dirty="0"/>
+              <a:t>4</a:t>
+            </a:r>
+            <a:r>
+              <a:rPr lang="zh-CN" altLang="en-US" dirty="0"/>
+              <a:t>中，可以看出，弱标签数据中的噪声样 本所占的比例很小。因此，在使用大量弱标记数据训练模型</a:t>
+            </a:r>
+            <a:r>
+              <a:rPr lang="en-US" altLang="zh-CN" dirty="0"/>
+              <a:t>0</a:t>
+            </a:r>
+            <a:r>
+              <a:rPr lang="zh-CN" altLang="en-US" dirty="0"/>
+              <a:t>之后， 我们可以得到情感分类模型（模型</a:t>
+            </a:r>
+            <a:r>
+              <a:rPr lang="en-US" altLang="zh-CN" dirty="0"/>
+              <a:t>1</a:t>
+            </a:r>
+            <a:r>
+              <a:rPr lang="zh-CN" altLang="en-US" dirty="0"/>
+              <a:t>），该模型可以很好地捕获评论 语义。</a:t>
+            </a:r>
+            <a:endParaRPr lang="en-US" altLang="zh-CN" dirty="0"/>
+          </a:p>
+          <a:p>
+            <a:r>
+              <a:rPr lang="zh-CN" altLang="en-US" dirty="0"/>
+              <a:t>之后，将模型</a:t>
+            </a:r>
+            <a:r>
+              <a:rPr lang="en-US" altLang="zh-CN" dirty="0"/>
+              <a:t>1</a:t>
+            </a:r>
+            <a:r>
+              <a:rPr lang="zh-CN" altLang="en-US" dirty="0"/>
+              <a:t>的参数作为第二阶段模型（模型</a:t>
+            </a:r>
+            <a:r>
+              <a:rPr lang="en-US" altLang="zh-CN" dirty="0"/>
+              <a:t>2</a:t>
+            </a:r>
+            <a:r>
+              <a:rPr lang="zh-CN" altLang="en-US" dirty="0"/>
+              <a:t>）训练的初 始参数，并将一些标签数据输入模型进行训练，以达到对模型参数 的微调目的。减少模型训练第一阶段输入的噪声样本对情感分类模 型的负面影响，提高模型的分类性能，并获得最终的情感分类模型 （模型</a:t>
+            </a:r>
+            <a:r>
+              <a:rPr lang="en-US" altLang="zh-CN" dirty="0"/>
+              <a:t>3</a:t>
+            </a:r>
+            <a:r>
+              <a:rPr lang="zh-CN" altLang="en-US" dirty="0"/>
+              <a:t>）。表</a:t>
+            </a:r>
+            <a:r>
+              <a:rPr lang="en-US" altLang="zh-CN" dirty="0"/>
+              <a:t>1</a:t>
+            </a:r>
+            <a:r>
+              <a:rPr lang="zh-CN" altLang="en-US" dirty="0"/>
+              <a:t>显示了基于两阶段训练的</a:t>
+            </a:r>
+            <a:r>
+              <a:rPr lang="en-US" altLang="zh-CN" dirty="0" err="1"/>
+              <a:t>BiLSTM</a:t>
+            </a:r>
+            <a:r>
+              <a:rPr lang="zh-CN" altLang="en-US" dirty="0"/>
+              <a:t>情感分类模型的训 练过程。</a:t>
+            </a:r>
+          </a:p>
+        </p:txBody>
+      </p:sp>
+    </p:spTree>
+    <p:extLst>
+      <p:ext uri="{BB962C8B-B14F-4D97-AF65-F5344CB8AC3E}">
+        <p14:creationId xmlns:p14="http://schemas.microsoft.com/office/powerpoint/2010/main" val="3461980083"/>
+      </p:ext>
+    </p:extLst>
+  </p:cSld>
+  <p:clrMapOvr>
+    <a:masterClrMapping/>
+  </p:clrMapOvr>
+</p:sld>
+</file>
+
+<file path=ppt/slides/slide12.xml><?xml version="1.0" encoding="utf-8"?>
+<p:sld xmlns:a="http://schemas.openxmlformats.org/drawingml/2006/main" xmlns:r="http://schemas.openxmlformats.org/officeDocument/2006/relationships" xmlns:p="http://schemas.openxmlformats.org/presentationml/2006/main">
+  <p:cSld>
+    <p:spTree>
+      <p:nvGrpSpPr>
+        <p:cNvPr id="1" name=""/>
+        <p:cNvGrpSpPr/>
+        <p:nvPr/>
+      </p:nvGrpSpPr>
+      <p:grpSpPr>
+        <a:xfrm>
+          <a:off x="0" y="0"/>
+          <a:ext cx="0" cy="0"/>
+          <a:chOff x="0" y="0"/>
+          <a:chExt cx="0" cy="0"/>
+        </a:xfrm>
+      </p:grpSpPr>
+      <p:sp>
+        <p:nvSpPr>
+          <p:cNvPr id="2" name="标题 1">
+            <a:extLst>
+              <a:ext uri="{FF2B5EF4-FFF2-40B4-BE49-F238E27FC236}">
+                <a16:creationId xmlns:a16="http://schemas.microsoft.com/office/drawing/2014/main" id="{EB0287B9-28F0-4859-9BAA-85413DD7A144}"/>
+              </a:ext>
+            </a:extLst>
+          </p:cNvPr>
+          <p:cNvSpPr>
+            <a:spLocks noGrp="1"/>
+          </p:cNvSpPr>
+          <p:nvPr>
+            <p:ph type="title"/>
+          </p:nvPr>
+        </p:nvSpPr>
+        <p:spPr/>
+        <p:txBody>
+          <a:bodyPr/>
+          <a:lstStyle/>
+          <a:p>
+            <a:r>
+              <a:rPr lang="zh-CN" altLang="en-US" dirty="0"/>
+              <a:t>基于弱标记数据降噪的情感分类模型</a:t>
+            </a:r>
+          </a:p>
+        </p:txBody>
+      </p:sp>
+      <p:sp>
+        <p:nvSpPr>
+          <p:cNvPr id="3" name="内容占位符 2">
+            <a:extLst>
+              <a:ext uri="{FF2B5EF4-FFF2-40B4-BE49-F238E27FC236}">
+                <a16:creationId xmlns:a16="http://schemas.microsoft.com/office/drawing/2014/main" id="{FFE0C0C1-1B17-4E8D-A6E5-A48E8F57D2B0}"/>
+              </a:ext>
+            </a:extLst>
+          </p:cNvPr>
+          <p:cNvSpPr>
+            <a:spLocks noGrp="1"/>
+          </p:cNvSpPr>
+          <p:nvPr>
+            <p:ph idx="1"/>
+          </p:nvPr>
+        </p:nvSpPr>
+        <p:spPr/>
+        <p:txBody>
+          <a:bodyPr/>
+          <a:lstStyle/>
+          <a:p>
+            <a:r>
+              <a:rPr lang="zh-CN" altLang="en-US" dirty="0"/>
+              <a:t>基于弱标签数据去噪的情感分类模型是基于弱标签信息的第二种深 度学习情感分类模型。构建了一个深度学习模型，用于对弱标签数 据进行消噪。基于深度学习的弱标签数据的去噪模型使用标签数据 的文本信息和标签信息作为输出，并在手动标记情感倾向之前使用 相应弱标签数据的文本信息和标签信息作为输入。</a:t>
+            </a:r>
+          </a:p>
+        </p:txBody>
+      </p:sp>
+    </p:spTree>
+    <p:extLst>
+      <p:ext uri="{BB962C8B-B14F-4D97-AF65-F5344CB8AC3E}">
+        <p14:creationId xmlns:p14="http://schemas.microsoft.com/office/powerpoint/2010/main" val="2264740316"/>
+      </p:ext>
+    </p:extLst>
+  </p:cSld>
+  <p:clrMapOvr>
+    <a:masterClrMapping/>
+  </p:clrMapOvr>
+</p:sld>
+</file>
+
+<file path=ppt/slides/slide13.xml><?xml version="1.0" encoding="utf-8"?>
+<p:sld xmlns:a="http://schemas.openxmlformats.org/drawingml/2006/main" xmlns:r="http://schemas.openxmlformats.org/officeDocument/2006/relationships" xmlns:p="http://schemas.openxmlformats.org/presentationml/2006/main">
+  <p:cSld>
+    <p:spTree>
+      <p:nvGrpSpPr>
+        <p:cNvPr id="1" name=""/>
+        <p:cNvGrpSpPr/>
+        <p:nvPr/>
+      </p:nvGrpSpPr>
+      <p:grpSpPr>
+        <a:xfrm>
+          <a:off x="0" y="0"/>
+          <a:ext cx="0" cy="0"/>
+          <a:chOff x="0" y="0"/>
+          <a:chExt cx="0" cy="0"/>
+        </a:xfrm>
+      </p:grpSpPr>
+      <p:sp>
+        <p:nvSpPr>
+          <p:cNvPr id="2" name="标题 1">
+            <a:extLst>
+              <a:ext uri="{FF2B5EF4-FFF2-40B4-BE49-F238E27FC236}">
+                <a16:creationId xmlns:a16="http://schemas.microsoft.com/office/drawing/2014/main" id="{E2F033C9-C4A1-4109-B75C-25EA64203D24}"/>
+              </a:ext>
+            </a:extLst>
+          </p:cNvPr>
+          <p:cNvSpPr>
+            <a:spLocks noGrp="1"/>
+          </p:cNvSpPr>
+          <p:nvPr>
+            <p:ph type="title"/>
+          </p:nvPr>
+        </p:nvSpPr>
+        <p:spPr/>
+        <p:txBody>
+          <a:bodyPr/>
+          <a:lstStyle/>
+          <a:p>
+            <a:r>
+              <a:rPr lang="en-US" altLang="zh-CN" dirty="0"/>
+              <a:t>Attention Layer</a:t>
+            </a:r>
+            <a:endParaRPr lang="zh-CN" altLang="en-US" dirty="0"/>
+          </a:p>
+        </p:txBody>
+      </p:sp>
+      <p:sp>
+        <p:nvSpPr>
+          <p:cNvPr id="3" name="内容占位符 2">
+            <a:extLst>
+              <a:ext uri="{FF2B5EF4-FFF2-40B4-BE49-F238E27FC236}">
+                <a16:creationId xmlns:a16="http://schemas.microsoft.com/office/drawing/2014/main" id="{4CE4BF60-E91A-4103-BB26-291A7930B365}"/>
+              </a:ext>
+            </a:extLst>
+          </p:cNvPr>
+          <p:cNvSpPr>
+            <a:spLocks noGrp="1"/>
+          </p:cNvSpPr>
+          <p:nvPr>
+            <p:ph idx="1"/>
+          </p:nvPr>
+        </p:nvSpPr>
+        <p:spPr/>
+        <p:txBody>
+          <a:bodyPr/>
+          <a:lstStyle/>
+          <a:p>
+            <a:r>
+              <a:rPr lang="zh-CN" altLang="en-US" dirty="0"/>
+              <a:t>通过</a:t>
+            </a:r>
+            <a:r>
+              <a:rPr lang="en-US" altLang="zh-CN" dirty="0"/>
+              <a:t>Encode</a:t>
+            </a:r>
+            <a:r>
+              <a:rPr lang="zh-CN" altLang="en-US" dirty="0"/>
+              <a:t>和</a:t>
+            </a:r>
+            <a:r>
+              <a:rPr lang="en-US" altLang="zh-CN" dirty="0"/>
+              <a:t>Decode</a:t>
+            </a:r>
+            <a:r>
+              <a:rPr lang="zh-CN" altLang="en-US" dirty="0"/>
+              <a:t>之间的注意力层，注意力机制可 用于改善深度学习模型的性能。</a:t>
+            </a:r>
+          </a:p>
+        </p:txBody>
+      </p:sp>
+    </p:spTree>
+    <p:extLst>
+      <p:ext uri="{BB962C8B-B14F-4D97-AF65-F5344CB8AC3E}">
+        <p14:creationId xmlns:p14="http://schemas.microsoft.com/office/powerpoint/2010/main" val="3548497100"/>
+      </p:ext>
+    </p:extLst>
+  </p:cSld>
+  <p:clrMapOvr>
+    <a:masterClrMapping/>
+  </p:clrMapOvr>
+</p:sld>
+</file>
+
+<file path=ppt/slides/slide14.xml><?xml version="1.0" encoding="utf-8"?>
+<p:sld xmlns:a="http://schemas.openxmlformats.org/drawingml/2006/main" xmlns:r="http://schemas.openxmlformats.org/officeDocument/2006/relationships" xmlns:p="http://schemas.openxmlformats.org/presentationml/2006/main">
+  <p:cSld>
+    <p:spTree>
+      <p:nvGrpSpPr>
+        <p:cNvPr id="1" name=""/>
+        <p:cNvGrpSpPr/>
+        <p:nvPr/>
+      </p:nvGrpSpPr>
+      <p:grpSpPr>
+        <a:xfrm>
+          <a:off x="0" y="0"/>
+          <a:ext cx="0" cy="0"/>
+          <a:chOff x="0" y="0"/>
+          <a:chExt cx="0" cy="0"/>
+        </a:xfrm>
+      </p:grpSpPr>
+      <p:sp>
+        <p:nvSpPr>
+          <p:cNvPr id="2" name="标题 1">
+            <a:extLst>
+              <a:ext uri="{FF2B5EF4-FFF2-40B4-BE49-F238E27FC236}">
+                <a16:creationId xmlns:a16="http://schemas.microsoft.com/office/drawing/2014/main" id="{276A042F-9157-40D9-8A9C-D96BDD00AB39}"/>
+              </a:ext>
+            </a:extLst>
+          </p:cNvPr>
+          <p:cNvSpPr>
+            <a:spLocks noGrp="1"/>
+          </p:cNvSpPr>
+          <p:nvPr>
+            <p:ph type="title"/>
+          </p:nvPr>
+        </p:nvSpPr>
+        <p:spPr/>
+        <p:txBody>
+          <a:bodyPr/>
+          <a:lstStyle/>
+          <a:p>
+            <a:r>
+              <a:rPr lang="en-US" altLang="zh-CN" dirty="0" err="1"/>
+              <a:t>DN_BiLSTM</a:t>
+            </a:r>
+            <a:endParaRPr lang="zh-CN" altLang="en-US" dirty="0"/>
+          </a:p>
+        </p:txBody>
+      </p:sp>
+      <p:sp>
+        <p:nvSpPr>
+          <p:cNvPr id="3" name="内容占位符 2">
+            <a:extLst>
+              <a:ext uri="{FF2B5EF4-FFF2-40B4-BE49-F238E27FC236}">
+                <a16:creationId xmlns:a16="http://schemas.microsoft.com/office/drawing/2014/main" id="{7B624FE2-E13A-4738-A191-EA509FE8D1A0}"/>
+              </a:ext>
+            </a:extLst>
+          </p:cNvPr>
+          <p:cNvSpPr>
+            <a:spLocks noGrp="1"/>
+          </p:cNvSpPr>
+          <p:nvPr>
+            <p:ph idx="1"/>
+          </p:nvPr>
+        </p:nvSpPr>
+        <p:spPr/>
+        <p:txBody>
+          <a:bodyPr/>
+          <a:lstStyle/>
+          <a:p>
+            <a:r>
+              <a:rPr lang="zh-CN" altLang="en-US" dirty="0"/>
+              <a:t>在完成基于深度学习的弱标签数据的去噪模型的训练之后，构造 基于</a:t>
+            </a:r>
+            <a:r>
+              <a:rPr lang="en-US" altLang="zh-CN" dirty="0" err="1"/>
+              <a:t>BiLSTM</a:t>
+            </a:r>
+            <a:r>
+              <a:rPr lang="zh-CN" altLang="en-US" dirty="0"/>
+              <a:t>的后续情感分类模型（</a:t>
+            </a:r>
+            <a:r>
+              <a:rPr lang="en-US" altLang="zh-CN" dirty="0" err="1"/>
+              <a:t>DN_BiLSTM</a:t>
+            </a:r>
+            <a:r>
+              <a:rPr lang="zh-CN" altLang="en-US" dirty="0"/>
+              <a:t>）以完成情感分类 任务。</a:t>
+            </a:r>
+          </a:p>
+        </p:txBody>
+      </p:sp>
+    </p:spTree>
+    <p:extLst>
+      <p:ext uri="{BB962C8B-B14F-4D97-AF65-F5344CB8AC3E}">
+        <p14:creationId xmlns:p14="http://schemas.microsoft.com/office/powerpoint/2010/main" val="3762334395"/>
+      </p:ext>
+    </p:extLst>
+  </p:cSld>
+  <p:clrMapOvr>
+    <a:masterClrMapping/>
+  </p:clrMapOvr>
+</p:sld>
+</file>
+
+<file path=ppt/slides/slide15.xml><?xml version="1.0" encoding="utf-8"?>
+<p:sld xmlns:a="http://schemas.openxmlformats.org/drawingml/2006/main" xmlns:r="http://schemas.openxmlformats.org/officeDocument/2006/relationships" xmlns:p="http://schemas.openxmlformats.org/presentationml/2006/main">
+  <p:cSld>
+    <p:spTree>
+      <p:nvGrpSpPr>
+        <p:cNvPr id="1" name=""/>
+        <p:cNvGrpSpPr/>
+        <p:nvPr/>
+      </p:nvGrpSpPr>
+      <p:grpSpPr>
+        <a:xfrm>
+          <a:off x="0" y="0"/>
+          <a:ext cx="0" cy="0"/>
+          <a:chOff x="0" y="0"/>
+          <a:chExt cx="0" cy="0"/>
+        </a:xfrm>
+      </p:grpSpPr>
+      <p:sp>
+        <p:nvSpPr>
+          <p:cNvPr id="2" name="标题 1">
+            <a:extLst>
+              <a:ext uri="{FF2B5EF4-FFF2-40B4-BE49-F238E27FC236}">
+                <a16:creationId xmlns:a16="http://schemas.microsoft.com/office/drawing/2014/main" id="{09FCBF6A-31AC-4163-9C88-C8CC0A7F3945}"/>
+              </a:ext>
+            </a:extLst>
+          </p:cNvPr>
+          <p:cNvSpPr>
+            <a:spLocks noGrp="1"/>
+          </p:cNvSpPr>
+          <p:nvPr>
+            <p:ph type="title"/>
+          </p:nvPr>
+        </p:nvSpPr>
+        <p:spPr/>
+        <p:txBody>
+          <a:bodyPr/>
+          <a:lstStyle/>
+          <a:p>
+            <a:endParaRPr lang="zh-CN" altLang="en-US"/>
+          </a:p>
+        </p:txBody>
+      </p:sp>
+      <p:sp>
+        <p:nvSpPr>
+          <p:cNvPr id="3" name="内容占位符 2">
+            <a:extLst>
+              <a:ext uri="{FF2B5EF4-FFF2-40B4-BE49-F238E27FC236}">
+                <a16:creationId xmlns:a16="http://schemas.microsoft.com/office/drawing/2014/main" id="{01466F9C-5810-4ACC-AD16-1B1B1D0A91A8}"/>
+              </a:ext>
+            </a:extLst>
+          </p:cNvPr>
+          <p:cNvSpPr>
+            <a:spLocks noGrp="1"/>
+          </p:cNvSpPr>
+          <p:nvPr>
+            <p:ph idx="1"/>
+          </p:nvPr>
+        </p:nvSpPr>
+        <p:spPr/>
+        <p:txBody>
+          <a:bodyPr/>
+          <a:lstStyle/>
+          <a:p>
+            <a:endParaRPr lang="zh-CN" altLang="en-US"/>
+          </a:p>
+        </p:txBody>
+      </p:sp>
+    </p:spTree>
+    <p:extLst>
+      <p:ext uri="{BB962C8B-B14F-4D97-AF65-F5344CB8AC3E}">
+        <p14:creationId xmlns:p14="http://schemas.microsoft.com/office/powerpoint/2010/main" val="2634680028"/>
+      </p:ext>
+    </p:extLst>
+  </p:cSld>
+  <p:clrMapOvr>
+    <a:masterClrMapping/>
+  </p:clrMapOvr>
+</p:sld>
+</file>
+
+<file path=ppt/slides/slide2.xml><?xml version="1.0" encoding="utf-8"?>
+<p:sld xmlns:a="http://schemas.openxmlformats.org/drawingml/2006/main" xmlns:r="http://schemas.openxmlformats.org/officeDocument/2006/relationships" xmlns:p="http://schemas.openxmlformats.org/presentationml/2006/main">
+  <p:cSld>
+    <p:spTree>
+      <p:nvGrpSpPr>
+        <p:cNvPr id="1" name=""/>
+        <p:cNvGrpSpPr/>
+        <p:nvPr/>
+      </p:nvGrpSpPr>
+      <p:grpSpPr>
+        <a:xfrm>
+          <a:off x="0" y="0"/>
+          <a:ext cx="0" cy="0"/>
+          <a:chOff x="0" y="0"/>
+          <a:chExt cx="0" cy="0"/>
+        </a:xfrm>
+      </p:grpSpPr>
+      <p:sp>
+        <p:nvSpPr>
+          <p:cNvPr id="2" name="标题 1">
+            <a:extLst>
+              <a:ext uri="{FF2B5EF4-FFF2-40B4-BE49-F238E27FC236}">
+                <a16:creationId xmlns:a16="http://schemas.microsoft.com/office/drawing/2014/main" id="{3E684C0C-600E-4F73-A7A1-76C8F5357120}"/>
+              </a:ext>
+            </a:extLst>
+          </p:cNvPr>
+          <p:cNvSpPr>
+            <a:spLocks noGrp="1"/>
+          </p:cNvSpPr>
+          <p:nvPr>
+            <p:ph type="title"/>
+          </p:nvPr>
+        </p:nvSpPr>
+        <p:spPr/>
+        <p:txBody>
+          <a:bodyPr/>
+          <a:lstStyle/>
+          <a:p>
+            <a:r>
+              <a:rPr lang="zh-CN" altLang="en-US" dirty="0"/>
+              <a:t>引言 </a:t>
+            </a:r>
+          </a:p>
+        </p:txBody>
+      </p:sp>
+      <p:sp>
+        <p:nvSpPr>
+          <p:cNvPr id="3" name="内容占位符 2">
+            <a:extLst>
+              <a:ext uri="{FF2B5EF4-FFF2-40B4-BE49-F238E27FC236}">
+                <a16:creationId xmlns:a16="http://schemas.microsoft.com/office/drawing/2014/main" id="{8A3EA07B-0EB4-4BB4-B85F-58C8E993D9E6}"/>
+              </a:ext>
+            </a:extLst>
+          </p:cNvPr>
+          <p:cNvSpPr>
+            <a:spLocks noGrp="1"/>
+          </p:cNvSpPr>
+          <p:nvPr>
+            <p:ph idx="1"/>
+          </p:nvPr>
+        </p:nvSpPr>
+        <p:spPr/>
+        <p:txBody>
+          <a:bodyPr/>
+          <a:lstStyle/>
+          <a:p>
+            <a:r>
+              <a:rPr lang="zh-CN" altLang="en-US" dirty="0"/>
+              <a:t>互联网的发展为用户提供了一个自由发布在线评论的平台。在线评 论包括产品评论，电影评论和服务评论。这些评论包含人们想要表 达的情感信息。在线评论中的情感信息可以帮助公司改善产品，帮 助政府监控公众舆论并为其他用户提供参考。从评论文本中挖掘情 感信息需要情感分析技术，而情感分析技术的基本任务之一就是情 感分类。自动区分文本的情感倾向的过程是情感分类。 </a:t>
+            </a:r>
+          </a:p>
+        </p:txBody>
+      </p:sp>
+    </p:spTree>
+    <p:extLst>
+      <p:ext uri="{BB962C8B-B14F-4D97-AF65-F5344CB8AC3E}">
+        <p14:creationId xmlns:p14="http://schemas.microsoft.com/office/powerpoint/2010/main" val="3550338948"/>
+      </p:ext>
+    </p:extLst>
+  </p:cSld>
+  <p:clrMapOvr>
+    <a:masterClrMapping/>
+  </p:clrMapOvr>
+</p:sld>
+</file>
+
+<file path=ppt/slides/slide3.xml><?xml version="1.0" encoding="utf-8"?>
+<p:sld xmlns:a="http://schemas.openxmlformats.org/drawingml/2006/main" xmlns:r="http://schemas.openxmlformats.org/officeDocument/2006/relationships" xmlns:p="http://schemas.openxmlformats.org/presentationml/2006/main">
+  <p:cSld>
+    <p:spTree>
+      <p:nvGrpSpPr>
+        <p:cNvPr id="1" name=""/>
+        <p:cNvGrpSpPr/>
+        <p:nvPr/>
+      </p:nvGrpSpPr>
+      <p:grpSpPr>
+        <a:xfrm>
+          <a:off x="0" y="0"/>
+          <a:ext cx="0" cy="0"/>
+          <a:chOff x="0" y="0"/>
+          <a:chExt cx="0" cy="0"/>
+        </a:xfrm>
+      </p:grpSpPr>
+      <p:sp>
+        <p:nvSpPr>
+          <p:cNvPr id="2" name="标题 1">
+            <a:extLst>
+              <a:ext uri="{FF2B5EF4-FFF2-40B4-BE49-F238E27FC236}">
+                <a16:creationId xmlns:a16="http://schemas.microsoft.com/office/drawing/2014/main" id="{4CE8E95A-6C09-4D3F-BCFC-1ED669A034B2}"/>
+              </a:ext>
+            </a:extLst>
+          </p:cNvPr>
+          <p:cNvSpPr>
+            <a:spLocks noGrp="1"/>
+          </p:cNvSpPr>
+          <p:nvPr>
+            <p:ph type="title"/>
+          </p:nvPr>
+        </p:nvSpPr>
+        <p:spPr/>
+        <p:txBody>
+          <a:bodyPr/>
+          <a:lstStyle/>
+          <a:p>
+            <a:r>
+              <a:rPr lang="zh-CN" altLang="en-US" dirty="0"/>
+              <a:t>情感分类</a:t>
+            </a:r>
+          </a:p>
+        </p:txBody>
+      </p:sp>
+      <p:sp>
+        <p:nvSpPr>
+          <p:cNvPr id="3" name="内容占位符 2">
+            <a:extLst>
+              <a:ext uri="{FF2B5EF4-FFF2-40B4-BE49-F238E27FC236}">
+                <a16:creationId xmlns:a16="http://schemas.microsoft.com/office/drawing/2014/main" id="{F75FEF7A-2EFB-4740-AF15-080DA2277142}"/>
+              </a:ext>
+            </a:extLst>
+          </p:cNvPr>
+          <p:cNvSpPr>
+            <a:spLocks noGrp="1"/>
+          </p:cNvSpPr>
+          <p:nvPr>
+            <p:ph idx="1"/>
+          </p:nvPr>
+        </p:nvSpPr>
+        <p:spPr/>
+        <p:txBody>
+          <a:bodyPr/>
+          <a:lstStyle/>
+          <a:p>
+            <a:r>
+              <a:rPr lang="zh-CN" altLang="en-US" dirty="0"/>
+              <a:t>目前，情感分类主要分为两个研究方向：基于字典的情感分类和基 于机</a:t>
+            </a:r>
+            <a:r>
+              <a:rPr lang="en-US" altLang="zh-CN" dirty="0"/>
+              <a:t>器</a:t>
+            </a:r>
+            <a:r>
+              <a:rPr lang="zh-CN" altLang="en-US" dirty="0"/>
+              <a:t>学习的情感分类</a:t>
+            </a:r>
+            <a:r>
+              <a:rPr lang="en-US" altLang="zh-CN" dirty="0"/>
+              <a:t>[1‑3]</a:t>
+            </a:r>
+            <a:r>
+              <a:rPr lang="zh-CN" altLang="en-US" dirty="0"/>
+              <a:t>。参考文献</a:t>
+            </a:r>
+            <a:r>
+              <a:rPr lang="en-US" altLang="zh-CN" dirty="0"/>
+              <a:t>[4‑7]</a:t>
+            </a:r>
+            <a:r>
+              <a:rPr lang="zh-CN" altLang="en-US" dirty="0"/>
+              <a:t>各自提出了一个新的情 感词典。实验表明，情感分类任务的分类性能优于传统的情感词典 ，基于字典的情感分类方法的分类性能优异。但是，情感词典是取 决于域的。一旦情感分类任务的应用领域发生变化，基于情感词典 的分类模型的分类性能就会下降。参考文献</a:t>
+            </a:r>
+            <a:r>
+              <a:rPr lang="en-US" altLang="zh-CN" dirty="0"/>
+              <a:t>[8]</a:t>
+            </a:r>
+            <a:r>
+              <a:rPr lang="zh-CN" altLang="en-US" dirty="0"/>
+              <a:t>提出使用多域数据创 建情感字典来解决情感字典的域依赖问题。尽管情感词典的域依存 性有所减弱，但基于词典的情感分类模型最大的问题是情感词典的 构建需要大量的人为参与，而且随着网络数据的爆炸性增长，难以 解决未知问题。通过手动在情感词典中的单词。 </a:t>
+            </a:r>
+          </a:p>
+        </p:txBody>
+      </p:sp>
+    </p:spTree>
+    <p:extLst>
+      <p:ext uri="{BB962C8B-B14F-4D97-AF65-F5344CB8AC3E}">
+        <p14:creationId xmlns:p14="http://schemas.microsoft.com/office/powerpoint/2010/main" val="2002464858"/>
+      </p:ext>
+    </p:extLst>
+  </p:cSld>
+  <p:clrMapOvr>
+    <a:masterClrMapping/>
+  </p:clrMapOvr>
+</p:sld>
+</file>
+
+<file path=ppt/slides/slide4.xml><?xml version="1.0" encoding="utf-8"?>
+<p:sld xmlns:a="http://schemas.openxmlformats.org/drawingml/2006/main" xmlns:r="http://schemas.openxmlformats.org/officeDocument/2006/relationships" xmlns:p="http://schemas.openxmlformats.org/presentationml/2006/main">
+  <p:cSld>
+    <p:spTree>
+      <p:nvGrpSpPr>
+        <p:cNvPr id="1" name=""/>
+        <p:cNvGrpSpPr/>
+        <p:nvPr/>
+      </p:nvGrpSpPr>
+      <p:grpSpPr>
+        <a:xfrm>
+          <a:off x="0" y="0"/>
+          <a:ext cx="0" cy="0"/>
+          <a:chOff x="0" y="0"/>
+          <a:chExt cx="0" cy="0"/>
+        </a:xfrm>
+      </p:grpSpPr>
+      <p:sp>
+        <p:nvSpPr>
+          <p:cNvPr id="2" name="标题 1">
+            <a:extLst>
+              <a:ext uri="{FF2B5EF4-FFF2-40B4-BE49-F238E27FC236}">
+                <a16:creationId xmlns:a16="http://schemas.microsoft.com/office/drawing/2014/main" id="{BE1F6FCD-7971-4593-A97B-E9DC1BD7ACA3}"/>
+              </a:ext>
+            </a:extLst>
+          </p:cNvPr>
+          <p:cNvSpPr>
+            <a:spLocks noGrp="1"/>
+          </p:cNvSpPr>
+          <p:nvPr>
+            <p:ph type="title"/>
+          </p:nvPr>
+        </p:nvSpPr>
+        <p:spPr/>
+        <p:txBody>
+          <a:bodyPr/>
+          <a:lstStyle/>
+          <a:p>
+            <a:r>
+              <a:rPr lang="zh-CN" altLang="en-US" dirty="0"/>
+              <a:t>弱标记数据</a:t>
+            </a:r>
+          </a:p>
+        </p:txBody>
+      </p:sp>
+      <p:sp>
+        <p:nvSpPr>
+          <p:cNvPr id="3" name="内容占位符 2">
+            <a:extLst>
+              <a:ext uri="{FF2B5EF4-FFF2-40B4-BE49-F238E27FC236}">
+                <a16:creationId xmlns:a16="http://schemas.microsoft.com/office/drawing/2014/main" id="{D1DF6EC3-3B64-4C4B-BBC7-DB062CBDA37F}"/>
+              </a:ext>
+            </a:extLst>
+          </p:cNvPr>
+          <p:cNvSpPr>
+            <a:spLocks noGrp="1"/>
+          </p:cNvSpPr>
+          <p:nvPr>
+            <p:ph idx="1"/>
+          </p:nvPr>
+        </p:nvSpPr>
+        <p:spPr/>
+        <p:txBody>
+          <a:bodyPr/>
+          <a:lstStyle/>
+          <a:p>
+            <a:r>
+              <a:rPr lang="zh-CN" altLang="en-US" dirty="0"/>
+              <a:t>在深度学习模型的训练过程中引入弱标签数据可以解决训练数据不 足的问题。目前，关于弱标记数据的研究相对较少。在</a:t>
+            </a:r>
+            <a:r>
+              <a:rPr lang="en-US" altLang="zh-CN" dirty="0"/>
+              <a:t>Twitter</a:t>
+            </a:r>
+            <a:r>
+              <a:rPr lang="zh-CN" altLang="en-US" dirty="0"/>
+              <a:t>挖掘 中，参考文献</a:t>
+            </a:r>
+            <a:r>
+              <a:rPr lang="en-US" altLang="zh-CN" dirty="0"/>
+              <a:t>[18]</a:t>
+            </a:r>
+            <a:r>
+              <a:rPr lang="zh-CN" altLang="en-US" dirty="0"/>
+              <a:t>使用半监督分类对症状监测中的相关性进行过滤 ，并在任务中引入了带有弱标记数据的数据，以完成分类任务。参 考文献</a:t>
+            </a:r>
+            <a:r>
+              <a:rPr lang="en-US" altLang="zh-CN" dirty="0"/>
+              <a:t>[19]</a:t>
+            </a:r>
+            <a:r>
+              <a:rPr lang="zh-CN" altLang="en-US" dirty="0"/>
+              <a:t>已经标记了</a:t>
+            </a:r>
+            <a:r>
+              <a:rPr lang="en-US" altLang="zh-CN" dirty="0"/>
+              <a:t>160</a:t>
+            </a:r>
+            <a:r>
+              <a:rPr lang="zh-CN" altLang="en-US" dirty="0"/>
+              <a:t>万个</a:t>
+            </a:r>
+            <a:r>
+              <a:rPr lang="en-US" altLang="zh-CN" dirty="0"/>
+              <a:t>Twitter</a:t>
+            </a:r>
+            <a:r>
+              <a:rPr lang="zh-CN" altLang="en-US" dirty="0"/>
+              <a:t>文本，并建立了表情符号情 感词典。实验验证了表情符号（即弱标记信息）在情感分类任务中 的有效性。</a:t>
+            </a:r>
+          </a:p>
+        </p:txBody>
+      </p:sp>
+    </p:spTree>
+    <p:extLst>
+      <p:ext uri="{BB962C8B-B14F-4D97-AF65-F5344CB8AC3E}">
+        <p14:creationId xmlns:p14="http://schemas.microsoft.com/office/powerpoint/2010/main" val="2500188968"/>
+      </p:ext>
+    </p:extLst>
+  </p:cSld>
+  <p:clrMapOvr>
+    <a:masterClrMapping/>
+  </p:clrMapOvr>
+</p:sld>
+</file>
+
+<file path=ppt/slides/slide5.xml><?xml version="1.0" encoding="utf-8"?>
+<p:sld xmlns:a="http://schemas.openxmlformats.org/drawingml/2006/main" xmlns:r="http://schemas.openxmlformats.org/officeDocument/2006/relationships" xmlns:p="http://schemas.openxmlformats.org/presentationml/2006/main">
+  <p:cSld>
+    <p:spTree>
+      <p:nvGrpSpPr>
+        <p:cNvPr id="1" name=""/>
+        <p:cNvGrpSpPr/>
+        <p:nvPr/>
+      </p:nvGrpSpPr>
+      <p:grpSpPr>
+        <a:xfrm>
+          <a:off x="0" y="0"/>
+          <a:ext cx="0" cy="0"/>
+          <a:chOff x="0" y="0"/>
+          <a:chExt cx="0" cy="0"/>
+        </a:xfrm>
+      </p:grpSpPr>
+      <p:sp>
+        <p:nvSpPr>
+          <p:cNvPr id="2" name="标题 1">
+            <a:extLst>
+              <a:ext uri="{FF2B5EF4-FFF2-40B4-BE49-F238E27FC236}">
+                <a16:creationId xmlns:a16="http://schemas.microsoft.com/office/drawing/2014/main" id="{CF88FF2D-A59C-4408-91F5-F10951ADFBDB}"/>
+              </a:ext>
+            </a:extLst>
+          </p:cNvPr>
+          <p:cNvSpPr>
+            <a:spLocks noGrp="1"/>
+          </p:cNvSpPr>
+          <p:nvPr>
+            <p:ph type="title"/>
+          </p:nvPr>
+        </p:nvSpPr>
+        <p:spPr/>
+        <p:txBody>
+          <a:bodyPr/>
+          <a:lstStyle/>
+          <a:p>
+            <a:r>
+              <a:rPr lang="zh-CN" altLang="en-US" dirty="0"/>
+              <a:t>方法 </a:t>
+            </a:r>
+          </a:p>
+        </p:txBody>
+      </p:sp>
+      <p:sp>
+        <p:nvSpPr>
+          <p:cNvPr id="3" name="内容占位符 2">
+            <a:extLst>
+              <a:ext uri="{FF2B5EF4-FFF2-40B4-BE49-F238E27FC236}">
+                <a16:creationId xmlns:a16="http://schemas.microsoft.com/office/drawing/2014/main" id="{46D17EFD-EE7B-4217-87B5-DDB700700273}"/>
+              </a:ext>
+            </a:extLst>
+          </p:cNvPr>
+          <p:cNvSpPr>
+            <a:spLocks noGrp="1"/>
+          </p:cNvSpPr>
+          <p:nvPr>
+            <p:ph idx="1"/>
+          </p:nvPr>
+        </p:nvSpPr>
+        <p:spPr/>
+        <p:txBody>
+          <a:bodyPr/>
+          <a:lstStyle/>
+          <a:p>
+            <a:endParaRPr lang="zh-CN" altLang="en-US" dirty="0"/>
+          </a:p>
+        </p:txBody>
+      </p:sp>
+    </p:spTree>
+    <p:extLst>
+      <p:ext uri="{BB962C8B-B14F-4D97-AF65-F5344CB8AC3E}">
+        <p14:creationId xmlns:p14="http://schemas.microsoft.com/office/powerpoint/2010/main" val="1886456550"/>
+      </p:ext>
+    </p:extLst>
+  </p:cSld>
+  <p:clrMapOvr>
+    <a:masterClrMapping/>
+  </p:clrMapOvr>
+</p:sld>
+</file>
+
+<file path=ppt/slides/slide6.xml><?xml version="1.0" encoding="utf-8"?>
+<p:sld xmlns:a="http://schemas.openxmlformats.org/drawingml/2006/main" xmlns:r="http://schemas.openxmlformats.org/officeDocument/2006/relationships" xmlns:p="http://schemas.openxmlformats.org/presentationml/2006/main">
+  <p:cSld>
+    <p:spTree>
+      <p:nvGrpSpPr>
+        <p:cNvPr id="1" name=""/>
+        <p:cNvGrpSpPr/>
+        <p:nvPr/>
+      </p:nvGrpSpPr>
+      <p:grpSpPr>
+        <a:xfrm>
+          <a:off x="0" y="0"/>
+          <a:ext cx="0" cy="0"/>
+          <a:chOff x="0" y="0"/>
+          <a:chExt cx="0" cy="0"/>
+        </a:xfrm>
+      </p:grpSpPr>
+      <p:sp>
+        <p:nvSpPr>
+          <p:cNvPr id="2" name="标题 1">
+            <a:extLst>
+              <a:ext uri="{FF2B5EF4-FFF2-40B4-BE49-F238E27FC236}">
+                <a16:creationId xmlns:a16="http://schemas.microsoft.com/office/drawing/2014/main" id="{A4DD0833-B5AA-42B2-B9B4-6D6C57DEE3C6}"/>
+              </a:ext>
+            </a:extLst>
+          </p:cNvPr>
+          <p:cNvSpPr>
+            <a:spLocks noGrp="1"/>
+          </p:cNvSpPr>
+          <p:nvPr>
+            <p:ph type="title"/>
+          </p:nvPr>
+        </p:nvSpPr>
+        <p:spPr/>
+        <p:txBody>
+          <a:bodyPr/>
+          <a:lstStyle/>
+          <a:p>
+            <a:r>
+              <a:rPr lang="zh-CN" altLang="en-US" dirty="0"/>
+              <a:t>数据清理 </a:t>
+            </a:r>
+          </a:p>
+        </p:txBody>
+      </p:sp>
+      <p:sp>
+        <p:nvSpPr>
+          <p:cNvPr id="3" name="内容占位符 2">
+            <a:extLst>
+              <a:ext uri="{FF2B5EF4-FFF2-40B4-BE49-F238E27FC236}">
+                <a16:creationId xmlns:a16="http://schemas.microsoft.com/office/drawing/2014/main" id="{475A74AB-DA41-433F-A16F-1206549D879B}"/>
+              </a:ext>
+            </a:extLst>
+          </p:cNvPr>
+          <p:cNvSpPr>
+            <a:spLocks noGrp="1"/>
+          </p:cNvSpPr>
+          <p:nvPr>
+            <p:ph idx="1"/>
+          </p:nvPr>
+        </p:nvSpPr>
+        <p:spPr>
+          <a:xfrm>
+            <a:off x="923041" y="1825625"/>
+            <a:ext cx="10515600" cy="4351338"/>
+          </a:xfrm>
+        </p:spPr>
+        <p:txBody>
+          <a:bodyPr/>
+          <a:lstStyle/>
+          <a:p>
+            <a:r>
+              <a:rPr lang="zh-CN" altLang="en-US" dirty="0"/>
+              <a:t>本文中使用的示例数据是从酒店网站抓取的北京快捷酒店的评论数 据。使用的弱标记信息是用户在发布酒店文字评论时给酒店的分数 。根据评分系统，每条评论的总分为</a:t>
+            </a:r>
+            <a:r>
+              <a:rPr lang="en-US" altLang="zh-CN" dirty="0"/>
+              <a:t>5</a:t>
+            </a:r>
+            <a:r>
+              <a:rPr lang="zh-CN" altLang="en-US" dirty="0"/>
+              <a:t>。得分高于</a:t>
+            </a:r>
+            <a:r>
+              <a:rPr lang="en-US" altLang="zh-CN" dirty="0"/>
+              <a:t>2.5</a:t>
+            </a:r>
+            <a:r>
+              <a:rPr lang="zh-CN" altLang="en-US" dirty="0"/>
+              <a:t>分的评论被归 为积极情绪倾向，得分低于或等于</a:t>
+            </a:r>
+            <a:r>
+              <a:rPr lang="en-US" altLang="zh-CN" dirty="0"/>
+              <a:t>2.5</a:t>
+            </a:r>
+            <a:r>
+              <a:rPr lang="zh-CN" altLang="en-US" dirty="0"/>
+              <a:t>分的评论被归为负面情绪倾向 。总共抓取了</a:t>
+            </a:r>
+            <a:r>
+              <a:rPr lang="en-US" altLang="zh-CN" dirty="0"/>
+              <a:t>983220</a:t>
+            </a:r>
+            <a:r>
+              <a:rPr lang="zh-CN" altLang="en-US" dirty="0"/>
+              <a:t>个在线评论，</a:t>
+            </a:r>
+            <a:endParaRPr lang="en-US" altLang="zh-CN" dirty="0"/>
+          </a:p>
+        </p:txBody>
+      </p:sp>
+    </p:spTree>
+    <p:extLst>
+      <p:ext uri="{BB962C8B-B14F-4D97-AF65-F5344CB8AC3E}">
+        <p14:creationId xmlns:p14="http://schemas.microsoft.com/office/powerpoint/2010/main" val="3492467297"/>
+      </p:ext>
+    </p:extLst>
+  </p:cSld>
+  <p:clrMapOvr>
+    <a:masterClrMapping/>
+  </p:clrMapOvr>
+</p:sld>
+</file>
+
+<file path=ppt/slides/slide7.xml><?xml version="1.0" encoding="utf-8"?>
+<p:sld xmlns:a="http://schemas.openxmlformats.org/drawingml/2006/main" xmlns:r="http://schemas.openxmlformats.org/officeDocument/2006/relationships" xmlns:p="http://schemas.openxmlformats.org/presentationml/2006/main">
+  <p:cSld>
+    <p:spTree>
+      <p:nvGrpSpPr>
+        <p:cNvPr id="1" name=""/>
+        <p:cNvGrpSpPr/>
+        <p:nvPr/>
+      </p:nvGrpSpPr>
+      <p:grpSpPr>
+        <a:xfrm>
+          <a:off x="0" y="0"/>
+          <a:ext cx="0" cy="0"/>
+          <a:chOff x="0" y="0"/>
+          <a:chExt cx="0" cy="0"/>
+        </a:xfrm>
+      </p:grpSpPr>
+      <p:sp>
+        <p:nvSpPr>
+          <p:cNvPr id="2" name="标题 1">
+            <a:extLst>
+              <a:ext uri="{FF2B5EF4-FFF2-40B4-BE49-F238E27FC236}">
+                <a16:creationId xmlns:a16="http://schemas.microsoft.com/office/drawing/2014/main" id="{A4DD0833-B5AA-42B2-B9B4-6D6C57DEE3C6}"/>
+              </a:ext>
+            </a:extLst>
+          </p:cNvPr>
+          <p:cNvSpPr>
+            <a:spLocks noGrp="1"/>
+          </p:cNvSpPr>
+          <p:nvPr>
+            <p:ph type="title"/>
+          </p:nvPr>
+        </p:nvSpPr>
+        <p:spPr>
+          <a:xfrm>
+            <a:off x="753359" y="0"/>
+            <a:ext cx="10515600" cy="1325563"/>
+          </a:xfrm>
+        </p:spPr>
+        <p:txBody>
+          <a:bodyPr/>
+          <a:lstStyle/>
+          <a:p>
+            <a:r>
+              <a:rPr lang="zh-CN" altLang="en-US" dirty="0"/>
+              <a:t>数据清理 </a:t>
+            </a:r>
+          </a:p>
+        </p:txBody>
+      </p:sp>
+      <p:sp>
+        <p:nvSpPr>
+          <p:cNvPr id="3" name="内容占位符 2">
+            <a:extLst>
+              <a:ext uri="{FF2B5EF4-FFF2-40B4-BE49-F238E27FC236}">
+                <a16:creationId xmlns:a16="http://schemas.microsoft.com/office/drawing/2014/main" id="{475A74AB-DA41-433F-A16F-1206549D879B}"/>
+              </a:ext>
+            </a:extLst>
+          </p:cNvPr>
+          <p:cNvSpPr>
+            <a:spLocks noGrp="1"/>
+          </p:cNvSpPr>
+          <p:nvPr>
+            <p:ph idx="1"/>
+          </p:nvPr>
+        </p:nvSpPr>
+        <p:spPr>
+          <a:xfrm>
+            <a:off x="923041" y="1018095"/>
+            <a:ext cx="10515600" cy="5740924"/>
+          </a:xfrm>
+        </p:spPr>
+        <p:txBody>
+          <a:bodyPr>
+            <a:normAutofit lnSpcReduction="10000"/>
+          </a:bodyPr>
+          <a:lstStyle/>
+          <a:p>
+            <a:r>
+              <a:rPr lang="zh-CN" altLang="en-US" dirty="0"/>
+              <a:t>删除特殊标记：由于用户在网站上发布自己的评论时并没有统一 的规则，因此他们经常在文本评论中包含一些与样本的情感倾向无 关的特殊标记。 </a:t>
+            </a:r>
+            <a:endParaRPr lang="en-US" altLang="zh-CN" dirty="0"/>
+          </a:p>
+          <a:p>
+            <a:r>
+              <a:rPr lang="zh-CN" altLang="en-US" dirty="0"/>
+              <a:t>分词：用户发布的中文在线评论以单词序列的形式出现。分词是 指将每个在线评论的单词序列分为多个单独的单词。 </a:t>
+            </a:r>
+            <a:endParaRPr lang="en-US" altLang="zh-CN" dirty="0"/>
+          </a:p>
+          <a:p>
+            <a:r>
+              <a:rPr lang="zh-CN" altLang="en-US" dirty="0"/>
+              <a:t>删除停用词：停用词是指对整个在线评论没有语义意义的词，例 如感叹词，代词等。删除停用词和删除特殊符号具有相同的效果， 这有助于随后的情感分类模型可以更好地捕捉复习句子的主要语义。</a:t>
+            </a:r>
+            <a:endParaRPr lang="en-US" altLang="zh-CN" dirty="0"/>
+          </a:p>
+          <a:p>
+            <a:r>
+              <a:rPr lang="zh-CN" altLang="en-US" dirty="0"/>
+              <a:t> 删除低频词：由于互联网用户数量众多，每个人都有各种各样的 词来表达自己的情感。尽管有些词可以代表一定的情感倾向，但它 们的频率太低。对于整个情感分类模型而言，学习低频词的情感倾 向弊大于利。 </a:t>
+            </a:r>
+            <a:endParaRPr lang="en-US" altLang="zh-CN" dirty="0"/>
+          </a:p>
+          <a:p>
+            <a:r>
+              <a:rPr lang="zh-CN" altLang="en-US" dirty="0"/>
+              <a:t>之后，删除空白评论。最后，数据存储在数据库中，以方便后续 情感分类模型的使用。 </a:t>
+            </a:r>
+            <a:endParaRPr lang="en-US" altLang="zh-CN" dirty="0"/>
+          </a:p>
+        </p:txBody>
+      </p:sp>
+    </p:spTree>
+    <p:extLst>
+      <p:ext uri="{BB962C8B-B14F-4D97-AF65-F5344CB8AC3E}">
+        <p14:creationId xmlns:p14="http://schemas.microsoft.com/office/powerpoint/2010/main" val="2056041029"/>
+      </p:ext>
+    </p:extLst>
+  </p:cSld>
+  <p:clrMapOvr>
+    <a:masterClrMapping/>
+  </p:clrMapOvr>
+</p:sld>
+</file>
+
+<file path=ppt/slides/slide8.xml><?xml version="1.0" encoding="utf-8"?>
+<p:sld xmlns:a="http://schemas.openxmlformats.org/drawingml/2006/main" xmlns:r="http://schemas.openxmlformats.org/officeDocument/2006/relationships" xmlns:p="http://schemas.openxmlformats.org/presentationml/2006/main">
+  <p:cSld>
+    <p:spTree>
+      <p:nvGrpSpPr>
+        <p:cNvPr id="1" name=""/>
+        <p:cNvGrpSpPr/>
+        <p:nvPr/>
+      </p:nvGrpSpPr>
+      <p:grpSpPr>
+        <a:xfrm>
+          <a:off x="0" y="0"/>
+          <a:ext cx="0" cy="0"/>
+          <a:chOff x="0" y="0"/>
+          <a:chExt cx="0" cy="0"/>
+        </a:xfrm>
+      </p:grpSpPr>
+      <p:sp>
+        <p:nvSpPr>
+          <p:cNvPr id="2" name="标题 1">
+            <a:extLst>
+              <a:ext uri="{FF2B5EF4-FFF2-40B4-BE49-F238E27FC236}">
+                <a16:creationId xmlns:a16="http://schemas.microsoft.com/office/drawing/2014/main" id="{A2298858-D8DA-48C6-89CA-ACDF4D042747}"/>
+              </a:ext>
+            </a:extLst>
+          </p:cNvPr>
+          <p:cNvSpPr>
+            <a:spLocks noGrp="1"/>
+          </p:cNvSpPr>
+          <p:nvPr>
+            <p:ph type="title"/>
+          </p:nvPr>
+        </p:nvSpPr>
+        <p:spPr/>
+        <p:txBody>
+          <a:bodyPr/>
+          <a:lstStyle/>
+          <a:p>
+            <a:r>
+              <a:rPr lang="zh-CN" altLang="en-US" dirty="0"/>
+              <a:t>基于</a:t>
+            </a:r>
+            <a:r>
+              <a:rPr lang="en-US" altLang="zh-CN" dirty="0" err="1"/>
+              <a:t>BiLSTM</a:t>
+            </a:r>
+            <a:r>
+              <a:rPr lang="zh-CN" altLang="en-US" dirty="0"/>
+              <a:t>的情感分类模型</a:t>
+            </a:r>
+          </a:p>
+        </p:txBody>
+      </p:sp>
+      <p:sp>
+        <p:nvSpPr>
+          <p:cNvPr id="3" name="内容占位符 2">
+            <a:extLst>
+              <a:ext uri="{FF2B5EF4-FFF2-40B4-BE49-F238E27FC236}">
+                <a16:creationId xmlns:a16="http://schemas.microsoft.com/office/drawing/2014/main" id="{68ABF0E2-0E8D-4073-88B9-EDEA071681C6}"/>
+              </a:ext>
+            </a:extLst>
+          </p:cNvPr>
+          <p:cNvSpPr>
+            <a:spLocks noGrp="1"/>
+          </p:cNvSpPr>
+          <p:nvPr>
+            <p:ph idx="1"/>
+          </p:nvPr>
+        </p:nvSpPr>
+        <p:spPr/>
+        <p:txBody>
+          <a:bodyPr/>
+          <a:lstStyle/>
+          <a:p>
+            <a:r>
+              <a:rPr lang="zh-CN" altLang="en-US" dirty="0"/>
+              <a:t>长短期记忆（</a:t>
+            </a:r>
+            <a:r>
+              <a:rPr lang="en-US" altLang="zh-CN" dirty="0"/>
+              <a:t>LSTM</a:t>
+            </a:r>
+            <a:r>
+              <a:rPr lang="zh-CN" altLang="en-US" dirty="0"/>
+              <a:t>）</a:t>
+            </a:r>
+            <a:r>
+              <a:rPr lang="en-US" altLang="zh-CN" dirty="0"/>
+              <a:t>[22]</a:t>
+            </a:r>
+            <a:r>
+              <a:rPr lang="zh-CN" altLang="en-US" dirty="0"/>
+              <a:t>神经网络是一种引入“门”机制的递归神 经网络。</a:t>
+            </a:r>
+            <a:r>
+              <a:rPr lang="en-US" altLang="zh-CN" dirty="0"/>
+              <a:t>LSTM</a:t>
+            </a:r>
+            <a:r>
+              <a:rPr lang="zh-CN" altLang="en-US" dirty="0"/>
+              <a:t>神经网络可以捕获更长距离的语义依赖性，避免了由 于序列长而导致的传统递归神经网络梯度消失的问题。</a:t>
+            </a:r>
+            <a:endParaRPr lang="en-US" altLang="zh-CN" dirty="0"/>
+          </a:p>
+          <a:p>
+            <a:r>
+              <a:rPr lang="en-US" altLang="zh-CN" dirty="0"/>
+              <a:t>LSTM</a:t>
+            </a:r>
+            <a:r>
+              <a:rPr lang="zh-CN" altLang="en-US" dirty="0"/>
+              <a:t>可以从整体上理解文本语义，并且在情感分类任务中表现 良好</a:t>
+            </a:r>
+            <a:r>
+              <a:rPr lang="en-US" altLang="zh-CN" dirty="0"/>
+              <a:t>[23]</a:t>
+            </a:r>
+            <a:r>
+              <a:rPr lang="zh-CN" altLang="en-US" dirty="0"/>
+              <a:t>。但是，</a:t>
+            </a:r>
+            <a:r>
+              <a:rPr lang="en-US" altLang="zh-CN" dirty="0"/>
+              <a:t>LSTM</a:t>
+            </a:r>
+            <a:r>
+              <a:rPr lang="zh-CN" altLang="en-US" dirty="0"/>
+              <a:t>只能捕获单个方向的语义依赖性。双向长期 短时记忆（</a:t>
+            </a:r>
+            <a:r>
+              <a:rPr lang="en-US" altLang="zh-CN" dirty="0" err="1"/>
+              <a:t>BiLSTM</a:t>
+            </a:r>
+            <a:r>
+              <a:rPr lang="zh-CN" altLang="en-US" dirty="0"/>
+              <a:t>）</a:t>
+            </a:r>
+            <a:r>
+              <a:rPr lang="en-US" altLang="zh-CN" dirty="0"/>
+              <a:t>[24]</a:t>
+            </a:r>
+            <a:r>
+              <a:rPr lang="zh-CN" altLang="en-US" dirty="0"/>
+              <a:t>神经网络是一种改进的</a:t>
+            </a:r>
+            <a:r>
+              <a:rPr lang="en-US" altLang="zh-CN" dirty="0"/>
+              <a:t>LSTM</a:t>
+            </a:r>
+            <a:r>
+              <a:rPr lang="zh-CN" altLang="en-US" dirty="0"/>
+              <a:t>神经网络， 可以捕获双向长距离语义依赖性。因此，在实验中，</a:t>
+            </a:r>
+            <a:r>
+              <a:rPr lang="en-US" altLang="zh-CN" dirty="0" err="1"/>
+              <a:t>BiLSTM</a:t>
+            </a:r>
+            <a:r>
+              <a:rPr lang="zh-CN" altLang="en-US" dirty="0"/>
+              <a:t>神经网 络主要用作深度学习情绪分类模型的基本组成部分，以获得优异的 分类性能。图</a:t>
+            </a:r>
+            <a:r>
+              <a:rPr lang="en-US" altLang="zh-CN" dirty="0"/>
+              <a:t>6</a:t>
+            </a:r>
+            <a:r>
+              <a:rPr lang="zh-CN" altLang="en-US" dirty="0"/>
+              <a:t>显示了</a:t>
+            </a:r>
+            <a:r>
+              <a:rPr lang="en-US" altLang="zh-CN" dirty="0" err="1"/>
+              <a:t>BiLSTM</a:t>
+            </a:r>
+            <a:r>
+              <a:rPr lang="zh-CN" altLang="en-US" dirty="0"/>
+              <a:t>神经网络的结构。 </a:t>
+            </a:r>
+          </a:p>
+        </p:txBody>
+      </p:sp>
+    </p:spTree>
+    <p:extLst>
+      <p:ext uri="{BB962C8B-B14F-4D97-AF65-F5344CB8AC3E}">
+        <p14:creationId xmlns:p14="http://schemas.microsoft.com/office/powerpoint/2010/main" val="2212811243"/>
+      </p:ext>
+    </p:extLst>
+  </p:cSld>
+  <p:clrMapOvr>
+    <a:masterClrMapping/>
+  </p:clrMapOvr>
+</p:sld>
+</file>
+
+<file path=ppt/slides/slide9.xml><?xml version="1.0" encoding="utf-8"?>
+<p:sld xmlns:a="http://schemas.openxmlformats.org/drawingml/2006/main" xmlns:r="http://schemas.openxmlformats.org/officeDocument/2006/relationships" xmlns:p="http://schemas.openxmlformats.org/presentationml/2006/main">
+  <p:cSld>
+    <p:spTree>
+      <p:nvGrpSpPr>
+        <p:cNvPr id="1" name=""/>
+        <p:cNvGrpSpPr/>
+        <p:nvPr/>
+      </p:nvGrpSpPr>
+      <p:grpSpPr>
+        <a:xfrm>
+          <a:off x="0" y="0"/>
+          <a:ext cx="0" cy="0"/>
+          <a:chOff x="0" y="0"/>
+          <a:chExt cx="0" cy="0"/>
+        </a:xfrm>
+      </p:grpSpPr>
+      <p:sp>
+        <p:nvSpPr>
+          <p:cNvPr id="2" name="标题 1">
+            <a:extLst>
+              <a:ext uri="{FF2B5EF4-FFF2-40B4-BE49-F238E27FC236}">
+                <a16:creationId xmlns:a16="http://schemas.microsoft.com/office/drawing/2014/main" id="{A599B100-F774-4635-AB2D-93C18D1DB9C7}"/>
+              </a:ext>
+            </a:extLst>
+          </p:cNvPr>
+          <p:cNvSpPr>
+            <a:spLocks noGrp="1"/>
+          </p:cNvSpPr>
+          <p:nvPr>
+            <p:ph type="title"/>
+          </p:nvPr>
+        </p:nvSpPr>
+        <p:spPr/>
+        <p:txBody>
+          <a:bodyPr/>
+          <a:lstStyle/>
+          <a:p>
+            <a:endParaRPr lang="zh-CN" altLang="en-US"/>
+          </a:p>
+        </p:txBody>
+      </p:sp>
+      <p:sp>
+        <p:nvSpPr>
+          <p:cNvPr id="3" name="内容占位符 2">
+            <a:extLst>
+              <a:ext uri="{FF2B5EF4-FFF2-40B4-BE49-F238E27FC236}">
+                <a16:creationId xmlns:a16="http://schemas.microsoft.com/office/drawing/2014/main" id="{A58D1D8D-D741-427E-B9F8-7B46190FCC06}"/>
+              </a:ext>
+            </a:extLst>
+          </p:cNvPr>
+          <p:cNvSpPr>
+            <a:spLocks noGrp="1"/>
+          </p:cNvSpPr>
+          <p:nvPr>
+            <p:ph idx="1"/>
+          </p:nvPr>
+        </p:nvSpPr>
+        <p:spPr/>
+        <p:txBody>
+          <a:bodyPr/>
+          <a:lstStyle/>
+          <a:p>
+            <a:r>
+              <a:rPr lang="en-US" altLang="zh-CN" dirty="0"/>
+              <a:t>Word2vec</a:t>
+            </a:r>
+            <a:r>
+              <a:rPr lang="zh-CN" altLang="en-US" dirty="0"/>
+              <a:t>用于将审阅数据的文本信息转换为矢量表示，然后将 其输入到</a:t>
+            </a:r>
+            <a:r>
+              <a:rPr lang="en-US" altLang="zh-CN" dirty="0" err="1"/>
+              <a:t>BiLSTM</a:t>
+            </a:r>
+            <a:r>
+              <a:rPr lang="zh-CN" altLang="en-US" dirty="0"/>
+              <a:t>中。</a:t>
+            </a:r>
+          </a:p>
+        </p:txBody>
+      </p:sp>
+    </p:spTree>
+    <p:extLst>
+      <p:ext uri="{BB962C8B-B14F-4D97-AF65-F5344CB8AC3E}">
+        <p14:creationId xmlns:p14="http://schemas.microsoft.com/office/powerpoint/2010/main" val="2614121776"/>
+      </p:ext>
+    </p:extLst>
+  </p:cSld>
+  <p:clrMapOvr>
+    <a:masterClrMapping/>
+  </p:clrMapOvr>
+</p:sld>
+</file>
+
 <file path=ppt/theme/theme1.xml><?xml version="1.0" encoding="utf-8"?>
 <a:theme xmlns:a="http://schemas.openxmlformats.org/drawingml/2006/main" name="Office 主题​​">
   <a:themeElements>

--- a/COVID-19 Sentiment based on Weak Tagging Information/开题报告.pptx
+++ b/COVID-19 Sentiment based on Weak Tagging Information/开题报告.pptx
@@ -10,16 +10,17 @@
     <p:sldId id="258" r:id="rId4"/>
     <p:sldId id="259" r:id="rId5"/>
     <p:sldId id="260" r:id="rId6"/>
-    <p:sldId id="261" r:id="rId7"/>
-    <p:sldId id="262" r:id="rId8"/>
-    <p:sldId id="263" r:id="rId9"/>
-    <p:sldId id="264" r:id="rId10"/>
-    <p:sldId id="265" r:id="rId11"/>
-    <p:sldId id="266" r:id="rId12"/>
-    <p:sldId id="267" r:id="rId13"/>
-    <p:sldId id="268" r:id="rId14"/>
-    <p:sldId id="269" r:id="rId15"/>
-    <p:sldId id="270" r:id="rId16"/>
+    <p:sldId id="271" r:id="rId7"/>
+    <p:sldId id="261" r:id="rId8"/>
+    <p:sldId id="262" r:id="rId9"/>
+    <p:sldId id="263" r:id="rId10"/>
+    <p:sldId id="264" r:id="rId11"/>
+    <p:sldId id="265" r:id="rId12"/>
+    <p:sldId id="266" r:id="rId13"/>
+    <p:sldId id="267" r:id="rId14"/>
+    <p:sldId id="268" r:id="rId15"/>
+    <p:sldId id="269" r:id="rId16"/>
+    <p:sldId id="270" r:id="rId17"/>
   </p:sldIdLst>
   <p:sldSz cx="12192000" cy="6858000"/>
   <p:notesSz cx="6858000" cy="9144000"/>
@@ -126,6 +127,1001 @@
 </p:presentation>
 </file>
 
+<file path=ppt/charts/chart1.xml><?xml version="1.0" encoding="utf-8"?>
+<c:chartSpace xmlns:c="http://schemas.openxmlformats.org/drawingml/2006/chart" xmlns:a="http://schemas.openxmlformats.org/drawingml/2006/main" xmlns:r="http://schemas.openxmlformats.org/officeDocument/2006/relationships" xmlns:c16r2="http://schemas.microsoft.com/office/drawing/2015/06/chart">
+  <c:date1904 val="0"/>
+  <c:lang val="zh-CN"/>
+  <c:roundedCorners val="0"/>
+  <mc:AlternateContent xmlns:mc="http://schemas.openxmlformats.org/markup-compatibility/2006">
+    <mc:Choice xmlns:c14="http://schemas.microsoft.com/office/drawing/2007/8/2/chart" Requires="c14">
+      <c14:style val="102"/>
+    </mc:Choice>
+    <mc:Fallback>
+      <c:style val="2"/>
+    </mc:Fallback>
+  </mc:AlternateContent>
+  <c:chart>
+    <c:title>
+      <c:tx>
+        <c:rich>
+          <a:bodyPr rot="0" spcFirstLastPara="1" vertOverflow="ellipsis" vert="horz" wrap="square" anchor="ctr" anchorCtr="1"/>
+          <a:lstStyle/>
+          <a:p>
+            <a:pPr>
+              <a:defRPr sz="1862" b="0" i="0" u="none" strike="noStrike" kern="1200" spc="0" baseline="0">
+                <a:solidFill>
+                  <a:schemeClr val="tx1">
+                    <a:lumMod val="65000"/>
+                    <a:lumOff val="35000"/>
+                  </a:schemeClr>
+                </a:solidFill>
+                <a:latin typeface="+mn-lt"/>
+                <a:ea typeface="+mn-ea"/>
+                <a:cs typeface="+mn-cs"/>
+              </a:defRPr>
+            </a:pPr>
+            <a:r>
+              <a:rPr lang="zh-CN" altLang="en-US" dirty="0"/>
+              <a:t>表情使用频次</a:t>
+            </a:r>
+          </a:p>
+        </c:rich>
+      </c:tx>
+      <c:overlay val="0"/>
+      <c:spPr>
+        <a:noFill/>
+        <a:ln>
+          <a:noFill/>
+        </a:ln>
+        <a:effectLst/>
+      </c:spPr>
+      <c:txPr>
+        <a:bodyPr rot="0" spcFirstLastPara="1" vertOverflow="ellipsis" vert="horz" wrap="square" anchor="ctr" anchorCtr="1"/>
+        <a:lstStyle/>
+        <a:p>
+          <a:pPr>
+            <a:defRPr sz="1862" b="0" i="0" u="none" strike="noStrike" kern="1200" spc="0" baseline="0">
+              <a:solidFill>
+                <a:schemeClr val="tx1">
+                  <a:lumMod val="65000"/>
+                  <a:lumOff val="35000"/>
+                </a:schemeClr>
+              </a:solidFill>
+              <a:latin typeface="+mn-lt"/>
+              <a:ea typeface="+mn-ea"/>
+              <a:cs typeface="+mn-cs"/>
+            </a:defRPr>
+          </a:pPr>
+          <a:endParaRPr lang="zh-CN"/>
+        </a:p>
+      </c:txPr>
+    </c:title>
+    <c:autoTitleDeleted val="0"/>
+    <c:plotArea>
+      <c:layout/>
+      <c:pieChart>
+        <c:varyColors val="1"/>
+        <c:ser>
+          <c:idx val="0"/>
+          <c:order val="0"/>
+          <c:tx>
+            <c:strRef>
+              <c:f>Sheet1!$B$1</c:f>
+              <c:strCache>
+                <c:ptCount val="1"/>
+                <c:pt idx="0">
+                  <c:v>频次</c:v>
+                </c:pt>
+              </c:strCache>
+            </c:strRef>
+          </c:tx>
+          <c:dPt>
+            <c:idx val="0"/>
+            <c:bubble3D val="0"/>
+            <c:spPr>
+              <a:solidFill>
+                <a:schemeClr val="accent1"/>
+              </a:solidFill>
+              <a:ln w="19050">
+                <a:solidFill>
+                  <a:schemeClr val="lt1"/>
+                </a:solidFill>
+              </a:ln>
+              <a:effectLst/>
+            </c:spPr>
+          </c:dPt>
+          <c:dPt>
+            <c:idx val="1"/>
+            <c:bubble3D val="0"/>
+            <c:spPr>
+              <a:solidFill>
+                <a:schemeClr val="accent2"/>
+              </a:solidFill>
+              <a:ln w="19050">
+                <a:solidFill>
+                  <a:schemeClr val="lt1"/>
+                </a:solidFill>
+              </a:ln>
+              <a:effectLst/>
+            </c:spPr>
+          </c:dPt>
+          <c:dPt>
+            <c:idx val="2"/>
+            <c:bubble3D val="0"/>
+            <c:spPr>
+              <a:solidFill>
+                <a:schemeClr val="accent3"/>
+              </a:solidFill>
+              <a:ln w="19050">
+                <a:solidFill>
+                  <a:schemeClr val="lt1"/>
+                </a:solidFill>
+              </a:ln>
+              <a:effectLst/>
+            </c:spPr>
+          </c:dPt>
+          <c:dPt>
+            <c:idx val="3"/>
+            <c:bubble3D val="0"/>
+            <c:spPr>
+              <a:solidFill>
+                <a:schemeClr val="accent4"/>
+              </a:solidFill>
+              <a:ln w="19050">
+                <a:solidFill>
+                  <a:schemeClr val="lt1"/>
+                </a:solidFill>
+              </a:ln>
+              <a:effectLst/>
+            </c:spPr>
+          </c:dPt>
+          <c:dPt>
+            <c:idx val="4"/>
+            <c:bubble3D val="0"/>
+            <c:spPr>
+              <a:solidFill>
+                <a:schemeClr val="accent5"/>
+              </a:solidFill>
+              <a:ln w="19050">
+                <a:solidFill>
+                  <a:schemeClr val="lt1"/>
+                </a:solidFill>
+              </a:ln>
+              <a:effectLst/>
+            </c:spPr>
+          </c:dPt>
+          <c:dPt>
+            <c:idx val="5"/>
+            <c:bubble3D val="0"/>
+            <c:spPr>
+              <a:solidFill>
+                <a:schemeClr val="accent6"/>
+              </a:solidFill>
+              <a:ln w="19050">
+                <a:solidFill>
+                  <a:schemeClr val="lt1"/>
+                </a:solidFill>
+              </a:ln>
+              <a:effectLst/>
+            </c:spPr>
+          </c:dPt>
+          <c:dPt>
+            <c:idx val="6"/>
+            <c:bubble3D val="0"/>
+            <c:spPr>
+              <a:solidFill>
+                <a:schemeClr val="accent1">
+                  <a:lumMod val="60000"/>
+                </a:schemeClr>
+              </a:solidFill>
+              <a:ln w="19050">
+                <a:solidFill>
+                  <a:schemeClr val="lt1"/>
+                </a:solidFill>
+              </a:ln>
+              <a:effectLst/>
+            </c:spPr>
+          </c:dPt>
+          <c:dPt>
+            <c:idx val="7"/>
+            <c:bubble3D val="0"/>
+            <c:spPr>
+              <a:solidFill>
+                <a:schemeClr val="accent2">
+                  <a:lumMod val="60000"/>
+                </a:schemeClr>
+              </a:solidFill>
+              <a:ln w="19050">
+                <a:solidFill>
+                  <a:schemeClr val="lt1"/>
+                </a:solidFill>
+              </a:ln>
+              <a:effectLst/>
+            </c:spPr>
+          </c:dPt>
+          <c:dPt>
+            <c:idx val="8"/>
+            <c:bubble3D val="0"/>
+            <c:spPr>
+              <a:solidFill>
+                <a:schemeClr val="accent3">
+                  <a:lumMod val="60000"/>
+                </a:schemeClr>
+              </a:solidFill>
+              <a:ln w="19050">
+                <a:solidFill>
+                  <a:schemeClr val="lt1"/>
+                </a:solidFill>
+              </a:ln>
+              <a:effectLst/>
+            </c:spPr>
+          </c:dPt>
+          <c:dPt>
+            <c:idx val="9"/>
+            <c:bubble3D val="0"/>
+            <c:spPr>
+              <a:solidFill>
+                <a:schemeClr val="accent4">
+                  <a:lumMod val="60000"/>
+                </a:schemeClr>
+              </a:solidFill>
+              <a:ln w="19050">
+                <a:solidFill>
+                  <a:schemeClr val="lt1"/>
+                </a:solidFill>
+              </a:ln>
+              <a:effectLst/>
+            </c:spPr>
+          </c:dPt>
+          <c:dPt>
+            <c:idx val="10"/>
+            <c:bubble3D val="0"/>
+            <c:spPr>
+              <a:solidFill>
+                <a:schemeClr val="accent5">
+                  <a:lumMod val="60000"/>
+                </a:schemeClr>
+              </a:solidFill>
+              <a:ln w="19050">
+                <a:solidFill>
+                  <a:schemeClr val="lt1"/>
+                </a:solidFill>
+              </a:ln>
+              <a:effectLst/>
+            </c:spPr>
+          </c:dPt>
+          <c:cat>
+            <c:strRef>
+              <c:f>Sheet1!$A$2:$A$12</c:f>
+              <c:strCache>
+                <c:ptCount val="11"/>
+                <c:pt idx="0">
+                  <c:v>i_f25</c:v>
+                </c:pt>
+                <c:pt idx="1">
+                  <c:v>i_f16</c:v>
+                </c:pt>
+                <c:pt idx="2">
+                  <c:v>i_f05</c:v>
+                </c:pt>
+                <c:pt idx="3">
+                  <c:v>i_f01</c:v>
+                </c:pt>
+                <c:pt idx="4">
+                  <c:v>i_f02</c:v>
+                </c:pt>
+                <c:pt idx="5">
+                  <c:v>i_f04</c:v>
+                </c:pt>
+                <c:pt idx="6">
+                  <c:v>i_f15</c:v>
+                </c:pt>
+                <c:pt idx="7">
+                  <c:v>i_f27</c:v>
+                </c:pt>
+                <c:pt idx="8">
+                  <c:v>i_f28</c:v>
+                </c:pt>
+                <c:pt idx="9">
+                  <c:v>i_f30</c:v>
+                </c:pt>
+                <c:pt idx="10">
+                  <c:v>其他</c:v>
+                </c:pt>
+              </c:strCache>
+            </c:strRef>
+          </c:cat>
+          <c:val>
+            <c:numRef>
+              <c:f>Sheet1!$B$2:$B$12</c:f>
+              <c:numCache>
+                <c:formatCode>General</c:formatCode>
+                <c:ptCount val="11"/>
+                <c:pt idx="0">
+                  <c:v>42</c:v>
+                </c:pt>
+                <c:pt idx="1">
+                  <c:v>12</c:v>
+                </c:pt>
+                <c:pt idx="2">
+                  <c:v>9</c:v>
+                </c:pt>
+                <c:pt idx="3">
+                  <c:v>6</c:v>
+                </c:pt>
+                <c:pt idx="4">
+                  <c:v>5</c:v>
+                </c:pt>
+                <c:pt idx="5">
+                  <c:v>3</c:v>
+                </c:pt>
+                <c:pt idx="6">
+                  <c:v>3</c:v>
+                </c:pt>
+                <c:pt idx="7">
+                  <c:v>3</c:v>
+                </c:pt>
+                <c:pt idx="8">
+                  <c:v>3</c:v>
+                </c:pt>
+                <c:pt idx="9">
+                  <c:v>3</c:v>
+                </c:pt>
+                <c:pt idx="10">
+                  <c:v>15</c:v>
+                </c:pt>
+              </c:numCache>
+            </c:numRef>
+          </c:val>
+          <c:extLst>
+            <c:ext xmlns:c16="http://schemas.microsoft.com/office/drawing/2014/chart" uri="{C3380CC4-5D6E-409C-BE32-E72D297353CC}">
+              <c16:uniqueId val="{00000000-413D-41E3-883A-46F17289330E}"/>
+            </c:ext>
+          </c:extLst>
+        </c:ser>
+        <c:dLbls>
+          <c:showLegendKey val="0"/>
+          <c:showVal val="0"/>
+          <c:showCatName val="0"/>
+          <c:showSerName val="0"/>
+          <c:showPercent val="0"/>
+          <c:showBubbleSize val="0"/>
+          <c:showLeaderLines val="1"/>
+        </c:dLbls>
+        <c:firstSliceAng val="0"/>
+      </c:pieChart>
+      <c:spPr>
+        <a:noFill/>
+        <a:ln>
+          <a:noFill/>
+        </a:ln>
+        <a:effectLst/>
+      </c:spPr>
+    </c:plotArea>
+    <c:legend>
+      <c:legendPos val="t"/>
+      <c:overlay val="0"/>
+      <c:spPr>
+        <a:noFill/>
+        <a:ln>
+          <a:noFill/>
+        </a:ln>
+        <a:effectLst/>
+      </c:spPr>
+      <c:txPr>
+        <a:bodyPr rot="0" spcFirstLastPara="1" vertOverflow="ellipsis" vert="horz" wrap="square" anchor="ctr" anchorCtr="1"/>
+        <a:lstStyle/>
+        <a:p>
+          <a:pPr>
+            <a:defRPr sz="1197" b="0" i="0" u="none" strike="noStrike" kern="1200" baseline="0">
+              <a:solidFill>
+                <a:schemeClr val="tx1">
+                  <a:lumMod val="65000"/>
+                  <a:lumOff val="35000"/>
+                </a:schemeClr>
+              </a:solidFill>
+              <a:latin typeface="+mn-lt"/>
+              <a:ea typeface="+mn-ea"/>
+              <a:cs typeface="+mn-cs"/>
+            </a:defRPr>
+          </a:pPr>
+          <a:endParaRPr lang="zh-CN"/>
+        </a:p>
+      </c:txPr>
+    </c:legend>
+    <c:plotVisOnly val="1"/>
+    <c:dispBlanksAs val="gap"/>
+    <c:extLst>
+      <c:ext xmlns:c16r3="http://schemas.microsoft.com/office/drawing/2017/03/chart" uri="{56B9EC1D-385E-4148-901F-78D8002777C0}">
+        <c16r3:dataDisplayOptions16>
+          <c16r3:dispNaAsBlank val="1"/>
+        </c16r3:dataDisplayOptions16>
+      </c:ext>
+    </c:extLst>
+    <c:showDLblsOverMax val="0"/>
+  </c:chart>
+  <c:spPr>
+    <a:noFill/>
+    <a:ln>
+      <a:noFill/>
+    </a:ln>
+    <a:effectLst/>
+  </c:spPr>
+  <c:txPr>
+    <a:bodyPr/>
+    <a:lstStyle/>
+    <a:p>
+      <a:pPr>
+        <a:defRPr/>
+      </a:pPr>
+      <a:endParaRPr lang="zh-CN"/>
+    </a:p>
+  </c:txPr>
+  <c:externalData r:id="rId3">
+    <c:autoUpdate val="0"/>
+  </c:externalData>
+</c:chartSpace>
+</file>
+
+<file path=ppt/charts/colors1.xml><?xml version="1.0" encoding="utf-8"?>
+<cs:colorStyle xmlns:cs="http://schemas.microsoft.com/office/drawing/2012/chartStyle" xmlns:a="http://schemas.openxmlformats.org/drawingml/2006/main" meth="cycle" id="10">
+  <a:schemeClr val="accent1"/>
+  <a:schemeClr val="accent2"/>
+  <a:schemeClr val="accent3"/>
+  <a:schemeClr val="accent4"/>
+  <a:schemeClr val="accent5"/>
+  <a:schemeClr val="accent6"/>
+  <cs:variation/>
+  <cs:variation>
+    <a:lumMod val="60000"/>
+  </cs:variation>
+  <cs:variation>
+    <a:lumMod val="80000"/>
+    <a:lumOff val="20000"/>
+  </cs:variation>
+  <cs:variation>
+    <a:lumMod val="80000"/>
+  </cs:variation>
+  <cs:variation>
+    <a:lumMod val="60000"/>
+    <a:lumOff val="40000"/>
+  </cs:variation>
+  <cs:variation>
+    <a:lumMod val="50000"/>
+  </cs:variation>
+  <cs:variation>
+    <a:lumMod val="70000"/>
+    <a:lumOff val="30000"/>
+  </cs:variation>
+  <cs:variation>
+    <a:lumMod val="70000"/>
+  </cs:variation>
+  <cs:variation>
+    <a:lumMod val="50000"/>
+    <a:lumOff val="50000"/>
+  </cs:variation>
+</cs:colorStyle>
+</file>
+
+<file path=ppt/charts/style1.xml><?xml version="1.0" encoding="utf-8"?>
+<cs:chartStyle xmlns:cs="http://schemas.microsoft.com/office/drawing/2012/chartStyle" xmlns:a="http://schemas.openxmlformats.org/drawingml/2006/main" id="251">
+  <cs:axisTitle>
+    <cs:lnRef idx="0"/>
+    <cs:fillRef idx="0"/>
+    <cs:effectRef idx="0"/>
+    <cs:fontRef idx="minor">
+      <a:schemeClr val="tx1">
+        <a:lumMod val="65000"/>
+        <a:lumOff val="35000"/>
+      </a:schemeClr>
+    </cs:fontRef>
+    <cs:defRPr sz="1330" kern="1200"/>
+  </cs:axisTitle>
+  <cs:categoryAxis>
+    <cs:lnRef idx="0"/>
+    <cs:fillRef idx="0"/>
+    <cs:effectRef idx="0"/>
+    <cs:fontRef idx="minor">
+      <a:schemeClr val="tx1">
+        <a:lumMod val="65000"/>
+        <a:lumOff val="35000"/>
+      </a:schemeClr>
+    </cs:fontRef>
+    <cs:spPr>
+      <a:ln w="9525" cap="flat" cmpd="sng" algn="ctr">
+        <a:solidFill>
+          <a:schemeClr val="tx1">
+            <a:lumMod val="15000"/>
+            <a:lumOff val="85000"/>
+          </a:schemeClr>
+        </a:solidFill>
+        <a:round/>
+      </a:ln>
+    </cs:spPr>
+    <cs:defRPr sz="1197" kern="1200"/>
+  </cs:categoryAxis>
+  <cs:chartArea mods="allowNoFillOverride allowNoLineOverride">
+    <cs:lnRef idx="0"/>
+    <cs:fillRef idx="0"/>
+    <cs:effectRef idx="0"/>
+    <cs:fontRef idx="minor">
+      <a:schemeClr val="tx1"/>
+    </cs:fontRef>
+    <cs:spPr>
+      <a:solidFill>
+        <a:schemeClr val="bg1"/>
+      </a:solidFill>
+      <a:ln w="9525" cap="flat" cmpd="sng" algn="ctr">
+        <a:solidFill>
+          <a:schemeClr val="tx1">
+            <a:lumMod val="15000"/>
+            <a:lumOff val="85000"/>
+          </a:schemeClr>
+        </a:solidFill>
+        <a:round/>
+      </a:ln>
+    </cs:spPr>
+    <cs:defRPr sz="1197" kern="1200"/>
+  </cs:chartArea>
+  <cs:dataLabel>
+    <cs:lnRef idx="0"/>
+    <cs:fillRef idx="0"/>
+    <cs:effectRef idx="0"/>
+    <cs:fontRef idx="minor">
+      <a:schemeClr val="tx1">
+        <a:lumMod val="75000"/>
+        <a:lumOff val="25000"/>
+      </a:schemeClr>
+    </cs:fontRef>
+    <cs:defRPr sz="1197" kern="1200"/>
+  </cs:dataLabel>
+  <cs:dataLabelCallout>
+    <cs:lnRef idx="0"/>
+    <cs:fillRef idx="0"/>
+    <cs:effectRef idx="0"/>
+    <cs:fontRef idx="minor">
+      <a:schemeClr val="dk1">
+        <a:lumMod val="65000"/>
+        <a:lumOff val="35000"/>
+      </a:schemeClr>
+    </cs:fontRef>
+    <cs:spPr>
+      <a:solidFill>
+        <a:schemeClr val="lt1"/>
+      </a:solidFill>
+      <a:ln>
+        <a:solidFill>
+          <a:schemeClr val="dk1">
+            <a:lumMod val="25000"/>
+            <a:lumOff val="75000"/>
+          </a:schemeClr>
+        </a:solidFill>
+      </a:ln>
+    </cs:spPr>
+    <cs:defRPr sz="1197" kern="1200"/>
+    <cs:bodyPr rot="0" spcFirstLastPara="1" vertOverflow="clip" horzOverflow="clip" vert="horz" wrap="square" lIns="36576" tIns="18288" rIns="36576" bIns="18288" anchor="ctr" anchorCtr="1">
+      <a:spAutoFit/>
+    </cs:bodyPr>
+  </cs:dataLabelCallout>
+  <cs:dataPoint>
+    <cs:lnRef idx="0"/>
+    <cs:fillRef idx="1">
+      <cs:styleClr val="auto"/>
+    </cs:fillRef>
+    <cs:effectRef idx="0"/>
+    <cs:fontRef idx="minor">
+      <a:schemeClr val="tx1"/>
+    </cs:fontRef>
+    <cs:spPr>
+      <a:ln w="19050">
+        <a:solidFill>
+          <a:schemeClr val="lt1"/>
+        </a:solidFill>
+      </a:ln>
+    </cs:spPr>
+  </cs:dataPoint>
+  <cs:dataPoint3D>
+    <cs:lnRef idx="0"/>
+    <cs:fillRef idx="1">
+      <cs:styleClr val="auto"/>
+    </cs:fillRef>
+    <cs:effectRef idx="0"/>
+    <cs:fontRef idx="minor">
+      <a:schemeClr val="tx1"/>
+    </cs:fontRef>
+    <cs:spPr>
+      <a:ln w="25400">
+        <a:solidFill>
+          <a:schemeClr val="lt1"/>
+        </a:solidFill>
+      </a:ln>
+    </cs:spPr>
+  </cs:dataPoint3D>
+  <cs:dataPointLine>
+    <cs:lnRef idx="0">
+      <cs:styleClr val="auto"/>
+    </cs:lnRef>
+    <cs:fillRef idx="0"/>
+    <cs:effectRef idx="0"/>
+    <cs:fontRef idx="minor">
+      <a:schemeClr val="tx1"/>
+    </cs:fontRef>
+    <cs:spPr>
+      <a:ln w="28575" cap="rnd">
+        <a:solidFill>
+          <a:schemeClr val="phClr"/>
+        </a:solidFill>
+        <a:round/>
+      </a:ln>
+    </cs:spPr>
+  </cs:dataPointLine>
+  <cs:dataPointMarker>
+    <cs:lnRef idx="0">
+      <cs:styleClr val="auto"/>
+    </cs:lnRef>
+    <cs:fillRef idx="1">
+      <cs:styleClr val="auto"/>
+    </cs:fillRef>
+    <cs:effectRef idx="0"/>
+    <cs:fontRef idx="minor">
+      <a:schemeClr val="tx1"/>
+    </cs:fontRef>
+    <cs:spPr>
+      <a:ln w="9525">
+        <a:solidFill>
+          <a:schemeClr val="phClr"/>
+        </a:solidFill>
+      </a:ln>
+    </cs:spPr>
+  </cs:dataPointMarker>
+  <cs:dataPointMarkerLayout symbol="circle" size="5"/>
+  <cs:dataPointWireframe>
+    <cs:lnRef idx="0">
+      <cs:styleClr val="auto"/>
+    </cs:lnRef>
+    <cs:fillRef idx="0"/>
+    <cs:effectRef idx="0"/>
+    <cs:fontRef idx="minor">
+      <a:schemeClr val="tx1"/>
+    </cs:fontRef>
+    <cs:spPr>
+      <a:ln w="9525" cap="rnd">
+        <a:solidFill>
+          <a:schemeClr val="phClr"/>
+        </a:solidFill>
+        <a:round/>
+      </a:ln>
+    </cs:spPr>
+  </cs:dataPointWireframe>
+  <cs:dataTable>
+    <cs:lnRef idx="0"/>
+    <cs:fillRef idx="0"/>
+    <cs:effectRef idx="0"/>
+    <cs:fontRef idx="minor">
+      <a:schemeClr val="tx1">
+        <a:lumMod val="65000"/>
+        <a:lumOff val="35000"/>
+      </a:schemeClr>
+    </cs:fontRef>
+    <cs:spPr>
+      <a:noFill/>
+      <a:ln w="9525" cap="flat" cmpd="sng" algn="ctr">
+        <a:solidFill>
+          <a:schemeClr val="tx1">
+            <a:lumMod val="15000"/>
+            <a:lumOff val="85000"/>
+          </a:schemeClr>
+        </a:solidFill>
+        <a:round/>
+      </a:ln>
+    </cs:spPr>
+    <cs:defRPr sz="1197" kern="1200"/>
+  </cs:dataTable>
+  <cs:downBar>
+    <cs:lnRef idx="0"/>
+    <cs:fillRef idx="0"/>
+    <cs:effectRef idx="0"/>
+    <cs:fontRef idx="minor">
+      <a:schemeClr val="tx1"/>
+    </cs:fontRef>
+    <cs:spPr>
+      <a:solidFill>
+        <a:schemeClr val="dk1">
+          <a:lumMod val="75000"/>
+          <a:lumOff val="25000"/>
+        </a:schemeClr>
+      </a:solidFill>
+      <a:ln w="9525" cap="flat" cmpd="sng" algn="ctr">
+        <a:solidFill>
+          <a:schemeClr val="tx1">
+            <a:lumMod val="65000"/>
+            <a:lumOff val="35000"/>
+          </a:schemeClr>
+        </a:solidFill>
+        <a:round/>
+      </a:ln>
+    </cs:spPr>
+  </cs:downBar>
+  <cs:dropLine>
+    <cs:lnRef idx="0"/>
+    <cs:fillRef idx="0"/>
+    <cs:effectRef idx="0"/>
+    <cs:fontRef idx="minor">
+      <a:schemeClr val="tx1"/>
+    </cs:fontRef>
+    <cs:spPr>
+      <a:ln w="9525" cap="flat" cmpd="sng" algn="ctr">
+        <a:solidFill>
+          <a:schemeClr val="tx1">
+            <a:lumMod val="35000"/>
+            <a:lumOff val="65000"/>
+          </a:schemeClr>
+        </a:solidFill>
+        <a:round/>
+      </a:ln>
+    </cs:spPr>
+  </cs:dropLine>
+  <cs:errorBar>
+    <cs:lnRef idx="0"/>
+    <cs:fillRef idx="0"/>
+    <cs:effectRef idx="0"/>
+    <cs:fontRef idx="minor">
+      <a:schemeClr val="tx1"/>
+    </cs:fontRef>
+    <cs:spPr>
+      <a:ln w="9525" cap="flat" cmpd="sng" algn="ctr">
+        <a:solidFill>
+          <a:schemeClr val="tx1">
+            <a:lumMod val="65000"/>
+            <a:lumOff val="35000"/>
+          </a:schemeClr>
+        </a:solidFill>
+        <a:round/>
+      </a:ln>
+    </cs:spPr>
+  </cs:errorBar>
+  <cs:floor>
+    <cs:lnRef idx="0"/>
+    <cs:fillRef idx="0"/>
+    <cs:effectRef idx="0"/>
+    <cs:fontRef idx="minor">
+      <a:schemeClr val="tx1"/>
+    </cs:fontRef>
+    <cs:spPr>
+      <a:noFill/>
+      <a:ln>
+        <a:noFill/>
+      </a:ln>
+    </cs:spPr>
+  </cs:floor>
+  <cs:gridlineMajor>
+    <cs:lnRef idx="0"/>
+    <cs:fillRef idx="0"/>
+    <cs:effectRef idx="0"/>
+    <cs:fontRef idx="minor">
+      <a:schemeClr val="tx1"/>
+    </cs:fontRef>
+    <cs:spPr>
+      <a:ln w="9525" cap="flat" cmpd="sng" algn="ctr">
+        <a:solidFill>
+          <a:schemeClr val="tx1">
+            <a:lumMod val="15000"/>
+            <a:lumOff val="85000"/>
+          </a:schemeClr>
+        </a:solidFill>
+        <a:round/>
+      </a:ln>
+    </cs:spPr>
+  </cs:gridlineMajor>
+  <cs:gridlineMinor>
+    <cs:lnRef idx="0"/>
+    <cs:fillRef idx="0"/>
+    <cs:effectRef idx="0"/>
+    <cs:fontRef idx="minor">
+      <a:schemeClr val="tx1"/>
+    </cs:fontRef>
+    <cs:spPr>
+      <a:ln w="9525" cap="flat" cmpd="sng" algn="ctr">
+        <a:solidFill>
+          <a:schemeClr val="tx1">
+            <a:lumMod val="5000"/>
+            <a:lumOff val="95000"/>
+          </a:schemeClr>
+        </a:solidFill>
+        <a:round/>
+      </a:ln>
+    </cs:spPr>
+  </cs:gridlineMinor>
+  <cs:hiLoLine>
+    <cs:lnRef idx="0"/>
+    <cs:fillRef idx="0"/>
+    <cs:effectRef idx="0"/>
+    <cs:fontRef idx="minor">
+      <a:schemeClr val="tx1"/>
+    </cs:fontRef>
+    <cs:spPr>
+      <a:ln w="9525" cap="flat" cmpd="sng" algn="ctr">
+        <a:solidFill>
+          <a:schemeClr val="tx1">
+            <a:lumMod val="50000"/>
+            <a:lumOff val="50000"/>
+          </a:schemeClr>
+        </a:solidFill>
+        <a:round/>
+      </a:ln>
+    </cs:spPr>
+  </cs:hiLoLine>
+  <cs:leaderLine>
+    <cs:lnRef idx="0"/>
+    <cs:fillRef idx="0"/>
+    <cs:effectRef idx="0"/>
+    <cs:fontRef idx="minor">
+      <a:schemeClr val="tx1"/>
+    </cs:fontRef>
+    <cs:spPr>
+      <a:ln w="9525" cap="flat" cmpd="sng" algn="ctr">
+        <a:solidFill>
+          <a:schemeClr val="tx1">
+            <a:lumMod val="35000"/>
+            <a:lumOff val="65000"/>
+          </a:schemeClr>
+        </a:solidFill>
+        <a:round/>
+      </a:ln>
+    </cs:spPr>
+  </cs:leaderLine>
+  <cs:legend>
+    <cs:lnRef idx="0"/>
+    <cs:fillRef idx="0"/>
+    <cs:effectRef idx="0"/>
+    <cs:fontRef idx="minor">
+      <a:schemeClr val="tx1">
+        <a:lumMod val="65000"/>
+        <a:lumOff val="35000"/>
+      </a:schemeClr>
+    </cs:fontRef>
+    <cs:defRPr sz="1197" kern="1200"/>
+  </cs:legend>
+  <cs:plotArea mods="allowNoFillOverride allowNoLineOverride">
+    <cs:lnRef idx="0"/>
+    <cs:fillRef idx="0"/>
+    <cs:effectRef idx="0"/>
+    <cs:fontRef idx="minor">
+      <a:schemeClr val="tx1"/>
+    </cs:fontRef>
+  </cs:plotArea>
+  <cs:plotArea3D mods="allowNoFillOverride allowNoLineOverride">
+    <cs:lnRef idx="0"/>
+    <cs:fillRef idx="0"/>
+    <cs:effectRef idx="0"/>
+    <cs:fontRef idx="minor">
+      <a:schemeClr val="tx1"/>
+    </cs:fontRef>
+  </cs:plotArea3D>
+  <cs:seriesAxis>
+    <cs:lnRef idx="0"/>
+    <cs:fillRef idx="0"/>
+    <cs:effectRef idx="0"/>
+    <cs:fontRef idx="minor">
+      <a:schemeClr val="tx1">
+        <a:lumMod val="65000"/>
+        <a:lumOff val="35000"/>
+      </a:schemeClr>
+    </cs:fontRef>
+    <cs:defRPr sz="1197" kern="1200"/>
+  </cs:seriesAxis>
+  <cs:seriesLine>
+    <cs:lnRef idx="0"/>
+    <cs:fillRef idx="0"/>
+    <cs:effectRef idx="0"/>
+    <cs:fontRef idx="minor">
+      <a:schemeClr val="tx1"/>
+    </cs:fontRef>
+    <cs:spPr>
+      <a:ln w="9525" cap="flat" cmpd="sng" algn="ctr">
+        <a:solidFill>
+          <a:schemeClr val="tx1">
+            <a:lumMod val="35000"/>
+            <a:lumOff val="65000"/>
+          </a:schemeClr>
+        </a:solidFill>
+        <a:round/>
+      </a:ln>
+    </cs:spPr>
+  </cs:seriesLine>
+  <cs:title>
+    <cs:lnRef idx="0"/>
+    <cs:fillRef idx="0"/>
+    <cs:effectRef idx="0"/>
+    <cs:fontRef idx="minor">
+      <a:schemeClr val="tx1">
+        <a:lumMod val="65000"/>
+        <a:lumOff val="35000"/>
+      </a:schemeClr>
+    </cs:fontRef>
+    <cs:defRPr sz="1862" b="0" kern="1200" spc="0" baseline="0"/>
+  </cs:title>
+  <cs:trendline>
+    <cs:lnRef idx="0">
+      <cs:styleClr val="auto"/>
+    </cs:lnRef>
+    <cs:fillRef idx="0"/>
+    <cs:effectRef idx="0"/>
+    <cs:fontRef idx="minor">
+      <a:schemeClr val="tx1"/>
+    </cs:fontRef>
+    <cs:spPr>
+      <a:ln w="19050" cap="rnd">
+        <a:solidFill>
+          <a:schemeClr val="phClr"/>
+        </a:solidFill>
+        <a:prstDash val="sysDot"/>
+      </a:ln>
+    </cs:spPr>
+  </cs:trendline>
+  <cs:trendlineLabel>
+    <cs:lnRef idx="0"/>
+    <cs:fillRef idx="0"/>
+    <cs:effectRef idx="0"/>
+    <cs:fontRef idx="minor">
+      <a:schemeClr val="tx1">
+        <a:lumMod val="65000"/>
+        <a:lumOff val="35000"/>
+      </a:schemeClr>
+    </cs:fontRef>
+    <cs:defRPr sz="1197" kern="1200"/>
+  </cs:trendlineLabel>
+  <cs:upBar>
+    <cs:lnRef idx="0"/>
+    <cs:fillRef idx="0"/>
+    <cs:effectRef idx="0"/>
+    <cs:fontRef idx="minor">
+      <a:schemeClr val="tx1"/>
+    </cs:fontRef>
+    <cs:spPr>
+      <a:solidFill>
+        <a:schemeClr val="lt1"/>
+      </a:solidFill>
+      <a:ln w="9525" cap="flat" cmpd="sng" algn="ctr">
+        <a:solidFill>
+          <a:schemeClr val="tx1">
+            <a:lumMod val="65000"/>
+            <a:lumOff val="35000"/>
+          </a:schemeClr>
+        </a:solidFill>
+        <a:round/>
+      </a:ln>
+    </cs:spPr>
+  </cs:upBar>
+  <cs:valueAxis>
+    <cs:lnRef idx="0"/>
+    <cs:fillRef idx="0"/>
+    <cs:effectRef idx="0"/>
+    <cs:fontRef idx="minor">
+      <a:schemeClr val="tx1">
+        <a:lumMod val="65000"/>
+        <a:lumOff val="35000"/>
+      </a:schemeClr>
+    </cs:fontRef>
+    <cs:defRPr sz="1197" kern="1200"/>
+  </cs:valueAxis>
+  <cs:wall>
+    <cs:lnRef idx="0"/>
+    <cs:fillRef idx="0"/>
+    <cs:effectRef idx="0"/>
+    <cs:fontRef idx="minor">
+      <a:schemeClr val="tx1"/>
+    </cs:fontRef>
+    <cs:spPr>
+      <a:noFill/>
+      <a:ln>
+        <a:noFill/>
+      </a:ln>
+    </cs:spPr>
+  </cs:wall>
+</cs:chartStyle>
+</file>
+
 <file path=ppt/slideLayouts/slideLayout1.xml><?xml version="1.0" encoding="utf-8"?>
 <p:sldLayout xmlns:a="http://schemas.openxmlformats.org/drawingml/2006/main" xmlns:r="http://schemas.openxmlformats.org/officeDocument/2006/relationships" xmlns:p="http://schemas.openxmlformats.org/presentationml/2006/main" type="title" preserve="1">
   <p:cSld name="标题幻灯片">
@@ -273,7 +1269,7 @@
           <a:p>
             <a:fld id="{E9CCC3B0-9AE5-4D26-8999-AB11630E795C}" type="datetimeFigureOut">
               <a:rPr lang="zh-CN" altLang="en-US" smtClean="0"/>
-              <a:t>2021/5/5</a:t>
+              <a:t>2021/5/8</a:t>
             </a:fld>
             <a:endParaRPr lang="zh-CN" altLang="en-US"/>
           </a:p>
@@ -471,7 +1467,7 @@
           <a:p>
             <a:fld id="{E9CCC3B0-9AE5-4D26-8999-AB11630E795C}" type="datetimeFigureOut">
               <a:rPr lang="zh-CN" altLang="en-US" smtClean="0"/>
-              <a:t>2021/5/5</a:t>
+              <a:t>2021/5/8</a:t>
             </a:fld>
             <a:endParaRPr lang="zh-CN" altLang="en-US"/>
           </a:p>
@@ -679,7 +1675,7 @@
           <a:p>
             <a:fld id="{E9CCC3B0-9AE5-4D26-8999-AB11630E795C}" type="datetimeFigureOut">
               <a:rPr lang="zh-CN" altLang="en-US" smtClean="0"/>
-              <a:t>2021/5/5</a:t>
+              <a:t>2021/5/8</a:t>
             </a:fld>
             <a:endParaRPr lang="zh-CN" altLang="en-US"/>
           </a:p>
@@ -877,7 +1873,7 @@
           <a:p>
             <a:fld id="{E9CCC3B0-9AE5-4D26-8999-AB11630E795C}" type="datetimeFigureOut">
               <a:rPr lang="zh-CN" altLang="en-US" smtClean="0"/>
-              <a:t>2021/5/5</a:t>
+              <a:t>2021/5/8</a:t>
             </a:fld>
             <a:endParaRPr lang="zh-CN" altLang="en-US"/>
           </a:p>
@@ -1152,7 +2148,7 @@
           <a:p>
             <a:fld id="{E9CCC3B0-9AE5-4D26-8999-AB11630E795C}" type="datetimeFigureOut">
               <a:rPr lang="zh-CN" altLang="en-US" smtClean="0"/>
-              <a:t>2021/5/5</a:t>
+              <a:t>2021/5/8</a:t>
             </a:fld>
             <a:endParaRPr lang="zh-CN" altLang="en-US"/>
           </a:p>
@@ -1417,7 +2413,7 @@
           <a:p>
             <a:fld id="{E9CCC3B0-9AE5-4D26-8999-AB11630E795C}" type="datetimeFigureOut">
               <a:rPr lang="zh-CN" altLang="en-US" smtClean="0"/>
-              <a:t>2021/5/5</a:t>
+              <a:t>2021/5/8</a:t>
             </a:fld>
             <a:endParaRPr lang="zh-CN" altLang="en-US"/>
           </a:p>
@@ -1829,7 +2825,7 @@
           <a:p>
             <a:fld id="{E9CCC3B0-9AE5-4D26-8999-AB11630E795C}" type="datetimeFigureOut">
               <a:rPr lang="zh-CN" altLang="en-US" smtClean="0"/>
-              <a:t>2021/5/5</a:t>
+              <a:t>2021/5/8</a:t>
             </a:fld>
             <a:endParaRPr lang="zh-CN" altLang="en-US"/>
           </a:p>
@@ -1970,7 +2966,7 @@
           <a:p>
             <a:fld id="{E9CCC3B0-9AE5-4D26-8999-AB11630E795C}" type="datetimeFigureOut">
               <a:rPr lang="zh-CN" altLang="en-US" smtClean="0"/>
-              <a:t>2021/5/5</a:t>
+              <a:t>2021/5/8</a:t>
             </a:fld>
             <a:endParaRPr lang="zh-CN" altLang="en-US"/>
           </a:p>
@@ -2083,7 +3079,7 @@
           <a:p>
             <a:fld id="{E9CCC3B0-9AE5-4D26-8999-AB11630E795C}" type="datetimeFigureOut">
               <a:rPr lang="zh-CN" altLang="en-US" smtClean="0"/>
-              <a:t>2021/5/5</a:t>
+              <a:t>2021/5/8</a:t>
             </a:fld>
             <a:endParaRPr lang="zh-CN" altLang="en-US"/>
           </a:p>
@@ -2394,7 +3390,7 @@
           <a:p>
             <a:fld id="{E9CCC3B0-9AE5-4D26-8999-AB11630E795C}" type="datetimeFigureOut">
               <a:rPr lang="zh-CN" altLang="en-US" smtClean="0"/>
-              <a:t>2021/5/5</a:t>
+              <a:t>2021/5/8</a:t>
             </a:fld>
             <a:endParaRPr lang="zh-CN" altLang="en-US"/>
           </a:p>
@@ -2682,7 +3678,7 @@
           <a:p>
             <a:fld id="{E9CCC3B0-9AE5-4D26-8999-AB11630E795C}" type="datetimeFigureOut">
               <a:rPr lang="zh-CN" altLang="en-US" smtClean="0"/>
-              <a:t>2021/5/5</a:t>
+              <a:t>2021/5/8</a:t>
             </a:fld>
             <a:endParaRPr lang="zh-CN" altLang="en-US"/>
           </a:p>
@@ -2923,7 +3919,7 @@
           <a:p>
             <a:fld id="{E9CCC3B0-9AE5-4D26-8999-AB11630E795C}" type="datetimeFigureOut">
               <a:rPr lang="zh-CN" altLang="en-US" smtClean="0"/>
-              <a:t>2021/5/5</a:t>
+              <a:t>2021/5/8</a:t>
             </a:fld>
             <a:endParaRPr lang="zh-CN" altLang="en-US"/>
           </a:p>
@@ -3434,7 +4430,7 @@
           <p:cNvPr id="2" name="标题 1">
             <a:extLst>
               <a:ext uri="{FF2B5EF4-FFF2-40B4-BE49-F238E27FC236}">
-                <a16:creationId xmlns:a16="http://schemas.microsoft.com/office/drawing/2014/main" id="{FE7C83AE-A468-4742-BBAE-EC98388B9C77}"/>
+                <a16:creationId xmlns:a16="http://schemas.microsoft.com/office/drawing/2014/main" id="{A599B100-F774-4635-AB2D-93C18D1DB9C7}"/>
               </a:ext>
             </a:extLst>
           </p:cNvPr>
@@ -3450,18 +4446,7 @@
           <a:bodyPr/>
           <a:lstStyle/>
           <a:p>
-            <a:r>
-              <a:rPr lang="zh-CN" altLang="en-US" dirty="0"/>
-              <a:t>基于两阶段训练的</a:t>
-            </a:r>
-            <a:r>
-              <a:rPr lang="en-US" altLang="zh-CN" dirty="0" err="1"/>
-              <a:t>BilSTM</a:t>
-            </a:r>
-            <a:r>
-              <a:rPr lang="zh-CN" altLang="en-US" dirty="0"/>
-              <a:t>情感分类模型</a:t>
-            </a:r>
+            <a:endParaRPr lang="zh-CN" altLang="en-US"/>
           </a:p>
         </p:txBody>
       </p:sp>
@@ -3470,7 +4455,7 @@
           <p:cNvPr id="3" name="内容占位符 2">
             <a:extLst>
               <a:ext uri="{FF2B5EF4-FFF2-40B4-BE49-F238E27FC236}">
-                <a16:creationId xmlns:a16="http://schemas.microsoft.com/office/drawing/2014/main" id="{425871EE-CC79-4ACE-87D4-3DBC6DD75B14}"/>
+                <a16:creationId xmlns:a16="http://schemas.microsoft.com/office/drawing/2014/main" id="{A58D1D8D-D741-427E-B9F8-7B46190FCC06}"/>
               </a:ext>
             </a:extLst>
           </p:cNvPr>
@@ -3487,8 +4472,12 @@
           <a:lstStyle/>
           <a:p>
             <a:r>
-              <a:rPr lang="zh-CN" altLang="en-US" dirty="0"/>
-              <a:t>基于两阶段训练的两阶段训练的</a:t>
+              <a:rPr lang="en-US" altLang="zh-CN" dirty="0"/>
+              <a:t>Word2vec</a:t>
+            </a:r>
+            <a:r>
+              <a:rPr lang="zh-CN" altLang="en-US" dirty="0"/>
+              <a:t>用于将审阅数据的文本信息转换为矢量表示，然后将 其输入到</a:t>
             </a:r>
             <a:r>
               <a:rPr lang="en-US" altLang="zh-CN" dirty="0" err="1"/>
@@ -3496,31 +4485,7 @@
             </a:r>
             <a:r>
               <a:rPr lang="zh-CN" altLang="en-US" dirty="0"/>
-              <a:t>情感分类模型是第一个基于 弱标记信息的深度学习情感分类模型。实验中使用的情感分类模型 的结构与基于</a:t>
-            </a:r>
-            <a:r>
-              <a:rPr lang="en-US" altLang="zh-CN" dirty="0" err="1"/>
-              <a:t>BiLSTM</a:t>
-            </a:r>
-            <a:r>
-              <a:rPr lang="zh-CN" altLang="en-US" dirty="0"/>
-              <a:t>（</a:t>
-            </a:r>
-            <a:r>
-              <a:rPr lang="en-US" altLang="zh-CN" dirty="0" err="1"/>
-              <a:t>SC_BiLSTM</a:t>
-            </a:r>
-            <a:r>
-              <a:rPr lang="zh-CN" altLang="en-US" dirty="0"/>
-              <a:t>）的情感分类模型一致，并且 仅在模型训练方法上进行了创新。模型的训练分为两个阶段，两阶 段训练方法的示意图如图</a:t>
-            </a:r>
-            <a:r>
-              <a:rPr lang="en-US" altLang="zh-CN" dirty="0"/>
-              <a:t>8</a:t>
-            </a:r>
-            <a:r>
-              <a:rPr lang="zh-CN" altLang="en-US" dirty="0"/>
-              <a:t>所示。</a:t>
+              <a:t>中。</a:t>
             </a:r>
           </a:p>
         </p:txBody>
@@ -3528,7 +4493,7 @@
     </p:spTree>
     <p:extLst>
       <p:ext uri="{BB962C8B-B14F-4D97-AF65-F5344CB8AC3E}">
-        <p14:creationId xmlns:p14="http://schemas.microsoft.com/office/powerpoint/2010/main" val="879049585"/>
+        <p14:creationId xmlns:p14="http://schemas.microsoft.com/office/powerpoint/2010/main" val="2614121776"/>
       </p:ext>
     </p:extLst>
   </p:cSld>
@@ -3560,7 +4525,7 @@
           <p:cNvPr id="2" name="标题 1">
             <a:extLst>
               <a:ext uri="{FF2B5EF4-FFF2-40B4-BE49-F238E27FC236}">
-                <a16:creationId xmlns:a16="http://schemas.microsoft.com/office/drawing/2014/main" id="{3442668F-FD26-4050-9D6D-310145763B79}"/>
+                <a16:creationId xmlns:a16="http://schemas.microsoft.com/office/drawing/2014/main" id="{FE7C83AE-A468-4742-BBAE-EC98388B9C77}"/>
               </a:ext>
             </a:extLst>
           </p:cNvPr>
@@ -3596,7 +4561,7 @@
           <p:cNvPr id="3" name="内容占位符 2">
             <a:extLst>
               <a:ext uri="{FF2B5EF4-FFF2-40B4-BE49-F238E27FC236}">
-                <a16:creationId xmlns:a16="http://schemas.microsoft.com/office/drawing/2014/main" id="{C00AA406-66DF-4328-9835-42101F30FCB6}"/>
+                <a16:creationId xmlns:a16="http://schemas.microsoft.com/office/drawing/2014/main" id="{425871EE-CC79-4ACE-87D4-3DBC6DD75B14}"/>
               </a:ext>
             </a:extLst>
           </p:cNvPr>
@@ -3609,113 +4574,44 @@
         </p:nvSpPr>
         <p:spPr/>
         <p:txBody>
-          <a:bodyPr>
-            <a:normAutofit lnSpcReduction="10000"/>
-          </a:bodyPr>
-          <a:lstStyle/>
-          <a:p>
-            <a:r>
-              <a:rPr lang="zh-CN" altLang="en-US" dirty="0"/>
-              <a:t>首先，在第一阶段，使用大量的弱标记数据来训练</a:t>
+          <a:bodyPr/>
+          <a:lstStyle/>
+          <a:p>
+            <a:r>
+              <a:rPr lang="zh-CN" altLang="en-US" dirty="0"/>
+              <a:t>基于两阶段训练的两阶段训练的</a:t>
+            </a:r>
+            <a:r>
+              <a:rPr lang="en-US" altLang="zh-CN" dirty="0" err="1"/>
+              <a:t>BiLSTM</a:t>
+            </a:r>
+            <a:r>
+              <a:rPr lang="zh-CN" altLang="en-US" dirty="0"/>
+              <a:t>情感分类模型是第一个基于 弱标记信息的深度学习情感分类模型。实验中使用的情感分类模型 的结构与基于</a:t>
+            </a:r>
+            <a:r>
+              <a:rPr lang="en-US" altLang="zh-CN" dirty="0" err="1"/>
+              <a:t>BiLSTM</a:t>
+            </a:r>
+            <a:r>
+              <a:rPr lang="zh-CN" altLang="en-US" dirty="0"/>
+              <a:t>（</a:t>
             </a:r>
             <a:r>
               <a:rPr lang="en-US" altLang="zh-CN" dirty="0" err="1"/>
               <a:t>SC_BiLSTM</a:t>
             </a:r>
             <a:r>
+              <a:rPr lang="zh-CN" altLang="en-US" dirty="0"/>
+              <a:t>）的情感分类模型一致，并且 仅在模型训练方法上进行了创新。模型的训练分为两个阶段，两阶 段训练方法的示意图如图</a:t>
+            </a:r>
+            <a:r>
               <a:rPr lang="en-US" altLang="zh-CN" dirty="0"/>
-              <a:t> </a:t>
-            </a:r>
-            <a:r>
-              <a:rPr lang="zh-CN" altLang="en-US" dirty="0"/>
-              <a:t>（模型</a:t>
-            </a:r>
-            <a:r>
-              <a:rPr lang="en-US" altLang="zh-CN" dirty="0"/>
-              <a:t>0</a:t>
-            </a:r>
-            <a:r>
-              <a:rPr lang="zh-CN" altLang="en-US" dirty="0"/>
-              <a:t>）。在第</a:t>
-            </a:r>
-            <a:r>
-              <a:rPr lang="en-US" altLang="zh-CN" dirty="0"/>
-              <a:t>3.A</a:t>
-            </a:r>
-            <a:r>
-              <a:rPr lang="zh-CN" altLang="en-US" dirty="0"/>
-              <a:t>节的图</a:t>
-            </a:r>
-            <a:r>
-              <a:rPr lang="en-US" altLang="zh-CN" dirty="0"/>
-              <a:t>4</a:t>
-            </a:r>
-            <a:r>
-              <a:rPr lang="zh-CN" altLang="en-US" dirty="0"/>
-              <a:t>中，可以看出，弱标签数据中的噪声样 本所占的比例很小。因此，在使用大量弱标记数据训练模型</a:t>
-            </a:r>
-            <a:r>
-              <a:rPr lang="en-US" altLang="zh-CN" dirty="0"/>
-              <a:t>0</a:t>
-            </a:r>
-            <a:r>
-              <a:rPr lang="zh-CN" altLang="en-US" dirty="0"/>
-              <a:t>之后， 我们可以得到情感分类模型（模型</a:t>
-            </a:r>
-            <a:r>
-              <a:rPr lang="en-US" altLang="zh-CN" dirty="0"/>
-              <a:t>1</a:t>
-            </a:r>
-            <a:r>
-              <a:rPr lang="zh-CN" altLang="en-US" dirty="0"/>
-              <a:t>），该模型可以很好地捕获评论 语义。</a:t>
-            </a:r>
-            <a:endParaRPr lang="en-US" altLang="zh-CN" dirty="0"/>
-          </a:p>
-          <a:p>
-            <a:r>
-              <a:rPr lang="zh-CN" altLang="en-US" dirty="0"/>
-              <a:t>之后，将模型</a:t>
-            </a:r>
-            <a:r>
-              <a:rPr lang="en-US" altLang="zh-CN" dirty="0"/>
-              <a:t>1</a:t>
-            </a:r>
-            <a:r>
-              <a:rPr lang="zh-CN" altLang="en-US" dirty="0"/>
-              <a:t>的参数作为第二阶段模型（模型</a:t>
-            </a:r>
-            <a:r>
-              <a:rPr lang="en-US" altLang="zh-CN" dirty="0"/>
-              <a:t>2</a:t>
-            </a:r>
-            <a:r>
-              <a:rPr lang="zh-CN" altLang="en-US" dirty="0"/>
-              <a:t>）训练的初 始参数，并将一些标签数据输入模型进行训练，以达到对模型参数 的微调目的。减少模型训练第一阶段输入的噪声样本对情感分类模 型的负面影响，提高模型的分类性能，并获得最终的情感分类模型 （模型</a:t>
-            </a:r>
-            <a:r>
-              <a:rPr lang="en-US" altLang="zh-CN" dirty="0"/>
-              <a:t>3</a:t>
-            </a:r>
-            <a:r>
-              <a:rPr lang="zh-CN" altLang="en-US" dirty="0"/>
-              <a:t>）。表</a:t>
-            </a:r>
-            <a:r>
-              <a:rPr lang="en-US" altLang="zh-CN" dirty="0"/>
-              <a:t>1</a:t>
-            </a:r>
-            <a:r>
-              <a:rPr lang="zh-CN" altLang="en-US" dirty="0"/>
-              <a:t>显示了基于两阶段训练的</a:t>
-            </a:r>
-            <a:r>
-              <a:rPr lang="en-US" altLang="zh-CN" dirty="0" err="1"/>
-              <a:t>BiLSTM</a:t>
-            </a:r>
-            <a:r>
-              <a:rPr lang="zh-CN" altLang="en-US" dirty="0"/>
-              <a:t>情感分类模型的训 练过程。</a:t>
+              <a:t>8</a:t>
+            </a:r>
+            <a:r>
+              <a:rPr lang="zh-CN" altLang="en-US" dirty="0"/>
+              <a:t>所示。</a:t>
             </a:r>
           </a:p>
         </p:txBody>
@@ -3723,7 +4619,7 @@
     </p:spTree>
     <p:extLst>
       <p:ext uri="{BB962C8B-B14F-4D97-AF65-F5344CB8AC3E}">
-        <p14:creationId xmlns:p14="http://schemas.microsoft.com/office/powerpoint/2010/main" val="3461980083"/>
+        <p14:creationId xmlns:p14="http://schemas.microsoft.com/office/powerpoint/2010/main" val="879049585"/>
       </p:ext>
     </p:extLst>
   </p:cSld>
@@ -3755,7 +4651,7 @@
           <p:cNvPr id="2" name="标题 1">
             <a:extLst>
               <a:ext uri="{FF2B5EF4-FFF2-40B4-BE49-F238E27FC236}">
-                <a16:creationId xmlns:a16="http://schemas.microsoft.com/office/drawing/2014/main" id="{EB0287B9-28F0-4859-9BAA-85413DD7A144}"/>
+                <a16:creationId xmlns:a16="http://schemas.microsoft.com/office/drawing/2014/main" id="{3442668F-FD26-4050-9D6D-310145763B79}"/>
               </a:ext>
             </a:extLst>
           </p:cNvPr>
@@ -3773,7 +4669,15 @@
           <a:p>
             <a:r>
               <a:rPr lang="zh-CN" altLang="en-US" dirty="0"/>
-              <a:t>基于弱标记数据降噪的情感分类模型</a:t>
+              <a:t>基于两阶段训练的</a:t>
+            </a:r>
+            <a:r>
+              <a:rPr lang="en-US" altLang="zh-CN" dirty="0" err="1"/>
+              <a:t>BilSTM</a:t>
+            </a:r>
+            <a:r>
+              <a:rPr lang="zh-CN" altLang="en-US" dirty="0"/>
+              <a:t>情感分类模型</a:t>
             </a:r>
           </a:p>
         </p:txBody>
@@ -3783,7 +4687,7 @@
           <p:cNvPr id="3" name="内容占位符 2">
             <a:extLst>
               <a:ext uri="{FF2B5EF4-FFF2-40B4-BE49-F238E27FC236}">
-                <a16:creationId xmlns:a16="http://schemas.microsoft.com/office/drawing/2014/main" id="{FFE0C0C1-1B17-4E8D-A6E5-A48E8F57D2B0}"/>
+                <a16:creationId xmlns:a16="http://schemas.microsoft.com/office/drawing/2014/main" id="{C00AA406-66DF-4328-9835-42101F30FCB6}"/>
               </a:ext>
             </a:extLst>
           </p:cNvPr>
@@ -3796,12 +4700,113 @@
         </p:nvSpPr>
         <p:spPr/>
         <p:txBody>
-          <a:bodyPr/>
-          <a:lstStyle/>
-          <a:p>
-            <a:r>
-              <a:rPr lang="zh-CN" altLang="en-US" dirty="0"/>
-              <a:t>基于弱标签数据去噪的情感分类模型是基于弱标签信息的第二种深 度学习情感分类模型。构建了一个深度学习模型，用于对弱标签数 据进行消噪。基于深度学习的弱标签数据的去噪模型使用标签数据 的文本信息和标签信息作为输出，并在手动标记情感倾向之前使用 相应弱标签数据的文本信息和标签信息作为输入。</a:t>
+          <a:bodyPr>
+            <a:normAutofit lnSpcReduction="10000"/>
+          </a:bodyPr>
+          <a:lstStyle/>
+          <a:p>
+            <a:r>
+              <a:rPr lang="zh-CN" altLang="en-US" dirty="0"/>
+              <a:t>首先，在第一阶段，使用大量的弱标记数据来训练</a:t>
+            </a:r>
+            <a:r>
+              <a:rPr lang="en-US" altLang="zh-CN" dirty="0" err="1"/>
+              <a:t>SC_BiLSTM</a:t>
+            </a:r>
+            <a:r>
+              <a:rPr lang="en-US" altLang="zh-CN" dirty="0"/>
+              <a:t> </a:t>
+            </a:r>
+            <a:r>
+              <a:rPr lang="zh-CN" altLang="en-US" dirty="0"/>
+              <a:t>（模型</a:t>
+            </a:r>
+            <a:r>
+              <a:rPr lang="en-US" altLang="zh-CN" dirty="0"/>
+              <a:t>0</a:t>
+            </a:r>
+            <a:r>
+              <a:rPr lang="zh-CN" altLang="en-US" dirty="0"/>
+              <a:t>）。在第</a:t>
+            </a:r>
+            <a:r>
+              <a:rPr lang="en-US" altLang="zh-CN" dirty="0"/>
+              <a:t>3.A</a:t>
+            </a:r>
+            <a:r>
+              <a:rPr lang="zh-CN" altLang="en-US" dirty="0"/>
+              <a:t>节的图</a:t>
+            </a:r>
+            <a:r>
+              <a:rPr lang="en-US" altLang="zh-CN" dirty="0"/>
+              <a:t>4</a:t>
+            </a:r>
+            <a:r>
+              <a:rPr lang="zh-CN" altLang="en-US" dirty="0"/>
+              <a:t>中，可以看出，弱标签数据中的噪声样 本所占的比例很小。因此，在使用大量弱标记数据训练模型</a:t>
+            </a:r>
+            <a:r>
+              <a:rPr lang="en-US" altLang="zh-CN" dirty="0"/>
+              <a:t>0</a:t>
+            </a:r>
+            <a:r>
+              <a:rPr lang="zh-CN" altLang="en-US" dirty="0"/>
+              <a:t>之后， 我们可以得到情感分类模型（模型</a:t>
+            </a:r>
+            <a:r>
+              <a:rPr lang="en-US" altLang="zh-CN" dirty="0"/>
+              <a:t>1</a:t>
+            </a:r>
+            <a:r>
+              <a:rPr lang="zh-CN" altLang="en-US" dirty="0"/>
+              <a:t>），该模型可以很好地捕获评论 语义。</a:t>
+            </a:r>
+            <a:endParaRPr lang="en-US" altLang="zh-CN" dirty="0"/>
+          </a:p>
+          <a:p>
+            <a:r>
+              <a:rPr lang="zh-CN" altLang="en-US" dirty="0"/>
+              <a:t>之后，将模型</a:t>
+            </a:r>
+            <a:r>
+              <a:rPr lang="en-US" altLang="zh-CN" dirty="0"/>
+              <a:t>1</a:t>
+            </a:r>
+            <a:r>
+              <a:rPr lang="zh-CN" altLang="en-US" dirty="0"/>
+              <a:t>的参数作为第二阶段模型（模型</a:t>
+            </a:r>
+            <a:r>
+              <a:rPr lang="en-US" altLang="zh-CN" dirty="0"/>
+              <a:t>2</a:t>
+            </a:r>
+            <a:r>
+              <a:rPr lang="zh-CN" altLang="en-US" dirty="0"/>
+              <a:t>）训练的初 始参数，并将一些标签数据输入模型进行训练，以达到对模型参数 的微调目的。减少模型训练第一阶段输入的噪声样本对情感分类模 型的负面影响，提高模型的分类性能，并获得最终的情感分类模型 （模型</a:t>
+            </a:r>
+            <a:r>
+              <a:rPr lang="en-US" altLang="zh-CN" dirty="0"/>
+              <a:t>3</a:t>
+            </a:r>
+            <a:r>
+              <a:rPr lang="zh-CN" altLang="en-US" dirty="0"/>
+              <a:t>）。表</a:t>
+            </a:r>
+            <a:r>
+              <a:rPr lang="en-US" altLang="zh-CN" dirty="0"/>
+              <a:t>1</a:t>
+            </a:r>
+            <a:r>
+              <a:rPr lang="zh-CN" altLang="en-US" dirty="0"/>
+              <a:t>显示了基于两阶段训练的</a:t>
+            </a:r>
+            <a:r>
+              <a:rPr lang="en-US" altLang="zh-CN" dirty="0" err="1"/>
+              <a:t>BiLSTM</a:t>
+            </a:r>
+            <a:r>
+              <a:rPr lang="zh-CN" altLang="en-US" dirty="0"/>
+              <a:t>情感分类模型的训 练过程。</a:t>
             </a:r>
           </a:p>
         </p:txBody>
@@ -3809,7 +4814,7 @@
     </p:spTree>
     <p:extLst>
       <p:ext uri="{BB962C8B-B14F-4D97-AF65-F5344CB8AC3E}">
-        <p14:creationId xmlns:p14="http://schemas.microsoft.com/office/powerpoint/2010/main" val="2264740316"/>
+        <p14:creationId xmlns:p14="http://schemas.microsoft.com/office/powerpoint/2010/main" val="3461980083"/>
       </p:ext>
     </p:extLst>
   </p:cSld>
@@ -3841,7 +4846,7 @@
           <p:cNvPr id="2" name="标题 1">
             <a:extLst>
               <a:ext uri="{FF2B5EF4-FFF2-40B4-BE49-F238E27FC236}">
-                <a16:creationId xmlns:a16="http://schemas.microsoft.com/office/drawing/2014/main" id="{E2F033C9-C4A1-4109-B75C-25EA64203D24}"/>
+                <a16:creationId xmlns:a16="http://schemas.microsoft.com/office/drawing/2014/main" id="{EB0287B9-28F0-4859-9BAA-85413DD7A144}"/>
               </a:ext>
             </a:extLst>
           </p:cNvPr>
@@ -3858,10 +4863,9 @@
           <a:lstStyle/>
           <a:p>
             <a:r>
-              <a:rPr lang="en-US" altLang="zh-CN" dirty="0"/>
-              <a:t>Attention Layer</a:t>
-            </a:r>
-            <a:endParaRPr lang="zh-CN" altLang="en-US" dirty="0"/>
+              <a:rPr lang="zh-CN" altLang="en-US" dirty="0"/>
+              <a:t>基于弱标记数据降噪的情感分类模型</a:t>
+            </a:r>
           </a:p>
         </p:txBody>
       </p:sp>
@@ -3870,7 +4874,7 @@
           <p:cNvPr id="3" name="内容占位符 2">
             <a:extLst>
               <a:ext uri="{FF2B5EF4-FFF2-40B4-BE49-F238E27FC236}">
-                <a16:creationId xmlns:a16="http://schemas.microsoft.com/office/drawing/2014/main" id="{4CE4BF60-E91A-4103-BB26-291A7930B365}"/>
+                <a16:creationId xmlns:a16="http://schemas.microsoft.com/office/drawing/2014/main" id="{FFE0C0C1-1B17-4E8D-A6E5-A48E8F57D2B0}"/>
               </a:ext>
             </a:extLst>
           </p:cNvPr>
@@ -3888,23 +4892,7 @@
           <a:p>
             <a:r>
               <a:rPr lang="zh-CN" altLang="en-US" dirty="0"/>
-              <a:t>通过</a:t>
-            </a:r>
-            <a:r>
-              <a:rPr lang="en-US" altLang="zh-CN" dirty="0"/>
-              <a:t>Encode</a:t>
-            </a:r>
-            <a:r>
-              <a:rPr lang="zh-CN" altLang="en-US" dirty="0"/>
-              <a:t>和</a:t>
-            </a:r>
-            <a:r>
-              <a:rPr lang="en-US" altLang="zh-CN" dirty="0"/>
-              <a:t>Decode</a:t>
-            </a:r>
-            <a:r>
-              <a:rPr lang="zh-CN" altLang="en-US" dirty="0"/>
-              <a:t>之间的注意力层，注意力机制可 用于改善深度学习模型的性能。</a:t>
+              <a:t>基于弱标签数据去噪的情感分类模型是基于弱标签信息的第二种深 度学习情感分类模型。构建了一个深度学习模型，用于对弱标签数 据进行消噪。基于深度学习的弱标签数据的去噪模型使用标签数据 的文本信息和标签信息作为输出，并在手动标记情感倾向之前使用 相应弱标签数据的文本信息和标签信息作为输入。</a:t>
             </a:r>
           </a:p>
         </p:txBody>
@@ -3912,7 +4900,7 @@
     </p:spTree>
     <p:extLst>
       <p:ext uri="{BB962C8B-B14F-4D97-AF65-F5344CB8AC3E}">
-        <p14:creationId xmlns:p14="http://schemas.microsoft.com/office/powerpoint/2010/main" val="3548497100"/>
+        <p14:creationId xmlns:p14="http://schemas.microsoft.com/office/powerpoint/2010/main" val="2264740316"/>
       </p:ext>
     </p:extLst>
   </p:cSld>
@@ -3944,6 +4932,109 @@
           <p:cNvPr id="2" name="标题 1">
             <a:extLst>
               <a:ext uri="{FF2B5EF4-FFF2-40B4-BE49-F238E27FC236}">
+                <a16:creationId xmlns:a16="http://schemas.microsoft.com/office/drawing/2014/main" id="{E2F033C9-C4A1-4109-B75C-25EA64203D24}"/>
+              </a:ext>
+            </a:extLst>
+          </p:cNvPr>
+          <p:cNvSpPr>
+            <a:spLocks noGrp="1"/>
+          </p:cNvSpPr>
+          <p:nvPr>
+            <p:ph type="title"/>
+          </p:nvPr>
+        </p:nvSpPr>
+        <p:spPr/>
+        <p:txBody>
+          <a:bodyPr/>
+          <a:lstStyle/>
+          <a:p>
+            <a:r>
+              <a:rPr lang="en-US" altLang="zh-CN" dirty="0"/>
+              <a:t>Attention Layer</a:t>
+            </a:r>
+            <a:endParaRPr lang="zh-CN" altLang="en-US" dirty="0"/>
+          </a:p>
+        </p:txBody>
+      </p:sp>
+      <p:sp>
+        <p:nvSpPr>
+          <p:cNvPr id="3" name="内容占位符 2">
+            <a:extLst>
+              <a:ext uri="{FF2B5EF4-FFF2-40B4-BE49-F238E27FC236}">
+                <a16:creationId xmlns:a16="http://schemas.microsoft.com/office/drawing/2014/main" id="{4CE4BF60-E91A-4103-BB26-291A7930B365}"/>
+              </a:ext>
+            </a:extLst>
+          </p:cNvPr>
+          <p:cNvSpPr>
+            <a:spLocks noGrp="1"/>
+          </p:cNvSpPr>
+          <p:nvPr>
+            <p:ph idx="1"/>
+          </p:nvPr>
+        </p:nvSpPr>
+        <p:spPr/>
+        <p:txBody>
+          <a:bodyPr/>
+          <a:lstStyle/>
+          <a:p>
+            <a:r>
+              <a:rPr lang="zh-CN" altLang="en-US" dirty="0"/>
+              <a:t>通过</a:t>
+            </a:r>
+            <a:r>
+              <a:rPr lang="en-US" altLang="zh-CN" dirty="0"/>
+              <a:t>Encode</a:t>
+            </a:r>
+            <a:r>
+              <a:rPr lang="zh-CN" altLang="en-US" dirty="0"/>
+              <a:t>和</a:t>
+            </a:r>
+            <a:r>
+              <a:rPr lang="en-US" altLang="zh-CN" dirty="0"/>
+              <a:t>Decode</a:t>
+            </a:r>
+            <a:r>
+              <a:rPr lang="zh-CN" altLang="en-US" dirty="0"/>
+              <a:t>之间的注意力层，注意力机制可 用于改善深度学习模型的性能。</a:t>
+            </a:r>
+          </a:p>
+        </p:txBody>
+      </p:sp>
+    </p:spTree>
+    <p:extLst>
+      <p:ext uri="{BB962C8B-B14F-4D97-AF65-F5344CB8AC3E}">
+        <p14:creationId xmlns:p14="http://schemas.microsoft.com/office/powerpoint/2010/main" val="3548497100"/>
+      </p:ext>
+    </p:extLst>
+  </p:cSld>
+  <p:clrMapOvr>
+    <a:masterClrMapping/>
+  </p:clrMapOvr>
+</p:sld>
+</file>
+
+<file path=ppt/slides/slide15.xml><?xml version="1.0" encoding="utf-8"?>
+<p:sld xmlns:a="http://schemas.openxmlformats.org/drawingml/2006/main" xmlns:r="http://schemas.openxmlformats.org/officeDocument/2006/relationships" xmlns:p="http://schemas.openxmlformats.org/presentationml/2006/main">
+  <p:cSld>
+    <p:spTree>
+      <p:nvGrpSpPr>
+        <p:cNvPr id="1" name=""/>
+        <p:cNvGrpSpPr/>
+        <p:nvPr/>
+      </p:nvGrpSpPr>
+      <p:grpSpPr>
+        <a:xfrm>
+          <a:off x="0" y="0"/>
+          <a:ext cx="0" cy="0"/>
+          <a:chOff x="0" y="0"/>
+          <a:chExt cx="0" cy="0"/>
+        </a:xfrm>
+      </p:grpSpPr>
+      <p:sp>
+        <p:nvSpPr>
+          <p:cNvPr id="2" name="标题 1">
+            <a:extLst>
+              <a:ext uri="{FF2B5EF4-FFF2-40B4-BE49-F238E27FC236}">
                 <a16:creationId xmlns:a16="http://schemas.microsoft.com/office/drawing/2014/main" id="{276A042F-9157-40D9-8A9C-D96BDD00AB39}"/>
               </a:ext>
             </a:extLst>
@@ -4025,7 +5116,7 @@
 </p:sld>
 </file>
 
-<file path=ppt/slides/slide15.xml><?xml version="1.0" encoding="utf-8"?>
+<file path=ppt/slides/slide16.xml><?xml version="1.0" encoding="utf-8"?>
 <p:sld xmlns:a="http://schemas.openxmlformats.org/drawingml/2006/main" xmlns:r="http://schemas.openxmlformats.org/officeDocument/2006/relationships" xmlns:p="http://schemas.openxmlformats.org/presentationml/2006/main">
   <p:cSld>
     <p:spTree>
@@ -4419,6 +5510,16 @@
               <a:rPr lang="zh-CN" altLang="en-US" dirty="0"/>
               <a:t>文本，并建立了表情符号情 感词典。实验验证了表情符号（即弱标记信息）在情感分类任务中 的有效性。</a:t>
             </a:r>
+            <a:endParaRPr lang="en-US" altLang="zh-CN" dirty="0"/>
+          </a:p>
+          <a:p>
+            <a:endParaRPr lang="en-US" altLang="zh-CN" dirty="0"/>
+          </a:p>
+          <a:p>
+            <a:pPr marL="0" indent="0">
+              <a:buNone/>
+            </a:pPr>
+            <a:endParaRPr lang="zh-CN" altLang="en-US" dirty="0"/>
           </a:p>
         </p:txBody>
       </p:sp>
@@ -4540,7 +5641,7 @@
           <p:cNvPr id="2" name="标题 1">
             <a:extLst>
               <a:ext uri="{FF2B5EF4-FFF2-40B4-BE49-F238E27FC236}">
-                <a16:creationId xmlns:a16="http://schemas.microsoft.com/office/drawing/2014/main" id="{A4DD0833-B5AA-42B2-B9B4-6D6C57DEE3C6}"/>
+                <a16:creationId xmlns:a16="http://schemas.microsoft.com/office/drawing/2014/main" id="{BFD94BD6-E7D3-4398-B868-7087506679D3}"/>
               </a:ext>
             </a:extLst>
           </p:cNvPr>
@@ -4558,81 +5659,664 @@
           <a:p>
             <a:r>
               <a:rPr lang="zh-CN" altLang="en-US" dirty="0"/>
-              <a:t>数据清理 </a:t>
-            </a:r>
-          </a:p>
-        </p:txBody>
-      </p:sp>
-      <p:sp>
-        <p:nvSpPr>
-          <p:cNvPr id="3" name="内容占位符 2">
-            <a:extLst>
-              <a:ext uri="{FF2B5EF4-FFF2-40B4-BE49-F238E27FC236}">
-                <a16:creationId xmlns:a16="http://schemas.microsoft.com/office/drawing/2014/main" id="{475A74AB-DA41-433F-A16F-1206549D879B}"/>
-              </a:ext>
-            </a:extLst>
-          </p:cNvPr>
-          <p:cNvSpPr>
-            <a:spLocks noGrp="1"/>
-          </p:cNvSpPr>
+              <a:t>特征提取</a:t>
+            </a:r>
+          </a:p>
+        </p:txBody>
+      </p:sp>
+      <p:graphicFrame>
+        <p:nvGraphicFramePr>
+          <p:cNvPr id="6" name="内容占位符 5">
+            <a:extLst>
+              <a:ext uri="{FF2B5EF4-FFF2-40B4-BE49-F238E27FC236}">
+                <a16:creationId xmlns:a16="http://schemas.microsoft.com/office/drawing/2014/main" id="{AA2036CE-81A4-4B9D-A1AD-C943B0F7BD1D}"/>
+              </a:ext>
+            </a:extLst>
+          </p:cNvPr>
+          <p:cNvGraphicFramePr>
+            <a:graphicFrameLocks noGrp="1"/>
+          </p:cNvGraphicFramePr>
           <p:nvPr>
             <p:ph idx="1"/>
-          </p:nvPr>
+            <p:extLst>
+              <p:ext uri="{D42A27DB-BD31-4B8C-83A1-F6EECF244321}">
+                <p14:modId xmlns:p14="http://schemas.microsoft.com/office/powerpoint/2010/main" val="928159451"/>
+              </p:ext>
+            </p:extLst>
+          </p:nvPr>
+        </p:nvGraphicFramePr>
+        <p:xfrm>
+          <a:off x="5627618" y="892972"/>
+          <a:ext cx="6096000" cy="5072055"/>
+        </p:xfrm>
+        <a:graphic>
+          <a:graphicData uri="http://schemas.openxmlformats.org/drawingml/2006/chart">
+            <c:chart xmlns:c="http://schemas.openxmlformats.org/drawingml/2006/chart" xmlns:r="http://schemas.openxmlformats.org/officeDocument/2006/relationships" r:id="rId2"/>
+          </a:graphicData>
+        </a:graphic>
+      </p:graphicFrame>
+      <p:sp>
+        <p:nvSpPr>
+          <p:cNvPr id="8" name="内容占位符 2">
+            <a:extLst>
+              <a:ext uri="{FF2B5EF4-FFF2-40B4-BE49-F238E27FC236}">
+                <a16:creationId xmlns:a16="http://schemas.microsoft.com/office/drawing/2014/main" id="{47442445-9217-49DC-BBB1-7C59D65228CF}"/>
+              </a:ext>
+            </a:extLst>
+          </p:cNvPr>
+          <p:cNvSpPr txBox="1">
+            <a:spLocks/>
+          </p:cNvSpPr>
+          <p:nvPr/>
         </p:nvSpPr>
         <p:spPr>
           <a:xfrm>
-            <a:off x="923041" y="1825625"/>
-            <a:ext cx="10515600" cy="4351338"/>
+            <a:off x="838200" y="1690688"/>
+            <a:ext cx="3488703" cy="4087542"/>
           </a:xfrm>
+          <a:prstGeom prst="rect">
+            <a:avLst/>
+          </a:prstGeom>
         </p:spPr>
         <p:txBody>
-          <a:bodyPr/>
-          <a:lstStyle/>
-          <a:p>
-            <a:r>
-              <a:rPr lang="zh-CN" altLang="en-US" dirty="0"/>
-              <a:t>本文中使用的示例数据是从酒店网站抓取的北京快捷酒店的评论数 据。使用的弱标记信息是用户在发布酒店文字评论时给酒店的分数 。根据评分系统，每条评论的总分为</a:t>
+          <a:bodyPr vert="horz" lIns="91440" tIns="45720" rIns="91440" bIns="45720" rtlCol="0">
+            <a:normAutofit/>
+          </a:bodyPr>
+          <a:lstStyle>
+            <a:lvl1pPr marL="228600" indent="-228600" algn="l" defTabSz="914400" rtl="0" eaLnBrk="1" latinLnBrk="0" hangingPunct="1">
+              <a:lnSpc>
+                <a:spcPct val="90000"/>
+              </a:lnSpc>
+              <a:spcBef>
+                <a:spcPts val="1000"/>
+              </a:spcBef>
+              <a:buFont typeface="Arial" panose="020B0604020202020204" pitchFamily="34" charset="0"/>
+              <a:buChar char="•"/>
+              <a:defRPr sz="2800" kern="1200">
+                <a:solidFill>
+                  <a:schemeClr val="tx1"/>
+                </a:solidFill>
+                <a:latin typeface="+mn-lt"/>
+                <a:ea typeface="+mn-ea"/>
+                <a:cs typeface="+mn-cs"/>
+              </a:defRPr>
+            </a:lvl1pPr>
+            <a:lvl2pPr marL="685800" indent="-228600" algn="l" defTabSz="914400" rtl="0" eaLnBrk="1" latinLnBrk="0" hangingPunct="1">
+              <a:lnSpc>
+                <a:spcPct val="90000"/>
+              </a:lnSpc>
+              <a:spcBef>
+                <a:spcPts val="500"/>
+              </a:spcBef>
+              <a:buFont typeface="Arial" panose="020B0604020202020204" pitchFamily="34" charset="0"/>
+              <a:buChar char="•"/>
+              <a:defRPr sz="2400" kern="1200">
+                <a:solidFill>
+                  <a:schemeClr val="tx1"/>
+                </a:solidFill>
+                <a:latin typeface="+mn-lt"/>
+                <a:ea typeface="+mn-ea"/>
+                <a:cs typeface="+mn-cs"/>
+              </a:defRPr>
+            </a:lvl2pPr>
+            <a:lvl3pPr marL="1143000" indent="-228600" algn="l" defTabSz="914400" rtl="0" eaLnBrk="1" latinLnBrk="0" hangingPunct="1">
+              <a:lnSpc>
+                <a:spcPct val="90000"/>
+              </a:lnSpc>
+              <a:spcBef>
+                <a:spcPts val="500"/>
+              </a:spcBef>
+              <a:buFont typeface="Arial" panose="020B0604020202020204" pitchFamily="34" charset="0"/>
+              <a:buChar char="•"/>
+              <a:defRPr sz="2000" kern="1200">
+                <a:solidFill>
+                  <a:schemeClr val="tx1"/>
+                </a:solidFill>
+                <a:latin typeface="+mn-lt"/>
+                <a:ea typeface="+mn-ea"/>
+                <a:cs typeface="+mn-cs"/>
+              </a:defRPr>
+            </a:lvl3pPr>
+            <a:lvl4pPr marL="1600200" indent="-228600" algn="l" defTabSz="914400" rtl="0" eaLnBrk="1" latinLnBrk="0" hangingPunct="1">
+              <a:lnSpc>
+                <a:spcPct val="90000"/>
+              </a:lnSpc>
+              <a:spcBef>
+                <a:spcPts val="500"/>
+              </a:spcBef>
+              <a:buFont typeface="Arial" panose="020B0604020202020204" pitchFamily="34" charset="0"/>
+              <a:buChar char="•"/>
+              <a:defRPr sz="1800" kern="1200">
+                <a:solidFill>
+                  <a:schemeClr val="tx1"/>
+                </a:solidFill>
+                <a:latin typeface="+mn-lt"/>
+                <a:ea typeface="+mn-ea"/>
+                <a:cs typeface="+mn-cs"/>
+              </a:defRPr>
+            </a:lvl4pPr>
+            <a:lvl5pPr marL="2057400" indent="-228600" algn="l" defTabSz="914400" rtl="0" eaLnBrk="1" latinLnBrk="0" hangingPunct="1">
+              <a:lnSpc>
+                <a:spcPct val="90000"/>
+              </a:lnSpc>
+              <a:spcBef>
+                <a:spcPts val="500"/>
+              </a:spcBef>
+              <a:buFont typeface="Arial" panose="020B0604020202020204" pitchFamily="34" charset="0"/>
+              <a:buChar char="•"/>
+              <a:defRPr sz="1800" kern="1200">
+                <a:solidFill>
+                  <a:schemeClr val="tx1"/>
+                </a:solidFill>
+                <a:latin typeface="+mn-lt"/>
+                <a:ea typeface="+mn-ea"/>
+                <a:cs typeface="+mn-cs"/>
+              </a:defRPr>
+            </a:lvl5pPr>
+            <a:lvl6pPr marL="2514600" indent="-228600" algn="l" defTabSz="914400" rtl="0" eaLnBrk="1" latinLnBrk="0" hangingPunct="1">
+              <a:lnSpc>
+                <a:spcPct val="90000"/>
+              </a:lnSpc>
+              <a:spcBef>
+                <a:spcPts val="500"/>
+              </a:spcBef>
+              <a:buFont typeface="Arial" panose="020B0604020202020204" pitchFamily="34" charset="0"/>
+              <a:buChar char="•"/>
+              <a:defRPr sz="1800" kern="1200">
+                <a:solidFill>
+                  <a:schemeClr val="tx1"/>
+                </a:solidFill>
+                <a:latin typeface="+mn-lt"/>
+                <a:ea typeface="+mn-ea"/>
+                <a:cs typeface="+mn-cs"/>
+              </a:defRPr>
+            </a:lvl6pPr>
+            <a:lvl7pPr marL="2971800" indent="-228600" algn="l" defTabSz="914400" rtl="0" eaLnBrk="1" latinLnBrk="0" hangingPunct="1">
+              <a:lnSpc>
+                <a:spcPct val="90000"/>
+              </a:lnSpc>
+              <a:spcBef>
+                <a:spcPts val="500"/>
+              </a:spcBef>
+              <a:buFont typeface="Arial" panose="020B0604020202020204" pitchFamily="34" charset="0"/>
+              <a:buChar char="•"/>
+              <a:defRPr sz="1800" kern="1200">
+                <a:solidFill>
+                  <a:schemeClr val="tx1"/>
+                </a:solidFill>
+                <a:latin typeface="+mn-lt"/>
+                <a:ea typeface="+mn-ea"/>
+                <a:cs typeface="+mn-cs"/>
+              </a:defRPr>
+            </a:lvl7pPr>
+            <a:lvl8pPr marL="3429000" indent="-228600" algn="l" defTabSz="914400" rtl="0" eaLnBrk="1" latinLnBrk="0" hangingPunct="1">
+              <a:lnSpc>
+                <a:spcPct val="90000"/>
+              </a:lnSpc>
+              <a:spcBef>
+                <a:spcPts val="500"/>
+              </a:spcBef>
+              <a:buFont typeface="Arial" panose="020B0604020202020204" pitchFamily="34" charset="0"/>
+              <a:buChar char="•"/>
+              <a:defRPr sz="1800" kern="1200">
+                <a:solidFill>
+                  <a:schemeClr val="tx1"/>
+                </a:solidFill>
+                <a:latin typeface="+mn-lt"/>
+                <a:ea typeface="+mn-ea"/>
+                <a:cs typeface="+mn-cs"/>
+              </a:defRPr>
+            </a:lvl8pPr>
+            <a:lvl9pPr marL="3886200" indent="-228600" algn="l" defTabSz="914400" rtl="0" eaLnBrk="1" latinLnBrk="0" hangingPunct="1">
+              <a:lnSpc>
+                <a:spcPct val="90000"/>
+              </a:lnSpc>
+              <a:spcBef>
+                <a:spcPts val="500"/>
+              </a:spcBef>
+              <a:buFont typeface="Arial" panose="020B0604020202020204" pitchFamily="34" charset="0"/>
+              <a:buChar char="•"/>
+              <a:defRPr sz="1800" kern="1200">
+                <a:solidFill>
+                  <a:schemeClr val="tx1"/>
+                </a:solidFill>
+                <a:latin typeface="+mn-lt"/>
+                <a:ea typeface="+mn-ea"/>
+                <a:cs typeface="+mn-cs"/>
+              </a:defRPr>
+            </a:lvl9pPr>
+          </a:lstStyle>
+          <a:p>
+            <a:pPr marL="0" indent="0">
+              <a:buNone/>
+            </a:pPr>
+            <a:r>
+              <a:rPr lang="zh-CN" altLang="en-US" dirty="0"/>
+              <a:t>从网络收集关于疫情评论的数据共</a:t>
             </a:r>
             <a:r>
               <a:rPr lang="en-US" altLang="zh-CN" dirty="0"/>
-              <a:t>5</a:t>
-            </a:r>
-            <a:r>
-              <a:rPr lang="zh-CN" altLang="en-US" dirty="0"/>
-              <a:t>。得分高于</a:t>
+              <a:t>2931</a:t>
+            </a:r>
+            <a:r>
+              <a:rPr lang="zh-CN" altLang="en-US" dirty="0"/>
+              <a:t>项，可以发现其中</a:t>
             </a:r>
             <a:r>
               <a:rPr lang="en-US" altLang="zh-CN" dirty="0"/>
-              <a:t>2.5</a:t>
-            </a:r>
-            <a:r>
-              <a:rPr lang="zh-CN" altLang="en-US" dirty="0"/>
-              <a:t>分的评论被归 为积极情绪倾向，得分低于或等于</a:t>
-            </a:r>
-            <a:r>
-              <a:rPr lang="en-US" altLang="zh-CN" dirty="0"/>
-              <a:t>2.5</a:t>
-            </a:r>
-            <a:r>
-              <a:rPr lang="zh-CN" altLang="en-US" dirty="0"/>
-              <a:t>分的评论被归为负面情绪倾向 。总共抓取了</a:t>
-            </a:r>
-            <a:r>
-              <a:rPr lang="en-US" altLang="zh-CN" dirty="0"/>
-              <a:t>983220</a:t>
-            </a:r>
-            <a:r>
-              <a:rPr lang="zh-CN" altLang="en-US" dirty="0"/>
-              <a:t>个在线评论，</a:t>
+              <a:t>i_f25, i_f16, i_f05, i_f01, i_f02, i_f04, i_f15, i_f27, i_f28, i_f30,</a:t>
+            </a:r>
+            <a:r>
+              <a:rPr lang="zh-CN" altLang="en-US" dirty="0"/>
+              <a:t>的频次最多，占据使用表情的大部分，将这五项提取作为弱标签数据特征向量</a:t>
             </a:r>
             <a:endParaRPr lang="en-US" altLang="zh-CN" dirty="0"/>
+          </a:p>
+        </p:txBody>
+      </p:sp>
+      <p:pic>
+        <p:nvPicPr>
+          <p:cNvPr id="10" name="图片 9">
+            <a:extLst>
+              <a:ext uri="{FF2B5EF4-FFF2-40B4-BE49-F238E27FC236}">
+                <a16:creationId xmlns:a16="http://schemas.microsoft.com/office/drawing/2014/main" id="{BC92417A-C1A9-4F52-81A6-A565BFE9AE8F}"/>
+              </a:ext>
+            </a:extLst>
+          </p:cNvPr>
+          <p:cNvPicPr>
+            <a:picLocks noChangeAspect="1"/>
+          </p:cNvPicPr>
+          <p:nvPr/>
+        </p:nvPicPr>
+        <p:blipFill>
+          <a:blip r:embed="rId3">
+            <a:extLst>
+              <a:ext uri="{28A0092B-C50C-407E-A947-70E740481C1C}">
+                <a14:useLocalDpi xmlns:a14="http://schemas.microsoft.com/office/drawing/2010/main" val="0"/>
+              </a:ext>
+            </a:extLst>
+          </a:blip>
+          <a:stretch>
+            <a:fillRect/>
+          </a:stretch>
+        </p:blipFill>
+        <p:spPr>
+          <a:xfrm>
+            <a:off x="9474248" y="3256429"/>
+            <a:ext cx="380952" cy="380952"/>
+          </a:xfrm>
+          <a:prstGeom prst="rect">
+            <a:avLst/>
+          </a:prstGeom>
+        </p:spPr>
+      </p:pic>
+      <p:pic>
+        <p:nvPicPr>
+          <p:cNvPr id="12" name="图片 11">
+            <a:extLst>
+              <a:ext uri="{FF2B5EF4-FFF2-40B4-BE49-F238E27FC236}">
+                <a16:creationId xmlns:a16="http://schemas.microsoft.com/office/drawing/2014/main" id="{2341CB8E-CD9D-4CA7-923D-7211468E65DB}"/>
+              </a:ext>
+            </a:extLst>
+          </p:cNvPr>
+          <p:cNvPicPr>
+            <a:picLocks noChangeAspect="1"/>
+          </p:cNvPicPr>
+          <p:nvPr/>
+        </p:nvPicPr>
+        <p:blipFill>
+          <a:blip r:embed="rId4">
+            <a:extLst>
+              <a:ext uri="{28A0092B-C50C-407E-A947-70E740481C1C}">
+                <a14:useLocalDpi xmlns:a14="http://schemas.microsoft.com/office/drawing/2010/main" val="0"/>
+              </a:ext>
+            </a:extLst>
+          </a:blip>
+          <a:stretch>
+            <a:fillRect/>
+          </a:stretch>
+        </p:blipFill>
+        <p:spPr>
+          <a:xfrm>
+            <a:off x="8840995" y="5196909"/>
+            <a:ext cx="380952" cy="380952"/>
+          </a:xfrm>
+          <a:prstGeom prst="rect">
+            <a:avLst/>
+          </a:prstGeom>
+        </p:spPr>
+      </p:pic>
+      <p:pic>
+        <p:nvPicPr>
+          <p:cNvPr id="14" name="图片 13">
+            <a:extLst>
+              <a:ext uri="{FF2B5EF4-FFF2-40B4-BE49-F238E27FC236}">
+                <a16:creationId xmlns:a16="http://schemas.microsoft.com/office/drawing/2014/main" id="{45E96360-7966-42FF-AF65-F341432F899B}"/>
+              </a:ext>
+            </a:extLst>
+          </p:cNvPr>
+          <p:cNvPicPr>
+            <a:picLocks noChangeAspect="1"/>
+          </p:cNvPicPr>
+          <p:nvPr/>
+        </p:nvPicPr>
+        <p:blipFill>
+          <a:blip r:embed="rId5">
+            <a:extLst>
+              <a:ext uri="{28A0092B-C50C-407E-A947-70E740481C1C}">
+                <a14:useLocalDpi xmlns:a14="http://schemas.microsoft.com/office/drawing/2010/main" val="0"/>
+              </a:ext>
+            </a:extLst>
+          </a:blip>
+          <a:stretch>
+            <a:fillRect/>
+          </a:stretch>
+        </p:blipFill>
+        <p:spPr>
+          <a:xfrm>
+            <a:off x="7878500" y="5119088"/>
+            <a:ext cx="380952" cy="380952"/>
+          </a:xfrm>
+          <a:prstGeom prst="rect">
+            <a:avLst/>
+          </a:prstGeom>
+        </p:spPr>
+      </p:pic>
+      <p:pic>
+        <p:nvPicPr>
+          <p:cNvPr id="16" name="图片 15">
+            <a:extLst>
+              <a:ext uri="{FF2B5EF4-FFF2-40B4-BE49-F238E27FC236}">
+                <a16:creationId xmlns:a16="http://schemas.microsoft.com/office/drawing/2014/main" id="{88BD8677-F4CE-41D8-B1B4-CB20B2752F81}"/>
+              </a:ext>
+            </a:extLst>
+          </p:cNvPr>
+          <p:cNvPicPr>
+            <a:picLocks noChangeAspect="1"/>
+          </p:cNvPicPr>
+          <p:nvPr/>
+        </p:nvPicPr>
+        <p:blipFill>
+          <a:blip r:embed="rId6">
+            <a:extLst>
+              <a:ext uri="{28A0092B-C50C-407E-A947-70E740481C1C}">
+                <a14:useLocalDpi xmlns:a14="http://schemas.microsoft.com/office/drawing/2010/main" val="0"/>
+              </a:ext>
+            </a:extLst>
+          </a:blip>
+          <a:stretch>
+            <a:fillRect/>
+          </a:stretch>
+        </p:blipFill>
+        <p:spPr>
+          <a:xfrm>
+            <a:off x="7278429" y="4738136"/>
+            <a:ext cx="380952" cy="380952"/>
+          </a:xfrm>
+          <a:prstGeom prst="rect">
+            <a:avLst/>
+          </a:prstGeom>
+        </p:spPr>
+      </p:pic>
+      <p:pic>
+        <p:nvPicPr>
+          <p:cNvPr id="18" name="图片 17">
+            <a:extLst>
+              <a:ext uri="{FF2B5EF4-FFF2-40B4-BE49-F238E27FC236}">
+                <a16:creationId xmlns:a16="http://schemas.microsoft.com/office/drawing/2014/main" id="{26C3ED0B-6AE6-4502-86C6-8CDF5A4E42D0}"/>
+              </a:ext>
+            </a:extLst>
+          </p:cNvPr>
+          <p:cNvPicPr>
+            <a:picLocks noChangeAspect="1"/>
+          </p:cNvPicPr>
+          <p:nvPr/>
+        </p:nvPicPr>
+        <p:blipFill>
+          <a:blip r:embed="rId7">
+            <a:extLst>
+              <a:ext uri="{28A0092B-C50C-407E-A947-70E740481C1C}">
+                <a14:useLocalDpi xmlns:a14="http://schemas.microsoft.com/office/drawing/2010/main" val="0"/>
+              </a:ext>
+            </a:extLst>
+          </a:blip>
+          <a:stretch>
+            <a:fillRect/>
+          </a:stretch>
+        </p:blipFill>
+        <p:spPr>
+          <a:xfrm>
+            <a:off x="6897477" y="4283737"/>
+            <a:ext cx="380952" cy="380952"/>
+          </a:xfrm>
+          <a:prstGeom prst="rect">
+            <a:avLst/>
+          </a:prstGeom>
+        </p:spPr>
+      </p:pic>
+      <p:pic>
+        <p:nvPicPr>
+          <p:cNvPr id="20" name="图片 19">
+            <a:extLst>
+              <a:ext uri="{FF2B5EF4-FFF2-40B4-BE49-F238E27FC236}">
+                <a16:creationId xmlns:a16="http://schemas.microsoft.com/office/drawing/2014/main" id="{9BF8228B-098E-4092-9642-66F26269E138}"/>
+              </a:ext>
+            </a:extLst>
+          </p:cNvPr>
+          <p:cNvPicPr>
+            <a:picLocks noChangeAspect="1"/>
+          </p:cNvPicPr>
+          <p:nvPr/>
+        </p:nvPicPr>
+        <p:blipFill>
+          <a:blip r:embed="rId8">
+            <a:extLst>
+              <a:ext uri="{28A0092B-C50C-407E-A947-70E740481C1C}">
+                <a14:useLocalDpi xmlns:a14="http://schemas.microsoft.com/office/drawing/2010/main" val="0"/>
+              </a:ext>
+            </a:extLst>
+          </a:blip>
+          <a:stretch>
+            <a:fillRect/>
+          </a:stretch>
+        </p:blipFill>
+        <p:spPr>
+          <a:xfrm>
+            <a:off x="5898204" y="3988361"/>
+            <a:ext cx="380952" cy="380952"/>
+          </a:xfrm>
+          <a:prstGeom prst="rect">
+            <a:avLst/>
+          </a:prstGeom>
+        </p:spPr>
+      </p:pic>
+      <p:pic>
+        <p:nvPicPr>
+          <p:cNvPr id="22" name="图片 21">
+            <a:extLst>
+              <a:ext uri="{FF2B5EF4-FFF2-40B4-BE49-F238E27FC236}">
+                <a16:creationId xmlns:a16="http://schemas.microsoft.com/office/drawing/2014/main" id="{D9F999A4-2ABD-4C9A-B98B-E5D53E8EDF96}"/>
+              </a:ext>
+            </a:extLst>
+          </p:cNvPr>
+          <p:cNvPicPr>
+            <a:picLocks noChangeAspect="1"/>
+          </p:cNvPicPr>
+          <p:nvPr/>
+        </p:nvPicPr>
+        <p:blipFill>
+          <a:blip r:embed="rId9">
+            <a:extLst>
+              <a:ext uri="{28A0092B-C50C-407E-A947-70E740481C1C}">
+                <a14:useLocalDpi xmlns:a14="http://schemas.microsoft.com/office/drawing/2010/main" val="0"/>
+              </a:ext>
+            </a:extLst>
+          </a:blip>
+          <a:stretch>
+            <a:fillRect/>
+          </a:stretch>
+        </p:blipFill>
+        <p:spPr>
+          <a:xfrm>
+            <a:off x="5854478" y="3527479"/>
+            <a:ext cx="380952" cy="380952"/>
+          </a:xfrm>
+          <a:prstGeom prst="rect">
+            <a:avLst/>
+          </a:prstGeom>
+        </p:spPr>
+      </p:pic>
+      <p:pic>
+        <p:nvPicPr>
+          <p:cNvPr id="24" name="图片 23">
+            <a:extLst>
+              <a:ext uri="{FF2B5EF4-FFF2-40B4-BE49-F238E27FC236}">
+                <a16:creationId xmlns:a16="http://schemas.microsoft.com/office/drawing/2014/main" id="{CCE5525D-52B9-4095-9DBE-89DA6F59A17B}"/>
+              </a:ext>
+            </a:extLst>
+          </p:cNvPr>
+          <p:cNvPicPr>
+            <a:picLocks noChangeAspect="1"/>
+          </p:cNvPicPr>
+          <p:nvPr/>
+        </p:nvPicPr>
+        <p:blipFill>
+          <a:blip r:embed="rId10">
+            <a:extLst>
+              <a:ext uri="{28A0092B-C50C-407E-A947-70E740481C1C}">
+                <a14:useLocalDpi xmlns:a14="http://schemas.microsoft.com/office/drawing/2010/main" val="0"/>
+              </a:ext>
+            </a:extLst>
+          </a:blip>
+          <a:stretch>
+            <a:fillRect/>
+          </a:stretch>
+        </p:blipFill>
+        <p:spPr>
+          <a:xfrm>
+            <a:off x="5922443" y="3079795"/>
+            <a:ext cx="380952" cy="380952"/>
+          </a:xfrm>
+          <a:prstGeom prst="rect">
+            <a:avLst/>
+          </a:prstGeom>
+        </p:spPr>
+      </p:pic>
+      <p:pic>
+        <p:nvPicPr>
+          <p:cNvPr id="26" name="图片 25">
+            <a:extLst>
+              <a:ext uri="{FF2B5EF4-FFF2-40B4-BE49-F238E27FC236}">
+                <a16:creationId xmlns:a16="http://schemas.microsoft.com/office/drawing/2014/main" id="{6C85F310-1223-40B1-B7FA-33FAD276D4BA}"/>
+              </a:ext>
+            </a:extLst>
+          </p:cNvPr>
+          <p:cNvPicPr>
+            <a:picLocks noChangeAspect="1"/>
+          </p:cNvPicPr>
+          <p:nvPr/>
+        </p:nvPicPr>
+        <p:blipFill>
+          <a:blip r:embed="rId11">
+            <a:extLst>
+              <a:ext uri="{28A0092B-C50C-407E-A947-70E740481C1C}">
+                <a14:useLocalDpi xmlns:a14="http://schemas.microsoft.com/office/drawing/2010/main" val="0"/>
+              </a:ext>
+            </a:extLst>
+          </a:blip>
+          <a:stretch>
+            <a:fillRect/>
+          </a:stretch>
+        </p:blipFill>
+        <p:spPr>
+          <a:xfrm>
+            <a:off x="6041712" y="2625396"/>
+            <a:ext cx="380952" cy="380952"/>
+          </a:xfrm>
+          <a:prstGeom prst="rect">
+            <a:avLst/>
+          </a:prstGeom>
+        </p:spPr>
+      </p:pic>
+      <p:pic>
+        <p:nvPicPr>
+          <p:cNvPr id="28" name="图片 27">
+            <a:extLst>
+              <a:ext uri="{FF2B5EF4-FFF2-40B4-BE49-F238E27FC236}">
+                <a16:creationId xmlns:a16="http://schemas.microsoft.com/office/drawing/2014/main" id="{BA725350-A1D7-4D94-AF8D-7D8E7FFCCDB3}"/>
+              </a:ext>
+            </a:extLst>
+          </p:cNvPr>
+          <p:cNvPicPr>
+            <a:picLocks noChangeAspect="1"/>
+          </p:cNvPicPr>
+          <p:nvPr/>
+        </p:nvPicPr>
+        <p:blipFill>
+          <a:blip r:embed="rId12">
+            <a:extLst>
+              <a:ext uri="{28A0092B-C50C-407E-A947-70E740481C1C}">
+                <a14:useLocalDpi xmlns:a14="http://schemas.microsoft.com/office/drawing/2010/main" val="0"/>
+              </a:ext>
+            </a:extLst>
+          </a:blip>
+          <a:stretch>
+            <a:fillRect/>
+          </a:stretch>
+        </p:blipFill>
+        <p:spPr>
+          <a:xfrm>
+            <a:off x="6266186" y="2218535"/>
+            <a:ext cx="380952" cy="380952"/>
+          </a:xfrm>
+          <a:prstGeom prst="rect">
+            <a:avLst/>
+          </a:prstGeom>
+        </p:spPr>
+      </p:pic>
+      <p:sp>
+        <p:nvSpPr>
+          <p:cNvPr id="29" name="文本框 28">
+            <a:extLst>
+              <a:ext uri="{FF2B5EF4-FFF2-40B4-BE49-F238E27FC236}">
+                <a16:creationId xmlns:a16="http://schemas.microsoft.com/office/drawing/2014/main" id="{06FF3D55-945F-4A23-B10C-62D9FE7A7EC6}"/>
+              </a:ext>
+            </a:extLst>
+          </p:cNvPr>
+          <p:cNvSpPr txBox="1"/>
+          <p:nvPr/>
+        </p:nvSpPr>
+        <p:spPr>
+          <a:xfrm>
+            <a:off x="7715265" y="2395972"/>
+            <a:ext cx="671208" cy="369332"/>
+          </a:xfrm>
+          <a:prstGeom prst="rect">
+            <a:avLst/>
+          </a:prstGeom>
+          <a:noFill/>
+        </p:spPr>
+        <p:txBody>
+          <a:bodyPr wrap="square" rtlCol="0">
+            <a:spAutoFit/>
+          </a:bodyPr>
+          <a:lstStyle/>
+          <a:p>
+            <a:r>
+              <a:rPr lang="zh-CN" altLang="en-US" dirty="0">
+                <a:solidFill>
+                  <a:schemeClr val="bg1"/>
+                </a:solidFill>
+              </a:rPr>
+              <a:t>其他</a:t>
+            </a:r>
           </a:p>
         </p:txBody>
       </p:sp>
     </p:spTree>
     <p:extLst>
       <p:ext uri="{BB962C8B-B14F-4D97-AF65-F5344CB8AC3E}">
-        <p14:creationId xmlns:p14="http://schemas.microsoft.com/office/powerpoint/2010/main" val="3492467297"/>
+        <p14:creationId xmlns:p14="http://schemas.microsoft.com/office/powerpoint/2010/main" val="1796259765"/>
       </p:ext>
     </p:extLst>
   </p:cSld>
@@ -4675,91 +6359,118 @@
             <p:ph type="title"/>
           </p:nvPr>
         </p:nvSpPr>
+        <p:spPr/>
+        <p:txBody>
+          <a:bodyPr/>
+          <a:lstStyle/>
+          <a:p>
+            <a:r>
+              <a:rPr lang="zh-CN" altLang="en-US" dirty="0"/>
+              <a:t>数据清理 </a:t>
+            </a:r>
+          </a:p>
+        </p:txBody>
+      </p:sp>
+      <p:sp>
+        <p:nvSpPr>
+          <p:cNvPr id="3" name="内容占位符 2">
+            <a:extLst>
+              <a:ext uri="{FF2B5EF4-FFF2-40B4-BE49-F238E27FC236}">
+                <a16:creationId xmlns:a16="http://schemas.microsoft.com/office/drawing/2014/main" id="{475A74AB-DA41-433F-A16F-1206549D879B}"/>
+              </a:ext>
+            </a:extLst>
+          </p:cNvPr>
+          <p:cNvSpPr>
+            <a:spLocks noGrp="1"/>
+          </p:cNvSpPr>
+          <p:nvPr>
+            <p:ph idx="1"/>
+          </p:nvPr>
+        </p:nvSpPr>
         <p:spPr>
           <a:xfrm>
-            <a:off x="753359" y="0"/>
-            <a:ext cx="10515600" cy="1325563"/>
+            <a:off x="923041" y="1825625"/>
+            <a:ext cx="4327689" cy="4351338"/>
           </a:xfrm>
         </p:spPr>
         <p:txBody>
-          <a:bodyPr/>
-          <a:lstStyle/>
-          <a:p>
-            <a:r>
-              <a:rPr lang="zh-CN" altLang="en-US" dirty="0"/>
-              <a:t>数据清理 </a:t>
-            </a:r>
-          </a:p>
-        </p:txBody>
-      </p:sp>
-      <p:sp>
-        <p:nvSpPr>
-          <p:cNvPr id="3" name="内容占位符 2">
-            <a:extLst>
-              <a:ext uri="{FF2B5EF4-FFF2-40B4-BE49-F238E27FC236}">
-                <a16:creationId xmlns:a16="http://schemas.microsoft.com/office/drawing/2014/main" id="{475A74AB-DA41-433F-A16F-1206549D879B}"/>
-              </a:ext>
-            </a:extLst>
-          </p:cNvPr>
-          <p:cNvSpPr>
-            <a:spLocks noGrp="1"/>
-          </p:cNvSpPr>
-          <p:nvPr>
-            <p:ph idx="1"/>
-          </p:nvPr>
-        </p:nvSpPr>
+          <a:bodyPr>
+            <a:normAutofit/>
+          </a:bodyPr>
+          <a:lstStyle/>
+          <a:p>
+            <a:pPr marL="0" indent="0">
+              <a:buNone/>
+            </a:pPr>
+            <a:r>
+              <a:rPr lang="zh-CN" altLang="en-US" dirty="0"/>
+              <a:t>从网络收集关于疫情评论的数据，使用的弱标记信息是用户在发布疫情文字评论时评论中表情，特殊符号设定分数，每条评论的总分为</a:t>
+            </a:r>
+            <a:r>
+              <a:rPr lang="en-US" altLang="zh-CN" dirty="0"/>
+              <a:t>5</a:t>
+            </a:r>
+            <a:r>
+              <a:rPr lang="zh-CN" altLang="en-US" dirty="0"/>
+              <a:t>。得分高于</a:t>
+            </a:r>
+            <a:r>
+              <a:rPr lang="en-US" altLang="zh-CN" dirty="0"/>
+              <a:t>2.5</a:t>
+            </a:r>
+            <a:r>
+              <a:rPr lang="zh-CN" altLang="en-US" dirty="0"/>
+              <a:t>分的评论被归 为积极情绪倾向，得分低于或等于</a:t>
+            </a:r>
+            <a:r>
+              <a:rPr lang="en-US" altLang="zh-CN" dirty="0"/>
+              <a:t>2.5</a:t>
+            </a:r>
+            <a:r>
+              <a:rPr lang="zh-CN" altLang="en-US" dirty="0"/>
+              <a:t>分的评论被归为负面情绪倾向 。</a:t>
+            </a:r>
+            <a:endParaRPr lang="en-US" altLang="zh-CN" dirty="0"/>
+          </a:p>
+          <a:p>
+            <a:endParaRPr lang="en-US" altLang="zh-CN" dirty="0"/>
+          </a:p>
+        </p:txBody>
+      </p:sp>
+      <p:pic>
+        <p:nvPicPr>
+          <p:cNvPr id="7" name="图片 6">
+            <a:extLst>
+              <a:ext uri="{FF2B5EF4-FFF2-40B4-BE49-F238E27FC236}">
+                <a16:creationId xmlns:a16="http://schemas.microsoft.com/office/drawing/2014/main" id="{333C88B3-E88C-4167-9395-5C97DD20594E}"/>
+              </a:ext>
+            </a:extLst>
+          </p:cNvPr>
+          <p:cNvPicPr>
+            <a:picLocks noChangeAspect="1"/>
+          </p:cNvPicPr>
+          <p:nvPr/>
+        </p:nvPicPr>
+        <p:blipFill>
+          <a:blip r:embed="rId2"/>
+          <a:stretch>
+            <a:fillRect/>
+          </a:stretch>
+        </p:blipFill>
         <p:spPr>
           <a:xfrm>
-            <a:off x="923041" y="1018095"/>
-            <a:ext cx="10515600" cy="5740924"/>
+            <a:off x="6559164" y="1825625"/>
+            <a:ext cx="3749365" cy="4016088"/>
           </a:xfrm>
+          <a:prstGeom prst="rect">
+            <a:avLst/>
+          </a:prstGeom>
         </p:spPr>
-        <p:txBody>
-          <a:bodyPr>
-            <a:normAutofit lnSpcReduction="10000"/>
-          </a:bodyPr>
-          <a:lstStyle/>
-          <a:p>
-            <a:r>
-              <a:rPr lang="zh-CN" altLang="en-US" dirty="0"/>
-              <a:t>删除特殊标记：由于用户在网站上发布自己的评论时并没有统一 的规则，因此他们经常在文本评论中包含一些与样本的情感倾向无 关的特殊标记。 </a:t>
-            </a:r>
-            <a:endParaRPr lang="en-US" altLang="zh-CN" dirty="0"/>
-          </a:p>
-          <a:p>
-            <a:r>
-              <a:rPr lang="zh-CN" altLang="en-US" dirty="0"/>
-              <a:t>分词：用户发布的中文在线评论以单词序列的形式出现。分词是 指将每个在线评论的单词序列分为多个单独的单词。 </a:t>
-            </a:r>
-            <a:endParaRPr lang="en-US" altLang="zh-CN" dirty="0"/>
-          </a:p>
-          <a:p>
-            <a:r>
-              <a:rPr lang="zh-CN" altLang="en-US" dirty="0"/>
-              <a:t>删除停用词：停用词是指对整个在线评论没有语义意义的词，例 如感叹词，代词等。删除停用词和删除特殊符号具有相同的效果， 这有助于随后的情感分类模型可以更好地捕捉复习句子的主要语义。</a:t>
-            </a:r>
-            <a:endParaRPr lang="en-US" altLang="zh-CN" dirty="0"/>
-          </a:p>
-          <a:p>
-            <a:r>
-              <a:rPr lang="zh-CN" altLang="en-US" dirty="0"/>
-              <a:t> 删除低频词：由于互联网用户数量众多，每个人都有各种各样的 词来表达自己的情感。尽管有些词可以代表一定的情感倾向，但它 们的频率太低。对于整个情感分类模型而言，学习低频词的情感倾 向弊大于利。 </a:t>
-            </a:r>
-            <a:endParaRPr lang="en-US" altLang="zh-CN" dirty="0"/>
-          </a:p>
-          <a:p>
-            <a:r>
-              <a:rPr lang="zh-CN" altLang="en-US" dirty="0"/>
-              <a:t>之后，删除空白评论。最后，数据存储在数据库中，以方便后续 情感分类模型的使用。 </a:t>
-            </a:r>
-            <a:endParaRPr lang="en-US" altLang="zh-CN" dirty="0"/>
-          </a:p>
-        </p:txBody>
-      </p:sp>
+      </p:pic>
     </p:spTree>
     <p:extLst>
       <p:ext uri="{BB962C8B-B14F-4D97-AF65-F5344CB8AC3E}">
-        <p14:creationId xmlns:p14="http://schemas.microsoft.com/office/powerpoint/2010/main" val="2056041029"/>
+        <p14:creationId xmlns:p14="http://schemas.microsoft.com/office/powerpoint/2010/main" val="3492467297"/>
       </p:ext>
     </p:extLst>
   </p:cSld>
@@ -4791,7 +6502,7 @@
           <p:cNvPr id="2" name="标题 1">
             <a:extLst>
               <a:ext uri="{FF2B5EF4-FFF2-40B4-BE49-F238E27FC236}">
-                <a16:creationId xmlns:a16="http://schemas.microsoft.com/office/drawing/2014/main" id="{A2298858-D8DA-48C6-89CA-ACDF4D042747}"/>
+                <a16:creationId xmlns:a16="http://schemas.microsoft.com/office/drawing/2014/main" id="{A4DD0833-B5AA-42B2-B9B4-6D6C57DEE3C6}"/>
               </a:ext>
             </a:extLst>
           </p:cNvPr>
@@ -4802,22 +6513,19 @@
             <p:ph type="title"/>
           </p:nvPr>
         </p:nvSpPr>
-        <p:spPr/>
-        <p:txBody>
-          <a:bodyPr/>
-          <a:lstStyle/>
-          <a:p>
-            <a:r>
-              <a:rPr lang="zh-CN" altLang="en-US" dirty="0"/>
-              <a:t>基于</a:t>
-            </a:r>
-            <a:r>
-              <a:rPr lang="en-US" altLang="zh-CN" dirty="0" err="1"/>
-              <a:t>BiLSTM</a:t>
-            </a:r>
-            <a:r>
-              <a:rPr lang="zh-CN" altLang="en-US" dirty="0"/>
-              <a:t>的情感分类模型</a:t>
+        <p:spPr>
+          <a:xfrm>
+            <a:off x="753359" y="0"/>
+            <a:ext cx="10515600" cy="1325563"/>
+          </a:xfrm>
+        </p:spPr>
+        <p:txBody>
+          <a:bodyPr/>
+          <a:lstStyle/>
+          <a:p>
+            <a:r>
+              <a:rPr lang="zh-CN" altLang="en-US" dirty="0"/>
+              <a:t>数据清理 </a:t>
             </a:r>
           </a:p>
         </p:txBody>
@@ -4827,7 +6535,7 @@
           <p:cNvPr id="3" name="内容占位符 2">
             <a:extLst>
               <a:ext uri="{FF2B5EF4-FFF2-40B4-BE49-F238E27FC236}">
-                <a16:creationId xmlns:a16="http://schemas.microsoft.com/office/drawing/2014/main" id="{68ABF0E2-0E8D-4073-88B9-EDEA071681C6}"/>
+                <a16:creationId xmlns:a16="http://schemas.microsoft.com/office/drawing/2014/main" id="{475A74AB-DA41-433F-A16F-1206549D879B}"/>
               </a:ext>
             </a:extLst>
           </p:cNvPr>
@@ -4838,121 +6546,58 @@
             <p:ph idx="1"/>
           </p:nvPr>
         </p:nvSpPr>
-        <p:spPr/>
-        <p:txBody>
-          <a:bodyPr/>
-          <a:lstStyle/>
-          <a:p>
-            <a:r>
-              <a:rPr lang="zh-CN" altLang="en-US" dirty="0"/>
-              <a:t>长短期记忆（</a:t>
-            </a:r>
-            <a:r>
-              <a:rPr lang="en-US" altLang="zh-CN" dirty="0"/>
-              <a:t>LSTM</a:t>
-            </a:r>
-            <a:r>
-              <a:rPr lang="zh-CN" altLang="en-US" dirty="0"/>
-              <a:t>）</a:t>
-            </a:r>
-            <a:r>
-              <a:rPr lang="en-US" altLang="zh-CN" dirty="0"/>
-              <a:t>[22]</a:t>
-            </a:r>
-            <a:r>
-              <a:rPr lang="zh-CN" altLang="en-US" dirty="0"/>
-              <a:t>神经网络是一种引入“门”机制的递归神 经网络。</a:t>
-            </a:r>
-            <a:r>
-              <a:rPr lang="en-US" altLang="zh-CN" dirty="0"/>
-              <a:t>LSTM</a:t>
-            </a:r>
-            <a:r>
-              <a:rPr lang="zh-CN" altLang="en-US" dirty="0"/>
-              <a:t>神经网络可以捕获更长距离的语义依赖性，避免了由 于序列长而导致的传统递归神经网络梯度消失的问题。</a:t>
+        <p:spPr>
+          <a:xfrm>
+            <a:off x="923041" y="1018095"/>
+            <a:ext cx="10515600" cy="5740924"/>
+          </a:xfrm>
+        </p:spPr>
+        <p:txBody>
+          <a:bodyPr>
+            <a:normAutofit lnSpcReduction="10000"/>
+          </a:bodyPr>
+          <a:lstStyle/>
+          <a:p>
+            <a:r>
+              <a:rPr lang="zh-CN" altLang="en-US" dirty="0"/>
+              <a:t>删除特殊标记：由于用户在网站上发布自己的评论时并没有统一 的规则，因此他们经常在文本评论中包含一些与样本的情感倾向无 关的特殊标记。 </a:t>
             </a:r>
             <a:endParaRPr lang="en-US" altLang="zh-CN" dirty="0"/>
           </a:p>
           <a:p>
             <a:r>
-              <a:rPr lang="en-US" altLang="zh-CN" dirty="0"/>
-              <a:t>LSTM</a:t>
-            </a:r>
-            <a:r>
-              <a:rPr lang="zh-CN" altLang="en-US" dirty="0"/>
-              <a:t>可以从整体上理解文本语义，并且在情感分类任务中表现 良好</a:t>
-            </a:r>
-            <a:r>
-              <a:rPr lang="en-US" altLang="zh-CN" dirty="0"/>
-              <a:t>[23]</a:t>
-            </a:r>
-            <a:r>
-              <a:rPr lang="zh-CN" altLang="en-US" dirty="0"/>
-              <a:t>。但是，</a:t>
-            </a:r>
-            <a:r>
-              <a:rPr lang="en-US" altLang="zh-CN" dirty="0"/>
-              <a:t>LSTM</a:t>
-            </a:r>
-            <a:r>
-              <a:rPr lang="zh-CN" altLang="en-US" dirty="0"/>
-              <a:t>只能捕获单个方向的语义依赖性。双向长期 短时记忆（</a:t>
-            </a:r>
-            <a:r>
-              <a:rPr lang="en-US" altLang="zh-CN" dirty="0" err="1"/>
-              <a:t>BiLSTM</a:t>
-            </a:r>
-            <a:r>
-              <a:rPr lang="zh-CN" altLang="en-US" dirty="0"/>
-              <a:t>）</a:t>
-            </a:r>
-            <a:r>
-              <a:rPr lang="en-US" altLang="zh-CN" dirty="0"/>
-              <a:t>[24]</a:t>
-            </a:r>
-            <a:r>
-              <a:rPr lang="zh-CN" altLang="en-US" dirty="0"/>
-              <a:t>神经网络是一种改进的</a:t>
-            </a:r>
-            <a:r>
-              <a:rPr lang="en-US" altLang="zh-CN" dirty="0"/>
-              <a:t>LSTM</a:t>
-            </a:r>
-            <a:r>
-              <a:rPr lang="zh-CN" altLang="en-US" dirty="0"/>
-              <a:t>神经网络， 可以捕获双向长距离语义依赖性。因此，在实验中，</a:t>
-            </a:r>
-            <a:r>
-              <a:rPr lang="en-US" altLang="zh-CN" dirty="0" err="1"/>
-              <a:t>BiLSTM</a:t>
-            </a:r>
-            <a:r>
-              <a:rPr lang="zh-CN" altLang="en-US" dirty="0"/>
-              <a:t>神经网 络主要用作深度学习情绪分类模型的基本组成部分，以获得优异的 分类性能。图</a:t>
-            </a:r>
-            <a:r>
-              <a:rPr lang="en-US" altLang="zh-CN" dirty="0"/>
-              <a:t>6</a:t>
-            </a:r>
-            <a:r>
-              <a:rPr lang="zh-CN" altLang="en-US" dirty="0"/>
-              <a:t>显示了</a:t>
-            </a:r>
-            <a:r>
-              <a:rPr lang="en-US" altLang="zh-CN" dirty="0" err="1"/>
-              <a:t>BiLSTM</a:t>
-            </a:r>
-            <a:r>
-              <a:rPr lang="zh-CN" altLang="en-US" dirty="0"/>
-              <a:t>神经网络的结构。 </a:t>
-            </a:r>
+              <a:rPr lang="zh-CN" altLang="en-US" dirty="0"/>
+              <a:t>分词：用户发布的中文在线评论以单词序列的形式出现。分词是 指将每个在线评论的单词序列分为多个单独的单词。 </a:t>
+            </a:r>
+            <a:endParaRPr lang="en-US" altLang="zh-CN" dirty="0"/>
+          </a:p>
+          <a:p>
+            <a:r>
+              <a:rPr lang="zh-CN" altLang="en-US" dirty="0"/>
+              <a:t>删除停用词：停用词是指对整个在线评论没有语义意义的词，例 如感叹词，代词等。删除停用词和删除特殊符号具有相同的效果， 这有助于随后的情感分类模型可以更好地捕捉复习句子的主要语义。</a:t>
+            </a:r>
+            <a:endParaRPr lang="en-US" altLang="zh-CN" dirty="0"/>
+          </a:p>
+          <a:p>
+            <a:r>
+              <a:rPr lang="zh-CN" altLang="en-US" dirty="0"/>
+              <a:t> 删除低频词：由于互联网用户数量众多，每个人都有各种各样的 词来表达自己的情感。尽管有些词可以代表一定的情感倾向，但它 们的频率太低。对于整个情感分类模型而言，学习低频词的情感倾 向弊大于利。 </a:t>
+            </a:r>
+            <a:endParaRPr lang="en-US" altLang="zh-CN" dirty="0"/>
+          </a:p>
+          <a:p>
+            <a:r>
+              <a:rPr lang="zh-CN" altLang="en-US" dirty="0"/>
+              <a:t>之后，删除空白评论。最后，数据存储在数据库中，以方便后续 情感分类模型的使用。 </a:t>
+            </a:r>
+            <a:endParaRPr lang="en-US" altLang="zh-CN" dirty="0"/>
           </a:p>
         </p:txBody>
       </p:sp>
     </p:spTree>
     <p:extLst>
       <p:ext uri="{BB962C8B-B14F-4D97-AF65-F5344CB8AC3E}">
-        <p14:creationId xmlns:p14="http://schemas.microsoft.com/office/powerpoint/2010/main" val="2212811243"/>
+        <p14:creationId xmlns:p14="http://schemas.microsoft.com/office/powerpoint/2010/main" val="2056041029"/>
       </p:ext>
     </p:extLst>
   </p:cSld>
@@ -4984,7 +6629,7 @@
           <p:cNvPr id="2" name="标题 1">
             <a:extLst>
               <a:ext uri="{FF2B5EF4-FFF2-40B4-BE49-F238E27FC236}">
-                <a16:creationId xmlns:a16="http://schemas.microsoft.com/office/drawing/2014/main" id="{A599B100-F774-4635-AB2D-93C18D1DB9C7}"/>
+                <a16:creationId xmlns:a16="http://schemas.microsoft.com/office/drawing/2014/main" id="{A2298858-D8DA-48C6-89CA-ACDF4D042747}"/>
               </a:ext>
             </a:extLst>
           </p:cNvPr>
@@ -5000,38 +6645,9 @@
           <a:bodyPr/>
           <a:lstStyle/>
           <a:p>
-            <a:endParaRPr lang="zh-CN" altLang="en-US"/>
-          </a:p>
-        </p:txBody>
-      </p:sp>
-      <p:sp>
-        <p:nvSpPr>
-          <p:cNvPr id="3" name="内容占位符 2">
-            <a:extLst>
-              <a:ext uri="{FF2B5EF4-FFF2-40B4-BE49-F238E27FC236}">
-                <a16:creationId xmlns:a16="http://schemas.microsoft.com/office/drawing/2014/main" id="{A58D1D8D-D741-427E-B9F8-7B46190FCC06}"/>
-              </a:ext>
-            </a:extLst>
-          </p:cNvPr>
-          <p:cNvSpPr>
-            <a:spLocks noGrp="1"/>
-          </p:cNvSpPr>
-          <p:nvPr>
-            <p:ph idx="1"/>
-          </p:nvPr>
-        </p:nvSpPr>
-        <p:spPr/>
-        <p:txBody>
-          <a:bodyPr/>
-          <a:lstStyle/>
-          <a:p>
-            <a:r>
-              <a:rPr lang="en-US" altLang="zh-CN" dirty="0"/>
-              <a:t>Word2vec</a:t>
-            </a:r>
-            <a:r>
-              <a:rPr lang="zh-CN" altLang="en-US" dirty="0"/>
-              <a:t>用于将审阅数据的文本信息转换为矢量表示，然后将 其输入到</a:t>
+            <a:r>
+              <a:rPr lang="zh-CN" altLang="en-US" dirty="0"/>
+              <a:t>基于</a:t>
             </a:r>
             <a:r>
               <a:rPr lang="en-US" altLang="zh-CN" dirty="0" err="1"/>
@@ -5039,7 +6655,134 @@
             </a:r>
             <a:r>
               <a:rPr lang="zh-CN" altLang="en-US" dirty="0"/>
-              <a:t>中。</a:t>
+              <a:t>的情感分类模型</a:t>
+            </a:r>
+          </a:p>
+        </p:txBody>
+      </p:sp>
+      <p:sp>
+        <p:nvSpPr>
+          <p:cNvPr id="3" name="内容占位符 2">
+            <a:extLst>
+              <a:ext uri="{FF2B5EF4-FFF2-40B4-BE49-F238E27FC236}">
+                <a16:creationId xmlns:a16="http://schemas.microsoft.com/office/drawing/2014/main" id="{68ABF0E2-0E8D-4073-88B9-EDEA071681C6}"/>
+              </a:ext>
+            </a:extLst>
+          </p:cNvPr>
+          <p:cNvSpPr>
+            <a:spLocks noGrp="1"/>
+          </p:cNvSpPr>
+          <p:nvPr>
+            <p:ph idx="1"/>
+          </p:nvPr>
+        </p:nvSpPr>
+        <p:spPr/>
+        <p:txBody>
+          <a:bodyPr/>
+          <a:lstStyle/>
+          <a:p>
+            <a:r>
+              <a:rPr lang="zh-CN" altLang="en-US" dirty="0"/>
+              <a:t>长短期记忆（</a:t>
+            </a:r>
+            <a:r>
+              <a:rPr lang="en-US" altLang="zh-CN" dirty="0"/>
+              <a:t>LSTM</a:t>
+            </a:r>
+            <a:r>
+              <a:rPr lang="zh-CN" altLang="en-US" dirty="0"/>
+              <a:t>）</a:t>
+            </a:r>
+            <a:r>
+              <a:rPr lang="en-US" altLang="zh-CN" dirty="0"/>
+              <a:t>[22]</a:t>
+            </a:r>
+            <a:r>
+              <a:rPr lang="zh-CN" altLang="en-US" dirty="0"/>
+              <a:t>神经网络是一种引入“门”机制的递归神 经网络。</a:t>
+            </a:r>
+            <a:r>
+              <a:rPr lang="en-US" altLang="zh-CN" dirty="0"/>
+              <a:t>LSTM</a:t>
+            </a:r>
+            <a:r>
+              <a:rPr lang="zh-CN" altLang="en-US" dirty="0"/>
+              <a:t>神经网络可以捕获更长距离的语义依赖性，避免了由 于序列长而导致的传统递归神经网络梯度消失的问题。</a:t>
+            </a:r>
+            <a:endParaRPr lang="en-US" altLang="zh-CN" dirty="0"/>
+          </a:p>
+          <a:p>
+            <a:r>
+              <a:rPr lang="en-US" altLang="zh-CN" dirty="0"/>
+              <a:t>LSTM</a:t>
+            </a:r>
+            <a:r>
+              <a:rPr lang="zh-CN" altLang="en-US" dirty="0"/>
+              <a:t>可以从整体上理解文本语义，并且在情感分类任务中表现 良好</a:t>
+            </a:r>
+            <a:r>
+              <a:rPr lang="en-US" altLang="zh-CN" dirty="0"/>
+              <a:t>[23]</a:t>
+            </a:r>
+            <a:r>
+              <a:rPr lang="zh-CN" altLang="en-US" dirty="0"/>
+              <a:t>。但是，</a:t>
+            </a:r>
+            <a:r>
+              <a:rPr lang="en-US" altLang="zh-CN" dirty="0"/>
+              <a:t>LSTM</a:t>
+            </a:r>
+            <a:r>
+              <a:rPr lang="zh-CN" altLang="en-US" dirty="0"/>
+              <a:t>只能捕获单个方向的语义依赖性。双向长期 短时记忆（</a:t>
+            </a:r>
+            <a:r>
+              <a:rPr lang="en-US" altLang="zh-CN" dirty="0" err="1"/>
+              <a:t>BiLSTM</a:t>
+            </a:r>
+            <a:r>
+              <a:rPr lang="zh-CN" altLang="en-US" dirty="0"/>
+              <a:t>）</a:t>
+            </a:r>
+            <a:r>
+              <a:rPr lang="en-US" altLang="zh-CN" dirty="0"/>
+              <a:t>[24]</a:t>
+            </a:r>
+            <a:r>
+              <a:rPr lang="zh-CN" altLang="en-US" dirty="0"/>
+              <a:t>神经网络是一种改进的</a:t>
+            </a:r>
+            <a:r>
+              <a:rPr lang="en-US" altLang="zh-CN" dirty="0"/>
+              <a:t>LSTM</a:t>
+            </a:r>
+            <a:r>
+              <a:rPr lang="zh-CN" altLang="en-US" dirty="0"/>
+              <a:t>神经网络， 可以捕获双向长距离语义依赖性。因此，在实验中，</a:t>
+            </a:r>
+            <a:r>
+              <a:rPr lang="en-US" altLang="zh-CN" dirty="0" err="1"/>
+              <a:t>BiLSTM</a:t>
+            </a:r>
+            <a:r>
+              <a:rPr lang="zh-CN" altLang="en-US" dirty="0"/>
+              <a:t>神经网 络主要用作深度学习情绪分类模型的基本组成部分，以获得优异的 分类性能。图</a:t>
+            </a:r>
+            <a:r>
+              <a:rPr lang="en-US" altLang="zh-CN" dirty="0"/>
+              <a:t>6</a:t>
+            </a:r>
+            <a:r>
+              <a:rPr lang="zh-CN" altLang="en-US" dirty="0"/>
+              <a:t>显示了</a:t>
+            </a:r>
+            <a:r>
+              <a:rPr lang="en-US" altLang="zh-CN" dirty="0" err="1"/>
+              <a:t>BiLSTM</a:t>
+            </a:r>
+            <a:r>
+              <a:rPr lang="zh-CN" altLang="en-US" dirty="0"/>
+              <a:t>神经网络的结构。 </a:t>
             </a:r>
           </a:p>
         </p:txBody>
@@ -5047,7 +6790,7 @@
     </p:spTree>
     <p:extLst>
       <p:ext uri="{BB962C8B-B14F-4D97-AF65-F5344CB8AC3E}">
-        <p14:creationId xmlns:p14="http://schemas.microsoft.com/office/powerpoint/2010/main" val="2614121776"/>
+        <p14:creationId xmlns:p14="http://schemas.microsoft.com/office/powerpoint/2010/main" val="2212811243"/>
       </p:ext>
     </p:extLst>
   </p:cSld>

--- a/COVID-19 Sentiment based on Weak Tagging Information/开题报告.pptx
+++ b/COVID-19 Sentiment based on Weak Tagging Information/开题报告.pptx
@@ -229,6 +229,11 @@
               </a:ln>
               <a:effectLst/>
             </c:spPr>
+            <c:extLst>
+              <c:ext xmlns:c16="http://schemas.microsoft.com/office/drawing/2014/chart" uri="{C3380CC4-5D6E-409C-BE32-E72D297353CC}">
+                <c16:uniqueId val="{00000001-0262-4562-92A9-0937F64EED55}"/>
+              </c:ext>
+            </c:extLst>
           </c:dPt>
           <c:dPt>
             <c:idx val="1"/>
@@ -244,6 +249,11 @@
               </a:ln>
               <a:effectLst/>
             </c:spPr>
+            <c:extLst>
+              <c:ext xmlns:c16="http://schemas.microsoft.com/office/drawing/2014/chart" uri="{C3380CC4-5D6E-409C-BE32-E72D297353CC}">
+                <c16:uniqueId val="{00000003-0262-4562-92A9-0937F64EED55}"/>
+              </c:ext>
+            </c:extLst>
           </c:dPt>
           <c:dPt>
             <c:idx val="2"/>
@@ -259,6 +269,11 @@
               </a:ln>
               <a:effectLst/>
             </c:spPr>
+            <c:extLst>
+              <c:ext xmlns:c16="http://schemas.microsoft.com/office/drawing/2014/chart" uri="{C3380CC4-5D6E-409C-BE32-E72D297353CC}">
+                <c16:uniqueId val="{00000005-0262-4562-92A9-0937F64EED55}"/>
+              </c:ext>
+            </c:extLst>
           </c:dPt>
           <c:dPt>
             <c:idx val="3"/>
@@ -274,6 +289,11 @@
               </a:ln>
               <a:effectLst/>
             </c:spPr>
+            <c:extLst>
+              <c:ext xmlns:c16="http://schemas.microsoft.com/office/drawing/2014/chart" uri="{C3380CC4-5D6E-409C-BE32-E72D297353CC}">
+                <c16:uniqueId val="{00000007-0262-4562-92A9-0937F64EED55}"/>
+              </c:ext>
+            </c:extLst>
           </c:dPt>
           <c:dPt>
             <c:idx val="4"/>
@@ -289,6 +309,11 @@
               </a:ln>
               <a:effectLst/>
             </c:spPr>
+            <c:extLst>
+              <c:ext xmlns:c16="http://schemas.microsoft.com/office/drawing/2014/chart" uri="{C3380CC4-5D6E-409C-BE32-E72D297353CC}">
+                <c16:uniqueId val="{00000009-0262-4562-92A9-0937F64EED55}"/>
+              </c:ext>
+            </c:extLst>
           </c:dPt>
           <c:dPt>
             <c:idx val="5"/>
@@ -304,6 +329,11 @@
               </a:ln>
               <a:effectLst/>
             </c:spPr>
+            <c:extLst>
+              <c:ext xmlns:c16="http://schemas.microsoft.com/office/drawing/2014/chart" uri="{C3380CC4-5D6E-409C-BE32-E72D297353CC}">
+                <c16:uniqueId val="{0000000B-0262-4562-92A9-0937F64EED55}"/>
+              </c:ext>
+            </c:extLst>
           </c:dPt>
           <c:dPt>
             <c:idx val="6"/>
@@ -321,6 +351,11 @@
               </a:ln>
               <a:effectLst/>
             </c:spPr>
+            <c:extLst>
+              <c:ext xmlns:c16="http://schemas.microsoft.com/office/drawing/2014/chart" uri="{C3380CC4-5D6E-409C-BE32-E72D297353CC}">
+                <c16:uniqueId val="{0000000D-0262-4562-92A9-0937F64EED55}"/>
+              </c:ext>
+            </c:extLst>
           </c:dPt>
           <c:dPt>
             <c:idx val="7"/>
@@ -338,6 +373,11 @@
               </a:ln>
               <a:effectLst/>
             </c:spPr>
+            <c:extLst>
+              <c:ext xmlns:c16="http://schemas.microsoft.com/office/drawing/2014/chart" uri="{C3380CC4-5D6E-409C-BE32-E72D297353CC}">
+                <c16:uniqueId val="{0000000F-0262-4562-92A9-0937F64EED55}"/>
+              </c:ext>
+            </c:extLst>
           </c:dPt>
           <c:dPt>
             <c:idx val="8"/>
@@ -355,6 +395,11 @@
               </a:ln>
               <a:effectLst/>
             </c:spPr>
+            <c:extLst>
+              <c:ext xmlns:c16="http://schemas.microsoft.com/office/drawing/2014/chart" uri="{C3380CC4-5D6E-409C-BE32-E72D297353CC}">
+                <c16:uniqueId val="{00000011-0262-4562-92A9-0937F64EED55}"/>
+              </c:ext>
+            </c:extLst>
           </c:dPt>
           <c:dPt>
             <c:idx val="9"/>
@@ -372,6 +417,11 @@
               </a:ln>
               <a:effectLst/>
             </c:spPr>
+            <c:extLst>
+              <c:ext xmlns:c16="http://schemas.microsoft.com/office/drawing/2014/chart" uri="{C3380CC4-5D6E-409C-BE32-E72D297353CC}">
+                <c16:uniqueId val="{00000013-0262-4562-92A9-0937F64EED55}"/>
+              </c:ext>
+            </c:extLst>
           </c:dPt>
           <c:dPt>
             <c:idx val="10"/>
@@ -389,6 +439,11 @@
               </a:ln>
               <a:effectLst/>
             </c:spPr>
+            <c:extLst>
+              <c:ext xmlns:c16="http://schemas.microsoft.com/office/drawing/2014/chart" uri="{C3380CC4-5D6E-409C-BE32-E72D297353CC}">
+                <c16:uniqueId val="{00000015-0262-4562-92A9-0937F64EED55}"/>
+              </c:ext>
+            </c:extLst>
           </c:dPt>
           <c:cat>
             <c:strRef>

--- a/COVID-19 Sentiment based on Weak Tagging Information/开题报告.pptx
+++ b/COVID-19 Sentiment based on Weak Tagging Information/开题报告.pptx
@@ -8,19 +8,26 @@
     <p:sldId id="256" r:id="rId2"/>
     <p:sldId id="257" r:id="rId3"/>
     <p:sldId id="258" r:id="rId4"/>
-    <p:sldId id="259" r:id="rId5"/>
-    <p:sldId id="260" r:id="rId6"/>
-    <p:sldId id="271" r:id="rId7"/>
-    <p:sldId id="261" r:id="rId8"/>
-    <p:sldId id="262" r:id="rId9"/>
-    <p:sldId id="263" r:id="rId10"/>
+    <p:sldId id="272" r:id="rId5"/>
+    <p:sldId id="259" r:id="rId6"/>
+    <p:sldId id="273" r:id="rId7"/>
+    <p:sldId id="274" r:id="rId8"/>
+    <p:sldId id="275" r:id="rId9"/>
+    <p:sldId id="261" r:id="rId10"/>
     <p:sldId id="264" r:id="rId11"/>
-    <p:sldId id="265" r:id="rId12"/>
-    <p:sldId id="266" r:id="rId13"/>
-    <p:sldId id="267" r:id="rId14"/>
-    <p:sldId id="268" r:id="rId15"/>
-    <p:sldId id="269" r:id="rId16"/>
-    <p:sldId id="270" r:id="rId17"/>
+    <p:sldId id="285" r:id="rId12"/>
+    <p:sldId id="276" r:id="rId13"/>
+    <p:sldId id="263" r:id="rId14"/>
+    <p:sldId id="277" r:id="rId15"/>
+    <p:sldId id="265" r:id="rId16"/>
+    <p:sldId id="278" r:id="rId17"/>
+    <p:sldId id="279" r:id="rId18"/>
+    <p:sldId id="267" r:id="rId19"/>
+    <p:sldId id="280" r:id="rId20"/>
+    <p:sldId id="281" r:id="rId21"/>
+    <p:sldId id="282" r:id="rId22"/>
+    <p:sldId id="283" r:id="rId23"/>
+    <p:sldId id="284" r:id="rId24"/>
   </p:sldIdLst>
   <p:sldSz cx="12192000" cy="6858000"/>
   <p:notesSz cx="6858000" cy="9144000"/>
@@ -127,1056 +134,6 @@
 </p:presentation>
 </file>
 
-<file path=ppt/charts/chart1.xml><?xml version="1.0" encoding="utf-8"?>
-<c:chartSpace xmlns:c="http://schemas.openxmlformats.org/drawingml/2006/chart" xmlns:a="http://schemas.openxmlformats.org/drawingml/2006/main" xmlns:r="http://schemas.openxmlformats.org/officeDocument/2006/relationships" xmlns:c16r2="http://schemas.microsoft.com/office/drawing/2015/06/chart">
-  <c:date1904 val="0"/>
-  <c:lang val="zh-CN"/>
-  <c:roundedCorners val="0"/>
-  <mc:AlternateContent xmlns:mc="http://schemas.openxmlformats.org/markup-compatibility/2006">
-    <mc:Choice xmlns:c14="http://schemas.microsoft.com/office/drawing/2007/8/2/chart" Requires="c14">
-      <c14:style val="102"/>
-    </mc:Choice>
-    <mc:Fallback>
-      <c:style val="2"/>
-    </mc:Fallback>
-  </mc:AlternateContent>
-  <c:chart>
-    <c:title>
-      <c:tx>
-        <c:rich>
-          <a:bodyPr rot="0" spcFirstLastPara="1" vertOverflow="ellipsis" vert="horz" wrap="square" anchor="ctr" anchorCtr="1"/>
-          <a:lstStyle/>
-          <a:p>
-            <a:pPr>
-              <a:defRPr sz="1862" b="0" i="0" u="none" strike="noStrike" kern="1200" spc="0" baseline="0">
-                <a:solidFill>
-                  <a:schemeClr val="tx1">
-                    <a:lumMod val="65000"/>
-                    <a:lumOff val="35000"/>
-                  </a:schemeClr>
-                </a:solidFill>
-                <a:latin typeface="+mn-lt"/>
-                <a:ea typeface="+mn-ea"/>
-                <a:cs typeface="+mn-cs"/>
-              </a:defRPr>
-            </a:pPr>
-            <a:r>
-              <a:rPr lang="zh-CN" altLang="en-US" dirty="0"/>
-              <a:t>表情使用频次</a:t>
-            </a:r>
-          </a:p>
-        </c:rich>
-      </c:tx>
-      <c:overlay val="0"/>
-      <c:spPr>
-        <a:noFill/>
-        <a:ln>
-          <a:noFill/>
-        </a:ln>
-        <a:effectLst/>
-      </c:spPr>
-      <c:txPr>
-        <a:bodyPr rot="0" spcFirstLastPara="1" vertOverflow="ellipsis" vert="horz" wrap="square" anchor="ctr" anchorCtr="1"/>
-        <a:lstStyle/>
-        <a:p>
-          <a:pPr>
-            <a:defRPr sz="1862" b="0" i="0" u="none" strike="noStrike" kern="1200" spc="0" baseline="0">
-              <a:solidFill>
-                <a:schemeClr val="tx1">
-                  <a:lumMod val="65000"/>
-                  <a:lumOff val="35000"/>
-                </a:schemeClr>
-              </a:solidFill>
-              <a:latin typeface="+mn-lt"/>
-              <a:ea typeface="+mn-ea"/>
-              <a:cs typeface="+mn-cs"/>
-            </a:defRPr>
-          </a:pPr>
-          <a:endParaRPr lang="zh-CN"/>
-        </a:p>
-      </c:txPr>
-    </c:title>
-    <c:autoTitleDeleted val="0"/>
-    <c:plotArea>
-      <c:layout/>
-      <c:pieChart>
-        <c:varyColors val="1"/>
-        <c:ser>
-          <c:idx val="0"/>
-          <c:order val="0"/>
-          <c:tx>
-            <c:strRef>
-              <c:f>Sheet1!$B$1</c:f>
-              <c:strCache>
-                <c:ptCount val="1"/>
-                <c:pt idx="0">
-                  <c:v>频次</c:v>
-                </c:pt>
-              </c:strCache>
-            </c:strRef>
-          </c:tx>
-          <c:dPt>
-            <c:idx val="0"/>
-            <c:bubble3D val="0"/>
-            <c:spPr>
-              <a:solidFill>
-                <a:schemeClr val="accent1"/>
-              </a:solidFill>
-              <a:ln w="19050">
-                <a:solidFill>
-                  <a:schemeClr val="lt1"/>
-                </a:solidFill>
-              </a:ln>
-              <a:effectLst/>
-            </c:spPr>
-            <c:extLst>
-              <c:ext xmlns:c16="http://schemas.microsoft.com/office/drawing/2014/chart" uri="{C3380CC4-5D6E-409C-BE32-E72D297353CC}">
-                <c16:uniqueId val="{00000001-0262-4562-92A9-0937F64EED55}"/>
-              </c:ext>
-            </c:extLst>
-          </c:dPt>
-          <c:dPt>
-            <c:idx val="1"/>
-            <c:bubble3D val="0"/>
-            <c:spPr>
-              <a:solidFill>
-                <a:schemeClr val="accent2"/>
-              </a:solidFill>
-              <a:ln w="19050">
-                <a:solidFill>
-                  <a:schemeClr val="lt1"/>
-                </a:solidFill>
-              </a:ln>
-              <a:effectLst/>
-            </c:spPr>
-            <c:extLst>
-              <c:ext xmlns:c16="http://schemas.microsoft.com/office/drawing/2014/chart" uri="{C3380CC4-5D6E-409C-BE32-E72D297353CC}">
-                <c16:uniqueId val="{00000003-0262-4562-92A9-0937F64EED55}"/>
-              </c:ext>
-            </c:extLst>
-          </c:dPt>
-          <c:dPt>
-            <c:idx val="2"/>
-            <c:bubble3D val="0"/>
-            <c:spPr>
-              <a:solidFill>
-                <a:schemeClr val="accent3"/>
-              </a:solidFill>
-              <a:ln w="19050">
-                <a:solidFill>
-                  <a:schemeClr val="lt1"/>
-                </a:solidFill>
-              </a:ln>
-              <a:effectLst/>
-            </c:spPr>
-            <c:extLst>
-              <c:ext xmlns:c16="http://schemas.microsoft.com/office/drawing/2014/chart" uri="{C3380CC4-5D6E-409C-BE32-E72D297353CC}">
-                <c16:uniqueId val="{00000005-0262-4562-92A9-0937F64EED55}"/>
-              </c:ext>
-            </c:extLst>
-          </c:dPt>
-          <c:dPt>
-            <c:idx val="3"/>
-            <c:bubble3D val="0"/>
-            <c:spPr>
-              <a:solidFill>
-                <a:schemeClr val="accent4"/>
-              </a:solidFill>
-              <a:ln w="19050">
-                <a:solidFill>
-                  <a:schemeClr val="lt1"/>
-                </a:solidFill>
-              </a:ln>
-              <a:effectLst/>
-            </c:spPr>
-            <c:extLst>
-              <c:ext xmlns:c16="http://schemas.microsoft.com/office/drawing/2014/chart" uri="{C3380CC4-5D6E-409C-BE32-E72D297353CC}">
-                <c16:uniqueId val="{00000007-0262-4562-92A9-0937F64EED55}"/>
-              </c:ext>
-            </c:extLst>
-          </c:dPt>
-          <c:dPt>
-            <c:idx val="4"/>
-            <c:bubble3D val="0"/>
-            <c:spPr>
-              <a:solidFill>
-                <a:schemeClr val="accent5"/>
-              </a:solidFill>
-              <a:ln w="19050">
-                <a:solidFill>
-                  <a:schemeClr val="lt1"/>
-                </a:solidFill>
-              </a:ln>
-              <a:effectLst/>
-            </c:spPr>
-            <c:extLst>
-              <c:ext xmlns:c16="http://schemas.microsoft.com/office/drawing/2014/chart" uri="{C3380CC4-5D6E-409C-BE32-E72D297353CC}">
-                <c16:uniqueId val="{00000009-0262-4562-92A9-0937F64EED55}"/>
-              </c:ext>
-            </c:extLst>
-          </c:dPt>
-          <c:dPt>
-            <c:idx val="5"/>
-            <c:bubble3D val="0"/>
-            <c:spPr>
-              <a:solidFill>
-                <a:schemeClr val="accent6"/>
-              </a:solidFill>
-              <a:ln w="19050">
-                <a:solidFill>
-                  <a:schemeClr val="lt1"/>
-                </a:solidFill>
-              </a:ln>
-              <a:effectLst/>
-            </c:spPr>
-            <c:extLst>
-              <c:ext xmlns:c16="http://schemas.microsoft.com/office/drawing/2014/chart" uri="{C3380CC4-5D6E-409C-BE32-E72D297353CC}">
-                <c16:uniqueId val="{0000000B-0262-4562-92A9-0937F64EED55}"/>
-              </c:ext>
-            </c:extLst>
-          </c:dPt>
-          <c:dPt>
-            <c:idx val="6"/>
-            <c:bubble3D val="0"/>
-            <c:spPr>
-              <a:solidFill>
-                <a:schemeClr val="accent1">
-                  <a:lumMod val="60000"/>
-                </a:schemeClr>
-              </a:solidFill>
-              <a:ln w="19050">
-                <a:solidFill>
-                  <a:schemeClr val="lt1"/>
-                </a:solidFill>
-              </a:ln>
-              <a:effectLst/>
-            </c:spPr>
-            <c:extLst>
-              <c:ext xmlns:c16="http://schemas.microsoft.com/office/drawing/2014/chart" uri="{C3380CC4-5D6E-409C-BE32-E72D297353CC}">
-                <c16:uniqueId val="{0000000D-0262-4562-92A9-0937F64EED55}"/>
-              </c:ext>
-            </c:extLst>
-          </c:dPt>
-          <c:dPt>
-            <c:idx val="7"/>
-            <c:bubble3D val="0"/>
-            <c:spPr>
-              <a:solidFill>
-                <a:schemeClr val="accent2">
-                  <a:lumMod val="60000"/>
-                </a:schemeClr>
-              </a:solidFill>
-              <a:ln w="19050">
-                <a:solidFill>
-                  <a:schemeClr val="lt1"/>
-                </a:solidFill>
-              </a:ln>
-              <a:effectLst/>
-            </c:spPr>
-            <c:extLst>
-              <c:ext xmlns:c16="http://schemas.microsoft.com/office/drawing/2014/chart" uri="{C3380CC4-5D6E-409C-BE32-E72D297353CC}">
-                <c16:uniqueId val="{0000000F-0262-4562-92A9-0937F64EED55}"/>
-              </c:ext>
-            </c:extLst>
-          </c:dPt>
-          <c:dPt>
-            <c:idx val="8"/>
-            <c:bubble3D val="0"/>
-            <c:spPr>
-              <a:solidFill>
-                <a:schemeClr val="accent3">
-                  <a:lumMod val="60000"/>
-                </a:schemeClr>
-              </a:solidFill>
-              <a:ln w="19050">
-                <a:solidFill>
-                  <a:schemeClr val="lt1"/>
-                </a:solidFill>
-              </a:ln>
-              <a:effectLst/>
-            </c:spPr>
-            <c:extLst>
-              <c:ext xmlns:c16="http://schemas.microsoft.com/office/drawing/2014/chart" uri="{C3380CC4-5D6E-409C-BE32-E72D297353CC}">
-                <c16:uniqueId val="{00000011-0262-4562-92A9-0937F64EED55}"/>
-              </c:ext>
-            </c:extLst>
-          </c:dPt>
-          <c:dPt>
-            <c:idx val="9"/>
-            <c:bubble3D val="0"/>
-            <c:spPr>
-              <a:solidFill>
-                <a:schemeClr val="accent4">
-                  <a:lumMod val="60000"/>
-                </a:schemeClr>
-              </a:solidFill>
-              <a:ln w="19050">
-                <a:solidFill>
-                  <a:schemeClr val="lt1"/>
-                </a:solidFill>
-              </a:ln>
-              <a:effectLst/>
-            </c:spPr>
-            <c:extLst>
-              <c:ext xmlns:c16="http://schemas.microsoft.com/office/drawing/2014/chart" uri="{C3380CC4-5D6E-409C-BE32-E72D297353CC}">
-                <c16:uniqueId val="{00000013-0262-4562-92A9-0937F64EED55}"/>
-              </c:ext>
-            </c:extLst>
-          </c:dPt>
-          <c:dPt>
-            <c:idx val="10"/>
-            <c:bubble3D val="0"/>
-            <c:spPr>
-              <a:solidFill>
-                <a:schemeClr val="accent5">
-                  <a:lumMod val="60000"/>
-                </a:schemeClr>
-              </a:solidFill>
-              <a:ln w="19050">
-                <a:solidFill>
-                  <a:schemeClr val="lt1"/>
-                </a:solidFill>
-              </a:ln>
-              <a:effectLst/>
-            </c:spPr>
-            <c:extLst>
-              <c:ext xmlns:c16="http://schemas.microsoft.com/office/drawing/2014/chart" uri="{C3380CC4-5D6E-409C-BE32-E72D297353CC}">
-                <c16:uniqueId val="{00000015-0262-4562-92A9-0937F64EED55}"/>
-              </c:ext>
-            </c:extLst>
-          </c:dPt>
-          <c:cat>
-            <c:strRef>
-              <c:f>Sheet1!$A$2:$A$12</c:f>
-              <c:strCache>
-                <c:ptCount val="11"/>
-                <c:pt idx="0">
-                  <c:v>i_f25</c:v>
-                </c:pt>
-                <c:pt idx="1">
-                  <c:v>i_f16</c:v>
-                </c:pt>
-                <c:pt idx="2">
-                  <c:v>i_f05</c:v>
-                </c:pt>
-                <c:pt idx="3">
-                  <c:v>i_f01</c:v>
-                </c:pt>
-                <c:pt idx="4">
-                  <c:v>i_f02</c:v>
-                </c:pt>
-                <c:pt idx="5">
-                  <c:v>i_f04</c:v>
-                </c:pt>
-                <c:pt idx="6">
-                  <c:v>i_f15</c:v>
-                </c:pt>
-                <c:pt idx="7">
-                  <c:v>i_f27</c:v>
-                </c:pt>
-                <c:pt idx="8">
-                  <c:v>i_f28</c:v>
-                </c:pt>
-                <c:pt idx="9">
-                  <c:v>i_f30</c:v>
-                </c:pt>
-                <c:pt idx="10">
-                  <c:v>其他</c:v>
-                </c:pt>
-              </c:strCache>
-            </c:strRef>
-          </c:cat>
-          <c:val>
-            <c:numRef>
-              <c:f>Sheet1!$B$2:$B$12</c:f>
-              <c:numCache>
-                <c:formatCode>General</c:formatCode>
-                <c:ptCount val="11"/>
-                <c:pt idx="0">
-                  <c:v>42</c:v>
-                </c:pt>
-                <c:pt idx="1">
-                  <c:v>12</c:v>
-                </c:pt>
-                <c:pt idx="2">
-                  <c:v>9</c:v>
-                </c:pt>
-                <c:pt idx="3">
-                  <c:v>6</c:v>
-                </c:pt>
-                <c:pt idx="4">
-                  <c:v>5</c:v>
-                </c:pt>
-                <c:pt idx="5">
-                  <c:v>3</c:v>
-                </c:pt>
-                <c:pt idx="6">
-                  <c:v>3</c:v>
-                </c:pt>
-                <c:pt idx="7">
-                  <c:v>3</c:v>
-                </c:pt>
-                <c:pt idx="8">
-                  <c:v>3</c:v>
-                </c:pt>
-                <c:pt idx="9">
-                  <c:v>3</c:v>
-                </c:pt>
-                <c:pt idx="10">
-                  <c:v>15</c:v>
-                </c:pt>
-              </c:numCache>
-            </c:numRef>
-          </c:val>
-          <c:extLst>
-            <c:ext xmlns:c16="http://schemas.microsoft.com/office/drawing/2014/chart" uri="{C3380CC4-5D6E-409C-BE32-E72D297353CC}">
-              <c16:uniqueId val="{00000000-413D-41E3-883A-46F17289330E}"/>
-            </c:ext>
-          </c:extLst>
-        </c:ser>
-        <c:dLbls>
-          <c:showLegendKey val="0"/>
-          <c:showVal val="0"/>
-          <c:showCatName val="0"/>
-          <c:showSerName val="0"/>
-          <c:showPercent val="0"/>
-          <c:showBubbleSize val="0"/>
-          <c:showLeaderLines val="1"/>
-        </c:dLbls>
-        <c:firstSliceAng val="0"/>
-      </c:pieChart>
-      <c:spPr>
-        <a:noFill/>
-        <a:ln>
-          <a:noFill/>
-        </a:ln>
-        <a:effectLst/>
-      </c:spPr>
-    </c:plotArea>
-    <c:legend>
-      <c:legendPos val="t"/>
-      <c:overlay val="0"/>
-      <c:spPr>
-        <a:noFill/>
-        <a:ln>
-          <a:noFill/>
-        </a:ln>
-        <a:effectLst/>
-      </c:spPr>
-      <c:txPr>
-        <a:bodyPr rot="0" spcFirstLastPara="1" vertOverflow="ellipsis" vert="horz" wrap="square" anchor="ctr" anchorCtr="1"/>
-        <a:lstStyle/>
-        <a:p>
-          <a:pPr>
-            <a:defRPr sz="1197" b="0" i="0" u="none" strike="noStrike" kern="1200" baseline="0">
-              <a:solidFill>
-                <a:schemeClr val="tx1">
-                  <a:lumMod val="65000"/>
-                  <a:lumOff val="35000"/>
-                </a:schemeClr>
-              </a:solidFill>
-              <a:latin typeface="+mn-lt"/>
-              <a:ea typeface="+mn-ea"/>
-              <a:cs typeface="+mn-cs"/>
-            </a:defRPr>
-          </a:pPr>
-          <a:endParaRPr lang="zh-CN"/>
-        </a:p>
-      </c:txPr>
-    </c:legend>
-    <c:plotVisOnly val="1"/>
-    <c:dispBlanksAs val="gap"/>
-    <c:extLst>
-      <c:ext xmlns:c16r3="http://schemas.microsoft.com/office/drawing/2017/03/chart" uri="{56B9EC1D-385E-4148-901F-78D8002777C0}">
-        <c16r3:dataDisplayOptions16>
-          <c16r3:dispNaAsBlank val="1"/>
-        </c16r3:dataDisplayOptions16>
-      </c:ext>
-    </c:extLst>
-    <c:showDLblsOverMax val="0"/>
-  </c:chart>
-  <c:spPr>
-    <a:noFill/>
-    <a:ln>
-      <a:noFill/>
-    </a:ln>
-    <a:effectLst/>
-  </c:spPr>
-  <c:txPr>
-    <a:bodyPr/>
-    <a:lstStyle/>
-    <a:p>
-      <a:pPr>
-        <a:defRPr/>
-      </a:pPr>
-      <a:endParaRPr lang="zh-CN"/>
-    </a:p>
-  </c:txPr>
-  <c:externalData r:id="rId3">
-    <c:autoUpdate val="0"/>
-  </c:externalData>
-</c:chartSpace>
-</file>
-
-<file path=ppt/charts/colors1.xml><?xml version="1.0" encoding="utf-8"?>
-<cs:colorStyle xmlns:cs="http://schemas.microsoft.com/office/drawing/2012/chartStyle" xmlns:a="http://schemas.openxmlformats.org/drawingml/2006/main" meth="cycle" id="10">
-  <a:schemeClr val="accent1"/>
-  <a:schemeClr val="accent2"/>
-  <a:schemeClr val="accent3"/>
-  <a:schemeClr val="accent4"/>
-  <a:schemeClr val="accent5"/>
-  <a:schemeClr val="accent6"/>
-  <cs:variation/>
-  <cs:variation>
-    <a:lumMod val="60000"/>
-  </cs:variation>
-  <cs:variation>
-    <a:lumMod val="80000"/>
-    <a:lumOff val="20000"/>
-  </cs:variation>
-  <cs:variation>
-    <a:lumMod val="80000"/>
-  </cs:variation>
-  <cs:variation>
-    <a:lumMod val="60000"/>
-    <a:lumOff val="40000"/>
-  </cs:variation>
-  <cs:variation>
-    <a:lumMod val="50000"/>
-  </cs:variation>
-  <cs:variation>
-    <a:lumMod val="70000"/>
-    <a:lumOff val="30000"/>
-  </cs:variation>
-  <cs:variation>
-    <a:lumMod val="70000"/>
-  </cs:variation>
-  <cs:variation>
-    <a:lumMod val="50000"/>
-    <a:lumOff val="50000"/>
-  </cs:variation>
-</cs:colorStyle>
-</file>
-
-<file path=ppt/charts/style1.xml><?xml version="1.0" encoding="utf-8"?>
-<cs:chartStyle xmlns:cs="http://schemas.microsoft.com/office/drawing/2012/chartStyle" xmlns:a="http://schemas.openxmlformats.org/drawingml/2006/main" id="251">
-  <cs:axisTitle>
-    <cs:lnRef idx="0"/>
-    <cs:fillRef idx="0"/>
-    <cs:effectRef idx="0"/>
-    <cs:fontRef idx="minor">
-      <a:schemeClr val="tx1">
-        <a:lumMod val="65000"/>
-        <a:lumOff val="35000"/>
-      </a:schemeClr>
-    </cs:fontRef>
-    <cs:defRPr sz="1330" kern="1200"/>
-  </cs:axisTitle>
-  <cs:categoryAxis>
-    <cs:lnRef idx="0"/>
-    <cs:fillRef idx="0"/>
-    <cs:effectRef idx="0"/>
-    <cs:fontRef idx="minor">
-      <a:schemeClr val="tx1">
-        <a:lumMod val="65000"/>
-        <a:lumOff val="35000"/>
-      </a:schemeClr>
-    </cs:fontRef>
-    <cs:spPr>
-      <a:ln w="9525" cap="flat" cmpd="sng" algn="ctr">
-        <a:solidFill>
-          <a:schemeClr val="tx1">
-            <a:lumMod val="15000"/>
-            <a:lumOff val="85000"/>
-          </a:schemeClr>
-        </a:solidFill>
-        <a:round/>
-      </a:ln>
-    </cs:spPr>
-    <cs:defRPr sz="1197" kern="1200"/>
-  </cs:categoryAxis>
-  <cs:chartArea mods="allowNoFillOverride allowNoLineOverride">
-    <cs:lnRef idx="0"/>
-    <cs:fillRef idx="0"/>
-    <cs:effectRef idx="0"/>
-    <cs:fontRef idx="minor">
-      <a:schemeClr val="tx1"/>
-    </cs:fontRef>
-    <cs:spPr>
-      <a:solidFill>
-        <a:schemeClr val="bg1"/>
-      </a:solidFill>
-      <a:ln w="9525" cap="flat" cmpd="sng" algn="ctr">
-        <a:solidFill>
-          <a:schemeClr val="tx1">
-            <a:lumMod val="15000"/>
-            <a:lumOff val="85000"/>
-          </a:schemeClr>
-        </a:solidFill>
-        <a:round/>
-      </a:ln>
-    </cs:spPr>
-    <cs:defRPr sz="1197" kern="1200"/>
-  </cs:chartArea>
-  <cs:dataLabel>
-    <cs:lnRef idx="0"/>
-    <cs:fillRef idx="0"/>
-    <cs:effectRef idx="0"/>
-    <cs:fontRef idx="minor">
-      <a:schemeClr val="tx1">
-        <a:lumMod val="75000"/>
-        <a:lumOff val="25000"/>
-      </a:schemeClr>
-    </cs:fontRef>
-    <cs:defRPr sz="1197" kern="1200"/>
-  </cs:dataLabel>
-  <cs:dataLabelCallout>
-    <cs:lnRef idx="0"/>
-    <cs:fillRef idx="0"/>
-    <cs:effectRef idx="0"/>
-    <cs:fontRef idx="minor">
-      <a:schemeClr val="dk1">
-        <a:lumMod val="65000"/>
-        <a:lumOff val="35000"/>
-      </a:schemeClr>
-    </cs:fontRef>
-    <cs:spPr>
-      <a:solidFill>
-        <a:schemeClr val="lt1"/>
-      </a:solidFill>
-      <a:ln>
-        <a:solidFill>
-          <a:schemeClr val="dk1">
-            <a:lumMod val="25000"/>
-            <a:lumOff val="75000"/>
-          </a:schemeClr>
-        </a:solidFill>
-      </a:ln>
-    </cs:spPr>
-    <cs:defRPr sz="1197" kern="1200"/>
-    <cs:bodyPr rot="0" spcFirstLastPara="1" vertOverflow="clip" horzOverflow="clip" vert="horz" wrap="square" lIns="36576" tIns="18288" rIns="36576" bIns="18288" anchor="ctr" anchorCtr="1">
-      <a:spAutoFit/>
-    </cs:bodyPr>
-  </cs:dataLabelCallout>
-  <cs:dataPoint>
-    <cs:lnRef idx="0"/>
-    <cs:fillRef idx="1">
-      <cs:styleClr val="auto"/>
-    </cs:fillRef>
-    <cs:effectRef idx="0"/>
-    <cs:fontRef idx="minor">
-      <a:schemeClr val="tx1"/>
-    </cs:fontRef>
-    <cs:spPr>
-      <a:ln w="19050">
-        <a:solidFill>
-          <a:schemeClr val="lt1"/>
-        </a:solidFill>
-      </a:ln>
-    </cs:spPr>
-  </cs:dataPoint>
-  <cs:dataPoint3D>
-    <cs:lnRef idx="0"/>
-    <cs:fillRef idx="1">
-      <cs:styleClr val="auto"/>
-    </cs:fillRef>
-    <cs:effectRef idx="0"/>
-    <cs:fontRef idx="minor">
-      <a:schemeClr val="tx1"/>
-    </cs:fontRef>
-    <cs:spPr>
-      <a:ln w="25400">
-        <a:solidFill>
-          <a:schemeClr val="lt1"/>
-        </a:solidFill>
-      </a:ln>
-    </cs:spPr>
-  </cs:dataPoint3D>
-  <cs:dataPointLine>
-    <cs:lnRef idx="0">
-      <cs:styleClr val="auto"/>
-    </cs:lnRef>
-    <cs:fillRef idx="0"/>
-    <cs:effectRef idx="0"/>
-    <cs:fontRef idx="minor">
-      <a:schemeClr val="tx1"/>
-    </cs:fontRef>
-    <cs:spPr>
-      <a:ln w="28575" cap="rnd">
-        <a:solidFill>
-          <a:schemeClr val="phClr"/>
-        </a:solidFill>
-        <a:round/>
-      </a:ln>
-    </cs:spPr>
-  </cs:dataPointLine>
-  <cs:dataPointMarker>
-    <cs:lnRef idx="0">
-      <cs:styleClr val="auto"/>
-    </cs:lnRef>
-    <cs:fillRef idx="1">
-      <cs:styleClr val="auto"/>
-    </cs:fillRef>
-    <cs:effectRef idx="0"/>
-    <cs:fontRef idx="minor">
-      <a:schemeClr val="tx1"/>
-    </cs:fontRef>
-    <cs:spPr>
-      <a:ln w="9525">
-        <a:solidFill>
-          <a:schemeClr val="phClr"/>
-        </a:solidFill>
-      </a:ln>
-    </cs:spPr>
-  </cs:dataPointMarker>
-  <cs:dataPointMarkerLayout symbol="circle" size="5"/>
-  <cs:dataPointWireframe>
-    <cs:lnRef idx="0">
-      <cs:styleClr val="auto"/>
-    </cs:lnRef>
-    <cs:fillRef idx="0"/>
-    <cs:effectRef idx="0"/>
-    <cs:fontRef idx="minor">
-      <a:schemeClr val="tx1"/>
-    </cs:fontRef>
-    <cs:spPr>
-      <a:ln w="9525" cap="rnd">
-        <a:solidFill>
-          <a:schemeClr val="phClr"/>
-        </a:solidFill>
-        <a:round/>
-      </a:ln>
-    </cs:spPr>
-  </cs:dataPointWireframe>
-  <cs:dataTable>
-    <cs:lnRef idx="0"/>
-    <cs:fillRef idx="0"/>
-    <cs:effectRef idx="0"/>
-    <cs:fontRef idx="minor">
-      <a:schemeClr val="tx1">
-        <a:lumMod val="65000"/>
-        <a:lumOff val="35000"/>
-      </a:schemeClr>
-    </cs:fontRef>
-    <cs:spPr>
-      <a:noFill/>
-      <a:ln w="9525" cap="flat" cmpd="sng" algn="ctr">
-        <a:solidFill>
-          <a:schemeClr val="tx1">
-            <a:lumMod val="15000"/>
-            <a:lumOff val="85000"/>
-          </a:schemeClr>
-        </a:solidFill>
-        <a:round/>
-      </a:ln>
-    </cs:spPr>
-    <cs:defRPr sz="1197" kern="1200"/>
-  </cs:dataTable>
-  <cs:downBar>
-    <cs:lnRef idx="0"/>
-    <cs:fillRef idx="0"/>
-    <cs:effectRef idx="0"/>
-    <cs:fontRef idx="minor">
-      <a:schemeClr val="tx1"/>
-    </cs:fontRef>
-    <cs:spPr>
-      <a:solidFill>
-        <a:schemeClr val="dk1">
-          <a:lumMod val="75000"/>
-          <a:lumOff val="25000"/>
-        </a:schemeClr>
-      </a:solidFill>
-      <a:ln w="9525" cap="flat" cmpd="sng" algn="ctr">
-        <a:solidFill>
-          <a:schemeClr val="tx1">
-            <a:lumMod val="65000"/>
-            <a:lumOff val="35000"/>
-          </a:schemeClr>
-        </a:solidFill>
-        <a:round/>
-      </a:ln>
-    </cs:spPr>
-  </cs:downBar>
-  <cs:dropLine>
-    <cs:lnRef idx="0"/>
-    <cs:fillRef idx="0"/>
-    <cs:effectRef idx="0"/>
-    <cs:fontRef idx="minor">
-      <a:schemeClr val="tx1"/>
-    </cs:fontRef>
-    <cs:spPr>
-      <a:ln w="9525" cap="flat" cmpd="sng" algn="ctr">
-        <a:solidFill>
-          <a:schemeClr val="tx1">
-            <a:lumMod val="35000"/>
-            <a:lumOff val="65000"/>
-          </a:schemeClr>
-        </a:solidFill>
-        <a:round/>
-      </a:ln>
-    </cs:spPr>
-  </cs:dropLine>
-  <cs:errorBar>
-    <cs:lnRef idx="0"/>
-    <cs:fillRef idx="0"/>
-    <cs:effectRef idx="0"/>
-    <cs:fontRef idx="minor">
-      <a:schemeClr val="tx1"/>
-    </cs:fontRef>
-    <cs:spPr>
-      <a:ln w="9525" cap="flat" cmpd="sng" algn="ctr">
-        <a:solidFill>
-          <a:schemeClr val="tx1">
-            <a:lumMod val="65000"/>
-            <a:lumOff val="35000"/>
-          </a:schemeClr>
-        </a:solidFill>
-        <a:round/>
-      </a:ln>
-    </cs:spPr>
-  </cs:errorBar>
-  <cs:floor>
-    <cs:lnRef idx="0"/>
-    <cs:fillRef idx="0"/>
-    <cs:effectRef idx="0"/>
-    <cs:fontRef idx="minor">
-      <a:schemeClr val="tx1"/>
-    </cs:fontRef>
-    <cs:spPr>
-      <a:noFill/>
-      <a:ln>
-        <a:noFill/>
-      </a:ln>
-    </cs:spPr>
-  </cs:floor>
-  <cs:gridlineMajor>
-    <cs:lnRef idx="0"/>
-    <cs:fillRef idx="0"/>
-    <cs:effectRef idx="0"/>
-    <cs:fontRef idx="minor">
-      <a:schemeClr val="tx1"/>
-    </cs:fontRef>
-    <cs:spPr>
-      <a:ln w="9525" cap="flat" cmpd="sng" algn="ctr">
-        <a:solidFill>
-          <a:schemeClr val="tx1">
-            <a:lumMod val="15000"/>
-            <a:lumOff val="85000"/>
-          </a:schemeClr>
-        </a:solidFill>
-        <a:round/>
-      </a:ln>
-    </cs:spPr>
-  </cs:gridlineMajor>
-  <cs:gridlineMinor>
-    <cs:lnRef idx="0"/>
-    <cs:fillRef idx="0"/>
-    <cs:effectRef idx="0"/>
-    <cs:fontRef idx="minor">
-      <a:schemeClr val="tx1"/>
-    </cs:fontRef>
-    <cs:spPr>
-      <a:ln w="9525" cap="flat" cmpd="sng" algn="ctr">
-        <a:solidFill>
-          <a:schemeClr val="tx1">
-            <a:lumMod val="5000"/>
-            <a:lumOff val="95000"/>
-          </a:schemeClr>
-        </a:solidFill>
-        <a:round/>
-      </a:ln>
-    </cs:spPr>
-  </cs:gridlineMinor>
-  <cs:hiLoLine>
-    <cs:lnRef idx="0"/>
-    <cs:fillRef idx="0"/>
-    <cs:effectRef idx="0"/>
-    <cs:fontRef idx="minor">
-      <a:schemeClr val="tx1"/>
-    </cs:fontRef>
-    <cs:spPr>
-      <a:ln w="9525" cap="flat" cmpd="sng" algn="ctr">
-        <a:solidFill>
-          <a:schemeClr val="tx1">
-            <a:lumMod val="50000"/>
-            <a:lumOff val="50000"/>
-          </a:schemeClr>
-        </a:solidFill>
-        <a:round/>
-      </a:ln>
-    </cs:spPr>
-  </cs:hiLoLine>
-  <cs:leaderLine>
-    <cs:lnRef idx="0"/>
-    <cs:fillRef idx="0"/>
-    <cs:effectRef idx="0"/>
-    <cs:fontRef idx="minor">
-      <a:schemeClr val="tx1"/>
-    </cs:fontRef>
-    <cs:spPr>
-      <a:ln w="9525" cap="flat" cmpd="sng" algn="ctr">
-        <a:solidFill>
-          <a:schemeClr val="tx1">
-            <a:lumMod val="35000"/>
-            <a:lumOff val="65000"/>
-          </a:schemeClr>
-        </a:solidFill>
-        <a:round/>
-      </a:ln>
-    </cs:spPr>
-  </cs:leaderLine>
-  <cs:legend>
-    <cs:lnRef idx="0"/>
-    <cs:fillRef idx="0"/>
-    <cs:effectRef idx="0"/>
-    <cs:fontRef idx="minor">
-      <a:schemeClr val="tx1">
-        <a:lumMod val="65000"/>
-        <a:lumOff val="35000"/>
-      </a:schemeClr>
-    </cs:fontRef>
-    <cs:defRPr sz="1197" kern="1200"/>
-  </cs:legend>
-  <cs:plotArea mods="allowNoFillOverride allowNoLineOverride">
-    <cs:lnRef idx="0"/>
-    <cs:fillRef idx="0"/>
-    <cs:effectRef idx="0"/>
-    <cs:fontRef idx="minor">
-      <a:schemeClr val="tx1"/>
-    </cs:fontRef>
-  </cs:plotArea>
-  <cs:plotArea3D mods="allowNoFillOverride allowNoLineOverride">
-    <cs:lnRef idx="0"/>
-    <cs:fillRef idx="0"/>
-    <cs:effectRef idx="0"/>
-    <cs:fontRef idx="minor">
-      <a:schemeClr val="tx1"/>
-    </cs:fontRef>
-  </cs:plotArea3D>
-  <cs:seriesAxis>
-    <cs:lnRef idx="0"/>
-    <cs:fillRef idx="0"/>
-    <cs:effectRef idx="0"/>
-    <cs:fontRef idx="minor">
-      <a:schemeClr val="tx1">
-        <a:lumMod val="65000"/>
-        <a:lumOff val="35000"/>
-      </a:schemeClr>
-    </cs:fontRef>
-    <cs:defRPr sz="1197" kern="1200"/>
-  </cs:seriesAxis>
-  <cs:seriesLine>
-    <cs:lnRef idx="0"/>
-    <cs:fillRef idx="0"/>
-    <cs:effectRef idx="0"/>
-    <cs:fontRef idx="minor">
-      <a:schemeClr val="tx1"/>
-    </cs:fontRef>
-    <cs:spPr>
-      <a:ln w="9525" cap="flat" cmpd="sng" algn="ctr">
-        <a:solidFill>
-          <a:schemeClr val="tx1">
-            <a:lumMod val="35000"/>
-            <a:lumOff val="65000"/>
-          </a:schemeClr>
-        </a:solidFill>
-        <a:round/>
-      </a:ln>
-    </cs:spPr>
-  </cs:seriesLine>
-  <cs:title>
-    <cs:lnRef idx="0"/>
-    <cs:fillRef idx="0"/>
-    <cs:effectRef idx="0"/>
-    <cs:fontRef idx="minor">
-      <a:schemeClr val="tx1">
-        <a:lumMod val="65000"/>
-        <a:lumOff val="35000"/>
-      </a:schemeClr>
-    </cs:fontRef>
-    <cs:defRPr sz="1862" b="0" kern="1200" spc="0" baseline="0"/>
-  </cs:title>
-  <cs:trendline>
-    <cs:lnRef idx="0">
-      <cs:styleClr val="auto"/>
-    </cs:lnRef>
-    <cs:fillRef idx="0"/>
-    <cs:effectRef idx="0"/>
-    <cs:fontRef idx="minor">
-      <a:schemeClr val="tx1"/>
-    </cs:fontRef>
-    <cs:spPr>
-      <a:ln w="19050" cap="rnd">
-        <a:solidFill>
-          <a:schemeClr val="phClr"/>
-        </a:solidFill>
-        <a:prstDash val="sysDot"/>
-      </a:ln>
-    </cs:spPr>
-  </cs:trendline>
-  <cs:trendlineLabel>
-    <cs:lnRef idx="0"/>
-    <cs:fillRef idx="0"/>
-    <cs:effectRef idx="0"/>
-    <cs:fontRef idx="minor">
-      <a:schemeClr val="tx1">
-        <a:lumMod val="65000"/>
-        <a:lumOff val="35000"/>
-      </a:schemeClr>
-    </cs:fontRef>
-    <cs:defRPr sz="1197" kern="1200"/>
-  </cs:trendlineLabel>
-  <cs:upBar>
-    <cs:lnRef idx="0"/>
-    <cs:fillRef idx="0"/>
-    <cs:effectRef idx="0"/>
-    <cs:fontRef idx="minor">
-      <a:schemeClr val="tx1"/>
-    </cs:fontRef>
-    <cs:spPr>
-      <a:solidFill>
-        <a:schemeClr val="lt1"/>
-      </a:solidFill>
-      <a:ln w="9525" cap="flat" cmpd="sng" algn="ctr">
-        <a:solidFill>
-          <a:schemeClr val="tx1">
-            <a:lumMod val="65000"/>
-            <a:lumOff val="35000"/>
-          </a:schemeClr>
-        </a:solidFill>
-        <a:round/>
-      </a:ln>
-    </cs:spPr>
-  </cs:upBar>
-  <cs:valueAxis>
-    <cs:lnRef idx="0"/>
-    <cs:fillRef idx="0"/>
-    <cs:effectRef idx="0"/>
-    <cs:fontRef idx="minor">
-      <a:schemeClr val="tx1">
-        <a:lumMod val="65000"/>
-        <a:lumOff val="35000"/>
-      </a:schemeClr>
-    </cs:fontRef>
-    <cs:defRPr sz="1197" kern="1200"/>
-  </cs:valueAxis>
-  <cs:wall>
-    <cs:lnRef idx="0"/>
-    <cs:fillRef idx="0"/>
-    <cs:effectRef idx="0"/>
-    <cs:fontRef idx="minor">
-      <a:schemeClr val="tx1"/>
-    </cs:fontRef>
-    <cs:spPr>
-      <a:noFill/>
-      <a:ln>
-        <a:noFill/>
-      </a:ln>
-    </cs:spPr>
-  </cs:wall>
-</cs:chartStyle>
-</file>
-
 <file path=ppt/slideLayouts/slideLayout1.xml><?xml version="1.0" encoding="utf-8"?>
 <p:sldLayout xmlns:a="http://schemas.openxmlformats.org/drawingml/2006/main" xmlns:r="http://schemas.openxmlformats.org/officeDocument/2006/relationships" xmlns:p="http://schemas.openxmlformats.org/presentationml/2006/main" type="title" preserve="1">
   <p:cSld name="标题幻灯片">
@@ -1324,7 +281,7 @@
           <a:p>
             <a:fld id="{E9CCC3B0-9AE5-4D26-8999-AB11630E795C}" type="datetimeFigureOut">
               <a:rPr lang="zh-CN" altLang="en-US" smtClean="0"/>
-              <a:t>2021/5/8</a:t>
+              <a:t>2021/5/11</a:t>
             </a:fld>
             <a:endParaRPr lang="zh-CN" altLang="en-US"/>
           </a:p>
@@ -1522,7 +479,7 @@
           <a:p>
             <a:fld id="{E9CCC3B0-9AE5-4D26-8999-AB11630E795C}" type="datetimeFigureOut">
               <a:rPr lang="zh-CN" altLang="en-US" smtClean="0"/>
-              <a:t>2021/5/8</a:t>
+              <a:t>2021/5/11</a:t>
             </a:fld>
             <a:endParaRPr lang="zh-CN" altLang="en-US"/>
           </a:p>
@@ -1730,7 +687,7 @@
           <a:p>
             <a:fld id="{E9CCC3B0-9AE5-4D26-8999-AB11630E795C}" type="datetimeFigureOut">
               <a:rPr lang="zh-CN" altLang="en-US" smtClean="0"/>
-              <a:t>2021/5/8</a:t>
+              <a:t>2021/5/11</a:t>
             </a:fld>
             <a:endParaRPr lang="zh-CN" altLang="en-US"/>
           </a:p>
@@ -1928,7 +885,7 @@
           <a:p>
             <a:fld id="{E9CCC3B0-9AE5-4D26-8999-AB11630E795C}" type="datetimeFigureOut">
               <a:rPr lang="zh-CN" altLang="en-US" smtClean="0"/>
-              <a:t>2021/5/8</a:t>
+              <a:t>2021/5/11</a:t>
             </a:fld>
             <a:endParaRPr lang="zh-CN" altLang="en-US"/>
           </a:p>
@@ -2203,7 +1160,7 @@
           <a:p>
             <a:fld id="{E9CCC3B0-9AE5-4D26-8999-AB11630E795C}" type="datetimeFigureOut">
               <a:rPr lang="zh-CN" altLang="en-US" smtClean="0"/>
-              <a:t>2021/5/8</a:t>
+              <a:t>2021/5/11</a:t>
             </a:fld>
             <a:endParaRPr lang="zh-CN" altLang="en-US"/>
           </a:p>
@@ -2468,7 +1425,7 @@
           <a:p>
             <a:fld id="{E9CCC3B0-9AE5-4D26-8999-AB11630E795C}" type="datetimeFigureOut">
               <a:rPr lang="zh-CN" altLang="en-US" smtClean="0"/>
-              <a:t>2021/5/8</a:t>
+              <a:t>2021/5/11</a:t>
             </a:fld>
             <a:endParaRPr lang="zh-CN" altLang="en-US"/>
           </a:p>
@@ -2880,7 +1837,7 @@
           <a:p>
             <a:fld id="{E9CCC3B0-9AE5-4D26-8999-AB11630E795C}" type="datetimeFigureOut">
               <a:rPr lang="zh-CN" altLang="en-US" smtClean="0"/>
-              <a:t>2021/5/8</a:t>
+              <a:t>2021/5/11</a:t>
             </a:fld>
             <a:endParaRPr lang="zh-CN" altLang="en-US"/>
           </a:p>
@@ -3021,7 +1978,7 @@
           <a:p>
             <a:fld id="{E9CCC3B0-9AE5-4D26-8999-AB11630E795C}" type="datetimeFigureOut">
               <a:rPr lang="zh-CN" altLang="en-US" smtClean="0"/>
-              <a:t>2021/5/8</a:t>
+              <a:t>2021/5/11</a:t>
             </a:fld>
             <a:endParaRPr lang="zh-CN" altLang="en-US"/>
           </a:p>
@@ -3134,7 +2091,7 @@
           <a:p>
             <a:fld id="{E9CCC3B0-9AE5-4D26-8999-AB11630E795C}" type="datetimeFigureOut">
               <a:rPr lang="zh-CN" altLang="en-US" smtClean="0"/>
-              <a:t>2021/5/8</a:t>
+              <a:t>2021/5/11</a:t>
             </a:fld>
             <a:endParaRPr lang="zh-CN" altLang="en-US"/>
           </a:p>
@@ -3445,7 +2402,7 @@
           <a:p>
             <a:fld id="{E9CCC3B0-9AE5-4D26-8999-AB11630E795C}" type="datetimeFigureOut">
               <a:rPr lang="zh-CN" altLang="en-US" smtClean="0"/>
-              <a:t>2021/5/8</a:t>
+              <a:t>2021/5/11</a:t>
             </a:fld>
             <a:endParaRPr lang="zh-CN" altLang="en-US"/>
           </a:p>
@@ -3733,7 +2690,7 @@
           <a:p>
             <a:fld id="{E9CCC3B0-9AE5-4D26-8999-AB11630E795C}" type="datetimeFigureOut">
               <a:rPr lang="zh-CN" altLang="en-US" smtClean="0"/>
-              <a:t>2021/5/8</a:t>
+              <a:t>2021/5/11</a:t>
             </a:fld>
             <a:endParaRPr lang="zh-CN" altLang="en-US"/>
           </a:p>
@@ -3974,7 +2931,7 @@
           <a:p>
             <a:fld id="{E9CCC3B0-9AE5-4D26-8999-AB11630E795C}" type="datetimeFigureOut">
               <a:rPr lang="zh-CN" altLang="en-US" smtClean="0"/>
-              <a:t>2021/5/8</a:t>
+              <a:t>2021/5/11</a:t>
             </a:fld>
             <a:endParaRPr lang="zh-CN" altLang="en-US"/>
           </a:p>
@@ -4410,43 +3367,49 @@
         <p:spPr/>
         <p:txBody>
           <a:bodyPr>
-            <a:normAutofit fontScale="90000"/>
+            <a:normAutofit/>
           </a:bodyPr>
           <a:lstStyle/>
           <a:p>
             <a:r>
+              <a:rPr lang="zh-CN" altLang="en-US" dirty="0"/>
+              <a:t>基于弱标签信息的深度学习情感分类</a:t>
+            </a:r>
+          </a:p>
+        </p:txBody>
+      </p:sp>
+      <p:sp>
+        <p:nvSpPr>
+          <p:cNvPr id="3" name="副标题 2">
+            <a:extLst>
+              <a:ext uri="{FF2B5EF4-FFF2-40B4-BE49-F238E27FC236}">
+                <a16:creationId xmlns:a16="http://schemas.microsoft.com/office/drawing/2014/main" id="{5BF979DA-DC60-4F0F-B50D-1D1D171DB1E7}"/>
+              </a:ext>
+            </a:extLst>
+          </p:cNvPr>
+          <p:cNvSpPr>
+            <a:spLocks noGrp="1"/>
+          </p:cNvSpPr>
+          <p:nvPr>
+            <p:ph type="subTitle" idx="1"/>
+          </p:nvPr>
+        </p:nvSpPr>
+        <p:spPr/>
+        <p:txBody>
+          <a:bodyPr/>
+          <a:lstStyle/>
+          <a:p>
+            <a:r>
               <a:rPr lang="en-US" altLang="zh-CN" dirty="0"/>
-              <a:t>COVID-19 Sentiment based on Weak Tagging Information</a:t>
+              <a:t>Sentiment Classification Based </a:t>
+            </a:r>
+          </a:p>
+          <a:p>
+            <a:r>
+              <a:rPr lang="en-US" altLang="zh-CN" dirty="0"/>
+              <a:t>on Weak Tagging Information </a:t>
             </a:r>
             <a:endParaRPr lang="zh-CN" altLang="en-US" dirty="0"/>
-          </a:p>
-        </p:txBody>
-      </p:sp>
-      <p:sp>
-        <p:nvSpPr>
-          <p:cNvPr id="3" name="副标题 2">
-            <a:extLst>
-              <a:ext uri="{FF2B5EF4-FFF2-40B4-BE49-F238E27FC236}">
-                <a16:creationId xmlns:a16="http://schemas.microsoft.com/office/drawing/2014/main" id="{5BF979DA-DC60-4F0F-B50D-1D1D171DB1E7}"/>
-              </a:ext>
-            </a:extLst>
-          </p:cNvPr>
-          <p:cNvSpPr>
-            <a:spLocks noGrp="1"/>
-          </p:cNvSpPr>
-          <p:nvPr>
-            <p:ph type="subTitle" idx="1"/>
-          </p:nvPr>
-        </p:nvSpPr>
-        <p:spPr/>
-        <p:txBody>
-          <a:bodyPr/>
-          <a:lstStyle/>
-          <a:p>
-            <a:r>
-              <a:rPr lang="zh-CN" altLang="en-US" dirty="0"/>
-              <a:t>一种基于弱标签数据的新冠疫情文本情绪分析</a:t>
-            </a:r>
           </a:p>
         </p:txBody>
       </p:sp>
@@ -4501,35 +3464,39 @@
           <a:bodyPr/>
           <a:lstStyle/>
           <a:p>
-            <a:endParaRPr lang="zh-CN" altLang="en-US"/>
-          </a:p>
-        </p:txBody>
-      </p:sp>
-      <p:sp>
-        <p:nvSpPr>
-          <p:cNvPr id="3" name="内容占位符 2">
-            <a:extLst>
-              <a:ext uri="{FF2B5EF4-FFF2-40B4-BE49-F238E27FC236}">
-                <a16:creationId xmlns:a16="http://schemas.microsoft.com/office/drawing/2014/main" id="{A58D1D8D-D741-427E-B9F8-7B46190FCC06}"/>
-              </a:ext>
-            </a:extLst>
-          </p:cNvPr>
-          <p:cNvSpPr>
-            <a:spLocks noGrp="1"/>
-          </p:cNvSpPr>
-          <p:nvPr>
-            <p:ph idx="1"/>
-          </p:nvPr>
-        </p:nvSpPr>
-        <p:spPr/>
-        <p:txBody>
-          <a:bodyPr/>
-          <a:lstStyle/>
-          <a:p>
             <a:r>
               <a:rPr lang="en-US" altLang="zh-CN" dirty="0"/>
               <a:t>Word2vec</a:t>
             </a:r>
+            <a:endParaRPr lang="zh-CN" altLang="en-US" dirty="0"/>
+          </a:p>
+        </p:txBody>
+      </p:sp>
+      <p:sp>
+        <p:nvSpPr>
+          <p:cNvPr id="3" name="内容占位符 2">
+            <a:extLst>
+              <a:ext uri="{FF2B5EF4-FFF2-40B4-BE49-F238E27FC236}">
+                <a16:creationId xmlns:a16="http://schemas.microsoft.com/office/drawing/2014/main" id="{A58D1D8D-D741-427E-B9F8-7B46190FCC06}"/>
+              </a:ext>
+            </a:extLst>
+          </p:cNvPr>
+          <p:cNvSpPr>
+            <a:spLocks noGrp="1"/>
+          </p:cNvSpPr>
+          <p:nvPr>
+            <p:ph idx="1"/>
+          </p:nvPr>
+        </p:nvSpPr>
+        <p:spPr/>
+        <p:txBody>
+          <a:bodyPr/>
+          <a:lstStyle/>
+          <a:p>
+            <a:r>
+              <a:rPr lang="en-US" altLang="zh-CN" dirty="0"/>
+              <a:t>Word2vec</a:t>
+            </a:r>
             <a:r>
               <a:rPr lang="zh-CN" altLang="en-US" dirty="0"/>
               <a:t>用于将审阅数据的文本信息转换为矢量表示，然后将 其输入到</a:t>
@@ -4540,11 +3507,61 @@
             </a:r>
             <a:r>
               <a:rPr lang="zh-CN" altLang="en-US" dirty="0"/>
-              <a:t>中。</a:t>
-            </a:r>
-          </a:p>
-        </p:txBody>
-      </p:sp>
+              <a:t>中。最终的样本情感分类结果是通过将</a:t>
+            </a:r>
+            <a:r>
+              <a:rPr lang="en-US" altLang="zh-CN" dirty="0" err="1"/>
+              <a:t>BiLSTM</a:t>
+            </a:r>
+            <a:r>
+              <a:rPr lang="zh-CN" altLang="en-US" dirty="0"/>
+              <a:t>传 递到</a:t>
+            </a:r>
+            <a:r>
+              <a:rPr lang="en-US" altLang="zh-CN" dirty="0"/>
+              <a:t>Sigmoid</a:t>
+            </a:r>
+            <a:r>
+              <a:rPr lang="zh-CN" altLang="en-US" dirty="0"/>
+              <a:t>层获得的</a:t>
+            </a:r>
+            <a:endParaRPr lang="en-US" altLang="zh-CN" dirty="0"/>
+          </a:p>
+          <a:p>
+            <a:endParaRPr lang="zh-CN" altLang="en-US" dirty="0"/>
+          </a:p>
+        </p:txBody>
+      </p:sp>
+      <p:pic>
+        <p:nvPicPr>
+          <p:cNvPr id="5" name="图片 4">
+            <a:extLst>
+              <a:ext uri="{FF2B5EF4-FFF2-40B4-BE49-F238E27FC236}">
+                <a16:creationId xmlns:a16="http://schemas.microsoft.com/office/drawing/2014/main" id="{EB80EFF8-19DB-4709-9E44-36C6746F8595}"/>
+              </a:ext>
+            </a:extLst>
+          </p:cNvPr>
+          <p:cNvPicPr>
+            <a:picLocks noChangeAspect="1"/>
+          </p:cNvPicPr>
+          <p:nvPr/>
+        </p:nvPicPr>
+        <p:blipFill>
+          <a:blip r:embed="rId2"/>
+          <a:stretch>
+            <a:fillRect/>
+          </a:stretch>
+        </p:blipFill>
+        <p:spPr>
+          <a:xfrm>
+            <a:off x="6096000" y="2934946"/>
+            <a:ext cx="4116433" cy="3376954"/>
+          </a:xfrm>
+          <a:prstGeom prst="rect">
+            <a:avLst/>
+          </a:prstGeom>
+        </p:spPr>
+      </p:pic>
     </p:spTree>
     <p:extLst>
       <p:ext uri="{BB962C8B-B14F-4D97-AF65-F5344CB8AC3E}">
@@ -4580,7 +3597,7 @@
           <p:cNvPr id="2" name="标题 1">
             <a:extLst>
               <a:ext uri="{FF2B5EF4-FFF2-40B4-BE49-F238E27FC236}">
-                <a16:creationId xmlns:a16="http://schemas.microsoft.com/office/drawing/2014/main" id="{FE7C83AE-A468-4742-BBAE-EC98388B9C77}"/>
+                <a16:creationId xmlns:a16="http://schemas.microsoft.com/office/drawing/2014/main" id="{8B0DAFD6-6628-401A-A251-09A085ABBB3D}"/>
               </a:ext>
             </a:extLst>
           </p:cNvPr>
@@ -4597,17 +3614,10 @@
           <a:lstStyle/>
           <a:p>
             <a:r>
-              <a:rPr lang="zh-CN" altLang="en-US" dirty="0"/>
-              <a:t>基于两阶段训练的</a:t>
-            </a:r>
-            <a:r>
-              <a:rPr lang="en-US" altLang="zh-CN" dirty="0" err="1"/>
-              <a:t>BilSTM</a:t>
-            </a:r>
-            <a:r>
-              <a:rPr lang="zh-CN" altLang="en-US" dirty="0"/>
-              <a:t>情感分类模型</a:t>
-            </a:r>
+              <a:rPr lang="en-US" altLang="zh-CN" dirty="0"/>
+              <a:t>Word2vec</a:t>
+            </a:r>
+            <a:endParaRPr lang="zh-CN" altLang="en-US" dirty="0"/>
           </a:p>
         </p:txBody>
       </p:sp>
@@ -4616,7 +3626,7 @@
           <p:cNvPr id="3" name="内容占位符 2">
             <a:extLst>
               <a:ext uri="{FF2B5EF4-FFF2-40B4-BE49-F238E27FC236}">
-                <a16:creationId xmlns:a16="http://schemas.microsoft.com/office/drawing/2014/main" id="{425871EE-CC79-4ACE-87D4-3DBC6DD75B14}"/>
+                <a16:creationId xmlns:a16="http://schemas.microsoft.com/office/drawing/2014/main" id="{12FD0644-9861-4D48-B802-3EF3AB423758}"/>
               </a:ext>
             </a:extLst>
           </p:cNvPr>
@@ -4632,49 +3642,14 @@
           <a:bodyPr/>
           <a:lstStyle/>
           <a:p>
-            <a:r>
-              <a:rPr lang="zh-CN" altLang="en-US" dirty="0"/>
-              <a:t>基于两阶段训练的两阶段训练的</a:t>
-            </a:r>
-            <a:r>
-              <a:rPr lang="en-US" altLang="zh-CN" dirty="0" err="1"/>
-              <a:t>BiLSTM</a:t>
-            </a:r>
-            <a:r>
-              <a:rPr lang="zh-CN" altLang="en-US" dirty="0"/>
-              <a:t>情感分类模型是第一个基于 弱标记信息的深度学习情感分类模型。实验中使用的情感分类模型 的结构与基于</a:t>
-            </a:r>
-            <a:r>
-              <a:rPr lang="en-US" altLang="zh-CN" dirty="0" err="1"/>
-              <a:t>BiLSTM</a:t>
-            </a:r>
-            <a:r>
-              <a:rPr lang="zh-CN" altLang="en-US" dirty="0"/>
-              <a:t>（</a:t>
-            </a:r>
-            <a:r>
-              <a:rPr lang="en-US" altLang="zh-CN" dirty="0" err="1"/>
-              <a:t>SC_BiLSTM</a:t>
-            </a:r>
-            <a:r>
-              <a:rPr lang="zh-CN" altLang="en-US" dirty="0"/>
-              <a:t>）的情感分类模型一致，并且 仅在模型训练方法上进行了创新。模型的训练分为两个阶段，两阶 段训练方法的示意图如图</a:t>
-            </a:r>
-            <a:r>
-              <a:rPr lang="en-US" altLang="zh-CN" dirty="0"/>
-              <a:t>8</a:t>
-            </a:r>
-            <a:r>
-              <a:rPr lang="zh-CN" altLang="en-US" dirty="0"/>
-              <a:t>所示。</a:t>
-            </a:r>
+            <a:endParaRPr lang="zh-CN" altLang="en-US"/>
           </a:p>
         </p:txBody>
       </p:sp>
     </p:spTree>
     <p:extLst>
       <p:ext uri="{BB962C8B-B14F-4D97-AF65-F5344CB8AC3E}">
-        <p14:creationId xmlns:p14="http://schemas.microsoft.com/office/powerpoint/2010/main" val="879049585"/>
+        <p14:creationId xmlns:p14="http://schemas.microsoft.com/office/powerpoint/2010/main" val="572773780"/>
       </p:ext>
     </p:extLst>
   </p:cSld>
@@ -4706,7 +3681,7 @@
           <p:cNvPr id="2" name="标题 1">
             <a:extLst>
               <a:ext uri="{FF2B5EF4-FFF2-40B4-BE49-F238E27FC236}">
-                <a16:creationId xmlns:a16="http://schemas.microsoft.com/office/drawing/2014/main" id="{3442668F-FD26-4050-9D6D-310145763B79}"/>
+                <a16:creationId xmlns:a16="http://schemas.microsoft.com/office/drawing/2014/main" id="{7373519E-FB09-4825-86F7-4873D6C17B0C}"/>
               </a:ext>
             </a:extLst>
           </p:cNvPr>
@@ -4724,25 +3699,17 @@
           <a:p>
             <a:r>
               <a:rPr lang="zh-CN" altLang="en-US" dirty="0"/>
-              <a:t>基于两阶段训练的</a:t>
-            </a:r>
-            <a:r>
-              <a:rPr lang="en-US" altLang="zh-CN" dirty="0" err="1"/>
-              <a:t>BilSTM</a:t>
-            </a:r>
-            <a:r>
-              <a:rPr lang="zh-CN" altLang="en-US" dirty="0"/>
-              <a:t>情感分类模型</a:t>
-            </a:r>
-          </a:p>
-        </p:txBody>
-      </p:sp>
-      <p:sp>
-        <p:nvSpPr>
-          <p:cNvPr id="3" name="内容占位符 2">
-            <a:extLst>
-              <a:ext uri="{FF2B5EF4-FFF2-40B4-BE49-F238E27FC236}">
-                <a16:creationId xmlns:a16="http://schemas.microsoft.com/office/drawing/2014/main" id="{C00AA406-66DF-4328-9835-42101F30FCB6}"/>
+              <a:t>数据处理</a:t>
+            </a:r>
+          </a:p>
+        </p:txBody>
+      </p:sp>
+      <p:sp>
+        <p:nvSpPr>
+          <p:cNvPr id="6" name="内容占位符 5">
+            <a:extLst>
+              <a:ext uri="{FF2B5EF4-FFF2-40B4-BE49-F238E27FC236}">
+                <a16:creationId xmlns:a16="http://schemas.microsoft.com/office/drawing/2014/main" id="{65E0FCFB-9CA8-407F-BE9D-1DF14243E40E}"/>
               </a:ext>
             </a:extLst>
           </p:cNvPr>
@@ -4756,120 +3723,50 @@
         <p:spPr/>
         <p:txBody>
           <a:bodyPr>
-            <a:normAutofit lnSpcReduction="10000"/>
+            <a:normAutofit fontScale="92500" lnSpcReduction="10000"/>
           </a:bodyPr>
           <a:lstStyle/>
           <a:p>
             <a:r>
               <a:rPr lang="zh-CN" altLang="en-US" dirty="0"/>
-              <a:t>首先，在第一阶段，使用大量的弱标记数据来训练</a:t>
-            </a:r>
-            <a:r>
-              <a:rPr lang="en-US" altLang="zh-CN" dirty="0" err="1"/>
-              <a:t>SC_BiLSTM</a:t>
-            </a:r>
-            <a:r>
-              <a:rPr lang="en-US" altLang="zh-CN" dirty="0"/>
-              <a:t> </a:t>
-            </a:r>
-            <a:r>
-              <a:rPr lang="zh-CN" altLang="en-US" dirty="0"/>
-              <a:t>（模型</a:t>
-            </a:r>
-            <a:r>
-              <a:rPr lang="en-US" altLang="zh-CN" dirty="0"/>
-              <a:t>0</a:t>
-            </a:r>
-            <a:r>
-              <a:rPr lang="zh-CN" altLang="en-US" dirty="0"/>
-              <a:t>）。在第</a:t>
-            </a:r>
-            <a:r>
-              <a:rPr lang="en-US" altLang="zh-CN" dirty="0"/>
-              <a:t>3.A</a:t>
-            </a:r>
-            <a:r>
-              <a:rPr lang="zh-CN" altLang="en-US" dirty="0"/>
-              <a:t>节的图</a:t>
-            </a:r>
-            <a:r>
-              <a:rPr lang="en-US" altLang="zh-CN" dirty="0"/>
-              <a:t>4</a:t>
-            </a:r>
-            <a:r>
-              <a:rPr lang="zh-CN" altLang="en-US" dirty="0"/>
-              <a:t>中，可以看出，弱标签数据中的噪声样 本所占的比例很小。因此，在使用大量弱标记数据训练模型</a:t>
-            </a:r>
-            <a:r>
-              <a:rPr lang="en-US" altLang="zh-CN" dirty="0"/>
-              <a:t>0</a:t>
-            </a:r>
-            <a:r>
-              <a:rPr lang="zh-CN" altLang="en-US" dirty="0"/>
-              <a:t>之后， 我们可以得到情感分类模型（模型</a:t>
-            </a:r>
-            <a:r>
-              <a:rPr lang="en-US" altLang="zh-CN" dirty="0"/>
-              <a:t>1</a:t>
-            </a:r>
-            <a:r>
-              <a:rPr lang="zh-CN" altLang="en-US" dirty="0"/>
-              <a:t>），该模型可以很好地捕获评论 语义。</a:t>
+              <a:t>删除特殊标记：由于用户在网站上发布自己的评论时并没有统一 的规则，因此他们经常在文本评论中包含一些与样本的情感倾向无 关的特殊标记。 </a:t>
             </a:r>
             <a:endParaRPr lang="en-US" altLang="zh-CN" dirty="0"/>
           </a:p>
           <a:p>
             <a:r>
               <a:rPr lang="zh-CN" altLang="en-US" dirty="0"/>
-              <a:t>之后，将模型</a:t>
-            </a:r>
-            <a:r>
-              <a:rPr lang="en-US" altLang="zh-CN" dirty="0"/>
-              <a:t>1</a:t>
-            </a:r>
-            <a:r>
-              <a:rPr lang="zh-CN" altLang="en-US" dirty="0"/>
-              <a:t>的参数作为第二阶段模型（模型</a:t>
-            </a:r>
-            <a:r>
-              <a:rPr lang="en-US" altLang="zh-CN" dirty="0"/>
-              <a:t>2</a:t>
-            </a:r>
-            <a:r>
-              <a:rPr lang="zh-CN" altLang="en-US" dirty="0"/>
-              <a:t>）训练的初 始参数，并将一些标签数据输入模型进行训练，以达到对模型参数 的微调目的。减少模型训练第一阶段输入的噪声样本对情感分类模 型的负面影响，提高模型的分类性能，并获得最终的情感分类模型 （模型</a:t>
-            </a:r>
-            <a:r>
-              <a:rPr lang="en-US" altLang="zh-CN" dirty="0"/>
-              <a:t>3</a:t>
-            </a:r>
-            <a:r>
-              <a:rPr lang="zh-CN" altLang="en-US" dirty="0"/>
-              <a:t>）。表</a:t>
-            </a:r>
-            <a:r>
-              <a:rPr lang="en-US" altLang="zh-CN" dirty="0"/>
-              <a:t>1</a:t>
-            </a:r>
-            <a:r>
-              <a:rPr lang="zh-CN" altLang="en-US" dirty="0"/>
-              <a:t>显示了基于两阶段训练的</a:t>
-            </a:r>
-            <a:r>
-              <a:rPr lang="en-US" altLang="zh-CN" dirty="0" err="1"/>
-              <a:t>BiLSTM</a:t>
-            </a:r>
-            <a:r>
-              <a:rPr lang="zh-CN" altLang="en-US" dirty="0"/>
-              <a:t>情感分类模型的训 练过程。</a:t>
-            </a:r>
+              <a:t>中文分词：用户发布的中文在线评论以单词序列的形式出现。分词是 指将每个在线评论的单词序列分为多个单独的单词。 </a:t>
+            </a:r>
+            <a:endParaRPr lang="en-US" altLang="zh-CN" dirty="0"/>
+          </a:p>
+          <a:p>
+            <a:r>
+              <a:rPr lang="zh-CN" altLang="en-US" dirty="0"/>
+              <a:t>删除低频词：由于互联网用户数量众多，每个人都有各种各样的 词来表达自己的情感。尽管有些词可以代表一定的情感倾向，但它们的频率太低。对于整个情感分类模型而言，学习低频词的情感倾 向弊大于利。 </a:t>
+            </a:r>
+            <a:endParaRPr lang="en-US" altLang="zh-CN" dirty="0"/>
+          </a:p>
+          <a:p>
+            <a:r>
+              <a:rPr lang="zh-CN" altLang="en-US" dirty="0"/>
+              <a:t>删除空白评论。</a:t>
+            </a:r>
+            <a:endParaRPr lang="en-US" altLang="zh-CN" dirty="0"/>
+          </a:p>
+          <a:p>
+            <a:r>
+              <a:rPr lang="zh-CN" altLang="en-US" dirty="0"/>
+              <a:t>最后，数据存储在数据库中，以方便后续 情感分类模型的使用。 </a:t>
+            </a:r>
+            <a:endParaRPr lang="en-US" altLang="zh-CN" dirty="0"/>
           </a:p>
         </p:txBody>
       </p:sp>
     </p:spTree>
     <p:extLst>
       <p:ext uri="{BB962C8B-B14F-4D97-AF65-F5344CB8AC3E}">
-        <p14:creationId xmlns:p14="http://schemas.microsoft.com/office/powerpoint/2010/main" val="3461980083"/>
+        <p14:creationId xmlns:p14="http://schemas.microsoft.com/office/powerpoint/2010/main" val="673306396"/>
       </p:ext>
     </p:extLst>
   </p:cSld>
@@ -4901,7 +3798,7 @@
           <p:cNvPr id="2" name="标题 1">
             <a:extLst>
               <a:ext uri="{FF2B5EF4-FFF2-40B4-BE49-F238E27FC236}">
-                <a16:creationId xmlns:a16="http://schemas.microsoft.com/office/drawing/2014/main" id="{EB0287B9-28F0-4859-9BAA-85413DD7A144}"/>
+                <a16:creationId xmlns:a16="http://schemas.microsoft.com/office/drawing/2014/main" id="{A2298858-D8DA-48C6-89CA-ACDF4D042747}"/>
               </a:ext>
             </a:extLst>
           </p:cNvPr>
@@ -4919,7 +3816,15 @@
           <a:p>
             <a:r>
               <a:rPr lang="zh-CN" altLang="en-US" dirty="0"/>
-              <a:t>基于弱标记数据降噪的情感分类模型</a:t>
+              <a:t>基于</a:t>
+            </a:r>
+            <a:r>
+              <a:rPr lang="en-US" altLang="zh-CN" dirty="0" err="1"/>
+              <a:t>BiLSTM</a:t>
+            </a:r>
+            <a:r>
+              <a:rPr lang="zh-CN" altLang="en-US" dirty="0"/>
+              <a:t>的情感分类模型</a:t>
             </a:r>
           </a:p>
         </p:txBody>
@@ -4929,7 +3834,7 @@
           <p:cNvPr id="3" name="内容占位符 2">
             <a:extLst>
               <a:ext uri="{FF2B5EF4-FFF2-40B4-BE49-F238E27FC236}">
-                <a16:creationId xmlns:a16="http://schemas.microsoft.com/office/drawing/2014/main" id="{FFE0C0C1-1B17-4E8D-A6E5-A48E8F57D2B0}"/>
+                <a16:creationId xmlns:a16="http://schemas.microsoft.com/office/drawing/2014/main" id="{68ABF0E2-0E8D-4073-88B9-EDEA071681C6}"/>
               </a:ext>
             </a:extLst>
           </p:cNvPr>
@@ -4947,7 +3852,66 @@
           <a:p>
             <a:r>
               <a:rPr lang="zh-CN" altLang="en-US" dirty="0"/>
-              <a:t>基于弱标签数据去噪的情感分类模型是基于弱标签信息的第二种深 度学习情感分类模型。构建了一个深度学习模型，用于对弱标签数 据进行消噪。基于深度学习的弱标签数据的去噪模型使用标签数据 的文本信息和标签信息作为输出，并在手动标记情感倾向之前使用 相应弱标签数据的文本信息和标签信息作为输入。</a:t>
+              <a:t>长短期记忆（</a:t>
+            </a:r>
+            <a:r>
+              <a:rPr lang="en-US" altLang="zh-CN" dirty="0"/>
+              <a:t>LSTM</a:t>
+            </a:r>
+            <a:r>
+              <a:rPr lang="zh-CN" altLang="en-US" dirty="0"/>
+              <a:t>）神经网络是一种引入“门”机制的递归神经网络。</a:t>
+            </a:r>
+            <a:r>
+              <a:rPr lang="en-US" altLang="zh-CN" dirty="0"/>
+              <a:t>LSTM</a:t>
+            </a:r>
+            <a:r>
+              <a:rPr lang="zh-CN" altLang="en-US" dirty="0"/>
+              <a:t>神经网络可以捕获更长距离的语义依赖性，避免了由 于序列长而导致的传统递归神经网络梯度消失的问题。</a:t>
+            </a:r>
+            <a:endParaRPr lang="en-US" altLang="zh-CN" dirty="0"/>
+          </a:p>
+          <a:p>
+            <a:r>
+              <a:rPr lang="en-US" altLang="zh-CN" dirty="0"/>
+              <a:t>LSTM</a:t>
+            </a:r>
+            <a:r>
+              <a:rPr lang="zh-CN" altLang="en-US" dirty="0"/>
+              <a:t>可以从整体上理解文本语义，并且在情感分类任务中表现 良好。但是，</a:t>
+            </a:r>
+            <a:r>
+              <a:rPr lang="en-US" altLang="zh-CN" dirty="0"/>
+              <a:t>LSTM</a:t>
+            </a:r>
+            <a:r>
+              <a:rPr lang="zh-CN" altLang="en-US" dirty="0"/>
+              <a:t>只能捕获单个方向的语义依赖性。双向长期 短时记忆（</a:t>
+            </a:r>
+            <a:r>
+              <a:rPr lang="en-US" altLang="zh-CN" dirty="0" err="1"/>
+              <a:t>BiLSTM</a:t>
+            </a:r>
+            <a:r>
+              <a:rPr lang="zh-CN" altLang="en-US" dirty="0"/>
+              <a:t>）神经网络是一种改进的</a:t>
+            </a:r>
+            <a:r>
+              <a:rPr lang="en-US" altLang="zh-CN" dirty="0"/>
+              <a:t>LSTM</a:t>
+            </a:r>
+            <a:r>
+              <a:rPr lang="zh-CN" altLang="en-US" dirty="0"/>
+              <a:t>神经网络， 可以捕获双向长距离语义依赖性。因此，在实验中，</a:t>
+            </a:r>
+            <a:r>
+              <a:rPr lang="en-US" altLang="zh-CN" dirty="0" err="1"/>
+              <a:t>BiLSTM</a:t>
+            </a:r>
+            <a:r>
+              <a:rPr lang="zh-CN" altLang="en-US" dirty="0"/>
+              <a:t>神经网 络主要用作深度学习情绪分类模型的基本组成部分，以获得优异的 分类性能。</a:t>
             </a:r>
           </a:p>
         </p:txBody>
@@ -4955,7 +3919,7 @@
     </p:spTree>
     <p:extLst>
       <p:ext uri="{BB962C8B-B14F-4D97-AF65-F5344CB8AC3E}">
-        <p14:creationId xmlns:p14="http://schemas.microsoft.com/office/powerpoint/2010/main" val="2264740316"/>
+        <p14:creationId xmlns:p14="http://schemas.microsoft.com/office/powerpoint/2010/main" val="2212811243"/>
       </p:ext>
     </p:extLst>
   </p:cSld>
@@ -4987,7 +3951,7 @@
           <p:cNvPr id="2" name="标题 1">
             <a:extLst>
               <a:ext uri="{FF2B5EF4-FFF2-40B4-BE49-F238E27FC236}">
-                <a16:creationId xmlns:a16="http://schemas.microsoft.com/office/drawing/2014/main" id="{E2F033C9-C4A1-4109-B75C-25EA64203D24}"/>
+                <a16:creationId xmlns:a16="http://schemas.microsoft.com/office/drawing/2014/main" id="{132157F5-532A-46F1-A1AE-7D75D31A19AB}"/>
               </a:ext>
             </a:extLst>
           </p:cNvPr>
@@ -5004,61 +3968,49 @@
           <a:lstStyle/>
           <a:p>
             <a:r>
-              <a:rPr lang="en-US" altLang="zh-CN" dirty="0"/>
-              <a:t>Attention Layer</a:t>
-            </a:r>
-            <a:endParaRPr lang="zh-CN" altLang="en-US" dirty="0"/>
-          </a:p>
-        </p:txBody>
-      </p:sp>
-      <p:sp>
-        <p:nvSpPr>
-          <p:cNvPr id="3" name="内容占位符 2">
-            <a:extLst>
-              <a:ext uri="{FF2B5EF4-FFF2-40B4-BE49-F238E27FC236}">
-                <a16:creationId xmlns:a16="http://schemas.microsoft.com/office/drawing/2014/main" id="{4CE4BF60-E91A-4103-BB26-291A7930B365}"/>
-              </a:ext>
-            </a:extLst>
-          </p:cNvPr>
-          <p:cNvSpPr>
-            <a:spLocks noGrp="1"/>
-          </p:cNvSpPr>
+              <a:rPr lang="en-US" altLang="zh-CN" dirty="0" err="1"/>
+              <a:t>BiLSTM</a:t>
+            </a:r>
+            <a:r>
+              <a:rPr lang="zh-CN" altLang="en-US" dirty="0"/>
+              <a:t>神经网络结构图</a:t>
+            </a:r>
+          </a:p>
+        </p:txBody>
+      </p:sp>
+      <p:pic>
+        <p:nvPicPr>
+          <p:cNvPr id="5" name="内容占位符 4">
+            <a:extLst>
+              <a:ext uri="{FF2B5EF4-FFF2-40B4-BE49-F238E27FC236}">
+                <a16:creationId xmlns:a16="http://schemas.microsoft.com/office/drawing/2014/main" id="{B8BBC176-9A4D-47AF-8E61-0A114DA04768}"/>
+              </a:ext>
+            </a:extLst>
+          </p:cNvPr>
+          <p:cNvPicPr>
+            <a:picLocks noGrp="1" noChangeAspect="1"/>
+          </p:cNvPicPr>
           <p:nvPr>
             <p:ph idx="1"/>
           </p:nvPr>
-        </p:nvSpPr>
-        <p:spPr/>
-        <p:txBody>
-          <a:bodyPr/>
-          <a:lstStyle/>
-          <a:p>
-            <a:r>
-              <a:rPr lang="zh-CN" altLang="en-US" dirty="0"/>
-              <a:t>通过</a:t>
-            </a:r>
-            <a:r>
-              <a:rPr lang="en-US" altLang="zh-CN" dirty="0"/>
-              <a:t>Encode</a:t>
-            </a:r>
-            <a:r>
-              <a:rPr lang="zh-CN" altLang="en-US" dirty="0"/>
-              <a:t>和</a:t>
-            </a:r>
-            <a:r>
-              <a:rPr lang="en-US" altLang="zh-CN" dirty="0"/>
-              <a:t>Decode</a:t>
-            </a:r>
-            <a:r>
-              <a:rPr lang="zh-CN" altLang="en-US" dirty="0"/>
-              <a:t>之间的注意力层，注意力机制可 用于改善深度学习模型的性能。</a:t>
-            </a:r>
-          </a:p>
-        </p:txBody>
-      </p:sp>
+        </p:nvPicPr>
+        <p:blipFill>
+          <a:blip r:embed="rId2"/>
+          <a:stretch>
+            <a:fillRect/>
+          </a:stretch>
+        </p:blipFill>
+        <p:spPr>
+          <a:xfrm>
+            <a:off x="3276355" y="2446679"/>
+            <a:ext cx="5639289" cy="3109229"/>
+          </a:xfrm>
+        </p:spPr>
+      </p:pic>
     </p:spTree>
     <p:extLst>
       <p:ext uri="{BB962C8B-B14F-4D97-AF65-F5344CB8AC3E}">
-        <p14:creationId xmlns:p14="http://schemas.microsoft.com/office/powerpoint/2010/main" val="3548497100"/>
+        <p14:creationId xmlns:p14="http://schemas.microsoft.com/office/powerpoint/2010/main" val="488469880"/>
       </p:ext>
     </p:extLst>
   </p:cSld>
@@ -5090,7 +4042,7 @@
           <p:cNvPr id="2" name="标题 1">
             <a:extLst>
               <a:ext uri="{FF2B5EF4-FFF2-40B4-BE49-F238E27FC236}">
-                <a16:creationId xmlns:a16="http://schemas.microsoft.com/office/drawing/2014/main" id="{276A042F-9157-40D9-8A9C-D96BDD00AB39}"/>
+                <a16:creationId xmlns:a16="http://schemas.microsoft.com/office/drawing/2014/main" id="{FE7C83AE-A468-4742-BBAE-EC98388B9C77}"/>
               </a:ext>
             </a:extLst>
           </p:cNvPr>
@@ -5107,10 +4059,17 @@
           <a:lstStyle/>
           <a:p>
             <a:r>
+              <a:rPr lang="zh-CN" altLang="en-US" dirty="0"/>
+              <a:t>基于两阶段训练的</a:t>
+            </a:r>
+            <a:r>
               <a:rPr lang="en-US" altLang="zh-CN" dirty="0" err="1"/>
-              <a:t>DN_BiLSTM</a:t>
-            </a:r>
-            <a:endParaRPr lang="zh-CN" altLang="en-US" dirty="0"/>
+              <a:t>BilSTM</a:t>
+            </a:r>
+            <a:r>
+              <a:rPr lang="zh-CN" altLang="en-US" dirty="0"/>
+              <a:t>情感分类模型</a:t>
+            </a:r>
           </a:p>
         </p:txBody>
       </p:sp>
@@ -5119,7 +4078,7 @@
           <p:cNvPr id="3" name="内容占位符 2">
             <a:extLst>
               <a:ext uri="{FF2B5EF4-FFF2-40B4-BE49-F238E27FC236}">
-                <a16:creationId xmlns:a16="http://schemas.microsoft.com/office/drawing/2014/main" id="{7B624FE2-E13A-4738-A191-EA509FE8D1A0}"/>
+                <a16:creationId xmlns:a16="http://schemas.microsoft.com/office/drawing/2014/main" id="{425871EE-CC79-4ACE-87D4-3DBC6DD75B14}"/>
               </a:ext>
             </a:extLst>
           </p:cNvPr>
@@ -5137,7 +4096,7 @@
           <a:p>
             <a:r>
               <a:rPr lang="zh-CN" altLang="en-US" dirty="0"/>
-              <a:t>在完成基于深度学习的弱标签数据的去噪模型的训练之后，构造 基于</a:t>
+              <a:t>基于两阶段训练的两阶段训练的</a:t>
             </a:r>
             <a:r>
               <a:rPr lang="en-US" altLang="zh-CN" dirty="0" err="1"/>
@@ -5145,15 +4104,23 @@
             </a:r>
             <a:r>
               <a:rPr lang="zh-CN" altLang="en-US" dirty="0"/>
-              <a:t>的后续情感分类模型（</a:t>
+              <a:t>情感分类模型是第一个基于弱标记信息的深度学习情感分类模型。实验中使用的情感分类模型的结构与基于</a:t>
             </a:r>
             <a:r>
               <a:rPr lang="en-US" altLang="zh-CN" dirty="0" err="1"/>
-              <a:t>DN_BiLSTM</a:t>
-            </a:r>
-            <a:r>
-              <a:rPr lang="zh-CN" altLang="en-US" dirty="0"/>
-              <a:t>）以完成情感分类 任务。</a:t>
+              <a:t>BiLSTM</a:t>
+            </a:r>
+            <a:r>
+              <a:rPr lang="zh-CN" altLang="en-US" dirty="0"/>
+              <a:t>（</a:t>
+            </a:r>
+            <a:r>
+              <a:rPr lang="en-US" altLang="zh-CN" dirty="0" err="1"/>
+              <a:t>SC_BiLSTM</a:t>
+            </a:r>
+            <a:r>
+              <a:rPr lang="zh-CN" altLang="en-US" dirty="0"/>
+              <a:t>）的情感分类模型一致，并且在模型训练方法上进行了创新。</a:t>
             </a:r>
           </a:p>
         </p:txBody>
@@ -5161,7 +4128,7 @@
     </p:spTree>
     <p:extLst>
       <p:ext uri="{BB962C8B-B14F-4D97-AF65-F5344CB8AC3E}">
-        <p14:creationId xmlns:p14="http://schemas.microsoft.com/office/powerpoint/2010/main" val="3762334395"/>
+        <p14:creationId xmlns:p14="http://schemas.microsoft.com/office/powerpoint/2010/main" val="879049585"/>
       </p:ext>
     </p:extLst>
   </p:cSld>
@@ -5190,35 +4157,10 @@
       </p:grpSpPr>
       <p:sp>
         <p:nvSpPr>
-          <p:cNvPr id="2" name="标题 1">
-            <a:extLst>
-              <a:ext uri="{FF2B5EF4-FFF2-40B4-BE49-F238E27FC236}">
-                <a16:creationId xmlns:a16="http://schemas.microsoft.com/office/drawing/2014/main" id="{09FCBF6A-31AC-4163-9C88-C8CC0A7F3945}"/>
-              </a:ext>
-            </a:extLst>
-          </p:cNvPr>
-          <p:cNvSpPr>
-            <a:spLocks noGrp="1"/>
-          </p:cNvSpPr>
-          <p:nvPr>
-            <p:ph type="title"/>
-          </p:nvPr>
-        </p:nvSpPr>
-        <p:spPr/>
-        <p:txBody>
-          <a:bodyPr/>
-          <a:lstStyle/>
-          <a:p>
-            <a:endParaRPr lang="zh-CN" altLang="en-US"/>
-          </a:p>
-        </p:txBody>
-      </p:sp>
-      <p:sp>
-        <p:nvSpPr>
           <p:cNvPr id="3" name="内容占位符 2">
             <a:extLst>
               <a:ext uri="{FF2B5EF4-FFF2-40B4-BE49-F238E27FC236}">
-                <a16:creationId xmlns:a16="http://schemas.microsoft.com/office/drawing/2014/main" id="{01466F9C-5810-4ACC-AD16-1B1B1D0A91A8}"/>
+                <a16:creationId xmlns:a16="http://schemas.microsoft.com/office/drawing/2014/main" id="{ADE74A48-2917-4E6F-B4EC-2FB9D215F047}"/>
               </a:ext>
             </a:extLst>
           </p:cNvPr>
@@ -5229,19 +4171,422 @@
             <p:ph idx="1"/>
           </p:nvPr>
         </p:nvSpPr>
-        <p:spPr/>
-        <p:txBody>
-          <a:bodyPr/>
-          <a:lstStyle/>
-          <a:p>
-            <a:endParaRPr lang="zh-CN" altLang="en-US"/>
-          </a:p>
-        </p:txBody>
-      </p:sp>
+        <p:spPr>
+          <a:xfrm>
+            <a:off x="838200" y="628421"/>
+            <a:ext cx="10515600" cy="4351338"/>
+          </a:xfrm>
+        </p:spPr>
+        <p:txBody>
+          <a:bodyPr/>
+          <a:lstStyle/>
+          <a:p>
+            <a:r>
+              <a:rPr lang="zh-CN" altLang="en-US" dirty="0"/>
+              <a:t>模型的训练分为两个阶段，两阶段训练方法的示意图如下所示。</a:t>
+            </a:r>
+          </a:p>
+        </p:txBody>
+      </p:sp>
+      <p:pic>
+        <p:nvPicPr>
+          <p:cNvPr id="5" name="图片 4">
+            <a:extLst>
+              <a:ext uri="{FF2B5EF4-FFF2-40B4-BE49-F238E27FC236}">
+                <a16:creationId xmlns:a16="http://schemas.microsoft.com/office/drawing/2014/main" id="{C913C6A5-AF73-45F6-AA2B-D0295E634D59}"/>
+              </a:ext>
+            </a:extLst>
+          </p:cNvPr>
+          <p:cNvPicPr>
+            <a:picLocks noChangeAspect="1"/>
+          </p:cNvPicPr>
+          <p:nvPr/>
+        </p:nvPicPr>
+        <p:blipFill>
+          <a:blip r:embed="rId2"/>
+          <a:stretch>
+            <a:fillRect/>
+          </a:stretch>
+        </p:blipFill>
+        <p:spPr>
+          <a:xfrm>
+            <a:off x="3729960" y="1673169"/>
+            <a:ext cx="5008688" cy="4242860"/>
+          </a:xfrm>
+          <a:prstGeom prst="rect">
+            <a:avLst/>
+          </a:prstGeom>
+        </p:spPr>
+      </p:pic>
     </p:spTree>
     <p:extLst>
       <p:ext uri="{BB962C8B-B14F-4D97-AF65-F5344CB8AC3E}">
-        <p14:creationId xmlns:p14="http://schemas.microsoft.com/office/powerpoint/2010/main" val="2634680028"/>
+        <p14:creationId xmlns:p14="http://schemas.microsoft.com/office/powerpoint/2010/main" val="3656904816"/>
+      </p:ext>
+    </p:extLst>
+  </p:cSld>
+  <p:clrMapOvr>
+    <a:masterClrMapping/>
+  </p:clrMapOvr>
+</p:sld>
+</file>
+
+<file path=ppt/slides/slide17.xml><?xml version="1.0" encoding="utf-8"?>
+<p:sld xmlns:a="http://schemas.openxmlformats.org/drawingml/2006/main" xmlns:r="http://schemas.openxmlformats.org/officeDocument/2006/relationships" xmlns:p="http://schemas.openxmlformats.org/presentationml/2006/main">
+  <p:cSld>
+    <p:spTree>
+      <p:nvGrpSpPr>
+        <p:cNvPr id="1" name=""/>
+        <p:cNvGrpSpPr/>
+        <p:nvPr/>
+      </p:nvGrpSpPr>
+      <p:grpSpPr>
+        <a:xfrm>
+          <a:off x="0" y="0"/>
+          <a:ext cx="0" cy="0"/>
+          <a:chOff x="0" y="0"/>
+          <a:chExt cx="0" cy="0"/>
+        </a:xfrm>
+      </p:grpSpPr>
+      <p:sp>
+        <p:nvSpPr>
+          <p:cNvPr id="3" name="内容占位符 2">
+            <a:extLst>
+              <a:ext uri="{FF2B5EF4-FFF2-40B4-BE49-F238E27FC236}">
+                <a16:creationId xmlns:a16="http://schemas.microsoft.com/office/drawing/2014/main" id="{6EC2E2A3-F066-40F5-A764-6E6D2334DD29}"/>
+              </a:ext>
+            </a:extLst>
+          </p:cNvPr>
+          <p:cNvSpPr>
+            <a:spLocks noGrp="1"/>
+          </p:cNvSpPr>
+          <p:nvPr>
+            <p:ph idx="1"/>
+          </p:nvPr>
+        </p:nvSpPr>
+        <p:spPr>
+          <a:xfrm>
+            <a:off x="923041" y="1335431"/>
+            <a:ext cx="10515600" cy="4351338"/>
+          </a:xfrm>
+        </p:spPr>
+        <p:txBody>
+          <a:bodyPr/>
+          <a:lstStyle/>
+          <a:p>
+            <a:r>
+              <a:rPr lang="zh-CN" altLang="en-US" dirty="0"/>
+              <a:t>首先，在第一阶段，使用大量的弱标记数据来训练</a:t>
+            </a:r>
+            <a:r>
+              <a:rPr lang="en-US" altLang="zh-CN" dirty="0" err="1"/>
+              <a:t>SC_BiLSTM</a:t>
+            </a:r>
+            <a:r>
+              <a:rPr lang="en-US" altLang="zh-CN" dirty="0"/>
+              <a:t> </a:t>
+            </a:r>
+            <a:r>
+              <a:rPr lang="zh-CN" altLang="en-US" dirty="0"/>
+              <a:t>（模型</a:t>
+            </a:r>
+            <a:r>
+              <a:rPr lang="en-US" altLang="zh-CN" dirty="0"/>
+              <a:t>0</a:t>
+            </a:r>
+            <a:r>
+              <a:rPr lang="zh-CN" altLang="en-US" dirty="0"/>
+              <a:t>）在使用大量弱标记数据训练模型</a:t>
+            </a:r>
+            <a:r>
+              <a:rPr lang="en-US" altLang="zh-CN" dirty="0"/>
+              <a:t>0</a:t>
+            </a:r>
+            <a:r>
+              <a:rPr lang="zh-CN" altLang="en-US" dirty="0"/>
+              <a:t>之后， 我们可以得到情感分类模型（模型</a:t>
+            </a:r>
+            <a:r>
+              <a:rPr lang="en-US" altLang="zh-CN" dirty="0"/>
+              <a:t>1</a:t>
+            </a:r>
+            <a:r>
+              <a:rPr lang="zh-CN" altLang="en-US" dirty="0"/>
+              <a:t>），该模型可以很好地捕获评论语义。</a:t>
+            </a:r>
+            <a:endParaRPr lang="en-US" altLang="zh-CN" dirty="0"/>
+          </a:p>
+          <a:p>
+            <a:r>
+              <a:rPr lang="zh-CN" altLang="en-US" dirty="0"/>
+              <a:t>之后，将模型</a:t>
+            </a:r>
+            <a:r>
+              <a:rPr lang="en-US" altLang="zh-CN" dirty="0"/>
+              <a:t>1</a:t>
+            </a:r>
+            <a:r>
+              <a:rPr lang="zh-CN" altLang="en-US" dirty="0"/>
+              <a:t>的参数作为第二阶段模型（模型</a:t>
+            </a:r>
+            <a:r>
+              <a:rPr lang="en-US" altLang="zh-CN" dirty="0"/>
+              <a:t>2</a:t>
+            </a:r>
+            <a:r>
+              <a:rPr lang="zh-CN" altLang="en-US" dirty="0"/>
+              <a:t>）训练的初 始参数，并将一些标签数据输入模型进行训练，以达到对模型参数 的微调目的。减少模型训练第一阶段输入的噪声样本对情感分类模 型的负面影响，提高模型的分类性能，并获得最终的情感分类模型 （模型</a:t>
+            </a:r>
+            <a:r>
+              <a:rPr lang="en-US" altLang="zh-CN" dirty="0"/>
+              <a:t>3</a:t>
+            </a:r>
+            <a:r>
+              <a:rPr lang="zh-CN" altLang="en-US" dirty="0"/>
+              <a:t>）。</a:t>
+            </a:r>
+          </a:p>
+        </p:txBody>
+      </p:sp>
+    </p:spTree>
+    <p:extLst>
+      <p:ext uri="{BB962C8B-B14F-4D97-AF65-F5344CB8AC3E}">
+        <p14:creationId xmlns:p14="http://schemas.microsoft.com/office/powerpoint/2010/main" val="2410640221"/>
+      </p:ext>
+    </p:extLst>
+  </p:cSld>
+  <p:clrMapOvr>
+    <a:masterClrMapping/>
+  </p:clrMapOvr>
+</p:sld>
+</file>
+
+<file path=ppt/slides/slide18.xml><?xml version="1.0" encoding="utf-8"?>
+<p:sld xmlns:a="http://schemas.openxmlformats.org/drawingml/2006/main" xmlns:r="http://schemas.openxmlformats.org/officeDocument/2006/relationships" xmlns:p="http://schemas.openxmlformats.org/presentationml/2006/main">
+  <p:cSld>
+    <p:spTree>
+      <p:nvGrpSpPr>
+        <p:cNvPr id="1" name=""/>
+        <p:cNvGrpSpPr/>
+        <p:nvPr/>
+      </p:nvGrpSpPr>
+      <p:grpSpPr>
+        <a:xfrm>
+          <a:off x="0" y="0"/>
+          <a:ext cx="0" cy="0"/>
+          <a:chOff x="0" y="0"/>
+          <a:chExt cx="0" cy="0"/>
+        </a:xfrm>
+      </p:grpSpPr>
+      <p:sp>
+        <p:nvSpPr>
+          <p:cNvPr id="2" name="标题 1">
+            <a:extLst>
+              <a:ext uri="{FF2B5EF4-FFF2-40B4-BE49-F238E27FC236}">
+                <a16:creationId xmlns:a16="http://schemas.microsoft.com/office/drawing/2014/main" id="{EB0287B9-28F0-4859-9BAA-85413DD7A144}"/>
+              </a:ext>
+            </a:extLst>
+          </p:cNvPr>
+          <p:cNvSpPr>
+            <a:spLocks noGrp="1"/>
+          </p:cNvSpPr>
+          <p:nvPr>
+            <p:ph type="title"/>
+          </p:nvPr>
+        </p:nvSpPr>
+        <p:spPr/>
+        <p:txBody>
+          <a:bodyPr/>
+          <a:lstStyle/>
+          <a:p>
+            <a:r>
+              <a:rPr lang="zh-CN" altLang="en-US" dirty="0"/>
+              <a:t>基于弱标记数据降噪的情感分类模型</a:t>
+            </a:r>
+          </a:p>
+        </p:txBody>
+      </p:sp>
+      <p:sp>
+        <p:nvSpPr>
+          <p:cNvPr id="3" name="内容占位符 2">
+            <a:extLst>
+              <a:ext uri="{FF2B5EF4-FFF2-40B4-BE49-F238E27FC236}">
+                <a16:creationId xmlns:a16="http://schemas.microsoft.com/office/drawing/2014/main" id="{FFE0C0C1-1B17-4E8D-A6E5-A48E8F57D2B0}"/>
+              </a:ext>
+            </a:extLst>
+          </p:cNvPr>
+          <p:cNvSpPr>
+            <a:spLocks noGrp="1"/>
+          </p:cNvSpPr>
+          <p:nvPr>
+            <p:ph idx="1"/>
+          </p:nvPr>
+        </p:nvSpPr>
+        <p:spPr/>
+        <p:txBody>
+          <a:bodyPr/>
+          <a:lstStyle/>
+          <a:p>
+            <a:r>
+              <a:rPr lang="zh-CN" altLang="en-US" dirty="0"/>
+              <a:t>基于弱标签数据去噪的情感分类模型是基于弱标签信息的第二种深 度学习情感分类模型。构建了一个深度学习模型，用于对弱标签数 据进行消噪。基于深度学习的弱标签数据的去噪模型使用标签数据 的文本信息和标签信息作为输出，并在手动标记情感倾向之前使用 相应弱标签数据的文本信息和标签信息作为输入。</a:t>
+            </a:r>
+          </a:p>
+        </p:txBody>
+      </p:sp>
+    </p:spTree>
+    <p:extLst>
+      <p:ext uri="{BB962C8B-B14F-4D97-AF65-F5344CB8AC3E}">
+        <p14:creationId xmlns:p14="http://schemas.microsoft.com/office/powerpoint/2010/main" val="2264740316"/>
+      </p:ext>
+    </p:extLst>
+  </p:cSld>
+  <p:clrMapOvr>
+    <a:masterClrMapping/>
+  </p:clrMapOvr>
+</p:sld>
+</file>
+
+<file path=ppt/slides/slide19.xml><?xml version="1.0" encoding="utf-8"?>
+<p:sld xmlns:a="http://schemas.openxmlformats.org/drawingml/2006/main" xmlns:r="http://schemas.openxmlformats.org/officeDocument/2006/relationships" xmlns:p="http://schemas.openxmlformats.org/presentationml/2006/main">
+  <p:cSld>
+    <p:spTree>
+      <p:nvGrpSpPr>
+        <p:cNvPr id="1" name=""/>
+        <p:cNvGrpSpPr/>
+        <p:nvPr/>
+      </p:nvGrpSpPr>
+      <p:grpSpPr>
+        <a:xfrm>
+          <a:off x="0" y="0"/>
+          <a:ext cx="0" cy="0"/>
+          <a:chOff x="0" y="0"/>
+          <a:chExt cx="0" cy="0"/>
+        </a:xfrm>
+      </p:grpSpPr>
+      <p:sp>
+        <p:nvSpPr>
+          <p:cNvPr id="2" name="标题 1">
+            <a:extLst>
+              <a:ext uri="{FF2B5EF4-FFF2-40B4-BE49-F238E27FC236}">
+                <a16:creationId xmlns:a16="http://schemas.microsoft.com/office/drawing/2014/main" id="{55A010B0-E8A5-4DDE-A414-317DE1A6822B}"/>
+              </a:ext>
+            </a:extLst>
+          </p:cNvPr>
+          <p:cNvSpPr>
+            <a:spLocks noGrp="1"/>
+          </p:cNvSpPr>
+          <p:nvPr>
+            <p:ph type="title"/>
+          </p:nvPr>
+        </p:nvSpPr>
+        <p:spPr/>
+        <p:txBody>
+          <a:bodyPr/>
+          <a:lstStyle/>
+          <a:p>
+            <a:r>
+              <a:rPr lang="zh-CN" altLang="en-US" dirty="0"/>
+              <a:t>基于深度学习模型训练的弱标签数据降噪模型</a:t>
+            </a:r>
+          </a:p>
+        </p:txBody>
+      </p:sp>
+      <p:pic>
+        <p:nvPicPr>
+          <p:cNvPr id="5" name="内容占位符 4">
+            <a:extLst>
+              <a:ext uri="{FF2B5EF4-FFF2-40B4-BE49-F238E27FC236}">
+                <a16:creationId xmlns:a16="http://schemas.microsoft.com/office/drawing/2014/main" id="{1E71F2B5-327E-4E37-A32E-D0A4127B5629}"/>
+              </a:ext>
+            </a:extLst>
+          </p:cNvPr>
+          <p:cNvPicPr>
+            <a:picLocks noGrp="1" noChangeAspect="1"/>
+          </p:cNvPicPr>
+          <p:nvPr>
+            <p:ph idx="1"/>
+          </p:nvPr>
+        </p:nvPicPr>
+        <p:blipFill>
+          <a:blip r:embed="rId2"/>
+          <a:stretch>
+            <a:fillRect/>
+          </a:stretch>
+        </p:blipFill>
+        <p:spPr>
+          <a:xfrm>
+            <a:off x="6532776" y="1460768"/>
+            <a:ext cx="3827282" cy="5236976"/>
+          </a:xfrm>
+        </p:spPr>
+      </p:pic>
+      <p:sp>
+        <p:nvSpPr>
+          <p:cNvPr id="7" name="文本框 6">
+            <a:extLst>
+              <a:ext uri="{FF2B5EF4-FFF2-40B4-BE49-F238E27FC236}">
+                <a16:creationId xmlns:a16="http://schemas.microsoft.com/office/drawing/2014/main" id="{19AC5938-D840-42FA-AA33-71F986B19B29}"/>
+              </a:ext>
+            </a:extLst>
+          </p:cNvPr>
+          <p:cNvSpPr txBox="1"/>
+          <p:nvPr/>
+        </p:nvSpPr>
+        <p:spPr>
+          <a:xfrm>
+            <a:off x="1131217" y="3732551"/>
+            <a:ext cx="3711804" cy="1200329"/>
+          </a:xfrm>
+          <a:prstGeom prst="rect">
+            <a:avLst/>
+          </a:prstGeom>
+          <a:noFill/>
+        </p:spPr>
+        <p:txBody>
+          <a:bodyPr wrap="square">
+            <a:spAutoFit/>
+          </a:bodyPr>
+          <a:lstStyle/>
+          <a:p>
+            <a:r>
+              <a:rPr lang="en-US" altLang="zh-CN" dirty="0"/>
+              <a:t>Attention Layer</a:t>
+            </a:r>
+            <a:r>
+              <a:rPr lang="zh-CN" altLang="en-US" dirty="0"/>
+              <a:t>：</a:t>
+            </a:r>
+            <a:endParaRPr lang="en-US" altLang="zh-CN" dirty="0"/>
+          </a:p>
+          <a:p>
+            <a:r>
+              <a:rPr lang="zh-CN" altLang="en-US" dirty="0"/>
+              <a:t>通过</a:t>
+            </a:r>
+            <a:r>
+              <a:rPr lang="en-US" altLang="zh-CN" dirty="0"/>
+              <a:t>Encode</a:t>
+            </a:r>
+            <a:r>
+              <a:rPr lang="zh-CN" altLang="en-US" dirty="0"/>
+              <a:t>和</a:t>
+            </a:r>
+            <a:r>
+              <a:rPr lang="en-US" altLang="zh-CN" dirty="0"/>
+              <a:t>Decode</a:t>
+            </a:r>
+            <a:r>
+              <a:rPr lang="zh-CN" altLang="en-US" dirty="0"/>
+              <a:t>之间的注意力层，注意力机制可 用于改善深度学习模型的性能</a:t>
+            </a:r>
+          </a:p>
+        </p:txBody>
+      </p:sp>
+    </p:spTree>
+    <p:extLst>
+      <p:ext uri="{BB962C8B-B14F-4D97-AF65-F5344CB8AC3E}">
+        <p14:creationId xmlns:p14="http://schemas.microsoft.com/office/powerpoint/2010/main" val="2602870046"/>
       </p:ext>
     </p:extLst>
   </p:cSld>
@@ -5319,7 +4664,14 @@
           <a:p>
             <a:r>
               <a:rPr lang="zh-CN" altLang="en-US" dirty="0"/>
-              <a:t>互联网的发展为用户提供了一个自由发布在线评论的平台。在线评 论包括产品评论，电影评论和服务评论。这些评论包含人们想要表 达的情感信息。在线评论中的情感信息可以帮助公司改善产品，帮 助政府监控公众舆论并为其他用户提供参考。从评论文本中挖掘情 感信息需要情感分析技术，而情感分析技术的基本任务之一就是情 感分类。自动区分文本的情感倾向的过程是情感分类。 </a:t>
+              <a:t>互联网的发展为用户提供了一个自由发布在线评论的平台。这些评论包含人们想要表达的情感信息。评论中的情感信息可以帮助公司改善产品，帮助政府监控公众舆论并为其他用户提供参考。</a:t>
+            </a:r>
+            <a:endParaRPr lang="en-US" altLang="zh-CN" dirty="0"/>
+          </a:p>
+          <a:p>
+            <a:r>
+              <a:rPr lang="zh-CN" altLang="en-US" dirty="0"/>
+              <a:t>从评论文本中挖掘情感信息需要情感分析技术，而情感分析技术的基本任务之一就是情感分类，能自动区分文本的情感倾向。 </a:t>
             </a:r>
           </a:p>
         </p:txBody>
@@ -5328,6 +4680,737 @@
     <p:extLst>
       <p:ext uri="{BB962C8B-B14F-4D97-AF65-F5344CB8AC3E}">
         <p14:creationId xmlns:p14="http://schemas.microsoft.com/office/powerpoint/2010/main" val="3550338948"/>
+      </p:ext>
+    </p:extLst>
+  </p:cSld>
+  <p:clrMapOvr>
+    <a:masterClrMapping/>
+  </p:clrMapOvr>
+</p:sld>
+</file>
+
+<file path=ppt/slides/slide20.xml><?xml version="1.0" encoding="utf-8"?>
+<p:sld xmlns:a="http://schemas.openxmlformats.org/drawingml/2006/main" xmlns:r="http://schemas.openxmlformats.org/officeDocument/2006/relationships" xmlns:p="http://schemas.openxmlformats.org/presentationml/2006/main">
+  <p:cSld>
+    <p:spTree>
+      <p:nvGrpSpPr>
+        <p:cNvPr id="1" name=""/>
+        <p:cNvGrpSpPr/>
+        <p:nvPr/>
+      </p:nvGrpSpPr>
+      <p:grpSpPr>
+        <a:xfrm>
+          <a:off x="0" y="0"/>
+          <a:ext cx="0" cy="0"/>
+          <a:chOff x="0" y="0"/>
+          <a:chExt cx="0" cy="0"/>
+        </a:xfrm>
+      </p:grpSpPr>
+      <p:sp>
+        <p:nvSpPr>
+          <p:cNvPr id="3" name="内容占位符 2">
+            <a:extLst>
+              <a:ext uri="{FF2B5EF4-FFF2-40B4-BE49-F238E27FC236}">
+                <a16:creationId xmlns:a16="http://schemas.microsoft.com/office/drawing/2014/main" id="{1B1F0E39-898A-41B1-8569-0FA7E9A54A74}"/>
+              </a:ext>
+            </a:extLst>
+          </p:cNvPr>
+          <p:cNvSpPr>
+            <a:spLocks noGrp="1"/>
+          </p:cNvSpPr>
+          <p:nvPr>
+            <p:ph idx="1"/>
+          </p:nvPr>
+        </p:nvSpPr>
+        <p:spPr/>
+        <p:txBody>
+          <a:bodyPr/>
+          <a:lstStyle/>
+          <a:p>
+            <a:r>
+              <a:rPr lang="zh-CN" altLang="en-US" dirty="0"/>
+              <a:t>使用</a:t>
+            </a:r>
+            <a:r>
+              <a:rPr lang="en-US" altLang="zh-CN" dirty="0"/>
+              <a:t>Word2vec</a:t>
+            </a:r>
+            <a:r>
+              <a:rPr lang="zh-CN" altLang="en-US" dirty="0"/>
+              <a:t>将评论文本构造为矢量表示形式（</a:t>
+            </a:r>
+            <a:r>
+              <a:rPr lang="en-US" altLang="zh-CN" dirty="0" err="1"/>
+              <a:t>Vector_x</a:t>
+            </a:r>
+            <a:r>
+              <a:rPr lang="en-US" altLang="zh-CN" dirty="0"/>
+              <a:t> </a:t>
+            </a:r>
+            <a:r>
+              <a:rPr lang="zh-CN" altLang="en-US" dirty="0"/>
+              <a:t>），并将相应评论文本的弱标记信息（</a:t>
+            </a:r>
+            <a:r>
+              <a:rPr lang="en-US" altLang="zh-CN" dirty="0" err="1"/>
+              <a:t>Tag_x</a:t>
+            </a:r>
+            <a:r>
+              <a:rPr lang="zh-CN" altLang="en-US" dirty="0"/>
+              <a:t>）转换为与</a:t>
+            </a:r>
+            <a:r>
+              <a:rPr lang="en-US" altLang="zh-CN" dirty="0" err="1"/>
+              <a:t>Vector_x</a:t>
+            </a:r>
+            <a:r>
+              <a:rPr lang="en-US" altLang="zh-CN" dirty="0"/>
+              <a:t> </a:t>
+            </a:r>
+            <a:r>
+              <a:rPr lang="zh-CN" altLang="en-US" dirty="0"/>
+              <a:t>维数相同的矢量（</a:t>
+            </a:r>
+            <a:r>
+              <a:rPr lang="en-US" altLang="zh-CN" dirty="0" err="1"/>
+              <a:t>Vector_weak</a:t>
+            </a:r>
+            <a:r>
+              <a:rPr lang="zh-CN" altLang="en-US" dirty="0"/>
+              <a:t>）。</a:t>
+            </a:r>
+            <a:endParaRPr lang="en-US" altLang="zh-CN" dirty="0"/>
+          </a:p>
+          <a:p>
+            <a:r>
+              <a:rPr lang="zh-CN" altLang="en-US" dirty="0"/>
+              <a:t>如果弱标记信息表示正情绪趋 势，则</a:t>
+            </a:r>
+            <a:r>
+              <a:rPr lang="en-US" altLang="zh-CN" dirty="0" err="1"/>
+              <a:t>Vector_weak</a:t>
+            </a:r>
+            <a:r>
+              <a:rPr lang="zh-CN" altLang="en-US" dirty="0"/>
+              <a:t>中的元素全部为</a:t>
+            </a:r>
+            <a:r>
+              <a:rPr lang="en-US" altLang="zh-CN" dirty="0"/>
+              <a:t>1</a:t>
+            </a:r>
+            <a:r>
+              <a:rPr lang="zh-CN" altLang="en-US" dirty="0"/>
+              <a:t>。如果弱标记信息表示负情绪 趋势，则</a:t>
+            </a:r>
+            <a:r>
+              <a:rPr lang="en-US" altLang="zh-CN" dirty="0" err="1"/>
+              <a:t>Vector_weak</a:t>
+            </a:r>
+            <a:r>
+              <a:rPr lang="zh-CN" altLang="en-US" dirty="0"/>
+              <a:t>中的元素全部为</a:t>
+            </a:r>
+            <a:r>
+              <a:rPr lang="en-US" altLang="zh-CN" dirty="0"/>
+              <a:t>0</a:t>
+            </a:r>
+            <a:r>
+              <a:rPr lang="zh-CN" altLang="en-US" dirty="0"/>
+              <a:t>。</a:t>
+            </a:r>
+            <a:endParaRPr lang="en-US" altLang="zh-CN" dirty="0"/>
+          </a:p>
+          <a:p>
+            <a:r>
+              <a:rPr lang="zh-CN" altLang="en-US" dirty="0"/>
+              <a:t>通过连接层将</a:t>
+            </a:r>
+            <a:r>
+              <a:rPr lang="en-US" altLang="zh-CN" dirty="0" err="1"/>
+              <a:t>Vect</a:t>
+            </a:r>
+            <a:r>
+              <a:rPr lang="en-US" altLang="zh-CN" dirty="0"/>
+              <a:t> </a:t>
+            </a:r>
+            <a:r>
+              <a:rPr lang="en-US" altLang="zh-CN" dirty="0" err="1"/>
+              <a:t>or_x</a:t>
+            </a:r>
+            <a:r>
+              <a:rPr lang="zh-CN" altLang="en-US" dirty="0"/>
+              <a:t>和</a:t>
+            </a:r>
+            <a:r>
+              <a:rPr lang="en-US" altLang="zh-CN" dirty="0" err="1"/>
+              <a:t>Vector_weak</a:t>
+            </a:r>
+            <a:r>
+              <a:rPr lang="zh-CN" altLang="en-US" dirty="0"/>
+              <a:t>联接起来，然后输入然后将它们放入</a:t>
+            </a:r>
+            <a:r>
+              <a:rPr lang="en-US" altLang="zh-CN" dirty="0" err="1"/>
+              <a:t>BiLSTM</a:t>
+            </a:r>
+            <a:r>
+              <a:rPr lang="zh-CN" altLang="en-US" dirty="0"/>
+              <a:t>层 ，以完成基于深度学习的弱标记数据降噪模型的</a:t>
+            </a:r>
+            <a:r>
+              <a:rPr lang="en-US" altLang="zh-CN" dirty="0"/>
+              <a:t>Encode</a:t>
+            </a:r>
+            <a:r>
+              <a:rPr lang="zh-CN" altLang="en-US" dirty="0"/>
+              <a:t>部分。</a:t>
+            </a:r>
+          </a:p>
+        </p:txBody>
+      </p:sp>
+    </p:spTree>
+    <p:extLst>
+      <p:ext uri="{BB962C8B-B14F-4D97-AF65-F5344CB8AC3E}">
+        <p14:creationId xmlns:p14="http://schemas.microsoft.com/office/powerpoint/2010/main" val="1827282834"/>
+      </p:ext>
+    </p:extLst>
+  </p:cSld>
+  <p:clrMapOvr>
+    <a:masterClrMapping/>
+  </p:clrMapOvr>
+</p:sld>
+</file>
+
+<file path=ppt/slides/slide21.xml><?xml version="1.0" encoding="utf-8"?>
+<p:sld xmlns:a="http://schemas.openxmlformats.org/drawingml/2006/main" xmlns:r="http://schemas.openxmlformats.org/officeDocument/2006/relationships" xmlns:p="http://schemas.openxmlformats.org/presentationml/2006/main">
+  <p:cSld>
+    <p:spTree>
+      <p:nvGrpSpPr>
+        <p:cNvPr id="1" name=""/>
+        <p:cNvGrpSpPr/>
+        <p:nvPr/>
+      </p:nvGrpSpPr>
+      <p:grpSpPr>
+        <a:xfrm>
+          <a:off x="0" y="0"/>
+          <a:ext cx="0" cy="0"/>
+          <a:chOff x="0" y="0"/>
+          <a:chExt cx="0" cy="0"/>
+        </a:xfrm>
+      </p:grpSpPr>
+      <p:sp>
+        <p:nvSpPr>
+          <p:cNvPr id="3" name="内容占位符 2">
+            <a:extLst>
+              <a:ext uri="{FF2B5EF4-FFF2-40B4-BE49-F238E27FC236}">
+                <a16:creationId xmlns:a16="http://schemas.microsoft.com/office/drawing/2014/main" id="{C4F1E546-D715-49ED-9168-1D425A3BDFEE}"/>
+              </a:ext>
+            </a:extLst>
+          </p:cNvPr>
+          <p:cNvSpPr>
+            <a:spLocks noGrp="1"/>
+          </p:cNvSpPr>
+          <p:nvPr>
+            <p:ph idx="1"/>
+          </p:nvPr>
+        </p:nvSpPr>
+        <p:spPr>
+          <a:xfrm>
+            <a:off x="838199" y="565608"/>
+            <a:ext cx="10568233" cy="5611355"/>
+          </a:xfrm>
+        </p:spPr>
+        <p:txBody>
+          <a:bodyPr/>
+          <a:lstStyle/>
+          <a:p>
+            <a:r>
+              <a:rPr lang="zh-CN" altLang="en-US" dirty="0"/>
+              <a:t>通过</a:t>
+            </a:r>
+            <a:r>
+              <a:rPr lang="en-US" altLang="zh-CN" dirty="0"/>
+              <a:t>Encode</a:t>
+            </a:r>
+            <a:r>
+              <a:rPr lang="zh-CN" altLang="en-US" dirty="0"/>
+              <a:t>和</a:t>
+            </a:r>
+            <a:r>
+              <a:rPr lang="en-US" altLang="zh-CN" dirty="0"/>
+              <a:t>Decode</a:t>
+            </a:r>
+            <a:r>
+              <a:rPr lang="zh-CN" altLang="en-US" dirty="0"/>
+              <a:t>之间的注意力层，注意力机制可 用于改善深度学习模型的性能。</a:t>
+            </a:r>
+            <a:endParaRPr lang="en-US" altLang="zh-CN" dirty="0"/>
+          </a:p>
+          <a:p>
+            <a:r>
+              <a:rPr lang="zh-CN" altLang="en-US" dirty="0"/>
+              <a:t>注意力机制的具体计算步骤为</a:t>
+            </a:r>
+            <a:endParaRPr lang="en-US" altLang="zh-CN" dirty="0"/>
+          </a:p>
+          <a:p>
+            <a:endParaRPr lang="zh-CN" altLang="en-US" dirty="0"/>
+          </a:p>
+        </p:txBody>
+      </p:sp>
+      <p:pic>
+        <p:nvPicPr>
+          <p:cNvPr id="5" name="图片 4">
+            <a:extLst>
+              <a:ext uri="{FF2B5EF4-FFF2-40B4-BE49-F238E27FC236}">
+                <a16:creationId xmlns:a16="http://schemas.microsoft.com/office/drawing/2014/main" id="{356FE0B3-0C3B-431A-91F5-4B98D9388B4E}"/>
+              </a:ext>
+            </a:extLst>
+          </p:cNvPr>
+          <p:cNvPicPr>
+            <a:picLocks noChangeAspect="1"/>
+          </p:cNvPicPr>
+          <p:nvPr/>
+        </p:nvPicPr>
+        <p:blipFill>
+          <a:blip r:embed="rId2"/>
+          <a:stretch>
+            <a:fillRect/>
+          </a:stretch>
+        </p:blipFill>
+        <p:spPr>
+          <a:xfrm>
+            <a:off x="0" y="2419041"/>
+            <a:ext cx="6150760" cy="2822262"/>
+          </a:xfrm>
+          <a:prstGeom prst="rect">
+            <a:avLst/>
+          </a:prstGeom>
+        </p:spPr>
+      </p:pic>
+      <p:sp>
+        <p:nvSpPr>
+          <p:cNvPr id="8" name="文本框 7">
+            <a:extLst>
+              <a:ext uri="{FF2B5EF4-FFF2-40B4-BE49-F238E27FC236}">
+                <a16:creationId xmlns:a16="http://schemas.microsoft.com/office/drawing/2014/main" id="{CDFC204A-EA52-46D8-A877-FB9E1CE9AE14}"/>
+              </a:ext>
+            </a:extLst>
+          </p:cNvPr>
+          <p:cNvSpPr txBox="1"/>
+          <p:nvPr/>
+        </p:nvSpPr>
+        <p:spPr>
+          <a:xfrm>
+            <a:off x="7795966" y="2557020"/>
+            <a:ext cx="2498103" cy="1754326"/>
+          </a:xfrm>
+          <a:prstGeom prst="rect">
+            <a:avLst/>
+          </a:prstGeom>
+          <a:noFill/>
+        </p:spPr>
+        <p:txBody>
+          <a:bodyPr wrap="square" rtlCol="0">
+            <a:spAutoFit/>
+          </a:bodyPr>
+          <a:lstStyle/>
+          <a:p>
+            <a:r>
+              <a:rPr lang="en-US" altLang="zh-CN" dirty="0"/>
+              <a:t>Tx</a:t>
+            </a:r>
+            <a:r>
+              <a:rPr lang="zh-CN" altLang="en-US" dirty="0"/>
+              <a:t>是序列长度</a:t>
+            </a:r>
+            <a:endParaRPr lang="en-US" altLang="zh-CN" dirty="0"/>
+          </a:p>
+          <a:p>
+            <a:r>
+              <a:rPr lang="en-US" altLang="zh-CN" dirty="0"/>
+              <a:t>Ct</a:t>
+            </a:r>
+            <a:r>
+              <a:rPr lang="zh-CN" altLang="en-US" dirty="0"/>
+              <a:t>是语义向量</a:t>
+            </a:r>
+            <a:endParaRPr lang="en-US" altLang="zh-CN" dirty="0"/>
+          </a:p>
+          <a:p>
+            <a:r>
+              <a:rPr lang="en-US" altLang="zh-CN" dirty="0" err="1"/>
+              <a:t>Eti</a:t>
+            </a:r>
+            <a:r>
+              <a:rPr lang="zh-CN" altLang="en-US" dirty="0"/>
+              <a:t>校准模型</a:t>
+            </a:r>
+            <a:endParaRPr lang="en-US" altLang="zh-CN" dirty="0"/>
+          </a:p>
+          <a:p>
+            <a:r>
+              <a:rPr lang="en-US" altLang="zh-CN" dirty="0"/>
+              <a:t>Hi </a:t>
+            </a:r>
+            <a:r>
+              <a:rPr lang="zh-CN" altLang="en-US" dirty="0"/>
+              <a:t>隐层状态</a:t>
+            </a:r>
+            <a:endParaRPr lang="en-US" altLang="zh-CN" dirty="0"/>
+          </a:p>
+          <a:p>
+            <a:r>
+              <a:rPr lang="en-US" altLang="zh-CN" dirty="0" err="1"/>
+              <a:t>Ati</a:t>
+            </a:r>
+            <a:r>
+              <a:rPr lang="en-US" altLang="zh-CN" dirty="0"/>
+              <a:t> </a:t>
+            </a:r>
+            <a:r>
+              <a:rPr lang="zh-CN" altLang="en-US" dirty="0"/>
+              <a:t>是</a:t>
+            </a:r>
+            <a:r>
+              <a:rPr lang="en-US" altLang="zh-CN" dirty="0" err="1"/>
+              <a:t>ti</a:t>
+            </a:r>
+            <a:r>
+              <a:rPr lang="zh-CN" altLang="en-US" dirty="0"/>
+              <a:t>通过</a:t>
+            </a:r>
+            <a:r>
+              <a:rPr lang="en-US" altLang="zh-CN" dirty="0" err="1"/>
+              <a:t>softmax</a:t>
+            </a:r>
+            <a:endParaRPr lang="zh-CN" altLang="en-US" dirty="0"/>
+          </a:p>
+          <a:p>
+            <a:r>
+              <a:rPr lang="zh-CN" altLang="en-US" dirty="0"/>
+              <a:t>归一化的注意力权重</a:t>
+            </a:r>
+          </a:p>
+        </p:txBody>
+      </p:sp>
+    </p:spTree>
+    <p:extLst>
+      <p:ext uri="{BB962C8B-B14F-4D97-AF65-F5344CB8AC3E}">
+        <p14:creationId xmlns:p14="http://schemas.microsoft.com/office/powerpoint/2010/main" val="665987893"/>
+      </p:ext>
+    </p:extLst>
+  </p:cSld>
+  <p:clrMapOvr>
+    <a:masterClrMapping/>
+  </p:clrMapOvr>
+</p:sld>
+</file>
+
+<file path=ppt/slides/slide22.xml><?xml version="1.0" encoding="utf-8"?>
+<p:sld xmlns:a="http://schemas.openxmlformats.org/drawingml/2006/main" xmlns:r="http://schemas.openxmlformats.org/officeDocument/2006/relationships" xmlns:p="http://schemas.openxmlformats.org/presentationml/2006/main">
+  <p:cSld>
+    <p:spTree>
+      <p:nvGrpSpPr>
+        <p:cNvPr id="1" name=""/>
+        <p:cNvGrpSpPr/>
+        <p:nvPr/>
+      </p:nvGrpSpPr>
+      <p:grpSpPr>
+        <a:xfrm>
+          <a:off x="0" y="0"/>
+          <a:ext cx="0" cy="0"/>
+          <a:chOff x="0" y="0"/>
+          <a:chExt cx="0" cy="0"/>
+        </a:xfrm>
+      </p:grpSpPr>
+      <p:sp>
+        <p:nvSpPr>
+          <p:cNvPr id="3" name="内容占位符 2">
+            <a:extLst>
+              <a:ext uri="{FF2B5EF4-FFF2-40B4-BE49-F238E27FC236}">
+                <a16:creationId xmlns:a16="http://schemas.microsoft.com/office/drawing/2014/main" id="{C62D3ED8-6FC8-4CBE-934B-F326C499E361}"/>
+              </a:ext>
+            </a:extLst>
+          </p:cNvPr>
+          <p:cNvSpPr>
+            <a:spLocks noGrp="1"/>
+          </p:cNvSpPr>
+          <p:nvPr>
+            <p:ph idx="1"/>
+          </p:nvPr>
+        </p:nvSpPr>
+        <p:spPr>
+          <a:xfrm>
+            <a:off x="763571" y="631596"/>
+            <a:ext cx="10590229" cy="5545367"/>
+          </a:xfrm>
+        </p:spPr>
+        <p:txBody>
+          <a:bodyPr/>
+          <a:lstStyle/>
+          <a:p>
+            <a:r>
+              <a:rPr lang="zh-CN" altLang="en-US" dirty="0"/>
+              <a:t>进入深度学习模型的</a:t>
+            </a:r>
+            <a:r>
+              <a:rPr lang="en-US" altLang="zh-CN" dirty="0"/>
+              <a:t>Decoder</a:t>
+            </a:r>
+            <a:r>
+              <a:rPr lang="zh-CN" altLang="en-US" dirty="0"/>
+              <a:t>部分，数据通过</a:t>
+            </a:r>
+            <a:r>
+              <a:rPr lang="en-US" altLang="zh-CN" dirty="0" err="1"/>
+              <a:t>BiLSTM</a:t>
+            </a:r>
+            <a:r>
+              <a:rPr lang="zh-CN" altLang="en-US" dirty="0"/>
+              <a:t>层分为两部 分，一部分直接作为评论文本的矢量表示（</a:t>
+            </a:r>
+            <a:r>
+              <a:rPr lang="en-US" altLang="zh-CN" dirty="0" err="1"/>
+              <a:t>Vector_y</a:t>
+            </a:r>
+            <a:r>
+              <a:rPr lang="zh-CN" altLang="en-US" dirty="0"/>
+              <a:t>）输出，另一 部分通过</a:t>
+            </a:r>
+            <a:r>
+              <a:rPr lang="en-US" altLang="zh-CN" dirty="0"/>
+              <a:t>Sigmoid</a:t>
+            </a:r>
+            <a:r>
+              <a:rPr lang="zh-CN" altLang="en-US" dirty="0"/>
+              <a:t>层获得，以获得去噪的标签信息（</a:t>
+            </a:r>
+            <a:r>
+              <a:rPr lang="en-US" altLang="zh-CN" dirty="0" err="1"/>
+              <a:t>Tag_y</a:t>
+            </a:r>
+            <a:r>
+              <a:rPr lang="zh-CN" altLang="en-US" dirty="0"/>
+              <a:t>）</a:t>
+            </a:r>
+            <a:endParaRPr lang="en-US" altLang="zh-CN" dirty="0"/>
+          </a:p>
+          <a:p>
+            <a:endParaRPr lang="en-US" altLang="zh-CN" dirty="0"/>
+          </a:p>
+          <a:p>
+            <a:r>
+              <a:rPr lang="zh-CN" altLang="en-US" dirty="0"/>
+              <a:t>在完成基于深度学习训练的弱标签数据降噪模型后，该模型具有 降低弱标签数据噪声的能力。使用该模型时，一旦输入弱标记数据 ，便获得了噪声降低的输出数据。在训练过程中，文本信息和标签 信息相互作用，并且在对弱标签信息进行去噪的过程中对文本信息进行调整。</a:t>
+            </a:r>
+          </a:p>
+        </p:txBody>
+      </p:sp>
+    </p:spTree>
+    <p:extLst>
+      <p:ext uri="{BB962C8B-B14F-4D97-AF65-F5344CB8AC3E}">
+        <p14:creationId xmlns:p14="http://schemas.microsoft.com/office/powerpoint/2010/main" val="74780262"/>
+      </p:ext>
+    </p:extLst>
+  </p:cSld>
+  <p:clrMapOvr>
+    <a:masterClrMapping/>
+  </p:clrMapOvr>
+</p:sld>
+</file>
+
+<file path=ppt/slides/slide23.xml><?xml version="1.0" encoding="utf-8"?>
+<p:sld xmlns:a="http://schemas.openxmlformats.org/drawingml/2006/main" xmlns:r="http://schemas.openxmlformats.org/officeDocument/2006/relationships" xmlns:p="http://schemas.openxmlformats.org/presentationml/2006/main">
+  <p:cSld>
+    <p:spTree>
+      <p:nvGrpSpPr>
+        <p:cNvPr id="1" name=""/>
+        <p:cNvGrpSpPr/>
+        <p:nvPr/>
+      </p:nvGrpSpPr>
+      <p:grpSpPr>
+        <a:xfrm>
+          <a:off x="0" y="0"/>
+          <a:ext cx="0" cy="0"/>
+          <a:chOff x="0" y="0"/>
+          <a:chExt cx="0" cy="0"/>
+        </a:xfrm>
+      </p:grpSpPr>
+      <p:pic>
+        <p:nvPicPr>
+          <p:cNvPr id="5" name="内容占位符 4">
+            <a:extLst>
+              <a:ext uri="{FF2B5EF4-FFF2-40B4-BE49-F238E27FC236}">
+                <a16:creationId xmlns:a16="http://schemas.microsoft.com/office/drawing/2014/main" id="{CBFB10BD-4BF4-45CC-93BC-A4355DC49BCB}"/>
+              </a:ext>
+            </a:extLst>
+          </p:cNvPr>
+          <p:cNvPicPr>
+            <a:picLocks noGrp="1" noChangeAspect="1"/>
+          </p:cNvPicPr>
+          <p:nvPr>
+            <p:ph idx="1"/>
+          </p:nvPr>
+        </p:nvPicPr>
+        <p:blipFill>
+          <a:blip r:embed="rId2"/>
+          <a:stretch>
+            <a:fillRect/>
+          </a:stretch>
+        </p:blipFill>
+        <p:spPr>
+          <a:xfrm>
+            <a:off x="7029982" y="2344310"/>
+            <a:ext cx="4938188" cy="2796782"/>
+          </a:xfrm>
+        </p:spPr>
+      </p:pic>
+      <p:sp>
+        <p:nvSpPr>
+          <p:cNvPr id="7" name="文本框 6">
+            <a:extLst>
+              <a:ext uri="{FF2B5EF4-FFF2-40B4-BE49-F238E27FC236}">
+                <a16:creationId xmlns:a16="http://schemas.microsoft.com/office/drawing/2014/main" id="{D05ECE77-0F17-4D05-AF9A-374507925765}"/>
+              </a:ext>
+            </a:extLst>
+          </p:cNvPr>
+          <p:cNvSpPr txBox="1"/>
+          <p:nvPr/>
+        </p:nvSpPr>
+        <p:spPr>
+          <a:xfrm>
+            <a:off x="659875" y="1376313"/>
+            <a:ext cx="6068505" cy="4154984"/>
+          </a:xfrm>
+          <a:prstGeom prst="rect">
+            <a:avLst/>
+          </a:prstGeom>
+          <a:noFill/>
+        </p:spPr>
+        <p:txBody>
+          <a:bodyPr wrap="square">
+            <a:spAutoFit/>
+          </a:bodyPr>
+          <a:lstStyle/>
+          <a:p>
+            <a:r>
+              <a:rPr lang="zh-CN" altLang="en-US" sz="2400" dirty="0"/>
+              <a:t>在完成基于深度学习的弱标签数据的去噪模型的训练之后，构造基于</a:t>
+            </a:r>
+            <a:r>
+              <a:rPr lang="en-US" altLang="zh-CN" sz="2400" dirty="0" err="1"/>
+              <a:t>BiLSTM</a:t>
+            </a:r>
+            <a:r>
+              <a:rPr lang="zh-CN" altLang="en-US" sz="2400" dirty="0"/>
+              <a:t>的后续情感分类模型（</a:t>
+            </a:r>
+            <a:r>
+              <a:rPr lang="en-US" altLang="zh-CN" sz="2400" dirty="0" err="1"/>
+              <a:t>DN_BiLSTM</a:t>
+            </a:r>
+            <a:r>
+              <a:rPr lang="zh-CN" altLang="en-US" sz="2400" dirty="0"/>
+              <a:t>）以完成情感分类 任务。</a:t>
+            </a:r>
+            <a:endParaRPr lang="en-US" altLang="zh-CN" sz="2400" dirty="0"/>
+          </a:p>
+          <a:p>
+            <a:r>
+              <a:rPr lang="zh-CN" altLang="en-US" sz="2400" dirty="0"/>
+              <a:t>右图中的“ </a:t>
+            </a:r>
+            <a:r>
+              <a:rPr lang="en-US" altLang="zh-CN" sz="2400" dirty="0" err="1"/>
+              <a:t>DN_Model</a:t>
+            </a:r>
+            <a:r>
+              <a:rPr lang="en-US" altLang="zh-CN" sz="2400" dirty="0"/>
+              <a:t>”</a:t>
+            </a:r>
+            <a:r>
+              <a:rPr lang="zh-CN" altLang="en-US" sz="2400" dirty="0"/>
+              <a:t>表示基于深度学习的弱标记数据的经过训练的降噪模型。将大量弱标记数据的文本信息和弱标记信息输入到</a:t>
+            </a:r>
+            <a:r>
+              <a:rPr lang="en-US" altLang="zh-CN" sz="2400" dirty="0" err="1"/>
+              <a:t>DN_Model</a:t>
+            </a:r>
+            <a:r>
+              <a:rPr lang="zh-CN" altLang="en-US" sz="2400" dirty="0"/>
+              <a:t>中，并输出经过去噪的文本矢量表示和标记信息。去噪的文本矢量表示用作</a:t>
+            </a:r>
+            <a:r>
+              <a:rPr lang="en-US" altLang="zh-CN" sz="2400" dirty="0" err="1"/>
+              <a:t>DN_BiLSTM</a:t>
+            </a:r>
+            <a:r>
+              <a:rPr lang="zh-CN" altLang="en-US" sz="2400" dirty="0"/>
+              <a:t>的输入，去噪的标记信息用作</a:t>
+            </a:r>
+            <a:r>
+              <a:rPr lang="en-US" altLang="zh-CN" sz="2400" dirty="0"/>
+              <a:t>D </a:t>
+            </a:r>
+            <a:r>
+              <a:rPr lang="en-US" altLang="zh-CN" sz="2400" dirty="0" err="1"/>
+              <a:t>N_BiLSTM</a:t>
+            </a:r>
+            <a:r>
+              <a:rPr lang="zh-CN" altLang="en-US" sz="2400" dirty="0"/>
+              <a:t>的输出，完成</a:t>
+            </a:r>
+            <a:r>
+              <a:rPr lang="en-US" altLang="zh-CN" sz="2400" dirty="0" err="1"/>
+              <a:t>DN_BiLSTM</a:t>
+            </a:r>
+            <a:r>
+              <a:rPr lang="zh-CN" altLang="en-US" sz="2400" dirty="0"/>
+              <a:t>的训练。</a:t>
+            </a:r>
+          </a:p>
+        </p:txBody>
+      </p:sp>
+      <p:sp>
+        <p:nvSpPr>
+          <p:cNvPr id="9" name="文本框 8">
+            <a:extLst>
+              <a:ext uri="{FF2B5EF4-FFF2-40B4-BE49-F238E27FC236}">
+                <a16:creationId xmlns:a16="http://schemas.microsoft.com/office/drawing/2014/main" id="{79E70ED8-0B99-4086-96A5-CA4C9398F3A7}"/>
+              </a:ext>
+            </a:extLst>
+          </p:cNvPr>
+          <p:cNvSpPr txBox="1"/>
+          <p:nvPr/>
+        </p:nvSpPr>
+        <p:spPr>
+          <a:xfrm>
+            <a:off x="7138448" y="5405428"/>
+            <a:ext cx="6094428" cy="369332"/>
+          </a:xfrm>
+          <a:prstGeom prst="rect">
+            <a:avLst/>
+          </a:prstGeom>
+          <a:noFill/>
+        </p:spPr>
+        <p:txBody>
+          <a:bodyPr wrap="square">
+            <a:spAutoFit/>
+          </a:bodyPr>
+          <a:lstStyle/>
+          <a:p>
+            <a:r>
+              <a:rPr lang="zh-CN" altLang="en-US" dirty="0"/>
+              <a:t>基于弱标签数据去噪的情感分类模型结构图</a:t>
+            </a:r>
+          </a:p>
+        </p:txBody>
+      </p:sp>
+    </p:spTree>
+    <p:extLst>
+      <p:ext uri="{BB962C8B-B14F-4D97-AF65-F5344CB8AC3E}">
+        <p14:creationId xmlns:p14="http://schemas.microsoft.com/office/powerpoint/2010/main" val="3560387355"/>
       </p:ext>
     </p:extLst>
   </p:cSld>
@@ -5405,39 +5488,14 @@
           <a:p>
             <a:r>
               <a:rPr lang="zh-CN" altLang="en-US" dirty="0"/>
-              <a:t>目前，情感分类主要分为两个研究方向：基于字典的情感分类和基 于机</a:t>
-            </a:r>
-            <a:r>
-              <a:rPr lang="en-US" altLang="zh-CN" dirty="0"/>
-              <a:t>器</a:t>
-            </a:r>
-            <a:r>
-              <a:rPr lang="zh-CN" altLang="en-US" dirty="0"/>
-              <a:t>学习的情感分类</a:t>
-            </a:r>
-            <a:r>
-              <a:rPr lang="en-US" altLang="zh-CN" dirty="0"/>
-              <a:t>[1‑3]</a:t>
-            </a:r>
-            <a:r>
-              <a:rPr lang="zh-CN" altLang="en-US" dirty="0"/>
-              <a:t>。参考文献</a:t>
-            </a:r>
-            <a:r>
-              <a:rPr lang="en-US" altLang="zh-CN" dirty="0"/>
-              <a:t>[4‑7]</a:t>
-            </a:r>
-            <a:r>
-              <a:rPr lang="zh-CN" altLang="en-US" dirty="0"/>
-              <a:t>各自提出了一个新的情 感词典。实验表明，情感分类任务的分类性能优于传统的情感词典 ，基于字典的情感分类方法的分类性能优异。但是，情感词典是取 决于域的。一旦情感分类任务的应用领域发生变化，基于情感词典 的分类模型的分类性能就会下降。参考文献</a:t>
-            </a:r>
-            <a:r>
-              <a:rPr lang="en-US" altLang="zh-CN" dirty="0"/>
-              <a:t>[8]</a:t>
-            </a:r>
-            <a:r>
-              <a:rPr lang="zh-CN" altLang="en-US" dirty="0"/>
-              <a:t>提出使用多域数据创 建情感字典来解决情感字典的域依赖问题。尽管情感词典的域依存 性有所减弱，但基于词典的情感分类模型最大的问题是情感词典的 构建需要大量的人为参与，而且随着网络数据的爆炸性增长，难以 解决未知问题。通过手动在情感词典中的单词。 </a:t>
+              <a:t>目前，情感分类主要分为两个研究方向：基于字典的情感分类和基 于机器学习的情感分类。</a:t>
+            </a:r>
+            <a:endParaRPr lang="en-US" altLang="zh-CN" dirty="0"/>
+          </a:p>
+          <a:p>
+            <a:r>
+              <a:rPr lang="zh-CN" altLang="en-US" dirty="0"/>
+              <a:t>实验表明，情感分类任务的分类性能优于传统的情感词典 ，基于词典的情感分类模型最大的问题是情感词典的构建需要大量的人为参与，而且随着网络数据的爆炸性增长，难以解决未知问题。</a:t>
             </a:r>
           </a:p>
         </p:txBody>
@@ -5474,38 +5532,10 @@
       </p:grpSpPr>
       <p:sp>
         <p:nvSpPr>
-          <p:cNvPr id="2" name="标题 1">
-            <a:extLst>
-              <a:ext uri="{FF2B5EF4-FFF2-40B4-BE49-F238E27FC236}">
-                <a16:creationId xmlns:a16="http://schemas.microsoft.com/office/drawing/2014/main" id="{BE1F6FCD-7971-4593-A97B-E9DC1BD7ACA3}"/>
-              </a:ext>
-            </a:extLst>
-          </p:cNvPr>
-          <p:cNvSpPr>
-            <a:spLocks noGrp="1"/>
-          </p:cNvSpPr>
-          <p:nvPr>
-            <p:ph type="title"/>
-          </p:nvPr>
-        </p:nvSpPr>
-        <p:spPr/>
-        <p:txBody>
-          <a:bodyPr/>
-          <a:lstStyle/>
-          <a:p>
-            <a:r>
-              <a:rPr lang="zh-CN" altLang="en-US" dirty="0"/>
-              <a:t>弱标记数据</a:t>
-            </a:r>
-          </a:p>
-        </p:txBody>
-      </p:sp>
-      <p:sp>
-        <p:nvSpPr>
           <p:cNvPr id="3" name="内容占位符 2">
             <a:extLst>
               <a:ext uri="{FF2B5EF4-FFF2-40B4-BE49-F238E27FC236}">
-                <a16:creationId xmlns:a16="http://schemas.microsoft.com/office/drawing/2014/main" id="{D1DF6EC3-3B64-4C4B-BBC7-DB062CBDA37F}"/>
+                <a16:creationId xmlns:a16="http://schemas.microsoft.com/office/drawing/2014/main" id="{D3F1FAC0-044F-41D1-A8CD-DC8345F68EAF}"/>
               </a:ext>
             </a:extLst>
           </p:cNvPr>
@@ -5523,57 +5553,25 @@
           <a:p>
             <a:r>
               <a:rPr lang="zh-CN" altLang="en-US" dirty="0"/>
-              <a:t>在深度学习模型的训练过程中引入弱标签数据可以解决训练数据不 足的问题。目前，关于弱标记数据的研究相对较少。在</a:t>
-            </a:r>
-            <a:r>
-              <a:rPr lang="en-US" altLang="zh-CN" dirty="0"/>
-              <a:t>Twitter</a:t>
-            </a:r>
-            <a:r>
-              <a:rPr lang="zh-CN" altLang="en-US" dirty="0"/>
-              <a:t>挖掘 中，参考文献</a:t>
-            </a:r>
-            <a:r>
-              <a:rPr lang="en-US" altLang="zh-CN" dirty="0"/>
-              <a:t>[18]</a:t>
-            </a:r>
-            <a:r>
-              <a:rPr lang="zh-CN" altLang="en-US" dirty="0"/>
-              <a:t>使用半监督分类对症状监测中的相关性进行过滤 ，并在任务中引入了带有弱标记数据的数据，以完成分类任务。参 考文献</a:t>
-            </a:r>
-            <a:r>
-              <a:rPr lang="en-US" altLang="zh-CN" dirty="0"/>
-              <a:t>[19]</a:t>
-            </a:r>
-            <a:r>
-              <a:rPr lang="zh-CN" altLang="en-US" dirty="0"/>
-              <a:t>已经标记了</a:t>
-            </a:r>
-            <a:r>
-              <a:rPr lang="en-US" altLang="zh-CN" dirty="0"/>
-              <a:t>160</a:t>
-            </a:r>
-            <a:r>
-              <a:rPr lang="zh-CN" altLang="en-US" dirty="0"/>
-              <a:t>万个</a:t>
-            </a:r>
-            <a:r>
-              <a:rPr lang="en-US" altLang="zh-CN" dirty="0"/>
-              <a:t>Twitter</a:t>
-            </a:r>
-            <a:r>
-              <a:rPr lang="zh-CN" altLang="en-US" dirty="0"/>
-              <a:t>文本，并建立了表情符号情 感词典。实验验证了表情符号（即弱标记信息）在情感分类任务中 的有效性。</a:t>
+              <a:t> 情感分类的目的是解决文本情感倾向自动判断的问题。传统模型侧重于算法优化以提高模型的分类性能，但是标记样本数据不足时，模型的分类性能将很差。</a:t>
             </a:r>
             <a:endParaRPr lang="en-US" altLang="zh-CN" dirty="0"/>
           </a:p>
           <a:p>
+            <a:r>
+              <a:rPr lang="zh-CN" altLang="en-US" dirty="0"/>
+              <a:t>一方面，基于弱标签信息的深度学习情感分类模型将弱标签信息引入模型的训练过程中，以减少手动标签数据的使用。</a:t>
+            </a:r>
             <a:endParaRPr lang="en-US" altLang="zh-CN" dirty="0"/>
           </a:p>
           <a:p>
-            <a:pPr marL="0" indent="0">
-              <a:buNone/>
-            </a:pPr>
+            <a:r>
+              <a:rPr lang="zh-CN" altLang="en-US" dirty="0"/>
+              <a:t>另一方面，弱标签信息可以在一定程度上代表评论的情绪倾向，但同时也包含噪声，该模型减少了弱标签信息中噪声的负面影响，从而提高了情感分类模型的分类性能。</a:t>
+            </a:r>
+            <a:endParaRPr lang="en-US" altLang="zh-CN" dirty="0"/>
+          </a:p>
+          <a:p>
             <a:endParaRPr lang="zh-CN" altLang="en-US" dirty="0"/>
           </a:p>
         </p:txBody>
@@ -5581,7 +5579,7 @@
     </p:spTree>
     <p:extLst>
       <p:ext uri="{BB962C8B-B14F-4D97-AF65-F5344CB8AC3E}">
-        <p14:creationId xmlns:p14="http://schemas.microsoft.com/office/powerpoint/2010/main" val="2500188968"/>
+        <p14:creationId xmlns:p14="http://schemas.microsoft.com/office/powerpoint/2010/main" val="2500073858"/>
       </p:ext>
     </p:extLst>
   </p:cSld>
@@ -5613,7 +5611,7 @@
           <p:cNvPr id="2" name="标题 1">
             <a:extLst>
               <a:ext uri="{FF2B5EF4-FFF2-40B4-BE49-F238E27FC236}">
-                <a16:creationId xmlns:a16="http://schemas.microsoft.com/office/drawing/2014/main" id="{CF88FF2D-A59C-4408-91F5-F10951ADFBDB}"/>
+                <a16:creationId xmlns:a16="http://schemas.microsoft.com/office/drawing/2014/main" id="{BE1F6FCD-7971-4593-A97B-E9DC1BD7ACA3}"/>
               </a:ext>
             </a:extLst>
           </p:cNvPr>
@@ -5631,7 +5629,7 @@
           <a:p>
             <a:r>
               <a:rPr lang="zh-CN" altLang="en-US" dirty="0"/>
-              <a:t>方法 </a:t>
+              <a:t>弱标记数据</a:t>
             </a:r>
           </a:p>
         </p:txBody>
@@ -5641,7 +5639,7 @@
           <p:cNvPr id="3" name="内容占位符 2">
             <a:extLst>
               <a:ext uri="{FF2B5EF4-FFF2-40B4-BE49-F238E27FC236}">
-                <a16:creationId xmlns:a16="http://schemas.microsoft.com/office/drawing/2014/main" id="{46D17EFD-EE7B-4217-87B5-DDB700700273}"/>
+                <a16:creationId xmlns:a16="http://schemas.microsoft.com/office/drawing/2014/main" id="{D1DF6EC3-3B64-4C4B-BBC7-DB062CBDA37F}"/>
               </a:ext>
             </a:extLst>
           </p:cNvPr>
@@ -5657,6 +5655,88 @@
           <a:bodyPr/>
           <a:lstStyle/>
           <a:p>
+            <a:r>
+              <a:rPr lang="zh-CN" altLang="en-US" dirty="0"/>
+              <a:t>在深度学习模型的训练过程中引入弱标签数据可以解决训练数据不 足的问题。目前，关于弱标记数据的研究相对较少。</a:t>
+            </a:r>
+            <a:endParaRPr lang="en-US" altLang="zh-CN" dirty="0"/>
+          </a:p>
+          <a:p>
+            <a:r>
+              <a:rPr lang="zh-CN" altLang="en-US" dirty="0"/>
+              <a:t>在</a:t>
+            </a:r>
+            <a:r>
+              <a:rPr lang="en-US" altLang="zh-CN" dirty="0"/>
+              <a:t>O. Edo-Osagie </a:t>
+            </a:r>
+            <a:r>
+              <a:rPr lang="zh-CN" altLang="en-US" dirty="0"/>
+              <a:t>的</a:t>
+            </a:r>
+            <a:r>
+              <a:rPr lang="en-US" altLang="zh-CN" dirty="0"/>
+              <a:t>“Twitter mining using semi-supervised classification for relevance filtering in syndromic surveillance,</a:t>
+            </a:r>
+            <a:r>
+              <a:rPr lang="zh-CN" altLang="en-US" dirty="0"/>
+              <a:t>” 在</a:t>
+            </a:r>
+            <a:r>
+              <a:rPr lang="en-US" altLang="zh-CN" dirty="0"/>
+              <a:t>Twitter</a:t>
+            </a:r>
+            <a:r>
+              <a:rPr lang="zh-CN" altLang="en-US" dirty="0"/>
+              <a:t>文本情感分析中使用的半监督分类过滤方法中引入了带有弱标记的数据，以完成分类任务。</a:t>
+            </a:r>
+            <a:r>
+              <a:rPr lang="en-US" altLang="zh-CN" dirty="0"/>
+              <a:t> </a:t>
+            </a:r>
+          </a:p>
+          <a:p>
+            <a:r>
+              <a:rPr lang="en-US" altLang="zh-CN" dirty="0"/>
+              <a:t>P. K. Novak</a:t>
+            </a:r>
+            <a:r>
+              <a:rPr lang="zh-CN" altLang="en-US" dirty="0"/>
+              <a:t>在”</a:t>
+            </a:r>
+            <a:r>
+              <a:rPr lang="en-US" altLang="zh-CN" dirty="0"/>
+              <a:t> Sentiment of emojis</a:t>
+            </a:r>
+            <a:r>
+              <a:rPr lang="zh-CN" altLang="en-US" dirty="0"/>
+              <a:t>“中标记了</a:t>
+            </a:r>
+            <a:r>
+              <a:rPr lang="en-US" altLang="zh-CN" dirty="0"/>
+              <a:t>160</a:t>
+            </a:r>
+            <a:r>
+              <a:rPr lang="zh-CN" altLang="en-US" dirty="0"/>
+              <a:t>万个</a:t>
+            </a:r>
+            <a:r>
+              <a:rPr lang="en-US" altLang="zh-CN" dirty="0"/>
+              <a:t>Twitter</a:t>
+            </a:r>
+            <a:r>
+              <a:rPr lang="zh-CN" altLang="en-US" dirty="0"/>
+              <a:t>文本，并建立了表情符号情 感词典。实验验证了表情符号（即弱标记信息）在情感分类任务中的有效性。</a:t>
+            </a:r>
+            <a:endParaRPr lang="en-US" altLang="zh-CN" dirty="0"/>
+          </a:p>
+          <a:p>
+            <a:endParaRPr lang="en-US" altLang="zh-CN" dirty="0"/>
+          </a:p>
+          <a:p>
+            <a:pPr marL="0" indent="0">
+              <a:buNone/>
+            </a:pPr>
             <a:endParaRPr lang="zh-CN" altLang="en-US" dirty="0"/>
           </a:p>
         </p:txBody>
@@ -5664,7 +5744,7 @@
     </p:spTree>
     <p:extLst>
       <p:ext uri="{BB962C8B-B14F-4D97-AF65-F5344CB8AC3E}">
-        <p14:creationId xmlns:p14="http://schemas.microsoft.com/office/powerpoint/2010/main" val="1886456550"/>
+        <p14:creationId xmlns:p14="http://schemas.microsoft.com/office/powerpoint/2010/main" val="2500188968"/>
       </p:ext>
     </p:extLst>
   </p:cSld>
@@ -5696,7 +5776,7 @@
           <p:cNvPr id="2" name="标题 1">
             <a:extLst>
               <a:ext uri="{FF2B5EF4-FFF2-40B4-BE49-F238E27FC236}">
-                <a16:creationId xmlns:a16="http://schemas.microsoft.com/office/drawing/2014/main" id="{BFD94BD6-E7D3-4398-B868-7087506679D3}"/>
+                <a16:creationId xmlns:a16="http://schemas.microsoft.com/office/drawing/2014/main" id="{4EA4C33F-0CB1-49D5-AB65-46DF707E485F}"/>
               </a:ext>
             </a:extLst>
           </p:cNvPr>
@@ -5714,656 +5794,42 @@
           <a:p>
             <a:r>
               <a:rPr lang="zh-CN" altLang="en-US" dirty="0"/>
-              <a:t>特征提取</a:t>
-            </a:r>
-          </a:p>
-        </p:txBody>
-      </p:sp>
-      <p:graphicFrame>
-        <p:nvGraphicFramePr>
-          <p:cNvPr id="6" name="内容占位符 5">
-            <a:extLst>
-              <a:ext uri="{FF2B5EF4-FFF2-40B4-BE49-F238E27FC236}">
-                <a16:creationId xmlns:a16="http://schemas.microsoft.com/office/drawing/2014/main" id="{AA2036CE-81A4-4B9D-A1AD-C943B0F7BD1D}"/>
-              </a:ext>
-            </a:extLst>
-          </p:cNvPr>
-          <p:cNvGraphicFramePr>
-            <a:graphicFrameLocks noGrp="1"/>
-          </p:cNvGraphicFramePr>
+              <a:t>噪声</a:t>
+            </a:r>
+          </a:p>
+        </p:txBody>
+      </p:sp>
+      <p:sp>
+        <p:nvSpPr>
+          <p:cNvPr id="3" name="内容占位符 2">
+            <a:extLst>
+              <a:ext uri="{FF2B5EF4-FFF2-40B4-BE49-F238E27FC236}">
+                <a16:creationId xmlns:a16="http://schemas.microsoft.com/office/drawing/2014/main" id="{D47D47B1-47EB-4537-97AF-646CB3AE074C}"/>
+              </a:ext>
+            </a:extLst>
+          </p:cNvPr>
+          <p:cNvSpPr>
+            <a:spLocks noGrp="1"/>
+          </p:cNvSpPr>
           <p:nvPr>
             <p:ph idx="1"/>
-            <p:extLst>
-              <p:ext uri="{D42A27DB-BD31-4B8C-83A1-F6EECF244321}">
-                <p14:modId xmlns:p14="http://schemas.microsoft.com/office/powerpoint/2010/main" val="928159451"/>
-              </p:ext>
-            </p:extLst>
-          </p:nvPr>
-        </p:nvGraphicFramePr>
-        <p:xfrm>
-          <a:off x="5627618" y="892972"/>
-          <a:ext cx="6096000" cy="5072055"/>
-        </p:xfrm>
-        <a:graphic>
-          <a:graphicData uri="http://schemas.openxmlformats.org/drawingml/2006/chart">
-            <c:chart xmlns:c="http://schemas.openxmlformats.org/drawingml/2006/chart" xmlns:r="http://schemas.openxmlformats.org/officeDocument/2006/relationships" r:id="rId2"/>
-          </a:graphicData>
-        </a:graphic>
-      </p:graphicFrame>
-      <p:sp>
-        <p:nvSpPr>
-          <p:cNvPr id="8" name="内容占位符 2">
-            <a:extLst>
-              <a:ext uri="{FF2B5EF4-FFF2-40B4-BE49-F238E27FC236}">
-                <a16:creationId xmlns:a16="http://schemas.microsoft.com/office/drawing/2014/main" id="{47442445-9217-49DC-BBB1-7C59D65228CF}"/>
-              </a:ext>
-            </a:extLst>
-          </p:cNvPr>
-          <p:cNvSpPr txBox="1">
-            <a:spLocks/>
-          </p:cNvSpPr>
-          <p:nvPr/>
-        </p:nvSpPr>
-        <p:spPr>
-          <a:xfrm>
-            <a:off x="838200" y="1690688"/>
-            <a:ext cx="3488703" cy="4087542"/>
-          </a:xfrm>
-          <a:prstGeom prst="rect">
-            <a:avLst/>
-          </a:prstGeom>
-        </p:spPr>
-        <p:txBody>
-          <a:bodyPr vert="horz" lIns="91440" tIns="45720" rIns="91440" bIns="45720" rtlCol="0">
-            <a:normAutofit/>
-          </a:bodyPr>
-          <a:lstStyle>
-            <a:lvl1pPr marL="228600" indent="-228600" algn="l" defTabSz="914400" rtl="0" eaLnBrk="1" latinLnBrk="0" hangingPunct="1">
-              <a:lnSpc>
-                <a:spcPct val="90000"/>
-              </a:lnSpc>
-              <a:spcBef>
-                <a:spcPts val="1000"/>
-              </a:spcBef>
-              <a:buFont typeface="Arial" panose="020B0604020202020204" pitchFamily="34" charset="0"/>
-              <a:buChar char="•"/>
-              <a:defRPr sz="2800" kern="1200">
-                <a:solidFill>
-                  <a:schemeClr val="tx1"/>
-                </a:solidFill>
-                <a:latin typeface="+mn-lt"/>
-                <a:ea typeface="+mn-ea"/>
-                <a:cs typeface="+mn-cs"/>
-              </a:defRPr>
-            </a:lvl1pPr>
-            <a:lvl2pPr marL="685800" indent="-228600" algn="l" defTabSz="914400" rtl="0" eaLnBrk="1" latinLnBrk="0" hangingPunct="1">
-              <a:lnSpc>
-                <a:spcPct val="90000"/>
-              </a:lnSpc>
-              <a:spcBef>
-                <a:spcPts val="500"/>
-              </a:spcBef>
-              <a:buFont typeface="Arial" panose="020B0604020202020204" pitchFamily="34" charset="0"/>
-              <a:buChar char="•"/>
-              <a:defRPr sz="2400" kern="1200">
-                <a:solidFill>
-                  <a:schemeClr val="tx1"/>
-                </a:solidFill>
-                <a:latin typeface="+mn-lt"/>
-                <a:ea typeface="+mn-ea"/>
-                <a:cs typeface="+mn-cs"/>
-              </a:defRPr>
-            </a:lvl2pPr>
-            <a:lvl3pPr marL="1143000" indent="-228600" algn="l" defTabSz="914400" rtl="0" eaLnBrk="1" latinLnBrk="0" hangingPunct="1">
-              <a:lnSpc>
-                <a:spcPct val="90000"/>
-              </a:lnSpc>
-              <a:spcBef>
-                <a:spcPts val="500"/>
-              </a:spcBef>
-              <a:buFont typeface="Arial" panose="020B0604020202020204" pitchFamily="34" charset="0"/>
-              <a:buChar char="•"/>
-              <a:defRPr sz="2000" kern="1200">
-                <a:solidFill>
-                  <a:schemeClr val="tx1"/>
-                </a:solidFill>
-                <a:latin typeface="+mn-lt"/>
-                <a:ea typeface="+mn-ea"/>
-                <a:cs typeface="+mn-cs"/>
-              </a:defRPr>
-            </a:lvl3pPr>
-            <a:lvl4pPr marL="1600200" indent="-228600" algn="l" defTabSz="914400" rtl="0" eaLnBrk="1" latinLnBrk="0" hangingPunct="1">
-              <a:lnSpc>
-                <a:spcPct val="90000"/>
-              </a:lnSpc>
-              <a:spcBef>
-                <a:spcPts val="500"/>
-              </a:spcBef>
-              <a:buFont typeface="Arial" panose="020B0604020202020204" pitchFamily="34" charset="0"/>
-              <a:buChar char="•"/>
-              <a:defRPr sz="1800" kern="1200">
-                <a:solidFill>
-                  <a:schemeClr val="tx1"/>
-                </a:solidFill>
-                <a:latin typeface="+mn-lt"/>
-                <a:ea typeface="+mn-ea"/>
-                <a:cs typeface="+mn-cs"/>
-              </a:defRPr>
-            </a:lvl4pPr>
-            <a:lvl5pPr marL="2057400" indent="-228600" algn="l" defTabSz="914400" rtl="0" eaLnBrk="1" latinLnBrk="0" hangingPunct="1">
-              <a:lnSpc>
-                <a:spcPct val="90000"/>
-              </a:lnSpc>
-              <a:spcBef>
-                <a:spcPts val="500"/>
-              </a:spcBef>
-              <a:buFont typeface="Arial" panose="020B0604020202020204" pitchFamily="34" charset="0"/>
-              <a:buChar char="•"/>
-              <a:defRPr sz="1800" kern="1200">
-                <a:solidFill>
-                  <a:schemeClr val="tx1"/>
-                </a:solidFill>
-                <a:latin typeface="+mn-lt"/>
-                <a:ea typeface="+mn-ea"/>
-                <a:cs typeface="+mn-cs"/>
-              </a:defRPr>
-            </a:lvl5pPr>
-            <a:lvl6pPr marL="2514600" indent="-228600" algn="l" defTabSz="914400" rtl="0" eaLnBrk="1" latinLnBrk="0" hangingPunct="1">
-              <a:lnSpc>
-                <a:spcPct val="90000"/>
-              </a:lnSpc>
-              <a:spcBef>
-                <a:spcPts val="500"/>
-              </a:spcBef>
-              <a:buFont typeface="Arial" panose="020B0604020202020204" pitchFamily="34" charset="0"/>
-              <a:buChar char="•"/>
-              <a:defRPr sz="1800" kern="1200">
-                <a:solidFill>
-                  <a:schemeClr val="tx1"/>
-                </a:solidFill>
-                <a:latin typeface="+mn-lt"/>
-                <a:ea typeface="+mn-ea"/>
-                <a:cs typeface="+mn-cs"/>
-              </a:defRPr>
-            </a:lvl6pPr>
-            <a:lvl7pPr marL="2971800" indent="-228600" algn="l" defTabSz="914400" rtl="0" eaLnBrk="1" latinLnBrk="0" hangingPunct="1">
-              <a:lnSpc>
-                <a:spcPct val="90000"/>
-              </a:lnSpc>
-              <a:spcBef>
-                <a:spcPts val="500"/>
-              </a:spcBef>
-              <a:buFont typeface="Arial" panose="020B0604020202020204" pitchFamily="34" charset="0"/>
-              <a:buChar char="•"/>
-              <a:defRPr sz="1800" kern="1200">
-                <a:solidFill>
-                  <a:schemeClr val="tx1"/>
-                </a:solidFill>
-                <a:latin typeface="+mn-lt"/>
-                <a:ea typeface="+mn-ea"/>
-                <a:cs typeface="+mn-cs"/>
-              </a:defRPr>
-            </a:lvl7pPr>
-            <a:lvl8pPr marL="3429000" indent="-228600" algn="l" defTabSz="914400" rtl="0" eaLnBrk="1" latinLnBrk="0" hangingPunct="1">
-              <a:lnSpc>
-                <a:spcPct val="90000"/>
-              </a:lnSpc>
-              <a:spcBef>
-                <a:spcPts val="500"/>
-              </a:spcBef>
-              <a:buFont typeface="Arial" panose="020B0604020202020204" pitchFamily="34" charset="0"/>
-              <a:buChar char="•"/>
-              <a:defRPr sz="1800" kern="1200">
-                <a:solidFill>
-                  <a:schemeClr val="tx1"/>
-                </a:solidFill>
-                <a:latin typeface="+mn-lt"/>
-                <a:ea typeface="+mn-ea"/>
-                <a:cs typeface="+mn-cs"/>
-              </a:defRPr>
-            </a:lvl8pPr>
-            <a:lvl9pPr marL="3886200" indent="-228600" algn="l" defTabSz="914400" rtl="0" eaLnBrk="1" latinLnBrk="0" hangingPunct="1">
-              <a:lnSpc>
-                <a:spcPct val="90000"/>
-              </a:lnSpc>
-              <a:spcBef>
-                <a:spcPts val="500"/>
-              </a:spcBef>
-              <a:buFont typeface="Arial" panose="020B0604020202020204" pitchFamily="34" charset="0"/>
-              <a:buChar char="•"/>
-              <a:defRPr sz="1800" kern="1200">
-                <a:solidFill>
-                  <a:schemeClr val="tx1"/>
-                </a:solidFill>
-                <a:latin typeface="+mn-lt"/>
-                <a:ea typeface="+mn-ea"/>
-                <a:cs typeface="+mn-cs"/>
-              </a:defRPr>
-            </a:lvl9pPr>
-          </a:lstStyle>
-          <a:p>
-            <a:pPr marL="0" indent="0">
-              <a:buNone/>
-            </a:pPr>
-            <a:r>
-              <a:rPr lang="zh-CN" altLang="en-US" dirty="0"/>
-              <a:t>从网络收集关于疫情评论的数据共</a:t>
-            </a:r>
-            <a:r>
-              <a:rPr lang="en-US" altLang="zh-CN" dirty="0"/>
-              <a:t>2931</a:t>
-            </a:r>
-            <a:r>
-              <a:rPr lang="zh-CN" altLang="en-US" dirty="0"/>
-              <a:t>项，可以发现其中</a:t>
-            </a:r>
-            <a:r>
-              <a:rPr lang="en-US" altLang="zh-CN" dirty="0"/>
-              <a:t>i_f25, i_f16, i_f05, i_f01, i_f02, i_f04, i_f15, i_f27, i_f28, i_f30,</a:t>
-            </a:r>
-            <a:r>
-              <a:rPr lang="zh-CN" altLang="en-US" dirty="0"/>
-              <a:t>的频次最多，占据使用表情的大部分，将这五项提取作为弱标签数据特征向量</a:t>
+          </p:nvPr>
+        </p:nvSpPr>
+        <p:spPr/>
+        <p:txBody>
+          <a:bodyPr/>
+          <a:lstStyle/>
+          <a:p>
+            <a:r>
+              <a:rPr lang="zh-CN" altLang="en-US" dirty="0"/>
+              <a:t>我们将评论文字所表示的弱标签信息与情感倾向不一致的样本定义为噪声样本</a:t>
             </a:r>
             <a:endParaRPr lang="en-US" altLang="zh-CN" dirty="0"/>
           </a:p>
-        </p:txBody>
-      </p:sp>
-      <p:pic>
-        <p:nvPicPr>
-          <p:cNvPr id="10" name="图片 9">
-            <a:extLst>
-              <a:ext uri="{FF2B5EF4-FFF2-40B4-BE49-F238E27FC236}">
-                <a16:creationId xmlns:a16="http://schemas.microsoft.com/office/drawing/2014/main" id="{BC92417A-C1A9-4F52-81A6-A565BFE9AE8F}"/>
-              </a:ext>
-            </a:extLst>
-          </p:cNvPr>
-          <p:cNvPicPr>
-            <a:picLocks noChangeAspect="1"/>
-          </p:cNvPicPr>
-          <p:nvPr/>
-        </p:nvPicPr>
-        <p:blipFill>
-          <a:blip r:embed="rId3">
-            <a:extLst>
-              <a:ext uri="{28A0092B-C50C-407E-A947-70E740481C1C}">
-                <a14:useLocalDpi xmlns:a14="http://schemas.microsoft.com/office/drawing/2010/main" val="0"/>
-              </a:ext>
-            </a:extLst>
-          </a:blip>
-          <a:stretch>
-            <a:fillRect/>
-          </a:stretch>
-        </p:blipFill>
-        <p:spPr>
-          <a:xfrm>
-            <a:off x="9474248" y="3256429"/>
-            <a:ext cx="380952" cy="380952"/>
-          </a:xfrm>
-          <a:prstGeom prst="rect">
-            <a:avLst/>
-          </a:prstGeom>
-        </p:spPr>
-      </p:pic>
-      <p:pic>
-        <p:nvPicPr>
-          <p:cNvPr id="12" name="图片 11">
-            <a:extLst>
-              <a:ext uri="{FF2B5EF4-FFF2-40B4-BE49-F238E27FC236}">
-                <a16:creationId xmlns:a16="http://schemas.microsoft.com/office/drawing/2014/main" id="{2341CB8E-CD9D-4CA7-923D-7211468E65DB}"/>
-              </a:ext>
-            </a:extLst>
-          </p:cNvPr>
-          <p:cNvPicPr>
-            <a:picLocks noChangeAspect="1"/>
-          </p:cNvPicPr>
-          <p:nvPr/>
-        </p:nvPicPr>
-        <p:blipFill>
-          <a:blip r:embed="rId4">
-            <a:extLst>
-              <a:ext uri="{28A0092B-C50C-407E-A947-70E740481C1C}">
-                <a14:useLocalDpi xmlns:a14="http://schemas.microsoft.com/office/drawing/2010/main" val="0"/>
-              </a:ext>
-            </a:extLst>
-          </a:blip>
-          <a:stretch>
-            <a:fillRect/>
-          </a:stretch>
-        </p:blipFill>
-        <p:spPr>
-          <a:xfrm>
-            <a:off x="8840995" y="5196909"/>
-            <a:ext cx="380952" cy="380952"/>
-          </a:xfrm>
-          <a:prstGeom prst="rect">
-            <a:avLst/>
-          </a:prstGeom>
-        </p:spPr>
-      </p:pic>
-      <p:pic>
-        <p:nvPicPr>
-          <p:cNvPr id="14" name="图片 13">
-            <a:extLst>
-              <a:ext uri="{FF2B5EF4-FFF2-40B4-BE49-F238E27FC236}">
-                <a16:creationId xmlns:a16="http://schemas.microsoft.com/office/drawing/2014/main" id="{45E96360-7966-42FF-AF65-F341432F899B}"/>
-              </a:ext>
-            </a:extLst>
-          </p:cNvPr>
-          <p:cNvPicPr>
-            <a:picLocks noChangeAspect="1"/>
-          </p:cNvPicPr>
-          <p:nvPr/>
-        </p:nvPicPr>
-        <p:blipFill>
-          <a:blip r:embed="rId5">
-            <a:extLst>
-              <a:ext uri="{28A0092B-C50C-407E-A947-70E740481C1C}">
-                <a14:useLocalDpi xmlns:a14="http://schemas.microsoft.com/office/drawing/2010/main" val="0"/>
-              </a:ext>
-            </a:extLst>
-          </a:blip>
-          <a:stretch>
-            <a:fillRect/>
-          </a:stretch>
-        </p:blipFill>
-        <p:spPr>
-          <a:xfrm>
-            <a:off x="7878500" y="5119088"/>
-            <a:ext cx="380952" cy="380952"/>
-          </a:xfrm>
-          <a:prstGeom prst="rect">
-            <a:avLst/>
-          </a:prstGeom>
-        </p:spPr>
-      </p:pic>
-      <p:pic>
-        <p:nvPicPr>
-          <p:cNvPr id="16" name="图片 15">
-            <a:extLst>
-              <a:ext uri="{FF2B5EF4-FFF2-40B4-BE49-F238E27FC236}">
-                <a16:creationId xmlns:a16="http://schemas.microsoft.com/office/drawing/2014/main" id="{88BD8677-F4CE-41D8-B1B4-CB20B2752F81}"/>
-              </a:ext>
-            </a:extLst>
-          </p:cNvPr>
-          <p:cNvPicPr>
-            <a:picLocks noChangeAspect="1"/>
-          </p:cNvPicPr>
-          <p:nvPr/>
-        </p:nvPicPr>
-        <p:blipFill>
-          <a:blip r:embed="rId6">
-            <a:extLst>
-              <a:ext uri="{28A0092B-C50C-407E-A947-70E740481C1C}">
-                <a14:useLocalDpi xmlns:a14="http://schemas.microsoft.com/office/drawing/2010/main" val="0"/>
-              </a:ext>
-            </a:extLst>
-          </a:blip>
-          <a:stretch>
-            <a:fillRect/>
-          </a:stretch>
-        </p:blipFill>
-        <p:spPr>
-          <a:xfrm>
-            <a:off x="7278429" y="4738136"/>
-            <a:ext cx="380952" cy="380952"/>
-          </a:xfrm>
-          <a:prstGeom prst="rect">
-            <a:avLst/>
-          </a:prstGeom>
-        </p:spPr>
-      </p:pic>
-      <p:pic>
-        <p:nvPicPr>
-          <p:cNvPr id="18" name="图片 17">
-            <a:extLst>
-              <a:ext uri="{FF2B5EF4-FFF2-40B4-BE49-F238E27FC236}">
-                <a16:creationId xmlns:a16="http://schemas.microsoft.com/office/drawing/2014/main" id="{26C3ED0B-6AE6-4502-86C6-8CDF5A4E42D0}"/>
-              </a:ext>
-            </a:extLst>
-          </p:cNvPr>
-          <p:cNvPicPr>
-            <a:picLocks noChangeAspect="1"/>
-          </p:cNvPicPr>
-          <p:nvPr/>
-        </p:nvPicPr>
-        <p:blipFill>
-          <a:blip r:embed="rId7">
-            <a:extLst>
-              <a:ext uri="{28A0092B-C50C-407E-A947-70E740481C1C}">
-                <a14:useLocalDpi xmlns:a14="http://schemas.microsoft.com/office/drawing/2010/main" val="0"/>
-              </a:ext>
-            </a:extLst>
-          </a:blip>
-          <a:stretch>
-            <a:fillRect/>
-          </a:stretch>
-        </p:blipFill>
-        <p:spPr>
-          <a:xfrm>
-            <a:off x="6897477" y="4283737"/>
-            <a:ext cx="380952" cy="380952"/>
-          </a:xfrm>
-          <a:prstGeom prst="rect">
-            <a:avLst/>
-          </a:prstGeom>
-        </p:spPr>
-      </p:pic>
-      <p:pic>
-        <p:nvPicPr>
-          <p:cNvPr id="20" name="图片 19">
-            <a:extLst>
-              <a:ext uri="{FF2B5EF4-FFF2-40B4-BE49-F238E27FC236}">
-                <a16:creationId xmlns:a16="http://schemas.microsoft.com/office/drawing/2014/main" id="{9BF8228B-098E-4092-9642-66F26269E138}"/>
-              </a:ext>
-            </a:extLst>
-          </p:cNvPr>
-          <p:cNvPicPr>
-            <a:picLocks noChangeAspect="1"/>
-          </p:cNvPicPr>
-          <p:nvPr/>
-        </p:nvPicPr>
-        <p:blipFill>
-          <a:blip r:embed="rId8">
-            <a:extLst>
-              <a:ext uri="{28A0092B-C50C-407E-A947-70E740481C1C}">
-                <a14:useLocalDpi xmlns:a14="http://schemas.microsoft.com/office/drawing/2010/main" val="0"/>
-              </a:ext>
-            </a:extLst>
-          </a:blip>
-          <a:stretch>
-            <a:fillRect/>
-          </a:stretch>
-        </p:blipFill>
-        <p:spPr>
-          <a:xfrm>
-            <a:off x="5898204" y="3988361"/>
-            <a:ext cx="380952" cy="380952"/>
-          </a:xfrm>
-          <a:prstGeom prst="rect">
-            <a:avLst/>
-          </a:prstGeom>
-        </p:spPr>
-      </p:pic>
-      <p:pic>
-        <p:nvPicPr>
-          <p:cNvPr id="22" name="图片 21">
-            <a:extLst>
-              <a:ext uri="{FF2B5EF4-FFF2-40B4-BE49-F238E27FC236}">
-                <a16:creationId xmlns:a16="http://schemas.microsoft.com/office/drawing/2014/main" id="{D9F999A4-2ABD-4C9A-B98B-E5D53E8EDF96}"/>
-              </a:ext>
-            </a:extLst>
-          </p:cNvPr>
-          <p:cNvPicPr>
-            <a:picLocks noChangeAspect="1"/>
-          </p:cNvPicPr>
-          <p:nvPr/>
-        </p:nvPicPr>
-        <p:blipFill>
-          <a:blip r:embed="rId9">
-            <a:extLst>
-              <a:ext uri="{28A0092B-C50C-407E-A947-70E740481C1C}">
-                <a14:useLocalDpi xmlns:a14="http://schemas.microsoft.com/office/drawing/2010/main" val="0"/>
-              </a:ext>
-            </a:extLst>
-          </a:blip>
-          <a:stretch>
-            <a:fillRect/>
-          </a:stretch>
-        </p:blipFill>
-        <p:spPr>
-          <a:xfrm>
-            <a:off x="5854478" y="3527479"/>
-            <a:ext cx="380952" cy="380952"/>
-          </a:xfrm>
-          <a:prstGeom prst="rect">
-            <a:avLst/>
-          </a:prstGeom>
-        </p:spPr>
-      </p:pic>
-      <p:pic>
-        <p:nvPicPr>
-          <p:cNvPr id="24" name="图片 23">
-            <a:extLst>
-              <a:ext uri="{FF2B5EF4-FFF2-40B4-BE49-F238E27FC236}">
-                <a16:creationId xmlns:a16="http://schemas.microsoft.com/office/drawing/2014/main" id="{CCE5525D-52B9-4095-9DBE-89DA6F59A17B}"/>
-              </a:ext>
-            </a:extLst>
-          </p:cNvPr>
-          <p:cNvPicPr>
-            <a:picLocks noChangeAspect="1"/>
-          </p:cNvPicPr>
-          <p:nvPr/>
-        </p:nvPicPr>
-        <p:blipFill>
-          <a:blip r:embed="rId10">
-            <a:extLst>
-              <a:ext uri="{28A0092B-C50C-407E-A947-70E740481C1C}">
-                <a14:useLocalDpi xmlns:a14="http://schemas.microsoft.com/office/drawing/2010/main" val="0"/>
-              </a:ext>
-            </a:extLst>
-          </a:blip>
-          <a:stretch>
-            <a:fillRect/>
-          </a:stretch>
-        </p:blipFill>
-        <p:spPr>
-          <a:xfrm>
-            <a:off x="5922443" y="3079795"/>
-            <a:ext cx="380952" cy="380952"/>
-          </a:xfrm>
-          <a:prstGeom prst="rect">
-            <a:avLst/>
-          </a:prstGeom>
-        </p:spPr>
-      </p:pic>
-      <p:pic>
-        <p:nvPicPr>
-          <p:cNvPr id="26" name="图片 25">
-            <a:extLst>
-              <a:ext uri="{FF2B5EF4-FFF2-40B4-BE49-F238E27FC236}">
-                <a16:creationId xmlns:a16="http://schemas.microsoft.com/office/drawing/2014/main" id="{6C85F310-1223-40B1-B7FA-33FAD276D4BA}"/>
-              </a:ext>
-            </a:extLst>
-          </p:cNvPr>
-          <p:cNvPicPr>
-            <a:picLocks noChangeAspect="1"/>
-          </p:cNvPicPr>
-          <p:nvPr/>
-        </p:nvPicPr>
-        <p:blipFill>
-          <a:blip r:embed="rId11">
-            <a:extLst>
-              <a:ext uri="{28A0092B-C50C-407E-A947-70E740481C1C}">
-                <a14:useLocalDpi xmlns:a14="http://schemas.microsoft.com/office/drawing/2010/main" val="0"/>
-              </a:ext>
-            </a:extLst>
-          </a:blip>
-          <a:stretch>
-            <a:fillRect/>
-          </a:stretch>
-        </p:blipFill>
-        <p:spPr>
-          <a:xfrm>
-            <a:off x="6041712" y="2625396"/>
-            <a:ext cx="380952" cy="380952"/>
-          </a:xfrm>
-          <a:prstGeom prst="rect">
-            <a:avLst/>
-          </a:prstGeom>
-        </p:spPr>
-      </p:pic>
-      <p:pic>
-        <p:nvPicPr>
-          <p:cNvPr id="28" name="图片 27">
-            <a:extLst>
-              <a:ext uri="{FF2B5EF4-FFF2-40B4-BE49-F238E27FC236}">
-                <a16:creationId xmlns:a16="http://schemas.microsoft.com/office/drawing/2014/main" id="{BA725350-A1D7-4D94-AF8D-7D8E7FFCCDB3}"/>
-              </a:ext>
-            </a:extLst>
-          </p:cNvPr>
-          <p:cNvPicPr>
-            <a:picLocks noChangeAspect="1"/>
-          </p:cNvPicPr>
-          <p:nvPr/>
-        </p:nvPicPr>
-        <p:blipFill>
-          <a:blip r:embed="rId12">
-            <a:extLst>
-              <a:ext uri="{28A0092B-C50C-407E-A947-70E740481C1C}">
-                <a14:useLocalDpi xmlns:a14="http://schemas.microsoft.com/office/drawing/2010/main" val="0"/>
-              </a:ext>
-            </a:extLst>
-          </a:blip>
-          <a:stretch>
-            <a:fillRect/>
-          </a:stretch>
-        </p:blipFill>
-        <p:spPr>
-          <a:xfrm>
-            <a:off x="6266186" y="2218535"/>
-            <a:ext cx="380952" cy="380952"/>
-          </a:xfrm>
-          <a:prstGeom prst="rect">
-            <a:avLst/>
-          </a:prstGeom>
-        </p:spPr>
-      </p:pic>
-      <p:sp>
-        <p:nvSpPr>
-          <p:cNvPr id="29" name="文本框 28">
-            <a:extLst>
-              <a:ext uri="{FF2B5EF4-FFF2-40B4-BE49-F238E27FC236}">
-                <a16:creationId xmlns:a16="http://schemas.microsoft.com/office/drawing/2014/main" id="{06FF3D55-945F-4A23-B10C-62D9FE7A7EC6}"/>
-              </a:ext>
-            </a:extLst>
-          </p:cNvPr>
-          <p:cNvSpPr txBox="1"/>
-          <p:nvPr/>
-        </p:nvSpPr>
-        <p:spPr>
-          <a:xfrm>
-            <a:off x="7715265" y="2395972"/>
-            <a:ext cx="671208" cy="369332"/>
-          </a:xfrm>
-          <a:prstGeom prst="rect">
-            <a:avLst/>
-          </a:prstGeom>
-          <a:noFill/>
-        </p:spPr>
-        <p:txBody>
-          <a:bodyPr wrap="square" rtlCol="0">
-            <a:spAutoFit/>
-          </a:bodyPr>
-          <a:lstStyle/>
-          <a:p>
-            <a:r>
-              <a:rPr lang="zh-CN" altLang="en-US" dirty="0">
-                <a:solidFill>
-                  <a:schemeClr val="bg1"/>
-                </a:solidFill>
-              </a:rPr>
-              <a:t>其他</a:t>
+          <a:p>
+            <a:r>
+              <a:rPr lang="zh-CN" altLang="en-US" dirty="0"/>
+              <a:t>弱标记数据和标记数 据之间的区别在于：弱标记数据包含噪声样本，而标记数据不包含 噪声样本</a:t>
             </a:r>
           </a:p>
         </p:txBody>
@@ -6371,7 +5837,7 @@
     </p:spTree>
     <p:extLst>
       <p:ext uri="{BB962C8B-B14F-4D97-AF65-F5344CB8AC3E}">
-        <p14:creationId xmlns:p14="http://schemas.microsoft.com/office/powerpoint/2010/main" val="1796259765"/>
+        <p14:creationId xmlns:p14="http://schemas.microsoft.com/office/powerpoint/2010/main" val="3276620743"/>
       </p:ext>
     </p:extLst>
   </p:cSld>
@@ -6403,7 +5869,7 @@
           <p:cNvPr id="2" name="标题 1">
             <a:extLst>
               <a:ext uri="{FF2B5EF4-FFF2-40B4-BE49-F238E27FC236}">
-                <a16:creationId xmlns:a16="http://schemas.microsoft.com/office/drawing/2014/main" id="{A4DD0833-B5AA-42B2-B9B4-6D6C57DEE3C6}"/>
+                <a16:creationId xmlns:a16="http://schemas.microsoft.com/office/drawing/2014/main" id="{D74430CD-96C3-4FE1-912B-193BBDE78709}"/>
               </a:ext>
             </a:extLst>
           </p:cNvPr>
@@ -6421,7 +5887,7 @@
           <a:p>
             <a:r>
               <a:rPr lang="zh-CN" altLang="en-US" dirty="0"/>
-              <a:t>数据清理 </a:t>
+              <a:t>总体思路</a:t>
             </a:r>
           </a:p>
         </p:txBody>
@@ -6431,7 +5897,7 @@
           <p:cNvPr id="3" name="内容占位符 2">
             <a:extLst>
               <a:ext uri="{FF2B5EF4-FFF2-40B4-BE49-F238E27FC236}">
-                <a16:creationId xmlns:a16="http://schemas.microsoft.com/office/drawing/2014/main" id="{475A74AB-DA41-433F-A16F-1206549D879B}"/>
+                <a16:creationId xmlns:a16="http://schemas.microsoft.com/office/drawing/2014/main" id="{2B734742-CA7E-4BF6-AAE2-F49BEB562BFA}"/>
               </a:ext>
             </a:extLst>
           </p:cNvPr>
@@ -6442,90 +5908,29 @@
             <p:ph idx="1"/>
           </p:nvPr>
         </p:nvSpPr>
-        <p:spPr>
-          <a:xfrm>
-            <a:off x="923041" y="1825625"/>
-            <a:ext cx="4327689" cy="4351338"/>
-          </a:xfrm>
-        </p:spPr>
-        <p:txBody>
-          <a:bodyPr>
-            <a:normAutofit/>
-          </a:bodyPr>
-          <a:lstStyle/>
-          <a:p>
-            <a:pPr marL="0" indent="0">
-              <a:buNone/>
-            </a:pPr>
-            <a:r>
-              <a:rPr lang="zh-CN" altLang="en-US" dirty="0"/>
-              <a:t>从网络收集关于疫情评论的数据，使用的弱标记信息是用户在发布疫情文字评论时评论中表情，特殊符号设定分数，每条评论的总分为</a:t>
-            </a:r>
-            <a:r>
-              <a:rPr lang="en-US" altLang="zh-CN" dirty="0"/>
-              <a:t>5</a:t>
-            </a:r>
-            <a:r>
-              <a:rPr lang="zh-CN" altLang="en-US" dirty="0"/>
-              <a:t>。得分高于</a:t>
-            </a:r>
-            <a:r>
-              <a:rPr lang="en-US" altLang="zh-CN" dirty="0"/>
-              <a:t>2.5</a:t>
-            </a:r>
-            <a:r>
-              <a:rPr lang="zh-CN" altLang="en-US" dirty="0"/>
-              <a:t>分的评论被归 为积极情绪倾向，得分低于或等于</a:t>
-            </a:r>
-            <a:r>
-              <a:rPr lang="en-US" altLang="zh-CN" dirty="0"/>
-              <a:t>2.5</a:t>
-            </a:r>
-            <a:r>
-              <a:rPr lang="zh-CN" altLang="en-US" dirty="0"/>
-              <a:t>分的评论被归为负面情绪倾向 。</a:t>
+        <p:spPr/>
+        <p:txBody>
+          <a:bodyPr/>
+          <a:lstStyle/>
+          <a:p>
+            <a:r>
+              <a:rPr lang="zh-CN" altLang="en-US" dirty="0"/>
+              <a:t>从所有样本中提取少量样本，以手动标记情感倾向，并获得由剩 余样本组成的少量标记数据和大量弱标记数据。</a:t>
             </a:r>
             <a:endParaRPr lang="en-US" altLang="zh-CN" dirty="0"/>
           </a:p>
           <a:p>
-            <a:endParaRPr lang="en-US" altLang="zh-CN" dirty="0"/>
-          </a:p>
-        </p:txBody>
-      </p:sp>
-      <p:pic>
-        <p:nvPicPr>
-          <p:cNvPr id="7" name="图片 6">
-            <a:extLst>
-              <a:ext uri="{FF2B5EF4-FFF2-40B4-BE49-F238E27FC236}">
-                <a16:creationId xmlns:a16="http://schemas.microsoft.com/office/drawing/2014/main" id="{333C88B3-E88C-4167-9395-5C97DD20594E}"/>
-              </a:ext>
-            </a:extLst>
-          </p:cNvPr>
-          <p:cNvPicPr>
-            <a:picLocks noChangeAspect="1"/>
-          </p:cNvPicPr>
-          <p:nvPr/>
-        </p:nvPicPr>
-        <p:blipFill>
-          <a:blip r:embed="rId2"/>
-          <a:stretch>
-            <a:fillRect/>
-          </a:stretch>
-        </p:blipFill>
-        <p:spPr>
-          <a:xfrm>
-            <a:off x="6559164" y="1825625"/>
-            <a:ext cx="3749365" cy="4016088"/>
-          </a:xfrm>
-          <a:prstGeom prst="rect">
-            <a:avLst/>
-          </a:prstGeom>
-        </p:spPr>
-      </p:pic>
+            <a:r>
+              <a:rPr lang="zh-CN" altLang="en-US" dirty="0"/>
+              <a:t>我们将用下面方法来训练使用标签数据和弱标签数据的情感分类模型，以减少弱标签数据中的噪声样本对模型的负面影响，从而提高模型的分类性能</a:t>
+            </a:r>
+          </a:p>
+        </p:txBody>
+      </p:sp>
     </p:spTree>
     <p:extLst>
       <p:ext uri="{BB962C8B-B14F-4D97-AF65-F5344CB8AC3E}">
-        <p14:creationId xmlns:p14="http://schemas.microsoft.com/office/powerpoint/2010/main" val="3492467297"/>
+        <p14:creationId xmlns:p14="http://schemas.microsoft.com/office/powerpoint/2010/main" val="1236273515"/>
       </p:ext>
     </p:extLst>
   </p:cSld>
@@ -6557,7 +5962,7 @@
           <p:cNvPr id="2" name="标题 1">
             <a:extLst>
               <a:ext uri="{FF2B5EF4-FFF2-40B4-BE49-F238E27FC236}">
-                <a16:creationId xmlns:a16="http://schemas.microsoft.com/office/drawing/2014/main" id="{A4DD0833-B5AA-42B2-B9B4-6D6C57DEE3C6}"/>
+                <a16:creationId xmlns:a16="http://schemas.microsoft.com/office/drawing/2014/main" id="{07196400-5FC6-4B3C-AB8F-60AAA29D9B7E}"/>
               </a:ext>
             </a:extLst>
           </p:cNvPr>
@@ -6568,19 +5973,14 @@
             <p:ph type="title"/>
           </p:nvPr>
         </p:nvSpPr>
-        <p:spPr>
-          <a:xfrm>
-            <a:off x="753359" y="0"/>
-            <a:ext cx="10515600" cy="1325563"/>
-          </a:xfrm>
-        </p:spPr>
-        <p:txBody>
-          <a:bodyPr/>
-          <a:lstStyle/>
-          <a:p>
-            <a:r>
-              <a:rPr lang="zh-CN" altLang="en-US" dirty="0"/>
-              <a:t>数据清理 </a:t>
+        <p:spPr/>
+        <p:txBody>
+          <a:bodyPr/>
+          <a:lstStyle/>
+          <a:p>
+            <a:r>
+              <a:rPr lang="zh-CN" altLang="en-US" dirty="0"/>
+              <a:t>思路</a:t>
             </a:r>
           </a:p>
         </p:txBody>
@@ -6590,7 +5990,7 @@
           <p:cNvPr id="3" name="内容占位符 2">
             <a:extLst>
               <a:ext uri="{FF2B5EF4-FFF2-40B4-BE49-F238E27FC236}">
-                <a16:creationId xmlns:a16="http://schemas.microsoft.com/office/drawing/2014/main" id="{475A74AB-DA41-433F-A16F-1206549D879B}"/>
+                <a16:creationId xmlns:a16="http://schemas.microsoft.com/office/drawing/2014/main" id="{9036F9CB-C757-40E6-8355-2EDC154A7929}"/>
               </a:ext>
             </a:extLst>
           </p:cNvPr>
@@ -6601,49 +6001,30 @@
             <p:ph idx="1"/>
           </p:nvPr>
         </p:nvSpPr>
-        <p:spPr>
-          <a:xfrm>
-            <a:off x="923041" y="1018095"/>
-            <a:ext cx="10515600" cy="5740924"/>
-          </a:xfrm>
-        </p:spPr>
+        <p:spPr/>
         <p:txBody>
           <a:bodyPr>
-            <a:normAutofit lnSpcReduction="10000"/>
+            <a:normAutofit/>
           </a:bodyPr>
           <a:lstStyle/>
           <a:p>
             <a:r>
               <a:rPr lang="zh-CN" altLang="en-US" dirty="0"/>
-              <a:t>删除特殊标记：由于用户在网站上发布自己的评论时并没有统一 的规则，因此他们经常在文本评论中包含一些与样本的情感倾向无 关的特殊标记。 </a:t>
+              <a:t> 情感分类模型的训练分为两个阶段。</a:t>
             </a:r>
             <a:endParaRPr lang="en-US" altLang="zh-CN" dirty="0"/>
           </a:p>
           <a:p>
             <a:r>
               <a:rPr lang="zh-CN" altLang="en-US" dirty="0"/>
-              <a:t>分词：用户发布的中文在线评论以单词序列的形式出现。分词是 指将每个在线评论的单词序列分为多个单独的单词。 </a:t>
+              <a:t>在训练的第一阶段，使用大量的弱标记数据来训练模型，即通过使用一些标记数据和对应于这些标记数据的原 始弱标记数据来训练神经网络降噪模型，该原始弱标记数据用于对 弱标记数据进行去噪</a:t>
             </a:r>
             <a:endParaRPr lang="en-US" altLang="zh-CN" dirty="0"/>
           </a:p>
           <a:p>
             <a:r>
               <a:rPr lang="zh-CN" altLang="en-US" dirty="0"/>
-              <a:t>删除停用词：停用词是指对整个在线评论没有语义意义的词，例 如感叹词，代词等。删除停用词和删除特殊符号具有相同的效果， 这有助于随后的情感分类模型可以更好地捕捉复习句子的主要语义。</a:t>
-            </a:r>
-            <a:endParaRPr lang="en-US" altLang="zh-CN" dirty="0"/>
-          </a:p>
-          <a:p>
-            <a:r>
-              <a:rPr lang="zh-CN" altLang="en-US" dirty="0"/>
-              <a:t> 删除低频词：由于互联网用户数量众多，每个人都有各种各样的 词来表达自己的情感。尽管有些词可以代表一定的情感倾向，但它 们的频率太低。对于整个情感分类模型而言，学习低频词的情感倾 向弊大于利。 </a:t>
-            </a:r>
-            <a:endParaRPr lang="en-US" altLang="zh-CN" dirty="0"/>
-          </a:p>
-          <a:p>
-            <a:r>
-              <a:rPr lang="zh-CN" altLang="en-US" dirty="0"/>
-              <a:t>之后，删除空白评论。最后，数据存储在数据库中，以方便后续 情感分类模型的使用。 </a:t>
+              <a:t>然后在第二阶段使用一些标记数据来继续训练模型以微调模型，通过降噪模型对海量弱标签数据进行去噪，并将降噪模型的输出作为情感分类模型的输入，以训练情感分类模型。</a:t>
             </a:r>
             <a:endParaRPr lang="en-US" altLang="zh-CN" dirty="0"/>
           </a:p>
@@ -6652,7 +6033,7 @@
     </p:spTree>
     <p:extLst>
       <p:ext uri="{BB962C8B-B14F-4D97-AF65-F5344CB8AC3E}">
-        <p14:creationId xmlns:p14="http://schemas.microsoft.com/office/powerpoint/2010/main" val="2056041029"/>
+        <p14:creationId xmlns:p14="http://schemas.microsoft.com/office/powerpoint/2010/main" val="2380375605"/>
       </p:ext>
     </p:extLst>
   </p:cSld>
@@ -6684,7 +6065,7 @@
           <p:cNvPr id="2" name="标题 1">
             <a:extLst>
               <a:ext uri="{FF2B5EF4-FFF2-40B4-BE49-F238E27FC236}">
-                <a16:creationId xmlns:a16="http://schemas.microsoft.com/office/drawing/2014/main" id="{A2298858-D8DA-48C6-89CA-ACDF4D042747}"/>
+                <a16:creationId xmlns:a16="http://schemas.microsoft.com/office/drawing/2014/main" id="{A4DD0833-B5AA-42B2-B9B4-6D6C57DEE3C6}"/>
               </a:ext>
             </a:extLst>
           </p:cNvPr>
@@ -6702,150 +6083,245 @@
           <a:p>
             <a:r>
               <a:rPr lang="zh-CN" altLang="en-US" dirty="0"/>
-              <a:t>基于</a:t>
+              <a:t>数据集</a:t>
+            </a:r>
+          </a:p>
+        </p:txBody>
+      </p:sp>
+      <p:sp>
+        <p:nvSpPr>
+          <p:cNvPr id="3" name="内容占位符 2">
+            <a:extLst>
+              <a:ext uri="{FF2B5EF4-FFF2-40B4-BE49-F238E27FC236}">
+                <a16:creationId xmlns:a16="http://schemas.microsoft.com/office/drawing/2014/main" id="{475A74AB-DA41-433F-A16F-1206549D879B}"/>
+              </a:ext>
+            </a:extLst>
+          </p:cNvPr>
+          <p:cNvSpPr>
+            <a:spLocks noGrp="1"/>
+          </p:cNvSpPr>
+          <p:nvPr>
+            <p:ph idx="1"/>
+          </p:nvPr>
+        </p:nvSpPr>
+        <p:spPr>
+          <a:xfrm>
+            <a:off x="838200" y="1514540"/>
+            <a:ext cx="10515600" cy="1530317"/>
+          </a:xfrm>
+        </p:spPr>
+        <p:txBody>
+          <a:bodyPr>
+            <a:normAutofit lnSpcReduction="10000"/>
+          </a:bodyPr>
+          <a:lstStyle/>
+          <a:p>
+            <a:pPr marL="0" indent="0">
+              <a:buNone/>
+            </a:pPr>
+            <a:r>
+              <a:rPr lang="zh-CN" altLang="en-US" dirty="0"/>
+              <a:t>从网络收集关于京东购物评论的数据，共</a:t>
+            </a:r>
+            <a:r>
+              <a:rPr lang="en-US" altLang="zh-CN" dirty="0"/>
+              <a:t>21716</a:t>
+            </a:r>
+            <a:r>
+              <a:rPr lang="zh-CN" altLang="en-US" dirty="0"/>
+              <a:t>条。使用的弱标记信息是用户在购买</a:t>
             </a:r>
             <a:r>
               <a:rPr lang="en-US" altLang="zh-CN" dirty="0" err="1"/>
-              <a:t>BiLSTM</a:t>
-            </a:r>
-            <a:r>
-              <a:rPr lang="zh-CN" altLang="en-US" dirty="0"/>
-              <a:t>的情感分类模型</a:t>
-            </a:r>
-          </a:p>
-        </p:txBody>
-      </p:sp>
-      <p:sp>
-        <p:nvSpPr>
-          <p:cNvPr id="3" name="内容占位符 2">
-            <a:extLst>
-              <a:ext uri="{FF2B5EF4-FFF2-40B4-BE49-F238E27FC236}">
-                <a16:creationId xmlns:a16="http://schemas.microsoft.com/office/drawing/2014/main" id="{68ABF0E2-0E8D-4073-88B9-EDEA071681C6}"/>
-              </a:ext>
-            </a:extLst>
-          </p:cNvPr>
-          <p:cNvSpPr>
-            <a:spLocks noGrp="1"/>
-          </p:cNvSpPr>
-          <p:nvPr>
-            <p:ph idx="1"/>
-          </p:nvPr>
-        </p:nvSpPr>
-        <p:spPr/>
-        <p:txBody>
-          <a:bodyPr/>
-          <a:lstStyle/>
-          <a:p>
-            <a:r>
-              <a:rPr lang="zh-CN" altLang="en-US" dirty="0"/>
-              <a:t>长短期记忆（</a:t>
+              <a:t>IPhone</a:t>
             </a:r>
             <a:r>
               <a:rPr lang="en-US" altLang="zh-CN" dirty="0"/>
-              <a:t>LSTM</a:t>
-            </a:r>
-            <a:r>
-              <a:rPr lang="zh-CN" altLang="en-US" dirty="0"/>
-              <a:t>）</a:t>
+              <a:t> 8</a:t>
+            </a:r>
+            <a:r>
+              <a:rPr lang="zh-CN" altLang="en-US" dirty="0"/>
+              <a:t>时发布购物文字评论时评论中对商品的打分，每条评论的总分为</a:t>
             </a:r>
             <a:r>
               <a:rPr lang="en-US" altLang="zh-CN" dirty="0"/>
-              <a:t>[22]</a:t>
-            </a:r>
-            <a:r>
-              <a:rPr lang="zh-CN" altLang="en-US" dirty="0"/>
-              <a:t>神经网络是一种引入“门”机制的递归神 经网络。</a:t>
+              <a:t>5</a:t>
+            </a:r>
+            <a:r>
+              <a:rPr lang="zh-CN" altLang="en-US" dirty="0"/>
+              <a:t>。得分高于</a:t>
             </a:r>
             <a:r>
               <a:rPr lang="en-US" altLang="zh-CN" dirty="0"/>
-              <a:t>LSTM</a:t>
-            </a:r>
-            <a:r>
-              <a:rPr lang="zh-CN" altLang="en-US" dirty="0"/>
-              <a:t>神经网络可以捕获更长距离的语义依赖性，避免了由 于序列长而导致的传统递归神经网络梯度消失的问题。</a:t>
+              <a:t>3</a:t>
+            </a:r>
+            <a:r>
+              <a:rPr lang="zh-CN" altLang="en-US" dirty="0"/>
+              <a:t>分的评论被归为积极情绪倾向。</a:t>
             </a:r>
             <a:endParaRPr lang="en-US" altLang="zh-CN" dirty="0"/>
           </a:p>
-          <a:p>
-            <a:r>
-              <a:rPr lang="en-US" altLang="zh-CN" dirty="0"/>
-              <a:t>LSTM</a:t>
-            </a:r>
-            <a:r>
-              <a:rPr lang="zh-CN" altLang="en-US" dirty="0"/>
-              <a:t>可以从整体上理解文本语义，并且在情感分类任务中表现 良好</a:t>
-            </a:r>
-            <a:r>
-              <a:rPr lang="en-US" altLang="zh-CN" dirty="0"/>
-              <a:t>[23]</a:t>
-            </a:r>
-            <a:r>
-              <a:rPr lang="zh-CN" altLang="en-US" dirty="0"/>
-              <a:t>。但是，</a:t>
-            </a:r>
-            <a:r>
-              <a:rPr lang="en-US" altLang="zh-CN" dirty="0"/>
-              <a:t>LSTM</a:t>
-            </a:r>
-            <a:r>
-              <a:rPr lang="zh-CN" altLang="en-US" dirty="0"/>
-              <a:t>只能捕获单个方向的语义依赖性。双向长期 短时记忆（</a:t>
-            </a:r>
-            <a:r>
-              <a:rPr lang="en-US" altLang="zh-CN" dirty="0" err="1"/>
-              <a:t>BiLSTM</a:t>
-            </a:r>
-            <a:r>
-              <a:rPr lang="zh-CN" altLang="en-US" dirty="0"/>
-              <a:t>）</a:t>
-            </a:r>
-            <a:r>
-              <a:rPr lang="en-US" altLang="zh-CN" dirty="0"/>
-              <a:t>[24]</a:t>
-            </a:r>
-            <a:r>
-              <a:rPr lang="zh-CN" altLang="en-US" dirty="0"/>
-              <a:t>神经网络是一种改进的</a:t>
-            </a:r>
-            <a:r>
-              <a:rPr lang="en-US" altLang="zh-CN" dirty="0"/>
-              <a:t>LSTM</a:t>
-            </a:r>
-            <a:r>
-              <a:rPr lang="zh-CN" altLang="en-US" dirty="0"/>
-              <a:t>神经网络， 可以捕获双向长距离语义依赖性。因此，在实验中，</a:t>
-            </a:r>
-            <a:r>
-              <a:rPr lang="en-US" altLang="zh-CN" dirty="0" err="1"/>
-              <a:t>BiLSTM</a:t>
-            </a:r>
-            <a:r>
-              <a:rPr lang="zh-CN" altLang="en-US" dirty="0"/>
-              <a:t>神经网 络主要用作深度学习情绪分类模型的基本组成部分，以获得优异的 分类性能。图</a:t>
-            </a:r>
-            <a:r>
-              <a:rPr lang="en-US" altLang="zh-CN" dirty="0"/>
-              <a:t>6</a:t>
-            </a:r>
-            <a:r>
-              <a:rPr lang="zh-CN" altLang="en-US" dirty="0"/>
-              <a:t>显示了</a:t>
-            </a:r>
-            <a:r>
-              <a:rPr lang="en-US" altLang="zh-CN" dirty="0" err="1"/>
-              <a:t>BiLSTM</a:t>
-            </a:r>
-            <a:r>
-              <a:rPr lang="zh-CN" altLang="en-US" dirty="0"/>
-              <a:t>神经网络的结构。 </a:t>
-            </a:r>
-          </a:p>
-        </p:txBody>
-      </p:sp>
+        </p:txBody>
+      </p:sp>
+      <p:grpSp>
+        <p:nvGrpSpPr>
+          <p:cNvPr id="10" name="组合 9">
+            <a:extLst>
+              <a:ext uri="{FF2B5EF4-FFF2-40B4-BE49-F238E27FC236}">
+                <a16:creationId xmlns:a16="http://schemas.microsoft.com/office/drawing/2014/main" id="{DC61CCD6-6CFE-4EF5-80C0-83B12CDF4890}"/>
+              </a:ext>
+            </a:extLst>
+          </p:cNvPr>
+          <p:cNvGrpSpPr/>
+          <p:nvPr/>
+        </p:nvGrpSpPr>
+        <p:grpSpPr>
+          <a:xfrm>
+            <a:off x="838199" y="3326123"/>
+            <a:ext cx="10024771" cy="1530317"/>
+            <a:chOff x="838199" y="3326123"/>
+            <a:chExt cx="10024771" cy="1530317"/>
+          </a:xfrm>
+        </p:grpSpPr>
+        <p:pic>
+          <p:nvPicPr>
+            <p:cNvPr id="5" name="图片 4">
+              <a:extLst>
+                <a:ext uri="{FF2B5EF4-FFF2-40B4-BE49-F238E27FC236}">
+                  <a16:creationId xmlns:a16="http://schemas.microsoft.com/office/drawing/2014/main" id="{5FA7962F-4CC5-4167-A5BC-DE2281D06C33}"/>
+                </a:ext>
+              </a:extLst>
+            </p:cNvPr>
+            <p:cNvPicPr>
+              <a:picLocks noChangeAspect="1"/>
+            </p:cNvPicPr>
+            <p:nvPr/>
+          </p:nvPicPr>
+          <p:blipFill>
+            <a:blip r:embed="rId2"/>
+            <a:stretch>
+              <a:fillRect/>
+            </a:stretch>
+          </p:blipFill>
+          <p:spPr>
+            <a:xfrm>
+              <a:off x="838199" y="3379508"/>
+              <a:ext cx="10024771" cy="1428161"/>
+            </a:xfrm>
+            <a:prstGeom prst="rect">
+              <a:avLst/>
+            </a:prstGeom>
+          </p:spPr>
+        </p:pic>
+        <p:sp>
+          <p:nvSpPr>
+            <p:cNvPr id="6" name="矩形 5">
+              <a:extLst>
+                <a:ext uri="{FF2B5EF4-FFF2-40B4-BE49-F238E27FC236}">
+                  <a16:creationId xmlns:a16="http://schemas.microsoft.com/office/drawing/2014/main" id="{A9638C24-4F40-43D7-8E2A-58BB696021F4}"/>
+                </a:ext>
+              </a:extLst>
+            </p:cNvPr>
+            <p:cNvSpPr/>
+            <p:nvPr/>
+          </p:nvSpPr>
+          <p:spPr>
+            <a:xfrm>
+              <a:off x="2205872" y="3326123"/>
+              <a:ext cx="4166648" cy="1530317"/>
+            </a:xfrm>
+            <a:prstGeom prst="rect">
+              <a:avLst/>
+            </a:prstGeom>
+            <a:noFill/>
+            <a:ln w="38100">
+              <a:solidFill>
+                <a:srgbClr val="FF0000"/>
+              </a:solidFill>
+            </a:ln>
+          </p:spPr>
+          <p:style>
+            <a:lnRef idx="2">
+              <a:schemeClr val="accent1">
+                <a:shade val="50000"/>
+              </a:schemeClr>
+            </a:lnRef>
+            <a:fillRef idx="1">
+              <a:schemeClr val="accent1"/>
+            </a:fillRef>
+            <a:effectRef idx="0">
+              <a:schemeClr val="accent1"/>
+            </a:effectRef>
+            <a:fontRef idx="minor">
+              <a:schemeClr val="lt1"/>
+            </a:fontRef>
+          </p:style>
+          <p:txBody>
+            <a:bodyPr rtlCol="0" anchor="ctr"/>
+            <a:lstStyle/>
+            <a:p>
+              <a:pPr algn="ctr"/>
+              <a:endParaRPr lang="zh-CN" altLang="en-US"/>
+            </a:p>
+          </p:txBody>
+        </p:sp>
+        <p:sp>
+          <p:nvSpPr>
+            <p:cNvPr id="8" name="矩形 7">
+              <a:extLst>
+                <a:ext uri="{FF2B5EF4-FFF2-40B4-BE49-F238E27FC236}">
+                  <a16:creationId xmlns:a16="http://schemas.microsoft.com/office/drawing/2014/main" id="{531978DB-A0E3-409C-BA52-23DA848504D6}"/>
+                </a:ext>
+              </a:extLst>
+            </p:cNvPr>
+            <p:cNvSpPr/>
+            <p:nvPr/>
+          </p:nvSpPr>
+          <p:spPr>
+            <a:xfrm>
+              <a:off x="8757501" y="3326123"/>
+              <a:ext cx="980388" cy="1530317"/>
+            </a:xfrm>
+            <a:prstGeom prst="rect">
+              <a:avLst/>
+            </a:prstGeom>
+            <a:noFill/>
+            <a:ln w="38100">
+              <a:solidFill>
+                <a:srgbClr val="FF0000"/>
+              </a:solidFill>
+            </a:ln>
+          </p:spPr>
+          <p:style>
+            <a:lnRef idx="2">
+              <a:schemeClr val="accent1">
+                <a:shade val="50000"/>
+              </a:schemeClr>
+            </a:lnRef>
+            <a:fillRef idx="1">
+              <a:schemeClr val="accent1"/>
+            </a:fillRef>
+            <a:effectRef idx="0">
+              <a:schemeClr val="accent1"/>
+            </a:effectRef>
+            <a:fontRef idx="minor">
+              <a:schemeClr val="lt1"/>
+            </a:fontRef>
+          </p:style>
+          <p:txBody>
+            <a:bodyPr rtlCol="0" anchor="ctr"/>
+            <a:lstStyle/>
+            <a:p>
+              <a:pPr algn="ctr"/>
+              <a:endParaRPr lang="zh-CN" altLang="en-US"/>
+            </a:p>
+          </p:txBody>
+        </p:sp>
+      </p:grpSp>
     </p:spTree>
     <p:extLst>
       <p:ext uri="{BB962C8B-B14F-4D97-AF65-F5344CB8AC3E}">
-        <p14:creationId xmlns:p14="http://schemas.microsoft.com/office/powerpoint/2010/main" val="2212811243"/>
+        <p14:creationId xmlns:p14="http://schemas.microsoft.com/office/powerpoint/2010/main" val="3492467297"/>
       </p:ext>
     </p:extLst>
   </p:cSld>
